--- a/doc/语言模型.pptx
+++ b/doc/语言模型.pptx
@@ -7,6 +7,7 @@
   <p:sldIdLst>
     <p:sldId id="256" r:id="rId2"/>
     <p:sldId id="257" r:id="rId3"/>
+    <p:sldId id="258" r:id="rId4"/>
   </p:sldIdLst>
   <p:sldSz cx="12192000" cy="6858000"/>
   <p:notesSz cx="6858000" cy="9144000"/>
@@ -105,6 +106,11 @@
       </a:defRPr>
     </a:lvl9pPr>
   </p:defaultTextStyle>
+  <p:extLst>
+    <p:ext uri="{EFAFB233-063F-42B5-8137-9DF3F51BA10A}">
+      <p15:sldGuideLst xmlns:p15="http://schemas.microsoft.com/office/powerpoint/2012/main"/>
+    </p:ext>
+  </p:extLst>
 </p:presentation>
 </file>
 
@@ -239,7 +245,7 @@
           <a:p>
             <a:fld id="{DD953B38-0306-154E-8DDE-FF6339271E85}" type="datetimeFigureOut">
               <a:rPr kumimoji="1" lang="zh-CN" altLang="en-US" smtClean="0"/>
-              <a:t>2019/12/15</a:t>
+              <a:t>2019/12/16</a:t>
             </a:fld>
             <a:endParaRPr kumimoji="1" lang="zh-CN" altLang="en-US"/>
           </a:p>
@@ -409,7 +415,7 @@
           <a:p>
             <a:fld id="{DD953B38-0306-154E-8DDE-FF6339271E85}" type="datetimeFigureOut">
               <a:rPr kumimoji="1" lang="zh-CN" altLang="en-US" smtClean="0"/>
-              <a:t>2019/12/15</a:t>
+              <a:t>2019/12/16</a:t>
             </a:fld>
             <a:endParaRPr kumimoji="1" lang="zh-CN" altLang="en-US"/>
           </a:p>
@@ -589,7 +595,7 @@
           <a:p>
             <a:fld id="{DD953B38-0306-154E-8DDE-FF6339271E85}" type="datetimeFigureOut">
               <a:rPr kumimoji="1" lang="zh-CN" altLang="en-US" smtClean="0"/>
-              <a:t>2019/12/15</a:t>
+              <a:t>2019/12/16</a:t>
             </a:fld>
             <a:endParaRPr kumimoji="1" lang="zh-CN" altLang="en-US"/>
           </a:p>
@@ -759,7 +765,7 @@
           <a:p>
             <a:fld id="{DD953B38-0306-154E-8DDE-FF6339271E85}" type="datetimeFigureOut">
               <a:rPr kumimoji="1" lang="zh-CN" altLang="en-US" smtClean="0"/>
-              <a:t>2019/12/15</a:t>
+              <a:t>2019/12/16</a:t>
             </a:fld>
             <a:endParaRPr kumimoji="1" lang="zh-CN" altLang="en-US"/>
           </a:p>
@@ -1005,7 +1011,7 @@
           <a:p>
             <a:fld id="{DD953B38-0306-154E-8DDE-FF6339271E85}" type="datetimeFigureOut">
               <a:rPr kumimoji="1" lang="zh-CN" altLang="en-US" smtClean="0"/>
-              <a:t>2019/12/15</a:t>
+              <a:t>2019/12/16</a:t>
             </a:fld>
             <a:endParaRPr kumimoji="1" lang="zh-CN" altLang="en-US"/>
           </a:p>
@@ -1237,7 +1243,7 @@
           <a:p>
             <a:fld id="{DD953B38-0306-154E-8DDE-FF6339271E85}" type="datetimeFigureOut">
               <a:rPr kumimoji="1" lang="zh-CN" altLang="en-US" smtClean="0"/>
-              <a:t>2019/12/15</a:t>
+              <a:t>2019/12/16</a:t>
             </a:fld>
             <a:endParaRPr kumimoji="1" lang="zh-CN" altLang="en-US"/>
           </a:p>
@@ -1604,7 +1610,7 @@
           <a:p>
             <a:fld id="{DD953B38-0306-154E-8DDE-FF6339271E85}" type="datetimeFigureOut">
               <a:rPr kumimoji="1" lang="zh-CN" altLang="en-US" smtClean="0"/>
-              <a:t>2019/12/15</a:t>
+              <a:t>2019/12/16</a:t>
             </a:fld>
             <a:endParaRPr kumimoji="1" lang="zh-CN" altLang="en-US"/>
           </a:p>
@@ -1722,7 +1728,7 @@
           <a:p>
             <a:fld id="{DD953B38-0306-154E-8DDE-FF6339271E85}" type="datetimeFigureOut">
               <a:rPr kumimoji="1" lang="zh-CN" altLang="en-US" smtClean="0"/>
-              <a:t>2019/12/15</a:t>
+              <a:t>2019/12/16</a:t>
             </a:fld>
             <a:endParaRPr kumimoji="1" lang="zh-CN" altLang="en-US"/>
           </a:p>
@@ -1817,7 +1823,7 @@
           <a:p>
             <a:fld id="{DD953B38-0306-154E-8DDE-FF6339271E85}" type="datetimeFigureOut">
               <a:rPr kumimoji="1" lang="zh-CN" altLang="en-US" smtClean="0"/>
-              <a:t>2019/12/15</a:t>
+              <a:t>2019/12/16</a:t>
             </a:fld>
             <a:endParaRPr kumimoji="1" lang="zh-CN" altLang="en-US"/>
           </a:p>
@@ -2094,7 +2100,7 @@
           <a:p>
             <a:fld id="{DD953B38-0306-154E-8DDE-FF6339271E85}" type="datetimeFigureOut">
               <a:rPr kumimoji="1" lang="zh-CN" altLang="en-US" smtClean="0"/>
-              <a:t>2019/12/15</a:t>
+              <a:t>2019/12/16</a:t>
             </a:fld>
             <a:endParaRPr kumimoji="1" lang="zh-CN" altLang="en-US"/>
           </a:p>
@@ -2347,7 +2353,7 @@
           <a:p>
             <a:fld id="{DD953B38-0306-154E-8DDE-FF6339271E85}" type="datetimeFigureOut">
               <a:rPr kumimoji="1" lang="zh-CN" altLang="en-US" smtClean="0"/>
-              <a:t>2019/12/15</a:t>
+              <a:t>2019/12/16</a:t>
             </a:fld>
             <a:endParaRPr kumimoji="1" lang="zh-CN" altLang="en-US"/>
           </a:p>
@@ -2560,7 +2566,7 @@
           <a:p>
             <a:fld id="{DD953B38-0306-154E-8DDE-FF6339271E85}" type="datetimeFigureOut">
               <a:rPr kumimoji="1" lang="zh-CN" altLang="en-US" smtClean="0"/>
-              <a:t>2019/12/15</a:t>
+              <a:t>2019/12/16</a:t>
             </a:fld>
             <a:endParaRPr kumimoji="1" lang="zh-CN" altLang="en-US"/>
           </a:p>
@@ -3068,8 +3074,8 @@
           </a:p>
         </p:txBody>
       </p:sp>
-      <mc:AlternateContent xmlns:mc="http://schemas.openxmlformats.org/markup-compatibility/2006">
-        <mc:Choice xmlns:a14="http://schemas.microsoft.com/office/drawing/2010/main" Requires="a14">
+      <mc:AlternateContent xmlns:mc="http://schemas.openxmlformats.org/markup-compatibility/2006" xmlns:a14="http://schemas.microsoft.com/office/drawing/2010/main">
+        <mc:Choice Requires="a14">
           <p:sp>
             <p:nvSpPr>
               <p:cNvPr id="4" name="文本框 3"/>
@@ -3092,6 +3098,7 @@
               </a:bodyPr>
               <a:lstStyle/>
               <a:p>
+                <a:pPr/>
                 <a14:m>
                   <m:oMathPara xmlns:m="http://schemas.openxmlformats.org/officeDocument/2006/math">
                     <m:oMathParaPr>
@@ -3367,7 +3374,7 @@
             </p:txBody>
           </p:sp>
         </mc:Choice>
-        <mc:Fallback>
+        <mc:Fallback xmlns="">
           <p:sp>
             <p:nvSpPr>
               <p:cNvPr id="4" name="文本框 3"/>
@@ -3406,8 +3413,8 @@
           </p:sp>
         </mc:Fallback>
       </mc:AlternateContent>
-      <mc:AlternateContent xmlns:mc="http://schemas.openxmlformats.org/markup-compatibility/2006">
-        <mc:Choice xmlns:a14="http://schemas.microsoft.com/office/drawing/2010/main" Requires="a14">
+      <mc:AlternateContent xmlns:mc="http://schemas.openxmlformats.org/markup-compatibility/2006" xmlns:a14="http://schemas.microsoft.com/office/drawing/2010/main">
+        <mc:Choice Requires="a14">
           <p:sp>
             <p:nvSpPr>
               <p:cNvPr id="5" name="矩形 4"/>
@@ -3875,7 +3882,7 @@
             </p:txBody>
           </p:sp>
         </mc:Choice>
-        <mc:Fallback>
+        <mc:Fallback xmlns="">
           <p:sp>
             <p:nvSpPr>
               <p:cNvPr id="5" name="矩形 4"/>
@@ -3918,6 +3925,2678 @@
     <p:extLst>
       <p:ext uri="{BB962C8B-B14F-4D97-AF65-F5344CB8AC3E}">
         <p14:creationId xmlns:p14="http://schemas.microsoft.com/office/powerpoint/2010/main" val="1159859486"/>
+      </p:ext>
+    </p:extLst>
+  </p:cSld>
+  <p:clrMapOvr>
+    <a:masterClrMapping/>
+  </p:clrMapOvr>
+</p:sld>
+</file>
+
+<file path=ppt/slides/slide3.xml><?xml version="1.0" encoding="utf-8"?>
+<p:sld xmlns:a="http://schemas.openxmlformats.org/drawingml/2006/main" xmlns:r="http://schemas.openxmlformats.org/officeDocument/2006/relationships" xmlns:p="http://schemas.openxmlformats.org/presentationml/2006/main">
+  <p:cSld>
+    <p:spTree>
+      <p:nvGrpSpPr>
+        <p:cNvPr id="1" name=""/>
+        <p:cNvGrpSpPr/>
+        <p:nvPr/>
+      </p:nvGrpSpPr>
+      <p:grpSpPr>
+        <a:xfrm>
+          <a:off x="0" y="0"/>
+          <a:ext cx="0" cy="0"/>
+          <a:chOff x="0" y="0"/>
+          <a:chExt cx="0" cy="0"/>
+        </a:xfrm>
+      </p:grpSpPr>
+      <p:sp>
+        <p:nvSpPr>
+          <p:cNvPr id="2" name="标题 1"/>
+          <p:cNvSpPr>
+            <a:spLocks noGrp="1"/>
+          </p:cNvSpPr>
+          <p:nvPr>
+            <p:ph type="title"/>
+          </p:nvPr>
+        </p:nvSpPr>
+        <p:spPr/>
+        <p:txBody>
+          <a:bodyPr/>
+          <a:lstStyle/>
+          <a:p>
+            <a:r>
+              <a:rPr kumimoji="1" lang="en-US" altLang="zh-CN" dirty="0" smtClean="0"/>
+              <a:t>n-gram</a:t>
+            </a:r>
+            <a:r>
+              <a:rPr kumimoji="1" lang="zh-CN" altLang="en-US" dirty="0" smtClean="0"/>
+              <a:t>模型预测和训练</a:t>
+            </a:r>
+            <a:endParaRPr kumimoji="1" lang="zh-CN" altLang="en-US" dirty="0"/>
+          </a:p>
+        </p:txBody>
+      </p:sp>
+      <mc:AlternateContent xmlns:mc="http://schemas.openxmlformats.org/markup-compatibility/2006">
+        <mc:Choice xmlns:a14="http://schemas.microsoft.com/office/drawing/2010/main" Requires="a14">
+          <p:sp>
+            <p:nvSpPr>
+              <p:cNvPr id="3" name="文本框 2"/>
+              <p:cNvSpPr txBox="1"/>
+              <p:nvPr/>
+            </p:nvSpPr>
+            <p:spPr>
+              <a:xfrm>
+                <a:off x="2762693" y="1847350"/>
+                <a:ext cx="2901628" cy="299249"/>
+              </a:xfrm>
+              <a:prstGeom prst="rect">
+                <a:avLst/>
+              </a:prstGeom>
+              <a:noFill/>
+            </p:spPr>
+            <p:txBody>
+              <a:bodyPr wrap="none" lIns="0" tIns="0" rIns="0" bIns="0" rtlCol="0">
+                <a:spAutoFit/>
+              </a:bodyPr>
+              <a:lstStyle/>
+              <a:p>
+                <a:r>
+                  <a:rPr kumimoji="1" lang="en-US" altLang="zh-CN" b="0" dirty="0" smtClean="0"/>
+                  <a:t>p</a:t>
+                </a:r>
+                <a14:m>
+                  <m:oMath xmlns:m="http://schemas.openxmlformats.org/officeDocument/2006/math">
+                    <m:d>
+                      <m:dPr>
+                        <m:ctrlPr>
+                          <a:rPr kumimoji="1" lang="en-US" altLang="zh-CN" b="0" i="1" smtClean="0">
+                            <a:latin typeface="Cambria Math" charset="0"/>
+                          </a:rPr>
+                        </m:ctrlPr>
+                      </m:dPr>
+                      <m:e>
+                        <m:r>
+                          <a:rPr kumimoji="1" lang="en-US" altLang="zh-CN" b="0" i="1" smtClean="0">
+                            <a:latin typeface="Cambria Math" charset="0"/>
+                          </a:rPr>
+                          <m:t>𝑠</m:t>
+                        </m:r>
+                      </m:e>
+                    </m:d>
+                    <m:r>
+                      <a:rPr kumimoji="1" lang="en-US" altLang="zh-CN" b="0" i="1" smtClean="0">
+                        <a:latin typeface="Cambria Math" charset="0"/>
+                      </a:rPr>
+                      <m:t>=</m:t>
+                    </m:r>
+                    <m:nary>
+                      <m:naryPr>
+                        <m:chr m:val="∏"/>
+                        <m:ctrlPr>
+                          <a:rPr kumimoji="1" lang="is-IS" altLang="zh-CN" b="0" i="1" smtClean="0">
+                            <a:latin typeface="Cambria Math" charset="0"/>
+                          </a:rPr>
+                        </m:ctrlPr>
+                      </m:naryPr>
+                      <m:sub>
+                        <m:r>
+                          <m:rPr>
+                            <m:brk m:alnAt="23"/>
+                          </m:rPr>
+                          <a:rPr kumimoji="1" lang="en-US" altLang="zh-CN" b="0" i="1" smtClean="0">
+                            <a:latin typeface="Cambria Math" charset="0"/>
+                          </a:rPr>
+                          <m:t>𝑖</m:t>
+                        </m:r>
+                        <m:r>
+                          <a:rPr kumimoji="1" lang="en-US" altLang="zh-CN" b="0" i="1" smtClean="0">
+                            <a:latin typeface="Cambria Math" charset="0"/>
+                          </a:rPr>
+                          <m:t>=1</m:t>
+                        </m:r>
+                      </m:sub>
+                      <m:sup>
+                        <m:r>
+                          <a:rPr kumimoji="1" lang="en-US" altLang="zh-CN" b="0" i="1" smtClean="0">
+                            <a:latin typeface="Cambria Math" charset="0"/>
+                          </a:rPr>
+                          <m:t>𝑙</m:t>
+                        </m:r>
+                      </m:sup>
+                      <m:e>
+                        <m:r>
+                          <a:rPr kumimoji="1" lang="en-US" altLang="zh-CN" b="0" i="1" smtClean="0">
+                            <a:latin typeface="Cambria Math" charset="0"/>
+                          </a:rPr>
+                          <m:t>𝑝</m:t>
+                        </m:r>
+                        <m:r>
+                          <a:rPr kumimoji="1" lang="en-US" altLang="zh-CN" b="0" i="1" smtClean="0">
+                            <a:latin typeface="Cambria Math" charset="0"/>
+                          </a:rPr>
+                          <m:t>(</m:t>
+                        </m:r>
+                        <m:sSub>
+                          <m:sSubPr>
+                            <m:ctrlPr>
+                              <a:rPr kumimoji="1" lang="en-US" altLang="zh-CN" b="0" i="1" smtClean="0">
+                                <a:latin typeface="Cambria Math" charset="0"/>
+                              </a:rPr>
+                            </m:ctrlPr>
+                          </m:sSubPr>
+                          <m:e>
+                            <m:r>
+                              <a:rPr kumimoji="1" lang="en-US" altLang="zh-CN" b="0" i="1" smtClean="0">
+                                <a:latin typeface="Cambria Math" charset="0"/>
+                              </a:rPr>
+                              <m:t>𝑤</m:t>
+                            </m:r>
+                          </m:e>
+                          <m:sub>
+                            <m:r>
+                              <a:rPr kumimoji="1" lang="en-US" altLang="zh-CN" b="0" i="1" smtClean="0">
+                                <a:latin typeface="Cambria Math" charset="0"/>
+                              </a:rPr>
+                              <m:t>𝑖</m:t>
+                            </m:r>
+                          </m:sub>
+                        </m:sSub>
+                        <m:r>
+                          <a:rPr kumimoji="1" lang="en-US" altLang="zh-CN" b="0" i="1" smtClean="0">
+                            <a:latin typeface="Cambria Math" charset="0"/>
+                          </a:rPr>
+                          <m:t>|</m:t>
+                        </m:r>
+                        <m:sSub>
+                          <m:sSubPr>
+                            <m:ctrlPr>
+                              <a:rPr kumimoji="1" lang="en-US" altLang="zh-CN" b="0" i="1" smtClean="0">
+                                <a:latin typeface="Cambria Math" charset="0"/>
+                              </a:rPr>
+                            </m:ctrlPr>
+                          </m:sSubPr>
+                          <m:e>
+                            <m:r>
+                              <a:rPr kumimoji="1" lang="en-US" altLang="zh-CN" b="0" i="1" smtClean="0">
+                                <a:latin typeface="Cambria Math" charset="0"/>
+                              </a:rPr>
+                              <m:t>𝑤</m:t>
+                            </m:r>
+                          </m:e>
+                          <m:sub>
+                            <m:r>
+                              <a:rPr kumimoji="1" lang="en-US" altLang="zh-CN" b="0" i="1" smtClean="0">
+                                <a:latin typeface="Cambria Math" charset="0"/>
+                              </a:rPr>
+                              <m:t>1</m:t>
+                            </m:r>
+                          </m:sub>
+                        </m:sSub>
+                        <m:r>
+                          <a:rPr kumimoji="1" lang="en-US" altLang="zh-CN" b="0" i="1" smtClean="0">
+                            <a:latin typeface="Cambria Math" charset="0"/>
+                          </a:rPr>
+                          <m:t>,…</m:t>
+                        </m:r>
+                        <m:sSub>
+                          <m:sSubPr>
+                            <m:ctrlPr>
+                              <a:rPr kumimoji="1" lang="en-US" altLang="zh-CN" b="0" i="1" smtClean="0">
+                                <a:latin typeface="Cambria Math" charset="0"/>
+                              </a:rPr>
+                            </m:ctrlPr>
+                          </m:sSubPr>
+                          <m:e>
+                            <m:r>
+                              <a:rPr kumimoji="1" lang="en-US" altLang="zh-CN" b="0" i="1" smtClean="0">
+                                <a:latin typeface="Cambria Math" charset="0"/>
+                              </a:rPr>
+                              <m:t>𝑤</m:t>
+                            </m:r>
+                          </m:e>
+                          <m:sub>
+                            <m:r>
+                              <a:rPr kumimoji="1" lang="en-US" altLang="zh-CN" b="0" i="1" smtClean="0">
+                                <a:latin typeface="Cambria Math" charset="0"/>
+                              </a:rPr>
+                              <m:t>𝑖</m:t>
+                            </m:r>
+                            <m:r>
+                              <a:rPr kumimoji="1" lang="en-US" altLang="zh-CN" b="0" i="1" smtClean="0">
+                                <a:latin typeface="Cambria Math" charset="0"/>
+                              </a:rPr>
+                              <m:t>−1</m:t>
+                            </m:r>
+                          </m:sub>
+                        </m:sSub>
+                        <m:r>
+                          <a:rPr kumimoji="1" lang="en-US" altLang="zh-CN" b="0" i="1" smtClean="0">
+                            <a:latin typeface="Cambria Math" charset="0"/>
+                          </a:rPr>
+                          <m:t>)</m:t>
+                        </m:r>
+                      </m:e>
+                    </m:nary>
+                  </m:oMath>
+                </a14:m>
+                <a:endParaRPr kumimoji="1" lang="zh-CN" altLang="en-US" dirty="0"/>
+              </a:p>
+            </p:txBody>
+          </p:sp>
+        </mc:Choice>
+        <mc:Fallback>
+          <p:sp>
+            <p:nvSpPr>
+              <p:cNvPr id="3" name="文本框 2"/>
+              <p:cNvSpPr txBox="1">
+                <a:spLocks noRot="1" noChangeAspect="1" noMove="1" noResize="1" noEditPoints="1" noAdjustHandles="1" noChangeArrowheads="1" noChangeShapeType="1" noTextEdit="1"/>
+              </p:cNvSpPr>
+              <p:nvPr/>
+            </p:nvSpPr>
+            <p:spPr>
+              <a:xfrm>
+                <a:off x="2762693" y="1847350"/>
+                <a:ext cx="2901628" cy="299249"/>
+              </a:xfrm>
+              <a:prstGeom prst="rect">
+                <a:avLst/>
+              </a:prstGeom>
+              <a:blipFill rotWithShape="0">
+                <a:blip r:embed="rId2"/>
+                <a:stretch>
+                  <a:fillRect l="-4832" t="-155102" r="-2941" b="-246939"/>
+                </a:stretch>
+              </a:blipFill>
+            </p:spPr>
+            <p:txBody>
+              <a:bodyPr/>
+              <a:lstStyle/>
+              <a:p>
+                <a:r>
+                  <a:rPr lang="zh-CN" altLang="en-US">
+                    <a:noFill/>
+                  </a:rPr>
+                  <a:t> </a:t>
+                </a:r>
+              </a:p>
+            </p:txBody>
+          </p:sp>
+        </mc:Fallback>
+      </mc:AlternateContent>
+      <mc:AlternateContent xmlns:mc="http://schemas.openxmlformats.org/markup-compatibility/2006">
+        <mc:Choice xmlns:a14="http://schemas.microsoft.com/office/drawing/2010/main" Requires="a14">
+          <p:sp>
+            <p:nvSpPr>
+              <p:cNvPr id="5" name="文本框 4"/>
+              <p:cNvSpPr txBox="1"/>
+              <p:nvPr/>
+            </p:nvSpPr>
+            <p:spPr>
+              <a:xfrm>
+                <a:off x="2762693" y="3641542"/>
+                <a:ext cx="2339230" cy="299249"/>
+              </a:xfrm>
+              <a:prstGeom prst="rect">
+                <a:avLst/>
+              </a:prstGeom>
+              <a:noFill/>
+            </p:spPr>
+            <p:txBody>
+              <a:bodyPr wrap="none" lIns="0" tIns="0" rIns="0" bIns="0" rtlCol="0">
+                <a:spAutoFit/>
+              </a:bodyPr>
+              <a:lstStyle/>
+              <a:p>
+                <a:r>
+                  <a:rPr kumimoji="1" lang="en-US" altLang="zh-CN" b="0" dirty="0" smtClean="0"/>
+                  <a:t>p</a:t>
+                </a:r>
+                <a14:m>
+                  <m:oMath xmlns:m="http://schemas.openxmlformats.org/officeDocument/2006/math">
+                    <m:d>
+                      <m:dPr>
+                        <m:ctrlPr>
+                          <a:rPr kumimoji="1" lang="en-US" altLang="zh-CN" b="0" i="1" smtClean="0">
+                            <a:latin typeface="Cambria Math" charset="0"/>
+                          </a:rPr>
+                        </m:ctrlPr>
+                      </m:dPr>
+                      <m:e>
+                        <m:r>
+                          <a:rPr kumimoji="1" lang="en-US" altLang="zh-CN" b="0" i="1" smtClean="0">
+                            <a:latin typeface="Cambria Math" charset="0"/>
+                          </a:rPr>
+                          <m:t>𝑠</m:t>
+                        </m:r>
+                      </m:e>
+                    </m:d>
+                    <m:r>
+                      <a:rPr kumimoji="1" lang="en-US" altLang="zh-CN" b="0" i="1" smtClean="0">
+                        <a:latin typeface="Cambria Math" charset="0"/>
+                      </a:rPr>
+                      <m:t>=</m:t>
+                    </m:r>
+                    <m:nary>
+                      <m:naryPr>
+                        <m:chr m:val="∏"/>
+                        <m:ctrlPr>
+                          <a:rPr kumimoji="1" lang="is-IS" altLang="zh-CN" b="0" i="1" smtClean="0">
+                            <a:latin typeface="Cambria Math" charset="0"/>
+                          </a:rPr>
+                        </m:ctrlPr>
+                      </m:naryPr>
+                      <m:sub>
+                        <m:r>
+                          <m:rPr>
+                            <m:brk m:alnAt="23"/>
+                          </m:rPr>
+                          <a:rPr kumimoji="1" lang="en-US" altLang="zh-CN" b="0" i="1" smtClean="0">
+                            <a:latin typeface="Cambria Math" charset="0"/>
+                          </a:rPr>
+                          <m:t>𝑖</m:t>
+                        </m:r>
+                        <m:r>
+                          <a:rPr kumimoji="1" lang="en-US" altLang="zh-CN" b="0" i="1" smtClean="0">
+                            <a:latin typeface="Cambria Math" charset="0"/>
+                          </a:rPr>
+                          <m:t>=1</m:t>
+                        </m:r>
+                      </m:sub>
+                      <m:sup>
+                        <m:r>
+                          <a:rPr kumimoji="1" lang="en-US" altLang="zh-CN" b="0" i="1" smtClean="0">
+                            <a:latin typeface="Cambria Math" charset="0"/>
+                          </a:rPr>
+                          <m:t>𝑙</m:t>
+                        </m:r>
+                      </m:sup>
+                      <m:e>
+                        <m:r>
+                          <a:rPr kumimoji="1" lang="en-US" altLang="zh-CN" b="0" i="1" smtClean="0">
+                            <a:latin typeface="Cambria Math" charset="0"/>
+                          </a:rPr>
+                          <m:t>𝑝</m:t>
+                        </m:r>
+                        <m:r>
+                          <a:rPr kumimoji="1" lang="en-US" altLang="zh-CN" b="0" i="1" smtClean="0">
+                            <a:latin typeface="Cambria Math" charset="0"/>
+                          </a:rPr>
+                          <m:t>(</m:t>
+                        </m:r>
+                        <m:sSub>
+                          <m:sSubPr>
+                            <m:ctrlPr>
+                              <a:rPr kumimoji="1" lang="en-US" altLang="zh-CN" b="0" i="1" smtClean="0">
+                                <a:latin typeface="Cambria Math" charset="0"/>
+                              </a:rPr>
+                            </m:ctrlPr>
+                          </m:sSubPr>
+                          <m:e>
+                            <m:r>
+                              <a:rPr kumimoji="1" lang="en-US" altLang="zh-CN" b="0" i="1" smtClean="0">
+                                <a:latin typeface="Cambria Math" charset="0"/>
+                              </a:rPr>
+                              <m:t>𝑤</m:t>
+                            </m:r>
+                          </m:e>
+                          <m:sub>
+                            <m:r>
+                              <a:rPr kumimoji="1" lang="en-US" altLang="zh-CN" b="0" i="1" smtClean="0">
+                                <a:latin typeface="Cambria Math" charset="0"/>
+                              </a:rPr>
+                              <m:t>𝑖</m:t>
+                            </m:r>
+                          </m:sub>
+                        </m:sSub>
+                        <m:r>
+                          <a:rPr kumimoji="1" lang="en-US" altLang="zh-CN" b="0" i="1" smtClean="0">
+                            <a:latin typeface="Cambria Math" charset="0"/>
+                          </a:rPr>
+                          <m:t>|</m:t>
+                        </m:r>
+                        <m:sSub>
+                          <m:sSubPr>
+                            <m:ctrlPr>
+                              <a:rPr kumimoji="1" lang="en-US" altLang="zh-CN" b="0" i="1" smtClean="0">
+                                <a:latin typeface="Cambria Math" charset="0"/>
+                              </a:rPr>
+                            </m:ctrlPr>
+                          </m:sSubPr>
+                          <m:e>
+                            <m:r>
+                              <a:rPr kumimoji="1" lang="en-US" altLang="zh-CN" b="0" i="1" smtClean="0">
+                                <a:latin typeface="Cambria Math" charset="0"/>
+                              </a:rPr>
+                              <m:t>𝑤</m:t>
+                            </m:r>
+                          </m:e>
+                          <m:sub>
+                            <m:r>
+                              <a:rPr kumimoji="1" lang="en-US" altLang="zh-CN" b="0" i="1" smtClean="0">
+                                <a:latin typeface="Cambria Math" charset="0"/>
+                              </a:rPr>
+                              <m:t>𝑖</m:t>
+                            </m:r>
+                            <m:r>
+                              <a:rPr kumimoji="1" lang="en-US" altLang="zh-CN" b="0" i="1" smtClean="0">
+                                <a:latin typeface="Cambria Math" charset="0"/>
+                              </a:rPr>
+                              <m:t>−1</m:t>
+                            </m:r>
+                          </m:sub>
+                        </m:sSub>
+                        <m:r>
+                          <a:rPr kumimoji="1" lang="en-US" altLang="zh-CN" b="0" i="1" smtClean="0">
+                            <a:latin typeface="Cambria Math" charset="0"/>
+                          </a:rPr>
+                          <m:t>)</m:t>
+                        </m:r>
+                      </m:e>
+                    </m:nary>
+                  </m:oMath>
+                </a14:m>
+                <a:endParaRPr kumimoji="1" lang="zh-CN" altLang="en-US" dirty="0"/>
+              </a:p>
+            </p:txBody>
+          </p:sp>
+        </mc:Choice>
+        <mc:Fallback>
+          <p:sp>
+            <p:nvSpPr>
+              <p:cNvPr id="5" name="文本框 4"/>
+              <p:cNvSpPr txBox="1">
+                <a:spLocks noRot="1" noChangeAspect="1" noMove="1" noResize="1" noEditPoints="1" noAdjustHandles="1" noChangeArrowheads="1" noChangeShapeType="1" noTextEdit="1"/>
+              </p:cNvSpPr>
+              <p:nvPr/>
+            </p:nvSpPr>
+            <p:spPr>
+              <a:xfrm>
+                <a:off x="2762693" y="3641542"/>
+                <a:ext cx="2339230" cy="299249"/>
+              </a:xfrm>
+              <a:prstGeom prst="rect">
+                <a:avLst/>
+              </a:prstGeom>
+              <a:blipFill rotWithShape="0">
+                <a:blip r:embed="rId3"/>
+                <a:stretch>
+                  <a:fillRect l="-5990" t="-155102" r="-3906" b="-246939"/>
+                </a:stretch>
+              </a:blipFill>
+            </p:spPr>
+            <p:txBody>
+              <a:bodyPr/>
+              <a:lstStyle/>
+              <a:p>
+                <a:r>
+                  <a:rPr lang="zh-CN" altLang="en-US">
+                    <a:noFill/>
+                  </a:rPr>
+                  <a:t> </a:t>
+                </a:r>
+              </a:p>
+            </p:txBody>
+          </p:sp>
+        </mc:Fallback>
+      </mc:AlternateContent>
+      <mc:AlternateContent xmlns:mc="http://schemas.openxmlformats.org/markup-compatibility/2006">
+        <mc:Choice xmlns:a14="http://schemas.microsoft.com/office/drawing/2010/main" Requires="a14">
+          <p:sp>
+            <p:nvSpPr>
+              <p:cNvPr id="6" name="文本框 5"/>
+              <p:cNvSpPr txBox="1"/>
+              <p:nvPr/>
+            </p:nvSpPr>
+            <p:spPr>
+              <a:xfrm>
+                <a:off x="2762693" y="4529858"/>
+                <a:ext cx="2882264" cy="299249"/>
+              </a:xfrm>
+              <a:prstGeom prst="rect">
+                <a:avLst/>
+              </a:prstGeom>
+              <a:noFill/>
+            </p:spPr>
+            <p:txBody>
+              <a:bodyPr wrap="none" lIns="0" tIns="0" rIns="0" bIns="0" rtlCol="0">
+                <a:spAutoFit/>
+              </a:bodyPr>
+              <a:lstStyle/>
+              <a:p>
+                <a:r>
+                  <a:rPr kumimoji="1" lang="en-US" altLang="zh-CN" b="0" dirty="0" smtClean="0"/>
+                  <a:t>p</a:t>
+                </a:r>
+                <a14:m>
+                  <m:oMath xmlns:m="http://schemas.openxmlformats.org/officeDocument/2006/math">
+                    <m:d>
+                      <m:dPr>
+                        <m:ctrlPr>
+                          <a:rPr kumimoji="1" lang="en-US" altLang="zh-CN" b="0" i="1" smtClean="0">
+                            <a:latin typeface="Cambria Math" charset="0"/>
+                          </a:rPr>
+                        </m:ctrlPr>
+                      </m:dPr>
+                      <m:e>
+                        <m:r>
+                          <a:rPr kumimoji="1" lang="en-US" altLang="zh-CN" b="0" i="1" smtClean="0">
+                            <a:latin typeface="Cambria Math" charset="0"/>
+                          </a:rPr>
+                          <m:t>𝑠</m:t>
+                        </m:r>
+                      </m:e>
+                    </m:d>
+                    <m:r>
+                      <a:rPr kumimoji="1" lang="en-US" altLang="zh-CN" b="0" i="1" smtClean="0">
+                        <a:latin typeface="Cambria Math" charset="0"/>
+                      </a:rPr>
+                      <m:t>=</m:t>
+                    </m:r>
+                    <m:nary>
+                      <m:naryPr>
+                        <m:chr m:val="∏"/>
+                        <m:ctrlPr>
+                          <a:rPr kumimoji="1" lang="is-IS" altLang="zh-CN" b="0" i="1" smtClean="0">
+                            <a:latin typeface="Cambria Math" charset="0"/>
+                          </a:rPr>
+                        </m:ctrlPr>
+                      </m:naryPr>
+                      <m:sub>
+                        <m:r>
+                          <m:rPr>
+                            <m:brk m:alnAt="23"/>
+                          </m:rPr>
+                          <a:rPr kumimoji="1" lang="en-US" altLang="zh-CN" b="0" i="1" smtClean="0">
+                            <a:latin typeface="Cambria Math" charset="0"/>
+                          </a:rPr>
+                          <m:t>𝑖</m:t>
+                        </m:r>
+                        <m:r>
+                          <a:rPr kumimoji="1" lang="en-US" altLang="zh-CN" b="0" i="1" smtClean="0">
+                            <a:latin typeface="Cambria Math" charset="0"/>
+                          </a:rPr>
+                          <m:t>=1</m:t>
+                        </m:r>
+                      </m:sub>
+                      <m:sup>
+                        <m:r>
+                          <a:rPr kumimoji="1" lang="en-US" altLang="zh-CN" b="0" i="1" smtClean="0">
+                            <a:latin typeface="Cambria Math" charset="0"/>
+                          </a:rPr>
+                          <m:t>𝑙</m:t>
+                        </m:r>
+                      </m:sup>
+                      <m:e>
+                        <m:r>
+                          <a:rPr kumimoji="1" lang="en-US" altLang="zh-CN" b="0" i="1" smtClean="0">
+                            <a:latin typeface="Cambria Math" charset="0"/>
+                          </a:rPr>
+                          <m:t>𝑝</m:t>
+                        </m:r>
+                        <m:r>
+                          <a:rPr kumimoji="1" lang="en-US" altLang="zh-CN" b="0" i="1" smtClean="0">
+                            <a:latin typeface="Cambria Math" charset="0"/>
+                          </a:rPr>
+                          <m:t>(</m:t>
+                        </m:r>
+                        <m:sSub>
+                          <m:sSubPr>
+                            <m:ctrlPr>
+                              <a:rPr kumimoji="1" lang="en-US" altLang="zh-CN" b="0" i="1" smtClean="0">
+                                <a:latin typeface="Cambria Math" charset="0"/>
+                              </a:rPr>
+                            </m:ctrlPr>
+                          </m:sSubPr>
+                          <m:e>
+                            <m:r>
+                              <a:rPr kumimoji="1" lang="en-US" altLang="zh-CN" b="0" i="1" smtClean="0">
+                                <a:latin typeface="Cambria Math" charset="0"/>
+                              </a:rPr>
+                              <m:t>𝑤</m:t>
+                            </m:r>
+                          </m:e>
+                          <m:sub>
+                            <m:r>
+                              <a:rPr kumimoji="1" lang="en-US" altLang="zh-CN" b="0" i="1" smtClean="0">
+                                <a:latin typeface="Cambria Math" charset="0"/>
+                              </a:rPr>
+                              <m:t>𝑖</m:t>
+                            </m:r>
+                          </m:sub>
+                        </m:sSub>
+                        <m:r>
+                          <a:rPr kumimoji="1" lang="en-US" altLang="zh-CN" b="0" i="1" smtClean="0">
+                            <a:latin typeface="Cambria Math" charset="0"/>
+                          </a:rPr>
+                          <m:t>|</m:t>
+                        </m:r>
+                        <m:sSub>
+                          <m:sSubPr>
+                            <m:ctrlPr>
+                              <a:rPr kumimoji="1" lang="en-US" altLang="zh-CN" b="0" i="1" smtClean="0">
+                                <a:latin typeface="Cambria Math" charset="0"/>
+                              </a:rPr>
+                            </m:ctrlPr>
+                          </m:sSubPr>
+                          <m:e>
+                            <m:sSub>
+                              <m:sSubPr>
+                                <m:ctrlPr>
+                                  <a:rPr kumimoji="1" lang="en-US" altLang="zh-CN" b="0" i="1" smtClean="0">
+                                    <a:latin typeface="Cambria Math" charset="0"/>
+                                  </a:rPr>
+                                </m:ctrlPr>
+                              </m:sSubPr>
+                              <m:e>
+                                <m:r>
+                                  <a:rPr kumimoji="1" lang="en-US" altLang="zh-CN" b="0" i="1" smtClean="0">
+                                    <a:latin typeface="Cambria Math" charset="0"/>
+                                  </a:rPr>
+                                  <m:t>𝑤</m:t>
+                                </m:r>
+                              </m:e>
+                              <m:sub>
+                                <m:r>
+                                  <a:rPr kumimoji="1" lang="en-US" altLang="zh-CN" b="0" i="1" smtClean="0">
+                                    <a:latin typeface="Cambria Math" charset="0"/>
+                                  </a:rPr>
+                                  <m:t>𝑖</m:t>
+                                </m:r>
+                                <m:r>
+                                  <a:rPr kumimoji="1" lang="en-US" altLang="zh-CN" b="0" i="1" smtClean="0">
+                                    <a:latin typeface="Cambria Math" charset="0"/>
+                                  </a:rPr>
+                                  <m:t>−2</m:t>
+                                </m:r>
+                              </m:sub>
+                            </m:sSub>
+                            <m:r>
+                              <a:rPr kumimoji="1" lang="en-US" altLang="zh-CN" b="0" i="1" smtClean="0">
+                                <a:latin typeface="Cambria Math" charset="0"/>
+                              </a:rPr>
+                              <m:t>,</m:t>
+                            </m:r>
+                            <m:r>
+                              <a:rPr kumimoji="1" lang="en-US" altLang="zh-CN" b="0" i="1" smtClean="0">
+                                <a:latin typeface="Cambria Math" charset="0"/>
+                              </a:rPr>
+                              <m:t>𝑤</m:t>
+                            </m:r>
+                          </m:e>
+                          <m:sub>
+                            <m:r>
+                              <a:rPr kumimoji="1" lang="en-US" altLang="zh-CN" b="0" i="1" smtClean="0">
+                                <a:latin typeface="Cambria Math" charset="0"/>
+                              </a:rPr>
+                              <m:t>𝑖</m:t>
+                            </m:r>
+                            <m:r>
+                              <a:rPr kumimoji="1" lang="en-US" altLang="zh-CN" b="0" i="1" smtClean="0">
+                                <a:latin typeface="Cambria Math" charset="0"/>
+                              </a:rPr>
+                              <m:t>−1</m:t>
+                            </m:r>
+                          </m:sub>
+                        </m:sSub>
+                        <m:r>
+                          <a:rPr kumimoji="1" lang="en-US" altLang="zh-CN" b="0" i="1" smtClean="0">
+                            <a:latin typeface="Cambria Math" charset="0"/>
+                          </a:rPr>
+                          <m:t>)</m:t>
+                        </m:r>
+                      </m:e>
+                    </m:nary>
+                  </m:oMath>
+                </a14:m>
+                <a:endParaRPr kumimoji="1" lang="zh-CN" altLang="en-US" dirty="0"/>
+              </a:p>
+            </p:txBody>
+          </p:sp>
+        </mc:Choice>
+        <mc:Fallback>
+          <p:sp>
+            <p:nvSpPr>
+              <p:cNvPr id="6" name="文本框 5"/>
+              <p:cNvSpPr txBox="1">
+                <a:spLocks noRot="1" noChangeAspect="1" noMove="1" noResize="1" noEditPoints="1" noAdjustHandles="1" noChangeArrowheads="1" noChangeShapeType="1" noTextEdit="1"/>
+              </p:cNvSpPr>
+              <p:nvPr/>
+            </p:nvSpPr>
+            <p:spPr>
+              <a:xfrm>
+                <a:off x="2762693" y="4529858"/>
+                <a:ext cx="2882264" cy="299249"/>
+              </a:xfrm>
+              <a:prstGeom prst="rect">
+                <a:avLst/>
+              </a:prstGeom>
+              <a:blipFill rotWithShape="0">
+                <a:blip r:embed="rId4"/>
+                <a:stretch>
+                  <a:fillRect l="-4863" t="-155102" r="-2960" b="-246939"/>
+                </a:stretch>
+              </a:blipFill>
+            </p:spPr>
+            <p:txBody>
+              <a:bodyPr/>
+              <a:lstStyle/>
+              <a:p>
+                <a:r>
+                  <a:rPr lang="zh-CN" altLang="en-US">
+                    <a:noFill/>
+                  </a:rPr>
+                  <a:t> </a:t>
+                </a:r>
+              </a:p>
+            </p:txBody>
+          </p:sp>
+        </mc:Fallback>
+      </mc:AlternateContent>
+      <p:sp>
+        <p:nvSpPr>
+          <p:cNvPr id="7" name="文本框 6"/>
+          <p:cNvSpPr txBox="1"/>
+          <p:nvPr/>
+        </p:nvSpPr>
+        <p:spPr>
+          <a:xfrm>
+            <a:off x="5664321" y="1847350"/>
+            <a:ext cx="877163" cy="369332"/>
+          </a:xfrm>
+          <a:prstGeom prst="rect">
+            <a:avLst/>
+          </a:prstGeom>
+          <a:noFill/>
+        </p:spPr>
+        <p:txBody>
+          <a:bodyPr wrap="none" rtlCol="0">
+            <a:spAutoFit/>
+          </a:bodyPr>
+          <a:lstStyle/>
+          <a:p>
+            <a:r>
+              <a:rPr kumimoji="1" lang="zh-CN" altLang="en-US" smtClean="0"/>
+              <a:t>，其中</a:t>
+            </a:r>
+            <a:endParaRPr kumimoji="1" lang="zh-CN" altLang="en-US"/>
+          </a:p>
+        </p:txBody>
+      </p:sp>
+      <p:sp>
+        <p:nvSpPr>
+          <p:cNvPr id="8" name="文本框 7"/>
+          <p:cNvSpPr txBox="1"/>
+          <p:nvPr/>
+        </p:nvSpPr>
+        <p:spPr>
+          <a:xfrm>
+            <a:off x="5101923" y="3627711"/>
+            <a:ext cx="877163" cy="369332"/>
+          </a:xfrm>
+          <a:prstGeom prst="rect">
+            <a:avLst/>
+          </a:prstGeom>
+          <a:noFill/>
+        </p:spPr>
+        <p:txBody>
+          <a:bodyPr wrap="none" rtlCol="0">
+            <a:spAutoFit/>
+          </a:bodyPr>
+          <a:lstStyle/>
+          <a:p>
+            <a:r>
+              <a:rPr kumimoji="1" lang="zh-CN" altLang="en-US" smtClean="0"/>
+              <a:t>，其中</a:t>
+            </a:r>
+            <a:endParaRPr kumimoji="1" lang="zh-CN" altLang="en-US"/>
+          </a:p>
+        </p:txBody>
+      </p:sp>
+      <p:sp>
+        <p:nvSpPr>
+          <p:cNvPr id="9" name="文本框 8"/>
+          <p:cNvSpPr txBox="1"/>
+          <p:nvPr/>
+        </p:nvSpPr>
+        <p:spPr>
+          <a:xfrm>
+            <a:off x="5648546" y="4529858"/>
+            <a:ext cx="877163" cy="369332"/>
+          </a:xfrm>
+          <a:prstGeom prst="rect">
+            <a:avLst/>
+          </a:prstGeom>
+          <a:noFill/>
+        </p:spPr>
+        <p:txBody>
+          <a:bodyPr wrap="none" rtlCol="0">
+            <a:spAutoFit/>
+          </a:bodyPr>
+          <a:lstStyle/>
+          <a:p>
+            <a:r>
+              <a:rPr kumimoji="1" lang="zh-CN" altLang="en-US" smtClean="0"/>
+              <a:t>，其中</a:t>
+            </a:r>
+            <a:endParaRPr kumimoji="1" lang="zh-CN" altLang="en-US"/>
+          </a:p>
+        </p:txBody>
+      </p:sp>
+      <mc:AlternateContent xmlns:mc="http://schemas.openxmlformats.org/markup-compatibility/2006">
+        <mc:Choice xmlns:a14="http://schemas.microsoft.com/office/drawing/2010/main" Requires="a14">
+          <p:sp>
+            <p:nvSpPr>
+              <p:cNvPr id="10" name="矩形 9"/>
+              <p:cNvSpPr/>
+              <p:nvPr/>
+            </p:nvSpPr>
+            <p:spPr>
+              <a:xfrm>
+                <a:off x="5880757" y="3460902"/>
+                <a:ext cx="3120791" cy="702949"/>
+              </a:xfrm>
+              <a:prstGeom prst="rect">
+                <a:avLst/>
+              </a:prstGeom>
+            </p:spPr>
+            <p:txBody>
+              <a:bodyPr wrap="none">
+                <a:spAutoFit/>
+              </a:bodyPr>
+              <a:lstStyle/>
+              <a:p>
+                <a14:m>
+                  <m:oMathPara xmlns:m="http://schemas.openxmlformats.org/officeDocument/2006/math">
+                    <m:oMathParaPr>
+                      <m:jc m:val="centerGroup"/>
+                    </m:oMathParaPr>
+                    <m:oMath xmlns:m="http://schemas.openxmlformats.org/officeDocument/2006/math">
+                      <m:r>
+                        <a:rPr kumimoji="1" lang="en-US" altLang="zh-CN" i="1" smtClean="0">
+                          <a:latin typeface="Cambria Math" charset="0"/>
+                        </a:rPr>
+                        <m:t>𝑝</m:t>
+                      </m:r>
+                      <m:d>
+                        <m:dPr>
+                          <m:ctrlPr>
+                            <a:rPr kumimoji="1" lang="en-US" altLang="zh-CN" i="1">
+                              <a:latin typeface="Cambria Math" charset="0"/>
+                            </a:rPr>
+                          </m:ctrlPr>
+                        </m:dPr>
+                        <m:e>
+                          <m:sSub>
+                            <m:sSubPr>
+                              <m:ctrlPr>
+                                <a:rPr kumimoji="1" lang="en-US" altLang="zh-CN" i="1">
+                                  <a:latin typeface="Cambria Math" charset="0"/>
+                                </a:rPr>
+                              </m:ctrlPr>
+                            </m:sSubPr>
+                            <m:e>
+                              <m:r>
+                                <a:rPr kumimoji="1" lang="en-US" altLang="zh-CN" i="1">
+                                  <a:latin typeface="Cambria Math" charset="0"/>
+                                </a:rPr>
+                                <m:t>𝑤</m:t>
+                              </m:r>
+                            </m:e>
+                            <m:sub>
+                              <m:r>
+                                <a:rPr kumimoji="1" lang="en-US" altLang="zh-CN" i="1">
+                                  <a:latin typeface="Cambria Math" charset="0"/>
+                                </a:rPr>
+                                <m:t>𝑖</m:t>
+                              </m:r>
+                            </m:sub>
+                          </m:sSub>
+                        </m:e>
+                        <m:e>
+                          <m:sSub>
+                            <m:sSubPr>
+                              <m:ctrlPr>
+                                <a:rPr kumimoji="1" lang="en-US" altLang="zh-CN" i="1">
+                                  <a:latin typeface="Cambria Math" charset="0"/>
+                                </a:rPr>
+                              </m:ctrlPr>
+                            </m:sSubPr>
+                            <m:e>
+                              <m:r>
+                                <a:rPr kumimoji="1" lang="en-US" altLang="zh-CN" i="1">
+                                  <a:latin typeface="Cambria Math" charset="0"/>
+                                </a:rPr>
+                                <m:t>𝑤</m:t>
+                              </m:r>
+                            </m:e>
+                            <m:sub>
+                              <m:r>
+                                <a:rPr kumimoji="1" lang="en-US" altLang="zh-CN" i="1">
+                                  <a:latin typeface="Cambria Math" charset="0"/>
+                                </a:rPr>
+                                <m:t>𝑖</m:t>
+                              </m:r>
+                              <m:r>
+                                <a:rPr kumimoji="1" lang="en-US" altLang="zh-CN" i="1">
+                                  <a:latin typeface="Cambria Math" charset="0"/>
+                                </a:rPr>
+                                <m:t>−1</m:t>
+                              </m:r>
+                            </m:sub>
+                          </m:sSub>
+                        </m:e>
+                      </m:d>
+                      <m:r>
+                        <a:rPr kumimoji="1" lang="en-US" altLang="zh-CN" b="0" i="1" smtClean="0">
+                          <a:latin typeface="Cambria Math" charset="0"/>
+                        </a:rPr>
+                        <m:t>=</m:t>
+                      </m:r>
+                      <m:f>
+                        <m:fPr>
+                          <m:ctrlPr>
+                            <a:rPr kumimoji="1" lang="mr-IN" altLang="zh-CN" b="0" i="1" smtClean="0">
+                              <a:latin typeface="Cambria Math" charset="0"/>
+                            </a:rPr>
+                          </m:ctrlPr>
+                        </m:fPr>
+                        <m:num>
+                          <m:r>
+                            <a:rPr kumimoji="1" lang="en-US" altLang="zh-CN" b="0" i="1" smtClean="0">
+                              <a:latin typeface="Cambria Math" charset="0"/>
+                            </a:rPr>
+                            <m:t>𝑐</m:t>
+                          </m:r>
+                          <m:r>
+                            <a:rPr kumimoji="1" lang="en-US" altLang="zh-CN" b="0" i="1" smtClean="0">
+                              <a:latin typeface="Cambria Math" charset="0"/>
+                            </a:rPr>
+                            <m:t>(</m:t>
+                          </m:r>
+                          <m:sSub>
+                            <m:sSubPr>
+                              <m:ctrlPr>
+                                <a:rPr kumimoji="1" lang="en-US" altLang="zh-CN" i="1">
+                                  <a:latin typeface="Cambria Math" charset="0"/>
+                                </a:rPr>
+                              </m:ctrlPr>
+                            </m:sSubPr>
+                            <m:e>
+                              <m:r>
+                                <a:rPr kumimoji="1" lang="en-US" altLang="zh-CN" i="1">
+                                  <a:latin typeface="Cambria Math" charset="0"/>
+                                </a:rPr>
+                                <m:t>𝑤</m:t>
+                              </m:r>
+                            </m:e>
+                            <m:sub>
+                              <m:r>
+                                <a:rPr kumimoji="1" lang="en-US" altLang="zh-CN" i="1">
+                                  <a:latin typeface="Cambria Math" charset="0"/>
+                                </a:rPr>
+                                <m:t>𝑖</m:t>
+                              </m:r>
+                              <m:r>
+                                <a:rPr kumimoji="1" lang="en-US" altLang="zh-CN" i="1">
+                                  <a:latin typeface="Cambria Math" charset="0"/>
+                                </a:rPr>
+                                <m:t>−1</m:t>
+                              </m:r>
+                            </m:sub>
+                          </m:sSub>
+                          <m:r>
+                            <a:rPr kumimoji="1" lang="en-US" altLang="zh-CN" b="0" i="1" smtClean="0">
+                              <a:latin typeface="Cambria Math" charset="0"/>
+                            </a:rPr>
+                            <m:t>,</m:t>
+                          </m:r>
+                          <m:sSub>
+                            <m:sSubPr>
+                              <m:ctrlPr>
+                                <a:rPr kumimoji="1" lang="en-US" altLang="zh-CN" i="1">
+                                  <a:latin typeface="Cambria Math" charset="0"/>
+                                </a:rPr>
+                              </m:ctrlPr>
+                            </m:sSubPr>
+                            <m:e>
+                              <m:r>
+                                <a:rPr kumimoji="1" lang="en-US" altLang="zh-CN" i="1">
+                                  <a:latin typeface="Cambria Math" charset="0"/>
+                                </a:rPr>
+                                <m:t>𝑤</m:t>
+                              </m:r>
+                            </m:e>
+                            <m:sub>
+                              <m:r>
+                                <a:rPr kumimoji="1" lang="en-US" altLang="zh-CN" i="1">
+                                  <a:latin typeface="Cambria Math" charset="0"/>
+                                </a:rPr>
+                                <m:t>𝑖</m:t>
+                              </m:r>
+                            </m:sub>
+                          </m:sSub>
+                          <m:r>
+                            <a:rPr kumimoji="1" lang="en-US" altLang="zh-CN" b="0" i="1" smtClean="0">
+                              <a:latin typeface="Cambria Math" charset="0"/>
+                            </a:rPr>
+                            <m:t>)</m:t>
+                          </m:r>
+                        </m:num>
+                        <m:den>
+                          <m:nary>
+                            <m:naryPr>
+                              <m:chr m:val="∑"/>
+                              <m:supHide m:val="on"/>
+                              <m:ctrlPr>
+                                <a:rPr kumimoji="1" lang="mr-IN" altLang="zh-CN" b="0" i="1" smtClean="0">
+                                  <a:latin typeface="Cambria Math" charset="0"/>
+                                </a:rPr>
+                              </m:ctrlPr>
+                            </m:naryPr>
+                            <m:sub>
+                              <m:sSub>
+                                <m:sSubPr>
+                                  <m:ctrlPr>
+                                    <a:rPr kumimoji="1" lang="en-US" altLang="zh-CN" i="1">
+                                      <a:latin typeface="Cambria Math" charset="0"/>
+                                    </a:rPr>
+                                  </m:ctrlPr>
+                                </m:sSubPr>
+                                <m:e>
+                                  <m:r>
+                                    <a:rPr kumimoji="1" lang="en-US" altLang="zh-CN" i="1">
+                                      <a:latin typeface="Cambria Math" charset="0"/>
+                                    </a:rPr>
+                                    <m:t>𝑤</m:t>
+                                  </m:r>
+                                </m:e>
+                                <m:sub>
+                                  <m:r>
+                                    <a:rPr kumimoji="1" lang="en-US" altLang="zh-CN" i="1">
+                                      <a:latin typeface="Cambria Math" charset="0"/>
+                                    </a:rPr>
+                                    <m:t>𝑖</m:t>
+                                  </m:r>
+                                </m:sub>
+                              </m:sSub>
+                            </m:sub>
+                            <m:sup/>
+                            <m:e>
+                              <m:r>
+                                <a:rPr kumimoji="1" lang="en-US" altLang="zh-CN" i="1">
+                                  <a:latin typeface="Cambria Math" charset="0"/>
+                                </a:rPr>
+                                <m:t>𝑐</m:t>
+                              </m:r>
+                              <m:r>
+                                <a:rPr kumimoji="1" lang="en-US" altLang="zh-CN" i="1">
+                                  <a:latin typeface="Cambria Math" charset="0"/>
+                                </a:rPr>
+                                <m:t>(</m:t>
+                              </m:r>
+                              <m:sSub>
+                                <m:sSubPr>
+                                  <m:ctrlPr>
+                                    <a:rPr kumimoji="1" lang="en-US" altLang="zh-CN" i="1">
+                                      <a:latin typeface="Cambria Math" charset="0"/>
+                                    </a:rPr>
+                                  </m:ctrlPr>
+                                </m:sSubPr>
+                                <m:e>
+                                  <m:r>
+                                    <a:rPr kumimoji="1" lang="en-US" altLang="zh-CN" i="1">
+                                      <a:latin typeface="Cambria Math" charset="0"/>
+                                    </a:rPr>
+                                    <m:t>𝑤</m:t>
+                                  </m:r>
+                                </m:e>
+                                <m:sub>
+                                  <m:r>
+                                    <a:rPr kumimoji="1" lang="en-US" altLang="zh-CN" i="1">
+                                      <a:latin typeface="Cambria Math" charset="0"/>
+                                    </a:rPr>
+                                    <m:t>𝑖</m:t>
+                                  </m:r>
+                                  <m:r>
+                                    <a:rPr kumimoji="1" lang="en-US" altLang="zh-CN" i="1">
+                                      <a:latin typeface="Cambria Math" charset="0"/>
+                                    </a:rPr>
+                                    <m:t>−1</m:t>
+                                  </m:r>
+                                </m:sub>
+                              </m:sSub>
+                              <m:r>
+                                <a:rPr kumimoji="1" lang="en-US" altLang="zh-CN" i="1">
+                                  <a:latin typeface="Cambria Math" charset="0"/>
+                                </a:rPr>
+                                <m:t>,</m:t>
+                              </m:r>
+                              <m:sSub>
+                                <m:sSubPr>
+                                  <m:ctrlPr>
+                                    <a:rPr kumimoji="1" lang="en-US" altLang="zh-CN" i="1">
+                                      <a:latin typeface="Cambria Math" charset="0"/>
+                                    </a:rPr>
+                                  </m:ctrlPr>
+                                </m:sSubPr>
+                                <m:e>
+                                  <m:r>
+                                    <a:rPr kumimoji="1" lang="en-US" altLang="zh-CN" i="1">
+                                      <a:latin typeface="Cambria Math" charset="0"/>
+                                    </a:rPr>
+                                    <m:t>𝑤</m:t>
+                                  </m:r>
+                                </m:e>
+                                <m:sub>
+                                  <m:r>
+                                    <a:rPr kumimoji="1" lang="en-US" altLang="zh-CN" i="1">
+                                      <a:latin typeface="Cambria Math" charset="0"/>
+                                    </a:rPr>
+                                    <m:t>𝑖</m:t>
+                                  </m:r>
+                                </m:sub>
+                              </m:sSub>
+                              <m:r>
+                                <a:rPr kumimoji="1" lang="en-US" altLang="zh-CN" i="1">
+                                  <a:latin typeface="Cambria Math" charset="0"/>
+                                </a:rPr>
+                                <m:t>)</m:t>
+                              </m:r>
+                            </m:e>
+                          </m:nary>
+                        </m:den>
+                      </m:f>
+                    </m:oMath>
+                  </m:oMathPara>
+                </a14:m>
+                <a:endParaRPr lang="zh-CN" altLang="en-US" dirty="0"/>
+              </a:p>
+            </p:txBody>
+          </p:sp>
+        </mc:Choice>
+        <mc:Fallback>
+          <p:sp>
+            <p:nvSpPr>
+              <p:cNvPr id="10" name="矩形 9"/>
+              <p:cNvSpPr>
+                <a:spLocks noRot="1" noChangeAspect="1" noMove="1" noResize="1" noEditPoints="1" noAdjustHandles="1" noChangeArrowheads="1" noChangeShapeType="1" noTextEdit="1"/>
+              </p:cNvSpPr>
+              <p:nvPr/>
+            </p:nvSpPr>
+            <p:spPr>
+              <a:xfrm>
+                <a:off x="5880757" y="3460902"/>
+                <a:ext cx="3120791" cy="702949"/>
+              </a:xfrm>
+              <a:prstGeom prst="rect">
+                <a:avLst/>
+              </a:prstGeom>
+              <a:blipFill rotWithShape="0">
+                <a:blip r:embed="rId5"/>
+                <a:stretch>
+                  <a:fillRect/>
+                </a:stretch>
+              </a:blipFill>
+            </p:spPr>
+            <p:txBody>
+              <a:bodyPr/>
+              <a:lstStyle/>
+              <a:p>
+                <a:r>
+                  <a:rPr lang="zh-CN" altLang="en-US">
+                    <a:noFill/>
+                  </a:rPr>
+                  <a:t> </a:t>
+                </a:r>
+              </a:p>
+            </p:txBody>
+          </p:sp>
+        </mc:Fallback>
+      </mc:AlternateContent>
+      <mc:AlternateContent xmlns:mc="http://schemas.openxmlformats.org/markup-compatibility/2006">
+        <mc:Choice xmlns:a14="http://schemas.microsoft.com/office/drawing/2010/main" Requires="a14">
+          <p:sp>
+            <p:nvSpPr>
+              <p:cNvPr id="11" name="矩形 10"/>
+              <p:cNvSpPr/>
+              <p:nvPr/>
+            </p:nvSpPr>
+            <p:spPr>
+              <a:xfrm>
+                <a:off x="6415929" y="4363049"/>
+                <a:ext cx="4208332" cy="702949"/>
+              </a:xfrm>
+              <a:prstGeom prst="rect">
+                <a:avLst/>
+              </a:prstGeom>
+            </p:spPr>
+            <p:txBody>
+              <a:bodyPr wrap="none">
+                <a:spAutoFit/>
+              </a:bodyPr>
+              <a:lstStyle/>
+              <a:p>
+                <a14:m>
+                  <m:oMathPara xmlns:m="http://schemas.openxmlformats.org/officeDocument/2006/math">
+                    <m:oMathParaPr>
+                      <m:jc m:val="centerGroup"/>
+                    </m:oMathParaPr>
+                    <m:oMath xmlns:m="http://schemas.openxmlformats.org/officeDocument/2006/math">
+                      <m:r>
+                        <a:rPr kumimoji="1" lang="en-US" altLang="zh-CN" i="1" smtClean="0">
+                          <a:latin typeface="Cambria Math" charset="0"/>
+                        </a:rPr>
+                        <m:t>𝑝</m:t>
+                      </m:r>
+                      <m:r>
+                        <a:rPr kumimoji="1" lang="en-US" altLang="zh-CN" i="1" smtClean="0">
+                          <a:latin typeface="Cambria Math" charset="0"/>
+                        </a:rPr>
+                        <m:t>(</m:t>
+                      </m:r>
+                      <m:sSub>
+                        <m:sSubPr>
+                          <m:ctrlPr>
+                            <a:rPr kumimoji="1" lang="en-US" altLang="zh-CN" i="1">
+                              <a:latin typeface="Cambria Math" charset="0"/>
+                            </a:rPr>
+                          </m:ctrlPr>
+                        </m:sSubPr>
+                        <m:e>
+                          <m:r>
+                            <a:rPr kumimoji="1" lang="en-US" altLang="zh-CN" i="1">
+                              <a:latin typeface="Cambria Math" charset="0"/>
+                            </a:rPr>
+                            <m:t>𝑤</m:t>
+                          </m:r>
+                        </m:e>
+                        <m:sub>
+                          <m:r>
+                            <a:rPr kumimoji="1" lang="en-US" altLang="zh-CN" i="1">
+                              <a:latin typeface="Cambria Math" charset="0"/>
+                            </a:rPr>
+                            <m:t>𝑖</m:t>
+                          </m:r>
+                        </m:sub>
+                      </m:sSub>
+                      <m:r>
+                        <a:rPr kumimoji="1" lang="en-US" altLang="zh-CN" i="1">
+                          <a:latin typeface="Cambria Math" charset="0"/>
+                        </a:rPr>
+                        <m:t>|</m:t>
+                      </m:r>
+                      <m:sSub>
+                        <m:sSubPr>
+                          <m:ctrlPr>
+                            <a:rPr kumimoji="1" lang="en-US" altLang="zh-CN" i="1">
+                              <a:latin typeface="Cambria Math" charset="0"/>
+                            </a:rPr>
+                          </m:ctrlPr>
+                        </m:sSubPr>
+                        <m:e>
+                          <m:sSub>
+                            <m:sSubPr>
+                              <m:ctrlPr>
+                                <a:rPr kumimoji="1" lang="en-US" altLang="zh-CN" i="1">
+                                  <a:latin typeface="Cambria Math" charset="0"/>
+                                </a:rPr>
+                              </m:ctrlPr>
+                            </m:sSubPr>
+                            <m:e>
+                              <m:r>
+                                <a:rPr kumimoji="1" lang="en-US" altLang="zh-CN" i="1">
+                                  <a:latin typeface="Cambria Math" charset="0"/>
+                                </a:rPr>
+                                <m:t>𝑤</m:t>
+                              </m:r>
+                            </m:e>
+                            <m:sub>
+                              <m:r>
+                                <a:rPr kumimoji="1" lang="en-US" altLang="zh-CN" i="1">
+                                  <a:latin typeface="Cambria Math" charset="0"/>
+                                </a:rPr>
+                                <m:t>𝑖</m:t>
+                              </m:r>
+                              <m:r>
+                                <a:rPr kumimoji="1" lang="en-US" altLang="zh-CN" i="1">
+                                  <a:latin typeface="Cambria Math" charset="0"/>
+                                </a:rPr>
+                                <m:t>−2</m:t>
+                              </m:r>
+                            </m:sub>
+                          </m:sSub>
+                          <m:r>
+                            <a:rPr kumimoji="1" lang="en-US" altLang="zh-CN" i="1">
+                              <a:latin typeface="Cambria Math" charset="0"/>
+                            </a:rPr>
+                            <m:t>,</m:t>
+                          </m:r>
+                          <m:r>
+                            <a:rPr kumimoji="1" lang="en-US" altLang="zh-CN" i="1">
+                              <a:latin typeface="Cambria Math" charset="0"/>
+                            </a:rPr>
+                            <m:t>𝑤</m:t>
+                          </m:r>
+                        </m:e>
+                        <m:sub>
+                          <m:r>
+                            <a:rPr kumimoji="1" lang="en-US" altLang="zh-CN" i="1">
+                              <a:latin typeface="Cambria Math" charset="0"/>
+                            </a:rPr>
+                            <m:t>𝑖</m:t>
+                          </m:r>
+                          <m:r>
+                            <a:rPr kumimoji="1" lang="en-US" altLang="zh-CN" i="1">
+                              <a:latin typeface="Cambria Math" charset="0"/>
+                            </a:rPr>
+                            <m:t>−1</m:t>
+                          </m:r>
+                        </m:sub>
+                      </m:sSub>
+                      <m:r>
+                        <a:rPr kumimoji="1" lang="en-US" altLang="zh-CN" i="1">
+                          <a:latin typeface="Cambria Math" charset="0"/>
+                        </a:rPr>
+                        <m:t>)</m:t>
+                      </m:r>
+                      <m:r>
+                        <a:rPr kumimoji="1" lang="en-US" altLang="zh-CN" b="0" i="1" smtClean="0">
+                          <a:latin typeface="Cambria Math" charset="0"/>
+                        </a:rPr>
+                        <m:t>=</m:t>
+                      </m:r>
+                      <m:f>
+                        <m:fPr>
+                          <m:ctrlPr>
+                            <a:rPr kumimoji="1" lang="mr-IN" altLang="zh-CN" b="0" i="1" smtClean="0">
+                              <a:latin typeface="Cambria Math" charset="0"/>
+                            </a:rPr>
+                          </m:ctrlPr>
+                        </m:fPr>
+                        <m:num>
+                          <m:r>
+                            <a:rPr kumimoji="1" lang="en-US" altLang="zh-CN" b="0" i="1" smtClean="0">
+                              <a:latin typeface="Cambria Math" charset="0"/>
+                            </a:rPr>
+                            <m:t>𝑐</m:t>
+                          </m:r>
+                          <m:r>
+                            <a:rPr kumimoji="1" lang="en-US" altLang="zh-CN" b="0" i="1" smtClean="0">
+                              <a:latin typeface="Cambria Math" charset="0"/>
+                            </a:rPr>
+                            <m:t>(</m:t>
+                          </m:r>
+                          <m:sSub>
+                            <m:sSubPr>
+                              <m:ctrlPr>
+                                <a:rPr kumimoji="1" lang="en-US" altLang="zh-CN" i="1">
+                                  <a:latin typeface="Cambria Math" charset="0"/>
+                                </a:rPr>
+                              </m:ctrlPr>
+                            </m:sSubPr>
+                            <m:e>
+                              <m:r>
+                                <a:rPr kumimoji="1" lang="en-US" altLang="zh-CN" i="1">
+                                  <a:latin typeface="Cambria Math" charset="0"/>
+                                </a:rPr>
+                                <m:t>𝑤</m:t>
+                              </m:r>
+                            </m:e>
+                            <m:sub>
+                              <m:r>
+                                <a:rPr kumimoji="1" lang="en-US" altLang="zh-CN" i="1">
+                                  <a:latin typeface="Cambria Math" charset="0"/>
+                                </a:rPr>
+                                <m:t>𝑖</m:t>
+                              </m:r>
+                              <m:r>
+                                <a:rPr kumimoji="1" lang="en-US" altLang="zh-CN" i="1">
+                                  <a:latin typeface="Cambria Math" charset="0"/>
+                                </a:rPr>
+                                <m:t>−2</m:t>
+                              </m:r>
+                            </m:sub>
+                          </m:sSub>
+                          <m:r>
+                            <a:rPr kumimoji="1" lang="en-US" altLang="zh-CN" b="0" i="1" smtClean="0">
+                              <a:latin typeface="Cambria Math" charset="0"/>
+                            </a:rPr>
+                            <m:t>,</m:t>
+                          </m:r>
+                          <m:sSub>
+                            <m:sSubPr>
+                              <m:ctrlPr>
+                                <a:rPr kumimoji="1" lang="en-US" altLang="zh-CN" i="1">
+                                  <a:latin typeface="Cambria Math" charset="0"/>
+                                </a:rPr>
+                              </m:ctrlPr>
+                            </m:sSubPr>
+                            <m:e>
+                              <m:r>
+                                <a:rPr kumimoji="1" lang="en-US" altLang="zh-CN" i="1">
+                                  <a:latin typeface="Cambria Math" charset="0"/>
+                                </a:rPr>
+                                <m:t>𝑤</m:t>
+                              </m:r>
+                            </m:e>
+                            <m:sub>
+                              <m:r>
+                                <a:rPr kumimoji="1" lang="en-US" altLang="zh-CN" i="1">
+                                  <a:latin typeface="Cambria Math" charset="0"/>
+                                </a:rPr>
+                                <m:t>𝑖</m:t>
+                              </m:r>
+                              <m:r>
+                                <a:rPr kumimoji="1" lang="en-US" altLang="zh-CN" i="1">
+                                  <a:latin typeface="Cambria Math" charset="0"/>
+                                </a:rPr>
+                                <m:t>−1</m:t>
+                              </m:r>
+                            </m:sub>
+                          </m:sSub>
+                          <m:r>
+                            <a:rPr kumimoji="1" lang="en-US" altLang="zh-CN" b="0" i="1" smtClean="0">
+                              <a:latin typeface="Cambria Math" charset="0"/>
+                            </a:rPr>
+                            <m:t>,</m:t>
+                          </m:r>
+                          <m:sSub>
+                            <m:sSubPr>
+                              <m:ctrlPr>
+                                <a:rPr kumimoji="1" lang="en-US" altLang="zh-CN" i="1">
+                                  <a:latin typeface="Cambria Math" charset="0"/>
+                                </a:rPr>
+                              </m:ctrlPr>
+                            </m:sSubPr>
+                            <m:e>
+                              <m:r>
+                                <a:rPr kumimoji="1" lang="en-US" altLang="zh-CN" i="1">
+                                  <a:latin typeface="Cambria Math" charset="0"/>
+                                </a:rPr>
+                                <m:t>𝑤</m:t>
+                              </m:r>
+                            </m:e>
+                            <m:sub>
+                              <m:r>
+                                <a:rPr kumimoji="1" lang="en-US" altLang="zh-CN" i="1">
+                                  <a:latin typeface="Cambria Math" charset="0"/>
+                                </a:rPr>
+                                <m:t>𝑖</m:t>
+                              </m:r>
+                            </m:sub>
+                          </m:sSub>
+                          <m:r>
+                            <a:rPr kumimoji="1" lang="en-US" altLang="zh-CN" b="0" i="1" smtClean="0">
+                              <a:latin typeface="Cambria Math" charset="0"/>
+                            </a:rPr>
+                            <m:t>)</m:t>
+                          </m:r>
+                        </m:num>
+                        <m:den>
+                          <m:nary>
+                            <m:naryPr>
+                              <m:chr m:val="∑"/>
+                              <m:supHide m:val="on"/>
+                              <m:ctrlPr>
+                                <a:rPr kumimoji="1" lang="mr-IN" altLang="zh-CN" b="0" i="1" smtClean="0">
+                                  <a:latin typeface="Cambria Math" charset="0"/>
+                                </a:rPr>
+                              </m:ctrlPr>
+                            </m:naryPr>
+                            <m:sub>
+                              <m:sSub>
+                                <m:sSubPr>
+                                  <m:ctrlPr>
+                                    <a:rPr kumimoji="1" lang="en-US" altLang="zh-CN" i="1">
+                                      <a:latin typeface="Cambria Math" charset="0"/>
+                                    </a:rPr>
+                                  </m:ctrlPr>
+                                </m:sSubPr>
+                                <m:e>
+                                  <m:r>
+                                    <a:rPr kumimoji="1" lang="en-US" altLang="zh-CN" i="1">
+                                      <a:latin typeface="Cambria Math" charset="0"/>
+                                    </a:rPr>
+                                    <m:t>𝑤</m:t>
+                                  </m:r>
+                                </m:e>
+                                <m:sub>
+                                  <m:r>
+                                    <a:rPr kumimoji="1" lang="en-US" altLang="zh-CN" i="1">
+                                      <a:latin typeface="Cambria Math" charset="0"/>
+                                    </a:rPr>
+                                    <m:t>𝑖</m:t>
+                                  </m:r>
+                                </m:sub>
+                              </m:sSub>
+                            </m:sub>
+                            <m:sup/>
+                            <m:e>
+                              <m:r>
+                                <a:rPr kumimoji="1" lang="en-US" altLang="zh-CN" i="1">
+                                  <a:latin typeface="Cambria Math" charset="0"/>
+                                </a:rPr>
+                                <m:t>𝑐</m:t>
+                              </m:r>
+                              <m:r>
+                                <a:rPr kumimoji="1" lang="en-US" altLang="zh-CN" i="1">
+                                  <a:latin typeface="Cambria Math" charset="0"/>
+                                </a:rPr>
+                                <m:t>(</m:t>
+                              </m:r>
+                              <m:sSub>
+                                <m:sSubPr>
+                                  <m:ctrlPr>
+                                    <a:rPr kumimoji="1" lang="en-US" altLang="zh-CN" i="1">
+                                      <a:latin typeface="Cambria Math" charset="0"/>
+                                    </a:rPr>
+                                  </m:ctrlPr>
+                                </m:sSubPr>
+                                <m:e>
+                                  <m:sSub>
+                                    <m:sSubPr>
+                                      <m:ctrlPr>
+                                        <a:rPr kumimoji="1" lang="en-US" altLang="zh-CN" i="1">
+                                          <a:latin typeface="Cambria Math" charset="0"/>
+                                        </a:rPr>
+                                      </m:ctrlPr>
+                                    </m:sSubPr>
+                                    <m:e>
+                                      <m:r>
+                                        <a:rPr kumimoji="1" lang="en-US" altLang="zh-CN" i="1">
+                                          <a:latin typeface="Cambria Math" charset="0"/>
+                                        </a:rPr>
+                                        <m:t>𝑤</m:t>
+                                      </m:r>
+                                    </m:e>
+                                    <m:sub>
+                                      <m:r>
+                                        <a:rPr kumimoji="1" lang="en-US" altLang="zh-CN" i="1">
+                                          <a:latin typeface="Cambria Math" charset="0"/>
+                                        </a:rPr>
+                                        <m:t>𝑖</m:t>
+                                      </m:r>
+                                      <m:r>
+                                        <a:rPr kumimoji="1" lang="en-US" altLang="zh-CN" i="1">
+                                          <a:latin typeface="Cambria Math" charset="0"/>
+                                        </a:rPr>
+                                        <m:t>−2</m:t>
+                                      </m:r>
+                                    </m:sub>
+                                  </m:sSub>
+                                  <m:r>
+                                    <a:rPr kumimoji="1" lang="en-US" altLang="zh-CN" b="0" i="1" smtClean="0">
+                                      <a:latin typeface="Cambria Math" charset="0"/>
+                                    </a:rPr>
+                                    <m:t>,</m:t>
+                                  </m:r>
+                                  <m:r>
+                                    <a:rPr kumimoji="1" lang="en-US" altLang="zh-CN" i="1">
+                                      <a:latin typeface="Cambria Math" charset="0"/>
+                                    </a:rPr>
+                                    <m:t>𝑤</m:t>
+                                  </m:r>
+                                </m:e>
+                                <m:sub>
+                                  <m:r>
+                                    <a:rPr kumimoji="1" lang="en-US" altLang="zh-CN" i="1">
+                                      <a:latin typeface="Cambria Math" charset="0"/>
+                                    </a:rPr>
+                                    <m:t>𝑖</m:t>
+                                  </m:r>
+                                  <m:r>
+                                    <a:rPr kumimoji="1" lang="en-US" altLang="zh-CN" i="1">
+                                      <a:latin typeface="Cambria Math" charset="0"/>
+                                    </a:rPr>
+                                    <m:t>−1</m:t>
+                                  </m:r>
+                                </m:sub>
+                              </m:sSub>
+                              <m:r>
+                                <a:rPr kumimoji="1" lang="en-US" altLang="zh-CN" i="1">
+                                  <a:latin typeface="Cambria Math" charset="0"/>
+                                </a:rPr>
+                                <m:t>,</m:t>
+                              </m:r>
+                              <m:sSub>
+                                <m:sSubPr>
+                                  <m:ctrlPr>
+                                    <a:rPr kumimoji="1" lang="en-US" altLang="zh-CN" i="1">
+                                      <a:latin typeface="Cambria Math" charset="0"/>
+                                    </a:rPr>
+                                  </m:ctrlPr>
+                                </m:sSubPr>
+                                <m:e>
+                                  <m:r>
+                                    <a:rPr kumimoji="1" lang="en-US" altLang="zh-CN" i="1">
+                                      <a:latin typeface="Cambria Math" charset="0"/>
+                                    </a:rPr>
+                                    <m:t>𝑤</m:t>
+                                  </m:r>
+                                </m:e>
+                                <m:sub>
+                                  <m:r>
+                                    <a:rPr kumimoji="1" lang="en-US" altLang="zh-CN" i="1">
+                                      <a:latin typeface="Cambria Math" charset="0"/>
+                                    </a:rPr>
+                                    <m:t>𝑖</m:t>
+                                  </m:r>
+                                </m:sub>
+                              </m:sSub>
+                              <m:r>
+                                <a:rPr kumimoji="1" lang="en-US" altLang="zh-CN" i="1">
+                                  <a:latin typeface="Cambria Math" charset="0"/>
+                                </a:rPr>
+                                <m:t>)</m:t>
+                              </m:r>
+                            </m:e>
+                          </m:nary>
+                        </m:den>
+                      </m:f>
+                    </m:oMath>
+                  </m:oMathPara>
+                </a14:m>
+                <a:endParaRPr lang="zh-CN" altLang="en-US" dirty="0"/>
+              </a:p>
+            </p:txBody>
+          </p:sp>
+        </mc:Choice>
+        <mc:Fallback>
+          <p:sp>
+            <p:nvSpPr>
+              <p:cNvPr id="11" name="矩形 10"/>
+              <p:cNvSpPr>
+                <a:spLocks noRot="1" noChangeAspect="1" noMove="1" noResize="1" noEditPoints="1" noAdjustHandles="1" noChangeArrowheads="1" noChangeShapeType="1" noTextEdit="1"/>
+              </p:cNvSpPr>
+              <p:nvPr/>
+            </p:nvSpPr>
+            <p:spPr>
+              <a:xfrm>
+                <a:off x="6415929" y="4363049"/>
+                <a:ext cx="4208332" cy="702949"/>
+              </a:xfrm>
+              <a:prstGeom prst="rect">
+                <a:avLst/>
+              </a:prstGeom>
+              <a:blipFill rotWithShape="0">
+                <a:blip r:embed="rId6"/>
+                <a:stretch>
+                  <a:fillRect/>
+                </a:stretch>
+              </a:blipFill>
+            </p:spPr>
+            <p:txBody>
+              <a:bodyPr/>
+              <a:lstStyle/>
+              <a:p>
+                <a:r>
+                  <a:rPr lang="zh-CN" altLang="en-US">
+                    <a:noFill/>
+                  </a:rPr>
+                  <a:t> </a:t>
+                </a:r>
+              </a:p>
+            </p:txBody>
+          </p:sp>
+        </mc:Fallback>
+      </mc:AlternateContent>
+      <mc:AlternateContent xmlns:mc="http://schemas.openxmlformats.org/markup-compatibility/2006">
+        <mc:Choice xmlns:a14="http://schemas.microsoft.com/office/drawing/2010/main" Requires="a14">
+          <p:sp>
+            <p:nvSpPr>
+              <p:cNvPr id="12" name="矩形 11"/>
+              <p:cNvSpPr/>
+              <p:nvPr/>
+            </p:nvSpPr>
+            <p:spPr>
+              <a:xfrm>
+                <a:off x="6525709" y="1679579"/>
+                <a:ext cx="3789114" cy="702949"/>
+              </a:xfrm>
+              <a:prstGeom prst="rect">
+                <a:avLst/>
+              </a:prstGeom>
+            </p:spPr>
+            <p:txBody>
+              <a:bodyPr wrap="none">
+                <a:spAutoFit/>
+              </a:bodyPr>
+              <a:lstStyle/>
+              <a:p>
+                <a14:m>
+                  <m:oMathPara xmlns:m="http://schemas.openxmlformats.org/officeDocument/2006/math">
+                    <m:oMathParaPr>
+                      <m:jc m:val="centerGroup"/>
+                    </m:oMathParaPr>
+                    <m:oMath xmlns:m="http://schemas.openxmlformats.org/officeDocument/2006/math">
+                      <m:r>
+                        <a:rPr kumimoji="1" lang="en-US" altLang="zh-CN" i="1" smtClean="0">
+                          <a:latin typeface="Cambria Math" charset="0"/>
+                        </a:rPr>
+                        <m:t>𝑝</m:t>
+                      </m:r>
+                      <m:d>
+                        <m:dPr>
+                          <m:ctrlPr>
+                            <a:rPr kumimoji="1" lang="en-US" altLang="zh-CN" i="1">
+                              <a:latin typeface="Cambria Math" charset="0"/>
+                            </a:rPr>
+                          </m:ctrlPr>
+                        </m:dPr>
+                        <m:e>
+                          <m:sSub>
+                            <m:sSubPr>
+                              <m:ctrlPr>
+                                <a:rPr kumimoji="1" lang="en-US" altLang="zh-CN" i="1">
+                                  <a:latin typeface="Cambria Math" charset="0"/>
+                                </a:rPr>
+                              </m:ctrlPr>
+                            </m:sSubPr>
+                            <m:e>
+                              <m:r>
+                                <a:rPr kumimoji="1" lang="en-US" altLang="zh-CN" i="1">
+                                  <a:latin typeface="Cambria Math" charset="0"/>
+                                </a:rPr>
+                                <m:t>𝑤</m:t>
+                              </m:r>
+                            </m:e>
+                            <m:sub>
+                              <m:r>
+                                <a:rPr kumimoji="1" lang="en-US" altLang="zh-CN" i="1">
+                                  <a:latin typeface="Cambria Math" charset="0"/>
+                                </a:rPr>
+                                <m:t>𝑖</m:t>
+                              </m:r>
+                            </m:sub>
+                          </m:sSub>
+                        </m:e>
+                        <m:e>
+                          <m:sSub>
+                            <m:sSubPr>
+                              <m:ctrlPr>
+                                <a:rPr kumimoji="1" lang="en-US" altLang="zh-CN" i="1">
+                                  <a:latin typeface="Cambria Math" charset="0"/>
+                                </a:rPr>
+                              </m:ctrlPr>
+                            </m:sSubPr>
+                            <m:e>
+                              <m:r>
+                                <a:rPr kumimoji="1" lang="en-US" altLang="zh-CN" i="1">
+                                  <a:latin typeface="Cambria Math" charset="0"/>
+                                </a:rPr>
+                                <m:t>𝑤</m:t>
+                              </m:r>
+                            </m:e>
+                            <m:sub>
+                              <m:r>
+                                <a:rPr kumimoji="1" lang="en-US" altLang="zh-CN" i="1">
+                                  <a:latin typeface="Cambria Math" charset="0"/>
+                                </a:rPr>
+                                <m:t>1</m:t>
+                              </m:r>
+                            </m:sub>
+                          </m:sSub>
+                          <m:r>
+                            <a:rPr kumimoji="1" lang="en-US" altLang="zh-CN" i="1">
+                              <a:latin typeface="Cambria Math" charset="0"/>
+                            </a:rPr>
+                            <m:t>,…</m:t>
+                          </m:r>
+                          <m:sSub>
+                            <m:sSubPr>
+                              <m:ctrlPr>
+                                <a:rPr kumimoji="1" lang="en-US" altLang="zh-CN" i="1">
+                                  <a:latin typeface="Cambria Math" charset="0"/>
+                                </a:rPr>
+                              </m:ctrlPr>
+                            </m:sSubPr>
+                            <m:e>
+                              <m:r>
+                                <a:rPr kumimoji="1" lang="en-US" altLang="zh-CN" i="1">
+                                  <a:latin typeface="Cambria Math" charset="0"/>
+                                </a:rPr>
+                                <m:t>𝑤</m:t>
+                              </m:r>
+                            </m:e>
+                            <m:sub>
+                              <m:r>
+                                <a:rPr kumimoji="1" lang="en-US" altLang="zh-CN" i="1">
+                                  <a:latin typeface="Cambria Math" charset="0"/>
+                                </a:rPr>
+                                <m:t>𝑖</m:t>
+                              </m:r>
+                              <m:r>
+                                <a:rPr kumimoji="1" lang="en-US" altLang="zh-CN" i="1">
+                                  <a:latin typeface="Cambria Math" charset="0"/>
+                                </a:rPr>
+                                <m:t>−1</m:t>
+                              </m:r>
+                            </m:sub>
+                          </m:sSub>
+                        </m:e>
+                      </m:d>
+                      <m:r>
+                        <a:rPr kumimoji="1" lang="en-US" altLang="zh-CN" b="0" i="1" smtClean="0">
+                          <a:latin typeface="Cambria Math" charset="0"/>
+                        </a:rPr>
+                        <m:t>=</m:t>
+                      </m:r>
+                      <m:f>
+                        <m:fPr>
+                          <m:ctrlPr>
+                            <a:rPr kumimoji="1" lang="mr-IN" altLang="zh-CN" b="0" i="1" smtClean="0">
+                              <a:latin typeface="Cambria Math" charset="0"/>
+                            </a:rPr>
+                          </m:ctrlPr>
+                        </m:fPr>
+                        <m:num>
+                          <m:r>
+                            <a:rPr kumimoji="1" lang="en-US" altLang="zh-CN" b="0" i="1" smtClean="0">
+                              <a:latin typeface="Cambria Math" charset="0"/>
+                            </a:rPr>
+                            <m:t>𝑐</m:t>
+                          </m:r>
+                          <m:r>
+                            <a:rPr kumimoji="1" lang="en-US" altLang="zh-CN" b="0" i="1" smtClean="0">
+                              <a:latin typeface="Cambria Math" charset="0"/>
+                            </a:rPr>
+                            <m:t>(</m:t>
+                          </m:r>
+                          <m:sSub>
+                            <m:sSubPr>
+                              <m:ctrlPr>
+                                <a:rPr kumimoji="1" lang="en-US" altLang="zh-CN" b="0" i="1" smtClean="0">
+                                  <a:latin typeface="Cambria Math" charset="0"/>
+                                </a:rPr>
+                              </m:ctrlPr>
+                            </m:sSubPr>
+                            <m:e>
+                              <m:r>
+                                <a:rPr kumimoji="1" lang="en-US" altLang="zh-CN" b="0" i="1" smtClean="0">
+                                  <a:latin typeface="Cambria Math" charset="0"/>
+                                </a:rPr>
+                                <m:t>𝑤</m:t>
+                              </m:r>
+                            </m:e>
+                            <m:sub>
+                              <m:r>
+                                <a:rPr kumimoji="1" lang="en-US" altLang="zh-CN" b="0" i="1" smtClean="0">
+                                  <a:latin typeface="Cambria Math" charset="0"/>
+                                </a:rPr>
+                                <m:t>1</m:t>
+                              </m:r>
+                            </m:sub>
+                          </m:sSub>
+                          <m:r>
+                            <a:rPr kumimoji="1" lang="en-US" altLang="zh-CN" b="0" i="1" smtClean="0">
+                              <a:latin typeface="Cambria Math" charset="0"/>
+                            </a:rPr>
+                            <m:t>,…,</m:t>
+                          </m:r>
+                          <m:sSub>
+                            <m:sSubPr>
+                              <m:ctrlPr>
+                                <a:rPr kumimoji="1" lang="en-US" altLang="zh-CN" b="0" i="1" smtClean="0">
+                                  <a:latin typeface="Cambria Math" charset="0"/>
+                                </a:rPr>
+                              </m:ctrlPr>
+                            </m:sSubPr>
+                            <m:e>
+                              <m:r>
+                                <a:rPr kumimoji="1" lang="en-US" altLang="zh-CN" b="0" i="1" smtClean="0">
+                                  <a:latin typeface="Cambria Math" charset="0"/>
+                                </a:rPr>
+                                <m:t>𝑤</m:t>
+                              </m:r>
+                            </m:e>
+                            <m:sub>
+                              <m:r>
+                                <a:rPr kumimoji="1" lang="en-US" altLang="zh-CN" b="0" i="1" smtClean="0">
+                                  <a:latin typeface="Cambria Math" charset="0"/>
+                                </a:rPr>
+                                <m:t>𝑖</m:t>
+                              </m:r>
+                            </m:sub>
+                          </m:sSub>
+                          <m:r>
+                            <a:rPr kumimoji="1" lang="en-US" altLang="zh-CN" b="0" i="1" smtClean="0">
+                              <a:latin typeface="Cambria Math" charset="0"/>
+                            </a:rPr>
+                            <m:t>)</m:t>
+                          </m:r>
+                        </m:num>
+                        <m:den>
+                          <m:nary>
+                            <m:naryPr>
+                              <m:chr m:val="∑"/>
+                              <m:supHide m:val="on"/>
+                              <m:ctrlPr>
+                                <a:rPr kumimoji="1" lang="mr-IN" altLang="zh-CN" b="0" i="1" smtClean="0">
+                                  <a:latin typeface="Cambria Math" charset="0"/>
+                                </a:rPr>
+                              </m:ctrlPr>
+                            </m:naryPr>
+                            <m:sub>
+                              <m:sSub>
+                                <m:sSubPr>
+                                  <m:ctrlPr>
+                                    <a:rPr kumimoji="1" lang="en-US" altLang="zh-CN" i="1">
+                                      <a:latin typeface="Cambria Math" charset="0"/>
+                                    </a:rPr>
+                                  </m:ctrlPr>
+                                </m:sSubPr>
+                                <m:e>
+                                  <m:r>
+                                    <a:rPr kumimoji="1" lang="en-US" altLang="zh-CN" i="1">
+                                      <a:latin typeface="Cambria Math" charset="0"/>
+                                    </a:rPr>
+                                    <m:t>𝑤</m:t>
+                                  </m:r>
+                                </m:e>
+                                <m:sub>
+                                  <m:r>
+                                    <a:rPr kumimoji="1" lang="en-US" altLang="zh-CN" i="1">
+                                      <a:latin typeface="Cambria Math" charset="0"/>
+                                    </a:rPr>
+                                    <m:t>𝑖</m:t>
+                                  </m:r>
+                                </m:sub>
+                              </m:sSub>
+                            </m:sub>
+                            <m:sup/>
+                            <m:e>
+                              <m:r>
+                                <a:rPr kumimoji="1" lang="en-US" altLang="zh-CN" i="1">
+                                  <a:latin typeface="Cambria Math" charset="0"/>
+                                </a:rPr>
+                                <m:t>𝑐</m:t>
+                              </m:r>
+                              <m:r>
+                                <a:rPr kumimoji="1" lang="en-US" altLang="zh-CN" i="1">
+                                  <a:latin typeface="Cambria Math" charset="0"/>
+                                </a:rPr>
+                                <m:t>(</m:t>
+                              </m:r>
+                              <m:sSub>
+                                <m:sSubPr>
+                                  <m:ctrlPr>
+                                    <a:rPr kumimoji="1" lang="en-US" altLang="zh-CN" i="1">
+                                      <a:latin typeface="Cambria Math" charset="0"/>
+                                    </a:rPr>
+                                  </m:ctrlPr>
+                                </m:sSubPr>
+                                <m:e>
+                                  <m:r>
+                                    <a:rPr kumimoji="1" lang="en-US" altLang="zh-CN" i="1">
+                                      <a:latin typeface="Cambria Math" charset="0"/>
+                                    </a:rPr>
+                                    <m:t>𝑤</m:t>
+                                  </m:r>
+                                </m:e>
+                                <m:sub>
+                                  <m:r>
+                                    <a:rPr kumimoji="1" lang="en-US" altLang="zh-CN" i="1">
+                                      <a:latin typeface="Cambria Math" charset="0"/>
+                                    </a:rPr>
+                                    <m:t>1</m:t>
+                                  </m:r>
+                                </m:sub>
+                              </m:sSub>
+                              <m:r>
+                                <a:rPr kumimoji="1" lang="en-US" altLang="zh-CN" i="1">
+                                  <a:latin typeface="Cambria Math" charset="0"/>
+                                </a:rPr>
+                                <m:t>,…,</m:t>
+                              </m:r>
+                              <m:sSub>
+                                <m:sSubPr>
+                                  <m:ctrlPr>
+                                    <a:rPr kumimoji="1" lang="en-US" altLang="zh-CN" i="1">
+                                      <a:latin typeface="Cambria Math" charset="0"/>
+                                    </a:rPr>
+                                  </m:ctrlPr>
+                                </m:sSubPr>
+                                <m:e>
+                                  <m:r>
+                                    <a:rPr kumimoji="1" lang="en-US" altLang="zh-CN" i="1">
+                                      <a:latin typeface="Cambria Math" charset="0"/>
+                                    </a:rPr>
+                                    <m:t>𝑤</m:t>
+                                  </m:r>
+                                </m:e>
+                                <m:sub>
+                                  <m:r>
+                                    <a:rPr kumimoji="1" lang="en-US" altLang="zh-CN" i="1">
+                                      <a:latin typeface="Cambria Math" charset="0"/>
+                                    </a:rPr>
+                                    <m:t>𝑖</m:t>
+                                  </m:r>
+                                </m:sub>
+                              </m:sSub>
+                              <m:r>
+                                <a:rPr kumimoji="1" lang="en-US" altLang="zh-CN" i="1">
+                                  <a:latin typeface="Cambria Math" charset="0"/>
+                                </a:rPr>
+                                <m:t>)</m:t>
+                              </m:r>
+                            </m:e>
+                          </m:nary>
+                        </m:den>
+                      </m:f>
+                    </m:oMath>
+                  </m:oMathPara>
+                </a14:m>
+                <a:endParaRPr lang="zh-CN" altLang="en-US" dirty="0"/>
+              </a:p>
+            </p:txBody>
+          </p:sp>
+        </mc:Choice>
+        <mc:Fallback>
+          <p:sp>
+            <p:nvSpPr>
+              <p:cNvPr id="12" name="矩形 11"/>
+              <p:cNvSpPr>
+                <a:spLocks noRot="1" noChangeAspect="1" noMove="1" noResize="1" noEditPoints="1" noAdjustHandles="1" noChangeArrowheads="1" noChangeShapeType="1" noTextEdit="1"/>
+              </p:cNvSpPr>
+              <p:nvPr/>
+            </p:nvSpPr>
+            <p:spPr>
+              <a:xfrm>
+                <a:off x="6525709" y="1679579"/>
+                <a:ext cx="3789114" cy="702949"/>
+              </a:xfrm>
+              <a:prstGeom prst="rect">
+                <a:avLst/>
+              </a:prstGeom>
+              <a:blipFill rotWithShape="0">
+                <a:blip r:embed="rId7"/>
+                <a:stretch>
+                  <a:fillRect/>
+                </a:stretch>
+              </a:blipFill>
+            </p:spPr>
+            <p:txBody>
+              <a:bodyPr/>
+              <a:lstStyle/>
+              <a:p>
+                <a:r>
+                  <a:rPr lang="zh-CN" altLang="en-US">
+                    <a:noFill/>
+                  </a:rPr>
+                  <a:t> </a:t>
+                </a:r>
+              </a:p>
+            </p:txBody>
+          </p:sp>
+        </mc:Fallback>
+      </mc:AlternateContent>
+      <p:sp>
+        <p:nvSpPr>
+          <p:cNvPr id="14" name="文本框 13"/>
+          <p:cNvSpPr txBox="1"/>
+          <p:nvPr/>
+        </p:nvSpPr>
+        <p:spPr>
+          <a:xfrm>
+            <a:off x="989478" y="1823417"/>
+            <a:ext cx="1438214" cy="369332"/>
+          </a:xfrm>
+          <a:prstGeom prst="rect">
+            <a:avLst/>
+          </a:prstGeom>
+          <a:noFill/>
+        </p:spPr>
+        <p:txBody>
+          <a:bodyPr wrap="none" rtlCol="0">
+            <a:spAutoFit/>
+          </a:bodyPr>
+          <a:lstStyle/>
+          <a:p>
+            <a:r>
+              <a:rPr kumimoji="1" lang="en-US" altLang="zh-CN" dirty="0" smtClean="0"/>
+              <a:t>n-gram</a:t>
+            </a:r>
+            <a:r>
+              <a:rPr kumimoji="1" lang="zh-CN" altLang="en-US" dirty="0" smtClean="0"/>
+              <a:t>模型</a:t>
+            </a:r>
+            <a:endParaRPr kumimoji="1" lang="zh-CN" altLang="en-US" dirty="0"/>
+          </a:p>
+        </p:txBody>
+      </p:sp>
+      <p:sp>
+        <p:nvSpPr>
+          <p:cNvPr id="15" name="文本框 14"/>
+          <p:cNvSpPr txBox="1"/>
+          <p:nvPr/>
+        </p:nvSpPr>
+        <p:spPr>
+          <a:xfrm>
+            <a:off x="991613" y="2725564"/>
+            <a:ext cx="1404552" cy="369332"/>
+          </a:xfrm>
+          <a:prstGeom prst="rect">
+            <a:avLst/>
+          </a:prstGeom>
+          <a:noFill/>
+        </p:spPr>
+        <p:txBody>
+          <a:bodyPr wrap="none" rtlCol="0">
+            <a:spAutoFit/>
+          </a:bodyPr>
+          <a:lstStyle/>
+          <a:p>
+            <a:r>
+              <a:rPr kumimoji="1" lang="en-US" altLang="zh-CN" dirty="0"/>
+              <a:t>1</a:t>
+            </a:r>
+            <a:r>
+              <a:rPr kumimoji="1" lang="en-US" altLang="zh-CN" dirty="0" smtClean="0"/>
+              <a:t>-gram</a:t>
+            </a:r>
+            <a:r>
+              <a:rPr kumimoji="1" lang="zh-CN" altLang="en-US" dirty="0" smtClean="0"/>
+              <a:t>模型</a:t>
+            </a:r>
+            <a:endParaRPr kumimoji="1" lang="zh-CN" altLang="en-US" dirty="0"/>
+          </a:p>
+        </p:txBody>
+      </p:sp>
+      <p:sp>
+        <p:nvSpPr>
+          <p:cNvPr id="16" name="文本框 15"/>
+          <p:cNvSpPr txBox="1"/>
+          <p:nvPr/>
+        </p:nvSpPr>
+        <p:spPr>
+          <a:xfrm>
+            <a:off x="1023140" y="3627711"/>
+            <a:ext cx="1404552" cy="369332"/>
+          </a:xfrm>
+          <a:prstGeom prst="rect">
+            <a:avLst/>
+          </a:prstGeom>
+          <a:noFill/>
+        </p:spPr>
+        <p:txBody>
+          <a:bodyPr wrap="none" rtlCol="0">
+            <a:spAutoFit/>
+          </a:bodyPr>
+          <a:lstStyle/>
+          <a:p>
+            <a:r>
+              <a:rPr kumimoji="1" lang="en-US" altLang="zh-CN" dirty="0" smtClean="0"/>
+              <a:t>2-gram</a:t>
+            </a:r>
+            <a:r>
+              <a:rPr kumimoji="1" lang="zh-CN" altLang="en-US" dirty="0" smtClean="0"/>
+              <a:t>模型</a:t>
+            </a:r>
+            <a:endParaRPr kumimoji="1" lang="zh-CN" altLang="en-US" dirty="0"/>
+          </a:p>
+        </p:txBody>
+      </p:sp>
+      <p:sp>
+        <p:nvSpPr>
+          <p:cNvPr id="17" name="文本框 16"/>
+          <p:cNvSpPr txBox="1"/>
+          <p:nvPr/>
+        </p:nvSpPr>
+        <p:spPr>
+          <a:xfrm>
+            <a:off x="1023140" y="4529858"/>
+            <a:ext cx="1404552" cy="369332"/>
+          </a:xfrm>
+          <a:prstGeom prst="rect">
+            <a:avLst/>
+          </a:prstGeom>
+          <a:noFill/>
+        </p:spPr>
+        <p:txBody>
+          <a:bodyPr wrap="none" rtlCol="0">
+            <a:spAutoFit/>
+          </a:bodyPr>
+          <a:lstStyle/>
+          <a:p>
+            <a:r>
+              <a:rPr kumimoji="1" lang="en-US" altLang="zh-CN" dirty="0"/>
+              <a:t>3</a:t>
+            </a:r>
+            <a:r>
+              <a:rPr kumimoji="1" lang="en-US" altLang="zh-CN" dirty="0" smtClean="0"/>
+              <a:t>-gram</a:t>
+            </a:r>
+            <a:r>
+              <a:rPr kumimoji="1" lang="zh-CN" altLang="en-US" dirty="0" smtClean="0"/>
+              <a:t>模型</a:t>
+            </a:r>
+            <a:endParaRPr kumimoji="1" lang="zh-CN" altLang="en-US" dirty="0"/>
+          </a:p>
+        </p:txBody>
+      </p:sp>
+      <mc:AlternateContent xmlns:mc="http://schemas.openxmlformats.org/markup-compatibility/2006">
+        <mc:Choice xmlns:a14="http://schemas.microsoft.com/office/drawing/2010/main" Requires="a14">
+          <p:sp>
+            <p:nvSpPr>
+              <p:cNvPr id="22" name="文本框 21"/>
+              <p:cNvSpPr txBox="1"/>
+              <p:nvPr/>
+            </p:nvSpPr>
+            <p:spPr>
+              <a:xfrm>
+                <a:off x="2762693" y="2759089"/>
+                <a:ext cx="1809021" cy="299249"/>
+              </a:xfrm>
+              <a:prstGeom prst="rect">
+                <a:avLst/>
+              </a:prstGeom>
+              <a:noFill/>
+            </p:spPr>
+            <p:txBody>
+              <a:bodyPr wrap="none" lIns="0" tIns="0" rIns="0" bIns="0" rtlCol="0">
+                <a:spAutoFit/>
+              </a:bodyPr>
+              <a:lstStyle/>
+              <a:p>
+                <a:r>
+                  <a:rPr kumimoji="1" lang="en-US" altLang="zh-CN" b="0" dirty="0" smtClean="0"/>
+                  <a:t>p</a:t>
+                </a:r>
+                <a14:m>
+                  <m:oMath xmlns:m="http://schemas.openxmlformats.org/officeDocument/2006/math">
+                    <m:d>
+                      <m:dPr>
+                        <m:ctrlPr>
+                          <a:rPr kumimoji="1" lang="en-US" altLang="zh-CN" b="0" i="1" smtClean="0">
+                            <a:latin typeface="Cambria Math" charset="0"/>
+                          </a:rPr>
+                        </m:ctrlPr>
+                      </m:dPr>
+                      <m:e>
+                        <m:r>
+                          <a:rPr kumimoji="1" lang="en-US" altLang="zh-CN" b="0" i="1" smtClean="0">
+                            <a:latin typeface="Cambria Math" charset="0"/>
+                          </a:rPr>
+                          <m:t>𝑠</m:t>
+                        </m:r>
+                      </m:e>
+                    </m:d>
+                    <m:r>
+                      <a:rPr kumimoji="1" lang="en-US" altLang="zh-CN" b="0" i="1" smtClean="0">
+                        <a:latin typeface="Cambria Math" charset="0"/>
+                      </a:rPr>
+                      <m:t>=</m:t>
+                    </m:r>
+                    <m:nary>
+                      <m:naryPr>
+                        <m:chr m:val="∏"/>
+                        <m:ctrlPr>
+                          <a:rPr kumimoji="1" lang="is-IS" altLang="zh-CN" b="0" i="1" smtClean="0">
+                            <a:latin typeface="Cambria Math" charset="0"/>
+                          </a:rPr>
+                        </m:ctrlPr>
+                      </m:naryPr>
+                      <m:sub>
+                        <m:r>
+                          <m:rPr>
+                            <m:brk m:alnAt="23"/>
+                          </m:rPr>
+                          <a:rPr kumimoji="1" lang="en-US" altLang="zh-CN" b="0" i="1" smtClean="0">
+                            <a:latin typeface="Cambria Math" charset="0"/>
+                          </a:rPr>
+                          <m:t>𝑖</m:t>
+                        </m:r>
+                        <m:r>
+                          <a:rPr kumimoji="1" lang="en-US" altLang="zh-CN" b="0" i="1" smtClean="0">
+                            <a:latin typeface="Cambria Math" charset="0"/>
+                          </a:rPr>
+                          <m:t>=1</m:t>
+                        </m:r>
+                      </m:sub>
+                      <m:sup>
+                        <m:r>
+                          <a:rPr kumimoji="1" lang="en-US" altLang="zh-CN" b="0" i="1" smtClean="0">
+                            <a:latin typeface="Cambria Math" charset="0"/>
+                          </a:rPr>
+                          <m:t>𝑙</m:t>
+                        </m:r>
+                      </m:sup>
+                      <m:e>
+                        <m:r>
+                          <a:rPr kumimoji="1" lang="en-US" altLang="zh-CN" b="0" i="1" smtClean="0">
+                            <a:latin typeface="Cambria Math" charset="0"/>
+                          </a:rPr>
+                          <m:t>𝑝</m:t>
+                        </m:r>
+                        <m:r>
+                          <a:rPr kumimoji="1" lang="en-US" altLang="zh-CN" b="0" i="1" smtClean="0">
+                            <a:latin typeface="Cambria Math" charset="0"/>
+                          </a:rPr>
+                          <m:t>(</m:t>
+                        </m:r>
+                        <m:sSub>
+                          <m:sSubPr>
+                            <m:ctrlPr>
+                              <a:rPr kumimoji="1" lang="en-US" altLang="zh-CN" b="0" i="1" smtClean="0">
+                                <a:latin typeface="Cambria Math" charset="0"/>
+                              </a:rPr>
+                            </m:ctrlPr>
+                          </m:sSubPr>
+                          <m:e>
+                            <m:r>
+                              <a:rPr kumimoji="1" lang="en-US" altLang="zh-CN" b="0" i="1" smtClean="0">
+                                <a:latin typeface="Cambria Math" charset="0"/>
+                              </a:rPr>
+                              <m:t>𝑤</m:t>
+                            </m:r>
+                          </m:e>
+                          <m:sub>
+                            <m:r>
+                              <a:rPr kumimoji="1" lang="en-US" altLang="zh-CN" b="0" i="1" smtClean="0">
+                                <a:latin typeface="Cambria Math" charset="0"/>
+                              </a:rPr>
+                              <m:t>𝑖</m:t>
+                            </m:r>
+                          </m:sub>
+                        </m:sSub>
+                        <m:r>
+                          <a:rPr kumimoji="1" lang="en-US" altLang="zh-CN" b="0" i="1" smtClean="0">
+                            <a:latin typeface="Cambria Math" charset="0"/>
+                          </a:rPr>
+                          <m:t>)</m:t>
+                        </m:r>
+                      </m:e>
+                    </m:nary>
+                  </m:oMath>
+                </a14:m>
+                <a:endParaRPr kumimoji="1" lang="zh-CN" altLang="en-US" dirty="0"/>
+              </a:p>
+            </p:txBody>
+          </p:sp>
+        </mc:Choice>
+        <mc:Fallback>
+          <p:sp>
+            <p:nvSpPr>
+              <p:cNvPr id="22" name="文本框 21"/>
+              <p:cNvSpPr txBox="1">
+                <a:spLocks noRot="1" noChangeAspect="1" noMove="1" noResize="1" noEditPoints="1" noAdjustHandles="1" noChangeArrowheads="1" noChangeShapeType="1" noTextEdit="1"/>
+              </p:cNvSpPr>
+              <p:nvPr/>
+            </p:nvSpPr>
+            <p:spPr>
+              <a:xfrm>
+                <a:off x="2762693" y="2759089"/>
+                <a:ext cx="1809021" cy="299249"/>
+              </a:xfrm>
+              <a:prstGeom prst="rect">
+                <a:avLst/>
+              </a:prstGeom>
+              <a:blipFill rotWithShape="0">
+                <a:blip r:embed="rId8"/>
+                <a:stretch>
+                  <a:fillRect l="-7744" t="-157143" r="-5387" b="-244898"/>
+                </a:stretch>
+              </a:blipFill>
+            </p:spPr>
+            <p:txBody>
+              <a:bodyPr/>
+              <a:lstStyle/>
+              <a:p>
+                <a:r>
+                  <a:rPr lang="zh-CN" altLang="en-US">
+                    <a:noFill/>
+                  </a:rPr>
+                  <a:t> </a:t>
+                </a:r>
+              </a:p>
+            </p:txBody>
+          </p:sp>
+        </mc:Fallback>
+      </mc:AlternateContent>
+      <p:sp>
+        <p:nvSpPr>
+          <p:cNvPr id="23" name="文本框 22"/>
+          <p:cNvSpPr txBox="1"/>
+          <p:nvPr/>
+        </p:nvSpPr>
+        <p:spPr>
+          <a:xfrm>
+            <a:off x="5101923" y="2745258"/>
+            <a:ext cx="877163" cy="369332"/>
+          </a:xfrm>
+          <a:prstGeom prst="rect">
+            <a:avLst/>
+          </a:prstGeom>
+          <a:noFill/>
+        </p:spPr>
+        <p:txBody>
+          <a:bodyPr wrap="none" rtlCol="0">
+            <a:spAutoFit/>
+          </a:bodyPr>
+          <a:lstStyle/>
+          <a:p>
+            <a:r>
+              <a:rPr kumimoji="1" lang="zh-CN" altLang="en-US" smtClean="0"/>
+              <a:t>，其中</a:t>
+            </a:r>
+            <a:endParaRPr kumimoji="1" lang="zh-CN" altLang="en-US"/>
+          </a:p>
+        </p:txBody>
+      </p:sp>
+      <mc:AlternateContent xmlns:mc="http://schemas.openxmlformats.org/markup-compatibility/2006">
+        <mc:Choice xmlns:a14="http://schemas.microsoft.com/office/drawing/2010/main" Requires="a14">
+          <p:sp>
+            <p:nvSpPr>
+              <p:cNvPr id="24" name="矩形 23"/>
+              <p:cNvSpPr/>
+              <p:nvPr/>
+            </p:nvSpPr>
+            <p:spPr>
+              <a:xfrm>
+                <a:off x="5880757" y="2652103"/>
+                <a:ext cx="1701491" cy="496354"/>
+              </a:xfrm>
+              <a:prstGeom prst="rect">
+                <a:avLst/>
+              </a:prstGeom>
+            </p:spPr>
+            <p:txBody>
+              <a:bodyPr wrap="none">
+                <a:spAutoFit/>
+              </a:bodyPr>
+              <a:lstStyle/>
+              <a:p>
+                <a:r>
+                  <a:rPr kumimoji="1" lang="en-US" altLang="zh-CN" b="0" dirty="0" smtClean="0"/>
+                  <a:t>p(</a:t>
+                </a:r>
+                <a14:m>
+                  <m:oMath xmlns:m="http://schemas.openxmlformats.org/officeDocument/2006/math">
+                    <m:sSub>
+                      <m:sSubPr>
+                        <m:ctrlPr>
+                          <a:rPr kumimoji="1" lang="en-US" altLang="zh-CN" i="1">
+                            <a:latin typeface="Cambria Math" charset="0"/>
+                          </a:rPr>
+                        </m:ctrlPr>
+                      </m:sSubPr>
+                      <m:e>
+                        <m:r>
+                          <a:rPr kumimoji="1" lang="en-US" altLang="zh-CN" i="1">
+                            <a:latin typeface="Cambria Math" charset="0"/>
+                          </a:rPr>
+                          <m:t>𝑤</m:t>
+                        </m:r>
+                      </m:e>
+                      <m:sub>
+                        <m:r>
+                          <a:rPr kumimoji="1" lang="en-US" altLang="zh-CN" i="1">
+                            <a:latin typeface="Cambria Math" charset="0"/>
+                          </a:rPr>
+                          <m:t>𝑖</m:t>
+                        </m:r>
+                      </m:sub>
+                    </m:sSub>
+                    <m:r>
+                      <a:rPr kumimoji="1" lang="en-US" altLang="zh-CN" b="0" i="1" smtClean="0">
+                        <a:latin typeface="Cambria Math" charset="0"/>
+                      </a:rPr>
+                      <m:t>)=</m:t>
+                    </m:r>
+                    <m:f>
+                      <m:fPr>
+                        <m:ctrlPr>
+                          <a:rPr kumimoji="1" lang="mr-IN" altLang="zh-CN" b="0" i="1" smtClean="0">
+                            <a:latin typeface="Cambria Math" charset="0"/>
+                          </a:rPr>
+                        </m:ctrlPr>
+                      </m:fPr>
+                      <m:num>
+                        <m:r>
+                          <a:rPr kumimoji="1" lang="en-US" altLang="zh-CN" b="0" i="1" smtClean="0">
+                            <a:latin typeface="Cambria Math" charset="0"/>
+                          </a:rPr>
+                          <m:t>𝑐</m:t>
+                        </m:r>
+                        <m:r>
+                          <a:rPr kumimoji="1" lang="en-US" altLang="zh-CN" b="0" i="1" smtClean="0">
+                            <a:latin typeface="Cambria Math" charset="0"/>
+                          </a:rPr>
+                          <m:t>(</m:t>
+                        </m:r>
+                        <m:sSub>
+                          <m:sSubPr>
+                            <m:ctrlPr>
+                              <a:rPr kumimoji="1" lang="en-US" altLang="zh-CN" i="1">
+                                <a:latin typeface="Cambria Math" charset="0"/>
+                              </a:rPr>
+                            </m:ctrlPr>
+                          </m:sSubPr>
+                          <m:e>
+                            <m:r>
+                              <a:rPr kumimoji="1" lang="en-US" altLang="zh-CN" i="1">
+                                <a:latin typeface="Cambria Math" charset="0"/>
+                              </a:rPr>
+                              <m:t>𝑤</m:t>
+                            </m:r>
+                          </m:e>
+                          <m:sub>
+                            <m:r>
+                              <a:rPr kumimoji="1" lang="en-US" altLang="zh-CN" i="1">
+                                <a:latin typeface="Cambria Math" charset="0"/>
+                              </a:rPr>
+                              <m:t>𝑖</m:t>
+                            </m:r>
+                          </m:sub>
+                        </m:sSub>
+                        <m:r>
+                          <a:rPr kumimoji="1" lang="en-US" altLang="zh-CN" b="0" i="1" smtClean="0">
+                            <a:latin typeface="Cambria Math" charset="0"/>
+                          </a:rPr>
+                          <m:t>)</m:t>
+                        </m:r>
+                      </m:num>
+                      <m:den>
+                        <m:r>
+                          <a:rPr kumimoji="1" lang="en-US" altLang="zh-CN" b="0" i="1" smtClean="0">
+                            <a:latin typeface="Cambria Math" charset="0"/>
+                          </a:rPr>
+                          <m:t>𝑁</m:t>
+                        </m:r>
+                      </m:den>
+                    </m:f>
+                    <m:r>
+                      <a:rPr kumimoji="1" lang="en-US" altLang="zh-CN" b="0" i="0" smtClean="0">
+                        <a:latin typeface="Cambria Math" charset="0"/>
+                      </a:rPr>
+                      <m:t>,</m:t>
+                    </m:r>
+                  </m:oMath>
+                </a14:m>
+                <a:r>
+                  <a:rPr lang="en-US" altLang="zh-CN" dirty="0" smtClean="0"/>
+                  <a:t>N</a:t>
+                </a:r>
+                <a:endParaRPr lang="zh-CN" altLang="en-US" dirty="0"/>
+              </a:p>
+            </p:txBody>
+          </p:sp>
+        </mc:Choice>
+        <mc:Fallback>
+          <p:sp>
+            <p:nvSpPr>
+              <p:cNvPr id="24" name="矩形 23"/>
+              <p:cNvSpPr>
+                <a:spLocks noRot="1" noChangeAspect="1" noMove="1" noResize="1" noEditPoints="1" noAdjustHandles="1" noChangeArrowheads="1" noChangeShapeType="1" noTextEdit="1"/>
+              </p:cNvSpPr>
+              <p:nvPr/>
+            </p:nvSpPr>
+            <p:spPr>
+              <a:xfrm>
+                <a:off x="5880757" y="2652103"/>
+                <a:ext cx="1701491" cy="496354"/>
+              </a:xfrm>
+              <a:prstGeom prst="rect">
+                <a:avLst/>
+              </a:prstGeom>
+              <a:blipFill rotWithShape="0">
+                <a:blip r:embed="rId9"/>
+                <a:stretch>
+                  <a:fillRect l="-3226" r="-2509" b="-8642"/>
+                </a:stretch>
+              </a:blipFill>
+            </p:spPr>
+            <p:txBody>
+              <a:bodyPr/>
+              <a:lstStyle/>
+              <a:p>
+                <a:r>
+                  <a:rPr lang="zh-CN" altLang="en-US">
+                    <a:noFill/>
+                  </a:rPr>
+                  <a:t> </a:t>
+                </a:r>
+              </a:p>
+            </p:txBody>
+          </p:sp>
+        </mc:Fallback>
+      </mc:AlternateContent>
+      <p:sp>
+        <p:nvSpPr>
+          <p:cNvPr id="25" name="文本框 24"/>
+          <p:cNvSpPr txBox="1"/>
+          <p:nvPr/>
+        </p:nvSpPr>
+        <p:spPr>
+          <a:xfrm>
+            <a:off x="7433388" y="2725564"/>
+            <a:ext cx="2031325" cy="369332"/>
+          </a:xfrm>
+          <a:prstGeom prst="rect">
+            <a:avLst/>
+          </a:prstGeom>
+          <a:noFill/>
+        </p:spPr>
+        <p:txBody>
+          <a:bodyPr wrap="none" rtlCol="0">
+            <a:spAutoFit/>
+          </a:bodyPr>
+          <a:lstStyle/>
+          <a:p>
+            <a:r>
+              <a:rPr kumimoji="1" lang="zh-CN" altLang="en-US" dirty="0" smtClean="0"/>
+              <a:t>为训练语料总词数</a:t>
+            </a:r>
+            <a:endParaRPr kumimoji="1" lang="zh-CN" altLang="en-US" dirty="0"/>
+          </a:p>
+        </p:txBody>
+      </p:sp>
+    </p:spTree>
+    <p:extLst>
+      <p:ext uri="{BB962C8B-B14F-4D97-AF65-F5344CB8AC3E}">
+        <p14:creationId xmlns:p14="http://schemas.microsoft.com/office/powerpoint/2010/main" val="852747928"/>
       </p:ext>
     </p:extLst>
   </p:cSld>

--- a/doc/语言模型.pptx
+++ b/doc/语言模型.pptx
@@ -8,6 +8,7 @@
     <p:sldId id="256" r:id="rId2"/>
     <p:sldId id="257" r:id="rId3"/>
     <p:sldId id="258" r:id="rId4"/>
+    <p:sldId id="259" r:id="rId5"/>
   </p:sldIdLst>
   <p:sldSz cx="12192000" cy="6858000"/>
   <p:notesSz cx="6858000" cy="9144000"/>
@@ -245,7 +246,7 @@
           <a:p>
             <a:fld id="{DD953B38-0306-154E-8DDE-FF6339271E85}" type="datetimeFigureOut">
               <a:rPr kumimoji="1" lang="zh-CN" altLang="en-US" smtClean="0"/>
-              <a:t>2019/12/16</a:t>
+              <a:t>2019/12/17</a:t>
             </a:fld>
             <a:endParaRPr kumimoji="1" lang="zh-CN" altLang="en-US"/>
           </a:p>
@@ -415,7 +416,7 @@
           <a:p>
             <a:fld id="{DD953B38-0306-154E-8DDE-FF6339271E85}" type="datetimeFigureOut">
               <a:rPr kumimoji="1" lang="zh-CN" altLang="en-US" smtClean="0"/>
-              <a:t>2019/12/16</a:t>
+              <a:t>2019/12/17</a:t>
             </a:fld>
             <a:endParaRPr kumimoji="1" lang="zh-CN" altLang="en-US"/>
           </a:p>
@@ -595,7 +596,7 @@
           <a:p>
             <a:fld id="{DD953B38-0306-154E-8DDE-FF6339271E85}" type="datetimeFigureOut">
               <a:rPr kumimoji="1" lang="zh-CN" altLang="en-US" smtClean="0"/>
-              <a:t>2019/12/16</a:t>
+              <a:t>2019/12/17</a:t>
             </a:fld>
             <a:endParaRPr kumimoji="1" lang="zh-CN" altLang="en-US"/>
           </a:p>
@@ -765,7 +766,7 @@
           <a:p>
             <a:fld id="{DD953B38-0306-154E-8DDE-FF6339271E85}" type="datetimeFigureOut">
               <a:rPr kumimoji="1" lang="zh-CN" altLang="en-US" smtClean="0"/>
-              <a:t>2019/12/16</a:t>
+              <a:t>2019/12/17</a:t>
             </a:fld>
             <a:endParaRPr kumimoji="1" lang="zh-CN" altLang="en-US"/>
           </a:p>
@@ -1011,7 +1012,7 @@
           <a:p>
             <a:fld id="{DD953B38-0306-154E-8DDE-FF6339271E85}" type="datetimeFigureOut">
               <a:rPr kumimoji="1" lang="zh-CN" altLang="en-US" smtClean="0"/>
-              <a:t>2019/12/16</a:t>
+              <a:t>2019/12/17</a:t>
             </a:fld>
             <a:endParaRPr kumimoji="1" lang="zh-CN" altLang="en-US"/>
           </a:p>
@@ -1243,7 +1244,7 @@
           <a:p>
             <a:fld id="{DD953B38-0306-154E-8DDE-FF6339271E85}" type="datetimeFigureOut">
               <a:rPr kumimoji="1" lang="zh-CN" altLang="en-US" smtClean="0"/>
-              <a:t>2019/12/16</a:t>
+              <a:t>2019/12/17</a:t>
             </a:fld>
             <a:endParaRPr kumimoji="1" lang="zh-CN" altLang="en-US"/>
           </a:p>
@@ -1610,7 +1611,7 @@
           <a:p>
             <a:fld id="{DD953B38-0306-154E-8DDE-FF6339271E85}" type="datetimeFigureOut">
               <a:rPr kumimoji="1" lang="zh-CN" altLang="en-US" smtClean="0"/>
-              <a:t>2019/12/16</a:t>
+              <a:t>2019/12/17</a:t>
             </a:fld>
             <a:endParaRPr kumimoji="1" lang="zh-CN" altLang="en-US"/>
           </a:p>
@@ -1728,7 +1729,7 @@
           <a:p>
             <a:fld id="{DD953B38-0306-154E-8DDE-FF6339271E85}" type="datetimeFigureOut">
               <a:rPr kumimoji="1" lang="zh-CN" altLang="en-US" smtClean="0"/>
-              <a:t>2019/12/16</a:t>
+              <a:t>2019/12/17</a:t>
             </a:fld>
             <a:endParaRPr kumimoji="1" lang="zh-CN" altLang="en-US"/>
           </a:p>
@@ -1823,7 +1824,7 @@
           <a:p>
             <a:fld id="{DD953B38-0306-154E-8DDE-FF6339271E85}" type="datetimeFigureOut">
               <a:rPr kumimoji="1" lang="zh-CN" altLang="en-US" smtClean="0"/>
-              <a:t>2019/12/16</a:t>
+              <a:t>2019/12/17</a:t>
             </a:fld>
             <a:endParaRPr kumimoji="1" lang="zh-CN" altLang="en-US"/>
           </a:p>
@@ -2100,7 +2101,7 @@
           <a:p>
             <a:fld id="{DD953B38-0306-154E-8DDE-FF6339271E85}" type="datetimeFigureOut">
               <a:rPr kumimoji="1" lang="zh-CN" altLang="en-US" smtClean="0"/>
-              <a:t>2019/12/16</a:t>
+              <a:t>2019/12/17</a:t>
             </a:fld>
             <a:endParaRPr kumimoji="1" lang="zh-CN" altLang="en-US"/>
           </a:p>
@@ -2353,7 +2354,7 @@
           <a:p>
             <a:fld id="{DD953B38-0306-154E-8DDE-FF6339271E85}" type="datetimeFigureOut">
               <a:rPr kumimoji="1" lang="zh-CN" altLang="en-US" smtClean="0"/>
-              <a:t>2019/12/16</a:t>
+              <a:t>2019/12/17</a:t>
             </a:fld>
             <a:endParaRPr kumimoji="1" lang="zh-CN" altLang="en-US"/>
           </a:p>
@@ -2566,7 +2567,7 @@
           <a:p>
             <a:fld id="{DD953B38-0306-154E-8DDE-FF6339271E85}" type="datetimeFigureOut">
               <a:rPr kumimoji="1" lang="zh-CN" altLang="en-US" smtClean="0"/>
-              <a:t>2019/12/16</a:t>
+              <a:t>2019/12/17</a:t>
             </a:fld>
             <a:endParaRPr kumimoji="1" lang="zh-CN" altLang="en-US"/>
           </a:p>
@@ -3978,8 +3979,8 @@
           </a:p>
         </p:txBody>
       </p:sp>
-      <mc:AlternateContent xmlns:mc="http://schemas.openxmlformats.org/markup-compatibility/2006">
-        <mc:Choice xmlns:a14="http://schemas.microsoft.com/office/drawing/2010/main" Requires="a14">
+      <mc:AlternateContent xmlns:mc="http://schemas.openxmlformats.org/markup-compatibility/2006" xmlns:a14="http://schemas.microsoft.com/office/drawing/2010/main">
+        <mc:Choice Requires="a14">
           <p:sp>
             <p:nvSpPr>
               <p:cNvPr id="3" name="文本框 2"/>
@@ -4186,7 +4187,7 @@
             </p:txBody>
           </p:sp>
         </mc:Choice>
-        <mc:Fallback>
+        <mc:Fallback xmlns="">
           <p:sp>
             <p:nvSpPr>
               <p:cNvPr id="3" name="文本框 2"/>
@@ -4225,8 +4226,8 @@
           </p:sp>
         </mc:Fallback>
       </mc:AlternateContent>
-      <mc:AlternateContent xmlns:mc="http://schemas.openxmlformats.org/markup-compatibility/2006">
-        <mc:Choice xmlns:a14="http://schemas.microsoft.com/office/drawing/2010/main" Requires="a14">
+      <mc:AlternateContent xmlns:mc="http://schemas.openxmlformats.org/markup-compatibility/2006" xmlns:a14="http://schemas.microsoft.com/office/drawing/2010/main">
+        <mc:Choice Requires="a14">
           <p:sp>
             <p:nvSpPr>
               <p:cNvPr id="5" name="文本框 4"/>
@@ -4402,7 +4403,7 @@
             </p:txBody>
           </p:sp>
         </mc:Choice>
-        <mc:Fallback>
+        <mc:Fallback xmlns="">
           <p:sp>
             <p:nvSpPr>
               <p:cNvPr id="5" name="文本框 4"/>
@@ -4441,8 +4442,8 @@
           </p:sp>
         </mc:Fallback>
       </mc:AlternateContent>
-      <mc:AlternateContent xmlns:mc="http://schemas.openxmlformats.org/markup-compatibility/2006">
-        <mc:Choice xmlns:a14="http://schemas.microsoft.com/office/drawing/2010/main" Requires="a14">
+      <mc:AlternateContent xmlns:mc="http://schemas.openxmlformats.org/markup-compatibility/2006" xmlns:a14="http://schemas.microsoft.com/office/drawing/2010/main">
+        <mc:Choice Requires="a14">
           <p:sp>
             <p:nvSpPr>
               <p:cNvPr id="6" name="文本框 5"/>
@@ -4655,7 +4656,7 @@
             </p:txBody>
           </p:sp>
         </mc:Choice>
-        <mc:Fallback>
+        <mc:Fallback xmlns="">
           <p:sp>
             <p:nvSpPr>
               <p:cNvPr id="6" name="文本框 5"/>
@@ -4784,8 +4785,8 @@
           </a:p>
         </p:txBody>
       </p:sp>
-      <mc:AlternateContent xmlns:mc="http://schemas.openxmlformats.org/markup-compatibility/2006">
-        <mc:Choice xmlns:a14="http://schemas.microsoft.com/office/drawing/2010/main" Requires="a14">
+      <mc:AlternateContent xmlns:mc="http://schemas.openxmlformats.org/markup-compatibility/2006" xmlns:a14="http://schemas.microsoft.com/office/drawing/2010/main">
+        <mc:Choice Requires="a14">
           <p:sp>
             <p:nvSpPr>
               <p:cNvPr id="10" name="矩形 9"/>
@@ -4807,6 +4808,7 @@
               </a:bodyPr>
               <a:lstStyle/>
               <a:p>
+                <a:pPr/>
                 <a14:m>
                   <m:oMathPara xmlns:m="http://schemas.openxmlformats.org/officeDocument/2006/math">
                     <m:oMathParaPr>
@@ -5116,7 +5118,7 @@
             </p:txBody>
           </p:sp>
         </mc:Choice>
-        <mc:Fallback>
+        <mc:Fallback xmlns="">
           <p:sp>
             <p:nvSpPr>
               <p:cNvPr id="10" name="矩形 9"/>
@@ -5155,8 +5157,8 @@
           </p:sp>
         </mc:Fallback>
       </mc:AlternateContent>
-      <mc:AlternateContent xmlns:mc="http://schemas.openxmlformats.org/markup-compatibility/2006">
-        <mc:Choice xmlns:a14="http://schemas.microsoft.com/office/drawing/2010/main" Requires="a14">
+      <mc:AlternateContent xmlns:mc="http://schemas.openxmlformats.org/markup-compatibility/2006" xmlns:a14="http://schemas.microsoft.com/office/drawing/2010/main">
+        <mc:Choice Requires="a14">
           <p:sp>
             <p:nvSpPr>
               <p:cNvPr id="11" name="矩形 10"/>
@@ -5178,6 +5180,7 @@
               </a:bodyPr>
               <a:lstStyle/>
               <a:p>
+                <a:pPr/>
                 <a14:m>
                   <m:oMathPara xmlns:m="http://schemas.openxmlformats.org/officeDocument/2006/math">
                     <m:oMathParaPr>
@@ -5603,7 +5606,7 @@
             </p:txBody>
           </p:sp>
         </mc:Choice>
-        <mc:Fallback>
+        <mc:Fallback xmlns="">
           <p:sp>
             <p:nvSpPr>
               <p:cNvPr id="11" name="矩形 10"/>
@@ -5642,8 +5645,8 @@
           </p:sp>
         </mc:Fallback>
       </mc:AlternateContent>
-      <mc:AlternateContent xmlns:mc="http://schemas.openxmlformats.org/markup-compatibility/2006">
-        <mc:Choice xmlns:a14="http://schemas.microsoft.com/office/drawing/2010/main" Requires="a14">
+      <mc:AlternateContent xmlns:mc="http://schemas.openxmlformats.org/markup-compatibility/2006" xmlns:a14="http://schemas.microsoft.com/office/drawing/2010/main">
+        <mc:Choice Requires="a14">
           <p:sp>
             <p:nvSpPr>
               <p:cNvPr id="12" name="矩形 11"/>
@@ -5665,6 +5668,7 @@
               </a:bodyPr>
               <a:lstStyle/>
               <a:p>
+                <a:pPr/>
                 <a14:m>
                   <m:oMathPara xmlns:m="http://schemas.openxmlformats.org/officeDocument/2006/math">
                     <m:oMathParaPr>
@@ -5993,7 +5997,7 @@
             </p:txBody>
           </p:sp>
         </mc:Choice>
-        <mc:Fallback>
+        <mc:Fallback xmlns="">
           <p:sp>
             <p:nvSpPr>
               <p:cNvPr id="12" name="矩形 11"/>
@@ -6176,8 +6180,8 @@
           </a:p>
         </p:txBody>
       </p:sp>
-      <mc:AlternateContent xmlns:mc="http://schemas.openxmlformats.org/markup-compatibility/2006">
-        <mc:Choice xmlns:a14="http://schemas.microsoft.com/office/drawing/2010/main" Requires="a14">
+      <mc:AlternateContent xmlns:mc="http://schemas.openxmlformats.org/markup-compatibility/2006" xmlns:a14="http://schemas.microsoft.com/office/drawing/2010/main">
+        <mc:Choice Requires="a14">
           <p:sp>
             <p:nvSpPr>
               <p:cNvPr id="22" name="文本框 21"/>
@@ -6316,7 +6320,7 @@
             </p:txBody>
           </p:sp>
         </mc:Choice>
-        <mc:Fallback>
+        <mc:Fallback xmlns="">
           <p:sp>
             <p:nvSpPr>
               <p:cNvPr id="22" name="文本框 21"/>
@@ -6385,8 +6389,8 @@
           </a:p>
         </p:txBody>
       </p:sp>
-      <mc:AlternateContent xmlns:mc="http://schemas.openxmlformats.org/markup-compatibility/2006">
-        <mc:Choice xmlns:a14="http://schemas.microsoft.com/office/drawing/2010/main" Requires="a14">
+      <mc:AlternateContent xmlns:mc="http://schemas.openxmlformats.org/markup-compatibility/2006" xmlns:a14="http://schemas.microsoft.com/office/drawing/2010/main">
+        <mc:Choice Requires="a14">
           <p:sp>
             <p:nvSpPr>
               <p:cNvPr id="24" name="矩形 23"/>
@@ -6524,7 +6528,7 @@
             </p:txBody>
           </p:sp>
         </mc:Choice>
-        <mc:Fallback>
+        <mc:Fallback xmlns="">
           <p:sp>
             <p:nvSpPr>
               <p:cNvPr id="24" name="矩形 23"/>
@@ -6597,6 +6601,5034 @@
     <p:extLst>
       <p:ext uri="{BB962C8B-B14F-4D97-AF65-F5344CB8AC3E}">
         <p14:creationId xmlns:p14="http://schemas.microsoft.com/office/powerpoint/2010/main" val="852747928"/>
+      </p:ext>
+    </p:extLst>
+  </p:cSld>
+  <p:clrMapOvr>
+    <a:masterClrMapping/>
+  </p:clrMapOvr>
+</p:sld>
+</file>
+
+<file path=ppt/slides/slide4.xml><?xml version="1.0" encoding="utf-8"?>
+<p:sld xmlns:a="http://schemas.openxmlformats.org/drawingml/2006/main" xmlns:r="http://schemas.openxmlformats.org/officeDocument/2006/relationships" xmlns:p="http://schemas.openxmlformats.org/presentationml/2006/main">
+  <p:cSld>
+    <p:spTree>
+      <p:nvGrpSpPr>
+        <p:cNvPr id="1" name=""/>
+        <p:cNvGrpSpPr/>
+        <p:nvPr/>
+      </p:nvGrpSpPr>
+      <p:grpSpPr>
+        <a:xfrm>
+          <a:off x="0" y="0"/>
+          <a:ext cx="0" cy="0"/>
+          <a:chOff x="0" y="0"/>
+          <a:chExt cx="0" cy="0"/>
+        </a:xfrm>
+      </p:grpSpPr>
+      <p:sp>
+        <p:nvSpPr>
+          <p:cNvPr id="2" name="标题 1"/>
+          <p:cNvSpPr>
+            <a:spLocks noGrp="1"/>
+          </p:cNvSpPr>
+          <p:nvPr>
+            <p:ph type="title"/>
+          </p:nvPr>
+        </p:nvSpPr>
+        <p:spPr>
+          <a:xfrm>
+            <a:off x="838200" y="141833"/>
+            <a:ext cx="10515600" cy="900516"/>
+          </a:xfrm>
+        </p:spPr>
+        <p:txBody>
+          <a:bodyPr/>
+          <a:lstStyle/>
+          <a:p>
+            <a:r>
+              <a:rPr kumimoji="1" lang="en-US" altLang="zh-CN" dirty="0" smtClean="0"/>
+              <a:t>n-gram</a:t>
+            </a:r>
+            <a:r>
+              <a:rPr kumimoji="1" lang="zh-CN" altLang="en-US" dirty="0" smtClean="0"/>
+              <a:t>平滑</a:t>
+            </a:r>
+            <a:r>
+              <a:rPr kumimoji="1" lang="en-US" altLang="zh-CN" dirty="0" smtClean="0"/>
+              <a:t>-</a:t>
+            </a:r>
+            <a:r>
+              <a:rPr kumimoji="1" lang="zh-CN" altLang="en-US" dirty="0" smtClean="0"/>
+              <a:t>插值</a:t>
+            </a:r>
+            <a:endParaRPr kumimoji="1" lang="zh-CN" altLang="en-US" dirty="0"/>
+          </a:p>
+        </p:txBody>
+      </p:sp>
+      <p:sp>
+        <p:nvSpPr>
+          <p:cNvPr id="3" name="文本框 2"/>
+          <p:cNvSpPr txBox="1"/>
+          <p:nvPr/>
+        </p:nvSpPr>
+        <p:spPr>
+          <a:xfrm>
+            <a:off x="786732" y="1084495"/>
+            <a:ext cx="2117887" cy="369332"/>
+          </a:xfrm>
+          <a:prstGeom prst="rect">
+            <a:avLst/>
+          </a:prstGeom>
+          <a:noFill/>
+        </p:spPr>
+        <p:txBody>
+          <a:bodyPr wrap="none" rtlCol="0">
+            <a:spAutoFit/>
+          </a:bodyPr>
+          <a:lstStyle/>
+          <a:p>
+            <a:r>
+              <a:rPr kumimoji="1" lang="en-US" altLang="zh-CN" b="1" dirty="0" smtClean="0"/>
+              <a:t>1-gram</a:t>
+            </a:r>
+            <a:r>
+              <a:rPr kumimoji="1" lang="zh-CN" altLang="en-US" b="1" dirty="0" smtClean="0"/>
+              <a:t>模型的插值</a:t>
+            </a:r>
+            <a:endParaRPr kumimoji="1" lang="zh-CN" altLang="en-US" b="1" dirty="0"/>
+          </a:p>
+        </p:txBody>
+      </p:sp>
+      <p:grpSp>
+        <p:nvGrpSpPr>
+          <p:cNvPr id="13" name="组 12"/>
+          <p:cNvGrpSpPr/>
+          <p:nvPr/>
+        </p:nvGrpSpPr>
+        <p:grpSpPr>
+          <a:xfrm>
+            <a:off x="786732" y="1515543"/>
+            <a:ext cx="4299126" cy="2082179"/>
+            <a:chOff x="2823039" y="2094167"/>
+            <a:chExt cx="4299126" cy="2082179"/>
+          </a:xfrm>
+        </p:grpSpPr>
+        <mc:AlternateContent xmlns:mc="http://schemas.openxmlformats.org/markup-compatibility/2006">
+          <mc:Choice xmlns:a14="http://schemas.microsoft.com/office/drawing/2010/main" Requires="a14">
+            <p:sp>
+              <p:nvSpPr>
+                <p:cNvPr id="6" name="文本框 5"/>
+                <p:cNvSpPr txBox="1"/>
+                <p:nvPr/>
+              </p:nvSpPr>
+              <p:spPr>
+                <a:xfrm>
+                  <a:off x="2823039" y="2094167"/>
+                  <a:ext cx="3201069" cy="518604"/>
+                </a:xfrm>
+                <a:prstGeom prst="rect">
+                  <a:avLst/>
+                </a:prstGeom>
+                <a:noFill/>
+              </p:spPr>
+              <p:txBody>
+                <a:bodyPr wrap="none" lIns="0" tIns="0" rIns="0" bIns="0" rtlCol="0">
+                  <a:spAutoFit/>
+                </a:bodyPr>
+                <a:lstStyle/>
+                <a:p>
+                  <a:pPr/>
+                  <a14:m>
+                    <m:oMathPara xmlns:m="http://schemas.openxmlformats.org/officeDocument/2006/math">
+                      <m:oMathParaPr>
+                        <m:jc m:val="centerGroup"/>
+                      </m:oMathParaPr>
+                      <m:oMath xmlns:m="http://schemas.openxmlformats.org/officeDocument/2006/math">
+                        <m:r>
+                          <a:rPr kumimoji="1" lang="en-US" altLang="zh-CN" b="1" i="1" smtClean="0">
+                            <a:latin typeface="Cambria Math" charset="0"/>
+                          </a:rPr>
+                          <m:t>𝑷</m:t>
+                        </m:r>
+                        <m:d>
+                          <m:dPr>
+                            <m:ctrlPr>
+                              <a:rPr kumimoji="1" lang="en-US" altLang="zh-CN" b="1" i="1" smtClean="0">
+                                <a:latin typeface="Cambria Math" charset="0"/>
+                              </a:rPr>
+                            </m:ctrlPr>
+                          </m:dPr>
+                          <m:e>
+                            <m:sSub>
+                              <m:sSubPr>
+                                <m:ctrlPr>
+                                  <a:rPr kumimoji="1" lang="en-US" altLang="zh-CN" b="1" i="1" smtClean="0">
+                                    <a:latin typeface="Cambria Math" charset="0"/>
+                                  </a:rPr>
+                                </m:ctrlPr>
+                              </m:sSubPr>
+                              <m:e>
+                                <m:r>
+                                  <a:rPr kumimoji="1" lang="en-US" altLang="zh-CN" b="1" i="1" smtClean="0">
+                                    <a:latin typeface="Cambria Math" charset="0"/>
+                                  </a:rPr>
+                                  <m:t>𝒘</m:t>
+                                </m:r>
+                              </m:e>
+                              <m:sub>
+                                <m:r>
+                                  <a:rPr kumimoji="1" lang="en-US" altLang="zh-CN" b="1" i="1" smtClean="0">
+                                    <a:latin typeface="Cambria Math" charset="0"/>
+                                  </a:rPr>
+                                  <m:t>𝒕</m:t>
+                                </m:r>
+                              </m:sub>
+                            </m:sSub>
+                          </m:e>
+                        </m:d>
+                        <m:r>
+                          <a:rPr kumimoji="1" lang="en-US" altLang="zh-CN" b="1" i="1" smtClean="0">
+                            <a:latin typeface="Cambria Math" charset="0"/>
+                          </a:rPr>
+                          <m:t>=</m:t>
+                        </m:r>
+                        <m:r>
+                          <a:rPr kumimoji="1" lang="en-US" altLang="zh-CN" b="1" i="1" smtClean="0">
+                            <a:latin typeface="Cambria Math" charset="0"/>
+                            <a:ea typeface="Cambria Math" charset="0"/>
+                            <a:cs typeface="Cambria Math" charset="0"/>
+                          </a:rPr>
+                          <m:t>𝝀</m:t>
+                        </m:r>
+                        <m:sSub>
+                          <m:sSubPr>
+                            <m:ctrlPr>
+                              <a:rPr kumimoji="1" lang="en-US" altLang="zh-CN" b="1" i="1" smtClean="0">
+                                <a:latin typeface="Cambria Math" charset="0"/>
+                                <a:ea typeface="Cambria Math" charset="0"/>
+                                <a:cs typeface="Cambria Math" charset="0"/>
+                              </a:rPr>
+                            </m:ctrlPr>
+                          </m:sSubPr>
+                          <m:e>
+                            <m:r>
+                              <a:rPr kumimoji="1" lang="en-US" altLang="zh-CN" b="1" i="1" smtClean="0">
+                                <a:latin typeface="Cambria Math" charset="0"/>
+                                <a:ea typeface="Cambria Math" charset="0"/>
+                                <a:cs typeface="Cambria Math" charset="0"/>
+                              </a:rPr>
+                              <m:t>𝑷</m:t>
+                            </m:r>
+                          </m:e>
+                          <m:sub>
+                            <m:r>
+                              <a:rPr kumimoji="1" lang="en-US" altLang="zh-CN" b="1" i="1" smtClean="0">
+                                <a:latin typeface="Cambria Math" charset="0"/>
+                                <a:ea typeface="Cambria Math" charset="0"/>
+                                <a:cs typeface="Cambria Math" charset="0"/>
+                              </a:rPr>
+                              <m:t>𝑴𝑳</m:t>
+                            </m:r>
+                          </m:sub>
+                        </m:sSub>
+                        <m:d>
+                          <m:dPr>
+                            <m:ctrlPr>
+                              <a:rPr kumimoji="1" lang="en-US" altLang="zh-CN" b="1" i="1" smtClean="0">
+                                <a:latin typeface="Cambria Math" charset="0"/>
+                                <a:ea typeface="Cambria Math" charset="0"/>
+                                <a:cs typeface="Cambria Math" charset="0"/>
+                              </a:rPr>
+                            </m:ctrlPr>
+                          </m:dPr>
+                          <m:e>
+                            <m:sSub>
+                              <m:sSubPr>
+                                <m:ctrlPr>
+                                  <a:rPr kumimoji="1" lang="en-US" altLang="zh-CN" b="1" i="1" smtClean="0">
+                                    <a:latin typeface="Cambria Math" charset="0"/>
+                                    <a:ea typeface="Cambria Math" charset="0"/>
+                                    <a:cs typeface="Cambria Math" charset="0"/>
+                                  </a:rPr>
+                                </m:ctrlPr>
+                              </m:sSubPr>
+                              <m:e>
+                                <m:r>
+                                  <a:rPr kumimoji="1" lang="en-US" altLang="zh-CN" b="1" i="1" smtClean="0">
+                                    <a:latin typeface="Cambria Math" charset="0"/>
+                                    <a:ea typeface="Cambria Math" charset="0"/>
+                                    <a:cs typeface="Cambria Math" charset="0"/>
+                                  </a:rPr>
+                                  <m:t>𝒘</m:t>
+                                </m:r>
+                              </m:e>
+                              <m:sub>
+                                <m:r>
+                                  <a:rPr kumimoji="1" lang="en-US" altLang="zh-CN" b="1" i="1" smtClean="0">
+                                    <a:latin typeface="Cambria Math" charset="0"/>
+                                    <a:ea typeface="Cambria Math" charset="0"/>
+                                    <a:cs typeface="Cambria Math" charset="0"/>
+                                  </a:rPr>
+                                  <m:t>𝒕</m:t>
+                                </m:r>
+                              </m:sub>
+                            </m:sSub>
+                          </m:e>
+                        </m:d>
+                        <m:r>
+                          <a:rPr kumimoji="1" lang="en-US" altLang="zh-CN" b="1" i="1" smtClean="0">
+                            <a:latin typeface="Cambria Math" charset="0"/>
+                            <a:ea typeface="Cambria Math" charset="0"/>
+                            <a:cs typeface="Cambria Math" charset="0"/>
+                          </a:rPr>
+                          <m:t>+(</m:t>
+                        </m:r>
+                        <m:r>
+                          <a:rPr kumimoji="1" lang="en-US" altLang="zh-CN" b="1" i="1" smtClean="0">
+                            <a:latin typeface="Cambria Math" charset="0"/>
+                            <a:ea typeface="Cambria Math" charset="0"/>
+                            <a:cs typeface="Cambria Math" charset="0"/>
+                          </a:rPr>
+                          <m:t>𝟏</m:t>
+                        </m:r>
+                        <m:r>
+                          <a:rPr kumimoji="1" lang="en-US" altLang="zh-CN" b="1" i="1" smtClean="0">
+                            <a:latin typeface="Cambria Math" charset="0"/>
+                            <a:ea typeface="Cambria Math" charset="0"/>
+                            <a:cs typeface="Cambria Math" charset="0"/>
+                          </a:rPr>
+                          <m:t>−</m:t>
+                        </m:r>
+                        <m:r>
+                          <a:rPr kumimoji="1" lang="en-US" altLang="zh-CN" b="1" i="1">
+                            <a:latin typeface="Cambria Math" charset="0"/>
+                            <a:ea typeface="Cambria Math" charset="0"/>
+                            <a:cs typeface="Cambria Math" charset="0"/>
+                          </a:rPr>
+                          <m:t>𝝀</m:t>
+                        </m:r>
+                        <m:r>
+                          <a:rPr kumimoji="1" lang="en-US" altLang="zh-CN" b="1" i="0" smtClean="0">
+                            <a:latin typeface="Cambria Math" charset="0"/>
+                            <a:ea typeface="Cambria Math" charset="0"/>
+                            <a:cs typeface="Cambria Math" charset="0"/>
+                          </a:rPr>
+                          <m:t>)</m:t>
+                        </m:r>
+                        <m:f>
+                          <m:fPr>
+                            <m:ctrlPr>
+                              <a:rPr kumimoji="1" lang="mr-IN" altLang="zh-CN" b="1" i="1" smtClean="0">
+                                <a:latin typeface="Cambria Math" charset="0"/>
+                                <a:ea typeface="Cambria Math" charset="0"/>
+                                <a:cs typeface="Cambria Math" charset="0"/>
+                              </a:rPr>
+                            </m:ctrlPr>
+                          </m:fPr>
+                          <m:num>
+                            <m:r>
+                              <a:rPr kumimoji="1" lang="en-US" altLang="zh-CN" b="1" i="1" smtClean="0">
+                                <a:latin typeface="Cambria Math" charset="0"/>
+                                <a:ea typeface="Cambria Math" charset="0"/>
+                                <a:cs typeface="Cambria Math" charset="0"/>
+                              </a:rPr>
+                              <m:t>𝟏</m:t>
+                            </m:r>
+                          </m:num>
+                          <m:den>
+                            <m:r>
+                              <a:rPr kumimoji="1" lang="en-US" altLang="zh-CN" b="1" i="1" smtClean="0">
+                                <a:latin typeface="Cambria Math" charset="0"/>
+                                <a:ea typeface="Cambria Math" charset="0"/>
+                                <a:cs typeface="Cambria Math" charset="0"/>
+                              </a:rPr>
+                              <m:t>𝑵</m:t>
+                            </m:r>
+                          </m:den>
+                        </m:f>
+                      </m:oMath>
+                    </m:oMathPara>
+                  </a14:m>
+                  <a:endParaRPr kumimoji="1" lang="zh-CN" altLang="en-US" b="1" dirty="0"/>
+                </a:p>
+              </p:txBody>
+            </p:sp>
+          </mc:Choice>
+          <mc:Fallback>
+            <p:sp>
+              <p:nvSpPr>
+                <p:cNvPr id="6" name="文本框 5"/>
+                <p:cNvSpPr txBox="1">
+                  <a:spLocks noRot="1" noChangeAspect="1" noMove="1" noResize="1" noEditPoints="1" noAdjustHandles="1" noChangeArrowheads="1" noChangeShapeType="1" noTextEdit="1"/>
+                </p:cNvSpPr>
+                <p:nvPr/>
+              </p:nvSpPr>
+              <p:spPr>
+                <a:xfrm>
+                  <a:off x="2823039" y="2094167"/>
+                  <a:ext cx="3201069" cy="518604"/>
+                </a:xfrm>
+                <a:prstGeom prst="rect">
+                  <a:avLst/>
+                </a:prstGeom>
+                <a:blipFill rotWithShape="0">
+                  <a:blip r:embed="rId2"/>
+                  <a:stretch>
+                    <a:fillRect/>
+                  </a:stretch>
+                </a:blipFill>
+              </p:spPr>
+              <p:txBody>
+                <a:bodyPr/>
+                <a:lstStyle/>
+                <a:p>
+                  <a:r>
+                    <a:rPr lang="zh-CN" altLang="en-US">
+                      <a:noFill/>
+                    </a:rPr>
+                    <a:t> </a:t>
+                  </a:r>
+                </a:p>
+              </p:txBody>
+            </p:sp>
+          </mc:Fallback>
+        </mc:AlternateContent>
+        <mc:AlternateContent xmlns:mc="http://schemas.openxmlformats.org/markup-compatibility/2006" xmlns:a14="http://schemas.microsoft.com/office/drawing/2010/main">
+          <mc:Choice Requires="a14">
+            <p:sp>
+              <p:nvSpPr>
+                <p:cNvPr id="7" name="矩形 6"/>
+                <p:cNvSpPr/>
+                <p:nvPr/>
+              </p:nvSpPr>
+              <p:spPr>
+                <a:xfrm>
+                  <a:off x="2823039" y="2681702"/>
+                  <a:ext cx="1916358" cy="618118"/>
+                </a:xfrm>
+                <a:prstGeom prst="rect">
+                  <a:avLst/>
+                </a:prstGeom>
+              </p:spPr>
+              <p:txBody>
+                <a:bodyPr wrap="none">
+                  <a:spAutoFit/>
+                </a:bodyPr>
+                <a:lstStyle/>
+                <a:p>
+                  <a:pPr/>
+                  <a14:m>
+                    <m:oMathPara xmlns:m="http://schemas.openxmlformats.org/officeDocument/2006/math">
+                      <m:oMathParaPr>
+                        <m:jc m:val="centerGroup"/>
+                      </m:oMathParaPr>
+                      <m:oMath xmlns:m="http://schemas.openxmlformats.org/officeDocument/2006/math">
+                        <m:sSub>
+                          <m:sSubPr>
+                            <m:ctrlPr>
+                              <a:rPr kumimoji="1" lang="en-US" altLang="zh-CN" i="1" smtClean="0">
+                                <a:latin typeface="Cambria Math" charset="0"/>
+                                <a:ea typeface="Cambria Math" charset="0"/>
+                                <a:cs typeface="Cambria Math" charset="0"/>
+                              </a:rPr>
+                            </m:ctrlPr>
+                          </m:sSubPr>
+                          <m:e>
+                            <m:r>
+                              <a:rPr kumimoji="1" lang="en-US" altLang="zh-CN" i="1">
+                                <a:latin typeface="Cambria Math" charset="0"/>
+                                <a:ea typeface="Cambria Math" charset="0"/>
+                                <a:cs typeface="Cambria Math" charset="0"/>
+                              </a:rPr>
+                              <m:t>𝑃</m:t>
+                            </m:r>
+                          </m:e>
+                          <m:sub>
+                            <m:r>
+                              <a:rPr kumimoji="1" lang="en-US" altLang="zh-CN" i="1">
+                                <a:latin typeface="Cambria Math" charset="0"/>
+                                <a:ea typeface="Cambria Math" charset="0"/>
+                                <a:cs typeface="Cambria Math" charset="0"/>
+                              </a:rPr>
+                              <m:t>𝑀𝐿</m:t>
+                            </m:r>
+                          </m:sub>
+                        </m:sSub>
+                        <m:d>
+                          <m:dPr>
+                            <m:ctrlPr>
+                              <a:rPr kumimoji="1" lang="en-US" altLang="zh-CN" i="1">
+                                <a:latin typeface="Cambria Math" charset="0"/>
+                                <a:ea typeface="Cambria Math" charset="0"/>
+                                <a:cs typeface="Cambria Math" charset="0"/>
+                              </a:rPr>
+                            </m:ctrlPr>
+                          </m:dPr>
+                          <m:e>
+                            <m:sSub>
+                              <m:sSubPr>
+                                <m:ctrlPr>
+                                  <a:rPr kumimoji="1" lang="en-US" altLang="zh-CN" i="1">
+                                    <a:latin typeface="Cambria Math" charset="0"/>
+                                    <a:ea typeface="Cambria Math" charset="0"/>
+                                    <a:cs typeface="Cambria Math" charset="0"/>
+                                  </a:rPr>
+                                </m:ctrlPr>
+                              </m:sSubPr>
+                              <m:e>
+                                <m:r>
+                                  <a:rPr kumimoji="1" lang="en-US" altLang="zh-CN" i="1">
+                                    <a:latin typeface="Cambria Math" charset="0"/>
+                                    <a:ea typeface="Cambria Math" charset="0"/>
+                                    <a:cs typeface="Cambria Math" charset="0"/>
+                                  </a:rPr>
+                                  <m:t>𝑤</m:t>
+                                </m:r>
+                              </m:e>
+                              <m:sub>
+                                <m:r>
+                                  <a:rPr kumimoji="1" lang="en-US" altLang="zh-CN" i="1">
+                                    <a:latin typeface="Cambria Math" charset="0"/>
+                                    <a:ea typeface="Cambria Math" charset="0"/>
+                                    <a:cs typeface="Cambria Math" charset="0"/>
+                                  </a:rPr>
+                                  <m:t>𝑡</m:t>
+                                </m:r>
+                              </m:sub>
+                            </m:sSub>
+                          </m:e>
+                        </m:d>
+                        <m:r>
+                          <a:rPr kumimoji="1" lang="en-US" altLang="zh-CN" b="0" i="0" smtClean="0">
+                            <a:latin typeface="Cambria Math" charset="0"/>
+                            <a:ea typeface="Cambria Math" charset="0"/>
+                            <a:cs typeface="Cambria Math" charset="0"/>
+                          </a:rPr>
+                          <m:t>=</m:t>
+                        </m:r>
+                        <m:f>
+                          <m:fPr>
+                            <m:ctrlPr>
+                              <a:rPr kumimoji="1" lang="mr-IN" altLang="zh-CN" b="0" i="1" smtClean="0">
+                                <a:latin typeface="Cambria Math" charset="0"/>
+                                <a:ea typeface="Cambria Math" charset="0"/>
+                                <a:cs typeface="Cambria Math" charset="0"/>
+                              </a:rPr>
+                            </m:ctrlPr>
+                          </m:fPr>
+                          <m:num>
+                            <m:r>
+                              <a:rPr kumimoji="1" lang="en-US" altLang="zh-CN" b="0" i="1" smtClean="0">
+                                <a:latin typeface="Cambria Math" charset="0"/>
+                                <a:ea typeface="Cambria Math" charset="0"/>
+                                <a:cs typeface="Cambria Math" charset="0"/>
+                              </a:rPr>
+                              <m:t>𝑐</m:t>
+                            </m:r>
+                            <m:r>
+                              <a:rPr kumimoji="1" lang="en-US" altLang="zh-CN" b="0" i="1" smtClean="0">
+                                <a:latin typeface="Cambria Math" charset="0"/>
+                                <a:ea typeface="Cambria Math" charset="0"/>
+                                <a:cs typeface="Cambria Math" charset="0"/>
+                              </a:rPr>
+                              <m:t>(</m:t>
+                            </m:r>
+                            <m:sSub>
+                              <m:sSubPr>
+                                <m:ctrlPr>
+                                  <a:rPr kumimoji="1" lang="en-US" altLang="zh-CN" i="1">
+                                    <a:latin typeface="Cambria Math" charset="0"/>
+                                    <a:ea typeface="Cambria Math" charset="0"/>
+                                    <a:cs typeface="Cambria Math" charset="0"/>
+                                  </a:rPr>
+                                </m:ctrlPr>
+                              </m:sSubPr>
+                              <m:e>
+                                <m:r>
+                                  <a:rPr kumimoji="1" lang="en-US" altLang="zh-CN" i="1">
+                                    <a:latin typeface="Cambria Math" charset="0"/>
+                                    <a:ea typeface="Cambria Math" charset="0"/>
+                                    <a:cs typeface="Cambria Math" charset="0"/>
+                                  </a:rPr>
+                                  <m:t>𝑤</m:t>
+                                </m:r>
+                              </m:e>
+                              <m:sub>
+                                <m:r>
+                                  <a:rPr kumimoji="1" lang="en-US" altLang="zh-CN" i="1">
+                                    <a:latin typeface="Cambria Math" charset="0"/>
+                                    <a:ea typeface="Cambria Math" charset="0"/>
+                                    <a:cs typeface="Cambria Math" charset="0"/>
+                                  </a:rPr>
+                                  <m:t>𝑡</m:t>
+                                </m:r>
+                              </m:sub>
+                            </m:sSub>
+                            <m:r>
+                              <a:rPr kumimoji="1" lang="en-US" altLang="zh-CN" b="0" i="1" smtClean="0">
+                                <a:latin typeface="Cambria Math" charset="0"/>
+                                <a:ea typeface="Cambria Math" charset="0"/>
+                                <a:cs typeface="Cambria Math" charset="0"/>
+                              </a:rPr>
+                              <m:t>)</m:t>
+                            </m:r>
+                          </m:num>
+                          <m:den>
+                            <m:r>
+                              <a:rPr kumimoji="1" lang="en-US" altLang="zh-CN" b="0" i="1" smtClean="0">
+                                <a:latin typeface="Cambria Math" charset="0"/>
+                                <a:ea typeface="Cambria Math" charset="0"/>
+                                <a:cs typeface="Cambria Math" charset="0"/>
+                              </a:rPr>
+                              <m:t>𝑁</m:t>
+                            </m:r>
+                          </m:den>
+                        </m:f>
+                      </m:oMath>
+                    </m:oMathPara>
+                  </a14:m>
+                  <a:endParaRPr lang="zh-CN" altLang="en-US" dirty="0"/>
+                </a:p>
+              </p:txBody>
+            </p:sp>
+          </mc:Choice>
+          <mc:Fallback xmlns="">
+            <p:sp>
+              <p:nvSpPr>
+                <p:cNvPr id="7" name="矩形 6"/>
+                <p:cNvSpPr>
+                  <a:spLocks noRot="1" noChangeAspect="1" noMove="1" noResize="1" noEditPoints="1" noAdjustHandles="1" noChangeArrowheads="1" noChangeShapeType="1" noTextEdit="1"/>
+                </p:cNvSpPr>
+                <p:nvPr/>
+              </p:nvSpPr>
+              <p:spPr>
+                <a:xfrm>
+                  <a:off x="2823039" y="2681702"/>
+                  <a:ext cx="1916358" cy="618118"/>
+                </a:xfrm>
+                <a:prstGeom prst="rect">
+                  <a:avLst/>
+                </a:prstGeom>
+                <a:blipFill rotWithShape="0">
+                  <a:blip r:embed="rId3"/>
+                  <a:stretch>
+                    <a:fillRect/>
+                  </a:stretch>
+                </a:blipFill>
+              </p:spPr>
+              <p:txBody>
+                <a:bodyPr/>
+                <a:lstStyle/>
+                <a:p>
+                  <a:r>
+                    <a:rPr lang="zh-CN" altLang="en-US">
+                      <a:noFill/>
+                    </a:rPr>
+                    <a:t> </a:t>
+                  </a:r>
+                </a:p>
+              </p:txBody>
+            </p:sp>
+          </mc:Fallback>
+        </mc:AlternateContent>
+        <mc:AlternateContent xmlns:mc="http://schemas.openxmlformats.org/markup-compatibility/2006" xmlns:a14="http://schemas.microsoft.com/office/drawing/2010/main">
+          <mc:Choice Requires="a14">
+            <p:sp>
+              <p:nvSpPr>
+                <p:cNvPr id="8" name="矩形 7"/>
+                <p:cNvSpPr/>
+                <p:nvPr/>
+              </p:nvSpPr>
+              <p:spPr>
+                <a:xfrm>
+                  <a:off x="2823039" y="3368751"/>
+                  <a:ext cx="802656" cy="369332"/>
+                </a:xfrm>
+                <a:prstGeom prst="rect">
+                  <a:avLst/>
+                </a:prstGeom>
+              </p:spPr>
+              <p:txBody>
+                <a:bodyPr wrap="none">
+                  <a:spAutoFit/>
+                </a:bodyPr>
+                <a:lstStyle/>
+                <a:p>
+                  <a:pPr/>
+                  <a14:m>
+                    <m:oMathPara xmlns:m="http://schemas.openxmlformats.org/officeDocument/2006/math">
+                      <m:oMathParaPr>
+                        <m:jc m:val="centerGroup"/>
+                      </m:oMathParaPr>
+                      <m:oMath xmlns:m="http://schemas.openxmlformats.org/officeDocument/2006/math">
+                        <m:r>
+                          <a:rPr kumimoji="1" lang="en-US" altLang="zh-CN" i="1">
+                            <a:latin typeface="Cambria Math" charset="0"/>
+                            <a:ea typeface="Cambria Math" charset="0"/>
+                            <a:cs typeface="Cambria Math" charset="0"/>
+                          </a:rPr>
+                          <m:t>𝑐</m:t>
+                        </m:r>
+                        <m:r>
+                          <a:rPr kumimoji="1" lang="en-US" altLang="zh-CN" i="1">
+                            <a:latin typeface="Cambria Math" charset="0"/>
+                            <a:ea typeface="Cambria Math" charset="0"/>
+                            <a:cs typeface="Cambria Math" charset="0"/>
+                          </a:rPr>
+                          <m:t>(</m:t>
+                        </m:r>
+                        <m:sSub>
+                          <m:sSubPr>
+                            <m:ctrlPr>
+                              <a:rPr kumimoji="1" lang="en-US" altLang="zh-CN" i="1">
+                                <a:latin typeface="Cambria Math" charset="0"/>
+                                <a:ea typeface="Cambria Math" charset="0"/>
+                                <a:cs typeface="Cambria Math" charset="0"/>
+                              </a:rPr>
+                            </m:ctrlPr>
+                          </m:sSubPr>
+                          <m:e>
+                            <m:r>
+                              <a:rPr kumimoji="1" lang="en-US" altLang="zh-CN" i="1">
+                                <a:latin typeface="Cambria Math" charset="0"/>
+                                <a:ea typeface="Cambria Math" charset="0"/>
+                                <a:cs typeface="Cambria Math" charset="0"/>
+                              </a:rPr>
+                              <m:t>𝑤</m:t>
+                            </m:r>
+                          </m:e>
+                          <m:sub>
+                            <m:r>
+                              <a:rPr kumimoji="1" lang="en-US" altLang="zh-CN" i="1">
+                                <a:latin typeface="Cambria Math" charset="0"/>
+                                <a:ea typeface="Cambria Math" charset="0"/>
+                                <a:cs typeface="Cambria Math" charset="0"/>
+                              </a:rPr>
+                              <m:t>𝑡</m:t>
+                            </m:r>
+                          </m:sub>
+                        </m:sSub>
+                        <m:r>
+                          <a:rPr kumimoji="1" lang="en-US" altLang="zh-CN" i="1">
+                            <a:latin typeface="Cambria Math" charset="0"/>
+                            <a:ea typeface="Cambria Math" charset="0"/>
+                            <a:cs typeface="Cambria Math" charset="0"/>
+                          </a:rPr>
+                          <m:t>)</m:t>
+                        </m:r>
+                      </m:oMath>
+                    </m:oMathPara>
+                  </a14:m>
+                  <a:endParaRPr lang="zh-CN" altLang="en-US" dirty="0"/>
+                </a:p>
+              </p:txBody>
+            </p:sp>
+          </mc:Choice>
+          <mc:Fallback xmlns="">
+            <p:sp>
+              <p:nvSpPr>
+                <p:cNvPr id="8" name="矩形 7"/>
+                <p:cNvSpPr>
+                  <a:spLocks noRot="1" noChangeAspect="1" noMove="1" noResize="1" noEditPoints="1" noAdjustHandles="1" noChangeArrowheads="1" noChangeShapeType="1" noTextEdit="1"/>
+                </p:cNvSpPr>
+                <p:nvPr/>
+              </p:nvSpPr>
+              <p:spPr>
+                <a:xfrm>
+                  <a:off x="2823039" y="3368751"/>
+                  <a:ext cx="802656" cy="369332"/>
+                </a:xfrm>
+                <a:prstGeom prst="rect">
+                  <a:avLst/>
+                </a:prstGeom>
+                <a:blipFill rotWithShape="0">
+                  <a:blip r:embed="rId4"/>
+                  <a:stretch>
+                    <a:fillRect b="-13115"/>
+                  </a:stretch>
+                </a:blipFill>
+              </p:spPr>
+              <p:txBody>
+                <a:bodyPr/>
+                <a:lstStyle/>
+                <a:p>
+                  <a:r>
+                    <a:rPr lang="zh-CN" altLang="en-US">
+                      <a:noFill/>
+                    </a:rPr>
+                    <a:t> </a:t>
+                  </a:r>
+                </a:p>
+              </p:txBody>
+            </p:sp>
+          </mc:Fallback>
+        </mc:AlternateContent>
+        <mc:AlternateContent xmlns:mc="http://schemas.openxmlformats.org/markup-compatibility/2006" xmlns:a14="http://schemas.microsoft.com/office/drawing/2010/main">
+          <mc:Choice Requires="a14">
+            <p:sp>
+              <p:nvSpPr>
+                <p:cNvPr id="9" name="文本框 8"/>
+                <p:cNvSpPr txBox="1"/>
+                <p:nvPr/>
+              </p:nvSpPr>
+              <p:spPr>
+                <a:xfrm>
+                  <a:off x="3625695" y="3368751"/>
+                  <a:ext cx="3204660" cy="369332"/>
+                </a:xfrm>
+                <a:prstGeom prst="rect">
+                  <a:avLst/>
+                </a:prstGeom>
+                <a:noFill/>
+              </p:spPr>
+              <p:txBody>
+                <a:bodyPr wrap="none" rtlCol="0">
+                  <a:spAutoFit/>
+                </a:bodyPr>
+                <a:lstStyle/>
+                <a:p>
+                  <a:r>
+                    <a:rPr kumimoji="1" lang="zh-CN" altLang="en-US" dirty="0" smtClean="0"/>
+                    <a:t>表示</a:t>
+                  </a:r>
+                  <a14:m>
+                    <m:oMath xmlns:m="http://schemas.openxmlformats.org/officeDocument/2006/math">
+                      <m:sSub>
+                        <m:sSubPr>
+                          <m:ctrlPr>
+                            <a:rPr kumimoji="1" lang="en-US" altLang="zh-CN" i="1">
+                              <a:latin typeface="Cambria Math" charset="0"/>
+                              <a:ea typeface="Cambria Math" charset="0"/>
+                              <a:cs typeface="Cambria Math" charset="0"/>
+                            </a:rPr>
+                          </m:ctrlPr>
+                        </m:sSubPr>
+                        <m:e>
+                          <m:r>
+                            <a:rPr kumimoji="1" lang="en-US" altLang="zh-CN" i="1">
+                              <a:latin typeface="Cambria Math" charset="0"/>
+                              <a:ea typeface="Cambria Math" charset="0"/>
+                              <a:cs typeface="Cambria Math" charset="0"/>
+                            </a:rPr>
+                            <m:t>𝑤</m:t>
+                          </m:r>
+                        </m:e>
+                        <m:sub>
+                          <m:r>
+                            <a:rPr kumimoji="1" lang="en-US" altLang="zh-CN" i="1">
+                              <a:latin typeface="Cambria Math" charset="0"/>
+                              <a:ea typeface="Cambria Math" charset="0"/>
+                              <a:cs typeface="Cambria Math" charset="0"/>
+                            </a:rPr>
+                            <m:t>𝑡</m:t>
+                          </m:r>
+                        </m:sub>
+                      </m:sSub>
+                    </m:oMath>
+                  </a14:m>
+                  <a:r>
+                    <a:rPr kumimoji="1" lang="zh-CN" altLang="en-US" dirty="0" smtClean="0"/>
+                    <a:t>在训练语料中出现次数</a:t>
+                  </a:r>
+                  <a:endParaRPr kumimoji="1" lang="zh-CN" altLang="en-US" dirty="0"/>
+                </a:p>
+              </p:txBody>
+            </p:sp>
+          </mc:Choice>
+          <mc:Fallback xmlns="">
+            <p:sp>
+              <p:nvSpPr>
+                <p:cNvPr id="9" name="文本框 8"/>
+                <p:cNvSpPr txBox="1">
+                  <a:spLocks noRot="1" noChangeAspect="1" noMove="1" noResize="1" noEditPoints="1" noAdjustHandles="1" noChangeArrowheads="1" noChangeShapeType="1" noTextEdit="1"/>
+                </p:cNvSpPr>
+                <p:nvPr/>
+              </p:nvSpPr>
+              <p:spPr>
+                <a:xfrm>
+                  <a:off x="3625695" y="3368751"/>
+                  <a:ext cx="3204660" cy="369332"/>
+                </a:xfrm>
+                <a:prstGeom prst="rect">
+                  <a:avLst/>
+                </a:prstGeom>
+                <a:blipFill rotWithShape="0">
+                  <a:blip r:embed="rId5"/>
+                  <a:stretch>
+                    <a:fillRect l="-1521" t="-8197" r="-1331" b="-24590"/>
+                  </a:stretch>
+                </a:blipFill>
+              </p:spPr>
+              <p:txBody>
+                <a:bodyPr/>
+                <a:lstStyle/>
+                <a:p>
+                  <a:r>
+                    <a:rPr lang="zh-CN" altLang="en-US">
+                      <a:noFill/>
+                    </a:rPr>
+                    <a:t> </a:t>
+                  </a:r>
+                </a:p>
+              </p:txBody>
+            </p:sp>
+          </mc:Fallback>
+        </mc:AlternateContent>
+        <mc:AlternateContent xmlns:mc="http://schemas.openxmlformats.org/markup-compatibility/2006" xmlns:a14="http://schemas.microsoft.com/office/drawing/2010/main">
+          <mc:Choice Requires="a14">
+            <p:sp>
+              <p:nvSpPr>
+                <p:cNvPr id="10" name="矩形 9"/>
+                <p:cNvSpPr/>
+                <p:nvPr/>
+              </p:nvSpPr>
+              <p:spPr>
+                <a:xfrm>
+                  <a:off x="2823039" y="3807014"/>
+                  <a:ext cx="421141" cy="369332"/>
+                </a:xfrm>
+                <a:prstGeom prst="rect">
+                  <a:avLst/>
+                </a:prstGeom>
+              </p:spPr>
+              <p:txBody>
+                <a:bodyPr wrap="none">
+                  <a:spAutoFit/>
+                </a:bodyPr>
+                <a:lstStyle/>
+                <a:p>
+                  <a:pPr/>
+                  <a14:m>
+                    <m:oMathPara xmlns:m="http://schemas.openxmlformats.org/officeDocument/2006/math">
+                      <m:oMathParaPr>
+                        <m:jc m:val="centerGroup"/>
+                      </m:oMathParaPr>
+                      <m:oMath xmlns:m="http://schemas.openxmlformats.org/officeDocument/2006/math">
+                        <m:r>
+                          <a:rPr kumimoji="1" lang="en-US" altLang="zh-CN" i="1">
+                            <a:latin typeface="Cambria Math" charset="0"/>
+                            <a:ea typeface="Cambria Math" charset="0"/>
+                            <a:cs typeface="Cambria Math" charset="0"/>
+                          </a:rPr>
+                          <m:t>𝑁</m:t>
+                        </m:r>
+                      </m:oMath>
+                    </m:oMathPara>
+                  </a14:m>
+                  <a:endParaRPr lang="zh-CN" altLang="en-US" dirty="0"/>
+                </a:p>
+              </p:txBody>
+            </p:sp>
+          </mc:Choice>
+          <mc:Fallback xmlns="">
+            <p:sp>
+              <p:nvSpPr>
+                <p:cNvPr id="10" name="矩形 9"/>
+                <p:cNvSpPr>
+                  <a:spLocks noRot="1" noChangeAspect="1" noMove="1" noResize="1" noEditPoints="1" noAdjustHandles="1" noChangeArrowheads="1" noChangeShapeType="1" noTextEdit="1"/>
+                </p:cNvSpPr>
+                <p:nvPr/>
+              </p:nvSpPr>
+              <p:spPr>
+                <a:xfrm>
+                  <a:off x="2823039" y="3807014"/>
+                  <a:ext cx="421141" cy="369332"/>
+                </a:xfrm>
+                <a:prstGeom prst="rect">
+                  <a:avLst/>
+                </a:prstGeom>
+                <a:blipFill rotWithShape="0">
+                  <a:blip r:embed="rId6"/>
+                  <a:stretch>
+                    <a:fillRect/>
+                  </a:stretch>
+                </a:blipFill>
+              </p:spPr>
+              <p:txBody>
+                <a:bodyPr/>
+                <a:lstStyle/>
+                <a:p>
+                  <a:r>
+                    <a:rPr lang="zh-CN" altLang="en-US">
+                      <a:noFill/>
+                    </a:rPr>
+                    <a:t> </a:t>
+                  </a:r>
+                </a:p>
+              </p:txBody>
+            </p:sp>
+          </mc:Fallback>
+        </mc:AlternateContent>
+        <p:sp>
+          <p:nvSpPr>
+            <p:cNvPr id="11" name="文本框 10"/>
+            <p:cNvSpPr txBox="1"/>
+            <p:nvPr/>
+          </p:nvSpPr>
+          <p:spPr>
+            <a:xfrm>
+              <a:off x="3244180" y="3807014"/>
+              <a:ext cx="3877985" cy="369332"/>
+            </a:xfrm>
+            <a:prstGeom prst="rect">
+              <a:avLst/>
+            </a:prstGeom>
+            <a:noFill/>
+          </p:spPr>
+          <p:txBody>
+            <a:bodyPr wrap="none" rtlCol="0">
+              <a:spAutoFit/>
+            </a:bodyPr>
+            <a:lstStyle/>
+            <a:p>
+              <a:r>
+                <a:rPr kumimoji="1" lang="zh-CN" altLang="en-US" dirty="0" smtClean="0"/>
+                <a:t>表示词语总数，也称为训练语料规模</a:t>
+              </a:r>
+              <a:endParaRPr kumimoji="1" lang="zh-CN" altLang="en-US" dirty="0"/>
+            </a:p>
+          </p:txBody>
+        </p:sp>
+      </p:grpSp>
+      <p:grpSp>
+        <p:nvGrpSpPr>
+          <p:cNvPr id="28" name="组 27"/>
+          <p:cNvGrpSpPr/>
+          <p:nvPr/>
+        </p:nvGrpSpPr>
+        <p:grpSpPr>
+          <a:xfrm>
+            <a:off x="5783813" y="780826"/>
+            <a:ext cx="5577040" cy="3484940"/>
+            <a:chOff x="5783813" y="1265642"/>
+            <a:chExt cx="5577040" cy="3484940"/>
+          </a:xfrm>
+        </p:grpSpPr>
+        <p:sp>
+          <p:nvSpPr>
+            <p:cNvPr id="4" name="文本框 3"/>
+            <p:cNvSpPr txBox="1"/>
+            <p:nvPr/>
+          </p:nvSpPr>
+          <p:spPr>
+            <a:xfrm>
+              <a:off x="5783813" y="1265642"/>
+              <a:ext cx="2117887" cy="369332"/>
+            </a:xfrm>
+            <a:prstGeom prst="rect">
+              <a:avLst/>
+            </a:prstGeom>
+            <a:noFill/>
+          </p:spPr>
+          <p:txBody>
+            <a:bodyPr wrap="none" rtlCol="0">
+              <a:spAutoFit/>
+            </a:bodyPr>
+            <a:lstStyle/>
+            <a:p>
+              <a:r>
+                <a:rPr kumimoji="1" lang="en-US" altLang="zh-CN" b="1" dirty="0" smtClean="0"/>
+                <a:t>2-gram</a:t>
+              </a:r>
+              <a:r>
+                <a:rPr kumimoji="1" lang="zh-CN" altLang="en-US" b="1" dirty="0" smtClean="0"/>
+                <a:t>模型的插值</a:t>
+              </a:r>
+              <a:endParaRPr kumimoji="1" lang="zh-CN" altLang="en-US" b="1" dirty="0"/>
+            </a:p>
+          </p:txBody>
+        </p:sp>
+        <mc:AlternateContent xmlns:mc="http://schemas.openxmlformats.org/markup-compatibility/2006">
+          <mc:Choice xmlns:a14="http://schemas.microsoft.com/office/drawing/2010/main" Requires="a14">
+            <p:sp>
+              <p:nvSpPr>
+                <p:cNvPr id="12" name="文本框 11"/>
+                <p:cNvSpPr txBox="1"/>
+                <p:nvPr/>
+              </p:nvSpPr>
+              <p:spPr>
+                <a:xfrm>
+                  <a:off x="5783813" y="1864281"/>
+                  <a:ext cx="4714945" cy="276999"/>
+                </a:xfrm>
+                <a:prstGeom prst="rect">
+                  <a:avLst/>
+                </a:prstGeom>
+                <a:noFill/>
+              </p:spPr>
+              <p:txBody>
+                <a:bodyPr wrap="none" lIns="0" tIns="0" rIns="0" bIns="0" rtlCol="0">
+                  <a:spAutoFit/>
+                </a:bodyPr>
+                <a:lstStyle/>
+                <a:p>
+                  <a:pPr/>
+                  <a14:m>
+                    <m:oMathPara xmlns:m="http://schemas.openxmlformats.org/officeDocument/2006/math">
+                      <m:oMathParaPr>
+                        <m:jc m:val="centerGroup"/>
+                      </m:oMathParaPr>
+                      <m:oMath xmlns:m="http://schemas.openxmlformats.org/officeDocument/2006/math">
+                        <m:r>
+                          <a:rPr kumimoji="1" lang="en-US" altLang="zh-CN" b="1" i="1" smtClean="0">
+                            <a:latin typeface="Cambria Math" charset="0"/>
+                          </a:rPr>
+                          <m:t>𝑷</m:t>
+                        </m:r>
+                        <m:d>
+                          <m:dPr>
+                            <m:ctrlPr>
+                              <a:rPr kumimoji="1" lang="en-US" altLang="zh-CN" b="1" i="1" smtClean="0">
+                                <a:latin typeface="Cambria Math" charset="0"/>
+                              </a:rPr>
+                            </m:ctrlPr>
+                          </m:dPr>
+                          <m:e>
+                            <m:sSub>
+                              <m:sSubPr>
+                                <m:ctrlPr>
+                                  <a:rPr kumimoji="1" lang="en-US" altLang="zh-CN" b="1" i="1" smtClean="0">
+                                    <a:latin typeface="Cambria Math" charset="0"/>
+                                  </a:rPr>
+                                </m:ctrlPr>
+                              </m:sSubPr>
+                              <m:e>
+                                <m:r>
+                                  <a:rPr kumimoji="1" lang="en-US" altLang="zh-CN" b="1" i="1" smtClean="0">
+                                    <a:latin typeface="Cambria Math" charset="0"/>
+                                  </a:rPr>
+                                  <m:t>𝒘</m:t>
+                                </m:r>
+                              </m:e>
+                              <m:sub>
+                                <m:r>
+                                  <a:rPr kumimoji="1" lang="en-US" altLang="zh-CN" b="1" i="1" smtClean="0">
+                                    <a:latin typeface="Cambria Math" charset="0"/>
+                                  </a:rPr>
+                                  <m:t>𝒕</m:t>
+                                </m:r>
+                              </m:sub>
+                            </m:sSub>
+                            <m:r>
+                              <a:rPr kumimoji="1" lang="en-US" altLang="zh-CN" b="1" i="1" smtClean="0">
+                                <a:latin typeface="Cambria Math" charset="0"/>
+                              </a:rPr>
+                              <m:t>|</m:t>
+                            </m:r>
+                            <m:sSub>
+                              <m:sSubPr>
+                                <m:ctrlPr>
+                                  <a:rPr kumimoji="1" lang="en-US" altLang="zh-CN" b="1" i="1" smtClean="0">
+                                    <a:latin typeface="Cambria Math" charset="0"/>
+                                  </a:rPr>
+                                </m:ctrlPr>
+                              </m:sSubPr>
+                              <m:e>
+                                <m:r>
+                                  <a:rPr kumimoji="1" lang="en-US" altLang="zh-CN" b="1" i="1" smtClean="0">
+                                    <a:latin typeface="Cambria Math" charset="0"/>
+                                  </a:rPr>
+                                  <m:t>𝒘</m:t>
+                                </m:r>
+                              </m:e>
+                              <m:sub>
+                                <m:r>
+                                  <a:rPr kumimoji="1" lang="en-US" altLang="zh-CN" b="1" i="1" smtClean="0">
+                                    <a:latin typeface="Cambria Math" charset="0"/>
+                                  </a:rPr>
+                                  <m:t>𝒕</m:t>
+                                </m:r>
+                                <m:r>
+                                  <a:rPr kumimoji="1" lang="en-US" altLang="zh-CN" b="1" i="1" smtClean="0">
+                                    <a:latin typeface="Cambria Math" charset="0"/>
+                                  </a:rPr>
+                                  <m:t>−</m:t>
+                                </m:r>
+                                <m:r>
+                                  <a:rPr kumimoji="1" lang="en-US" altLang="zh-CN" b="1" i="1" smtClean="0">
+                                    <a:latin typeface="Cambria Math" charset="0"/>
+                                  </a:rPr>
+                                  <m:t>𝟏</m:t>
+                                </m:r>
+                              </m:sub>
+                            </m:sSub>
+                          </m:e>
+                        </m:d>
+                        <m:r>
+                          <a:rPr kumimoji="1" lang="en-US" altLang="zh-CN" b="1" i="1" smtClean="0">
+                            <a:latin typeface="Cambria Math" charset="0"/>
+                          </a:rPr>
+                          <m:t>=</m:t>
+                        </m:r>
+                        <m:r>
+                          <a:rPr kumimoji="1" lang="en-US" altLang="zh-CN" b="1" i="1" smtClean="0">
+                            <a:latin typeface="Cambria Math" charset="0"/>
+                            <a:ea typeface="Cambria Math" charset="0"/>
+                            <a:cs typeface="Cambria Math" charset="0"/>
+                          </a:rPr>
+                          <m:t>𝝀</m:t>
+                        </m:r>
+                        <m:sSub>
+                          <m:sSubPr>
+                            <m:ctrlPr>
+                              <a:rPr kumimoji="1" lang="en-US" altLang="zh-CN" b="1" i="1" smtClean="0">
+                                <a:latin typeface="Cambria Math" charset="0"/>
+                                <a:ea typeface="Cambria Math" charset="0"/>
+                                <a:cs typeface="Cambria Math" charset="0"/>
+                              </a:rPr>
+                            </m:ctrlPr>
+                          </m:sSubPr>
+                          <m:e>
+                            <m:r>
+                              <a:rPr kumimoji="1" lang="en-US" altLang="zh-CN" b="1" i="1" smtClean="0">
+                                <a:latin typeface="Cambria Math" charset="0"/>
+                                <a:ea typeface="Cambria Math" charset="0"/>
+                                <a:cs typeface="Cambria Math" charset="0"/>
+                              </a:rPr>
+                              <m:t>𝑷</m:t>
+                            </m:r>
+                          </m:e>
+                          <m:sub>
+                            <m:r>
+                              <a:rPr kumimoji="1" lang="en-US" altLang="zh-CN" b="1" i="1" smtClean="0">
+                                <a:latin typeface="Cambria Math" charset="0"/>
+                                <a:ea typeface="Cambria Math" charset="0"/>
+                                <a:cs typeface="Cambria Math" charset="0"/>
+                              </a:rPr>
+                              <m:t>𝑴𝑳</m:t>
+                            </m:r>
+                          </m:sub>
+                        </m:sSub>
+                        <m:d>
+                          <m:dPr>
+                            <m:ctrlPr>
+                              <a:rPr kumimoji="1" lang="en-US" altLang="zh-CN" b="1" i="1">
+                                <a:latin typeface="Cambria Math" charset="0"/>
+                              </a:rPr>
+                            </m:ctrlPr>
+                          </m:dPr>
+                          <m:e>
+                            <m:sSub>
+                              <m:sSubPr>
+                                <m:ctrlPr>
+                                  <a:rPr kumimoji="1" lang="en-US" altLang="zh-CN" b="1" i="1">
+                                    <a:latin typeface="Cambria Math" charset="0"/>
+                                  </a:rPr>
+                                </m:ctrlPr>
+                              </m:sSubPr>
+                              <m:e>
+                                <m:r>
+                                  <a:rPr kumimoji="1" lang="en-US" altLang="zh-CN" b="1" i="1">
+                                    <a:latin typeface="Cambria Math" charset="0"/>
+                                  </a:rPr>
+                                  <m:t>𝒘</m:t>
+                                </m:r>
+                              </m:e>
+                              <m:sub>
+                                <m:r>
+                                  <a:rPr kumimoji="1" lang="en-US" altLang="zh-CN" b="1" i="1">
+                                    <a:latin typeface="Cambria Math" charset="0"/>
+                                  </a:rPr>
+                                  <m:t>𝒕</m:t>
+                                </m:r>
+                              </m:sub>
+                            </m:sSub>
+                            <m:r>
+                              <a:rPr kumimoji="1" lang="en-US" altLang="zh-CN" b="1" i="1">
+                                <a:latin typeface="Cambria Math" charset="0"/>
+                              </a:rPr>
+                              <m:t>|</m:t>
+                            </m:r>
+                            <m:sSub>
+                              <m:sSubPr>
+                                <m:ctrlPr>
+                                  <a:rPr kumimoji="1" lang="en-US" altLang="zh-CN" b="1" i="1">
+                                    <a:latin typeface="Cambria Math" charset="0"/>
+                                  </a:rPr>
+                                </m:ctrlPr>
+                              </m:sSubPr>
+                              <m:e>
+                                <m:r>
+                                  <a:rPr kumimoji="1" lang="en-US" altLang="zh-CN" b="1" i="1">
+                                    <a:latin typeface="Cambria Math" charset="0"/>
+                                  </a:rPr>
+                                  <m:t>𝒘</m:t>
+                                </m:r>
+                              </m:e>
+                              <m:sub>
+                                <m:r>
+                                  <a:rPr kumimoji="1" lang="en-US" altLang="zh-CN" b="1" i="1">
+                                    <a:latin typeface="Cambria Math" charset="0"/>
+                                  </a:rPr>
+                                  <m:t>𝒕</m:t>
+                                </m:r>
+                                <m:r>
+                                  <a:rPr kumimoji="1" lang="en-US" altLang="zh-CN" b="1" i="1">
+                                    <a:latin typeface="Cambria Math" charset="0"/>
+                                  </a:rPr>
+                                  <m:t>−</m:t>
+                                </m:r>
+                                <m:r>
+                                  <a:rPr kumimoji="1" lang="en-US" altLang="zh-CN" b="1" i="1">
+                                    <a:latin typeface="Cambria Math" charset="0"/>
+                                  </a:rPr>
+                                  <m:t>𝟏</m:t>
+                                </m:r>
+                              </m:sub>
+                            </m:sSub>
+                          </m:e>
+                        </m:d>
+                        <m:r>
+                          <a:rPr kumimoji="1" lang="en-US" altLang="zh-CN" b="1" i="1" smtClean="0">
+                            <a:latin typeface="Cambria Math" charset="0"/>
+                            <a:ea typeface="Cambria Math" charset="0"/>
+                            <a:cs typeface="Cambria Math" charset="0"/>
+                          </a:rPr>
+                          <m:t>+(</m:t>
+                        </m:r>
+                        <m:r>
+                          <a:rPr kumimoji="1" lang="en-US" altLang="zh-CN" b="1" i="1" smtClean="0">
+                            <a:latin typeface="Cambria Math" charset="0"/>
+                            <a:ea typeface="Cambria Math" charset="0"/>
+                            <a:cs typeface="Cambria Math" charset="0"/>
+                          </a:rPr>
+                          <m:t>𝟏</m:t>
+                        </m:r>
+                        <m:r>
+                          <a:rPr kumimoji="1" lang="en-US" altLang="zh-CN" b="1" i="1" smtClean="0">
+                            <a:latin typeface="Cambria Math" charset="0"/>
+                            <a:ea typeface="Cambria Math" charset="0"/>
+                            <a:cs typeface="Cambria Math" charset="0"/>
+                          </a:rPr>
+                          <m:t>−</m:t>
+                        </m:r>
+                        <m:r>
+                          <a:rPr kumimoji="1" lang="en-US" altLang="zh-CN" b="1" i="1">
+                            <a:latin typeface="Cambria Math" charset="0"/>
+                            <a:ea typeface="Cambria Math" charset="0"/>
+                            <a:cs typeface="Cambria Math" charset="0"/>
+                          </a:rPr>
+                          <m:t>𝝀</m:t>
+                        </m:r>
+                        <m:r>
+                          <a:rPr kumimoji="1" lang="en-US" altLang="zh-CN" b="1" i="0" smtClean="0">
+                            <a:latin typeface="Cambria Math" charset="0"/>
+                            <a:ea typeface="Cambria Math" charset="0"/>
+                            <a:cs typeface="Cambria Math" charset="0"/>
+                          </a:rPr>
+                          <m:t>)</m:t>
+                        </m:r>
+                        <m:r>
+                          <a:rPr kumimoji="1" lang="en-US" altLang="zh-CN" b="1" i="1">
+                            <a:latin typeface="Cambria Math" charset="0"/>
+                          </a:rPr>
+                          <m:t>𝑷</m:t>
+                        </m:r>
+                        <m:d>
+                          <m:dPr>
+                            <m:ctrlPr>
+                              <a:rPr kumimoji="1" lang="en-US" altLang="zh-CN" b="1" i="1">
+                                <a:latin typeface="Cambria Math" charset="0"/>
+                              </a:rPr>
+                            </m:ctrlPr>
+                          </m:dPr>
+                          <m:e>
+                            <m:sSub>
+                              <m:sSubPr>
+                                <m:ctrlPr>
+                                  <a:rPr kumimoji="1" lang="en-US" altLang="zh-CN" b="1" i="1">
+                                    <a:latin typeface="Cambria Math" charset="0"/>
+                                  </a:rPr>
+                                </m:ctrlPr>
+                              </m:sSubPr>
+                              <m:e>
+                                <m:r>
+                                  <a:rPr kumimoji="1" lang="en-US" altLang="zh-CN" b="1" i="1">
+                                    <a:latin typeface="Cambria Math" charset="0"/>
+                                  </a:rPr>
+                                  <m:t>𝒘</m:t>
+                                </m:r>
+                              </m:e>
+                              <m:sub>
+                                <m:r>
+                                  <a:rPr kumimoji="1" lang="en-US" altLang="zh-CN" b="1" i="1">
+                                    <a:latin typeface="Cambria Math" charset="0"/>
+                                  </a:rPr>
+                                  <m:t>𝒕</m:t>
+                                </m:r>
+                              </m:sub>
+                            </m:sSub>
+                          </m:e>
+                        </m:d>
+                      </m:oMath>
+                    </m:oMathPara>
+                  </a14:m>
+                  <a:endParaRPr kumimoji="1" lang="zh-CN" altLang="en-US" b="1" dirty="0"/>
+                </a:p>
+              </p:txBody>
+            </p:sp>
+          </mc:Choice>
+          <mc:Fallback>
+            <p:sp>
+              <p:nvSpPr>
+                <p:cNvPr id="12" name="文本框 11"/>
+                <p:cNvSpPr txBox="1">
+                  <a:spLocks noRot="1" noChangeAspect="1" noMove="1" noResize="1" noEditPoints="1" noAdjustHandles="1" noChangeArrowheads="1" noChangeShapeType="1" noTextEdit="1"/>
+                </p:cNvSpPr>
+                <p:nvPr/>
+              </p:nvSpPr>
+              <p:spPr>
+                <a:xfrm>
+                  <a:off x="5783813" y="1864281"/>
+                  <a:ext cx="4714945" cy="276999"/>
+                </a:xfrm>
+                <a:prstGeom prst="rect">
+                  <a:avLst/>
+                </a:prstGeom>
+                <a:blipFill rotWithShape="0">
+                  <a:blip r:embed="rId7"/>
+                  <a:stretch>
+                    <a:fillRect l="-517" t="-2174" b="-32609"/>
+                  </a:stretch>
+                </a:blipFill>
+              </p:spPr>
+              <p:txBody>
+                <a:bodyPr/>
+                <a:lstStyle/>
+                <a:p>
+                  <a:r>
+                    <a:rPr lang="zh-CN" altLang="en-US">
+                      <a:noFill/>
+                    </a:rPr>
+                    <a:t> </a:t>
+                  </a:r>
+                </a:p>
+              </p:txBody>
+            </p:sp>
+          </mc:Fallback>
+        </mc:AlternateContent>
+        <mc:AlternateContent xmlns:mc="http://schemas.openxmlformats.org/markup-compatibility/2006">
+          <mc:Choice xmlns:a14="http://schemas.microsoft.com/office/drawing/2010/main" Requires="a14">
+            <p:sp>
+              <p:nvSpPr>
+                <p:cNvPr id="14" name="矩形 13"/>
+                <p:cNvSpPr/>
+                <p:nvPr/>
+              </p:nvSpPr>
+              <p:spPr>
+                <a:xfrm>
+                  <a:off x="5783813" y="2370587"/>
+                  <a:ext cx="3509743" cy="700961"/>
+                </a:xfrm>
+                <a:prstGeom prst="rect">
+                  <a:avLst/>
+                </a:prstGeom>
+              </p:spPr>
+              <p:txBody>
+                <a:bodyPr wrap="none">
+                  <a:spAutoFit/>
+                </a:bodyPr>
+                <a:lstStyle/>
+                <a:p>
+                  <a:pPr/>
+                  <a14:m>
+                    <m:oMathPara xmlns:m="http://schemas.openxmlformats.org/officeDocument/2006/math">
+                      <m:oMathParaPr>
+                        <m:jc m:val="centerGroup"/>
+                      </m:oMathParaPr>
+                      <m:oMath xmlns:m="http://schemas.openxmlformats.org/officeDocument/2006/math">
+                        <m:sSub>
+                          <m:sSubPr>
+                            <m:ctrlPr>
+                              <a:rPr kumimoji="1" lang="en-US" altLang="zh-CN" i="1" smtClean="0">
+                                <a:latin typeface="Cambria Math" charset="0"/>
+                                <a:ea typeface="Cambria Math" charset="0"/>
+                                <a:cs typeface="Cambria Math" charset="0"/>
+                              </a:rPr>
+                            </m:ctrlPr>
+                          </m:sSubPr>
+                          <m:e>
+                            <m:r>
+                              <a:rPr kumimoji="1" lang="en-US" altLang="zh-CN" i="1">
+                                <a:latin typeface="Cambria Math" charset="0"/>
+                                <a:ea typeface="Cambria Math" charset="0"/>
+                                <a:cs typeface="Cambria Math" charset="0"/>
+                              </a:rPr>
+                              <m:t>𝑃</m:t>
+                            </m:r>
+                          </m:e>
+                          <m:sub>
+                            <m:r>
+                              <a:rPr kumimoji="1" lang="en-US" altLang="zh-CN" i="1">
+                                <a:latin typeface="Cambria Math" charset="0"/>
+                                <a:ea typeface="Cambria Math" charset="0"/>
+                                <a:cs typeface="Cambria Math" charset="0"/>
+                              </a:rPr>
+                              <m:t>𝑀𝐿</m:t>
+                            </m:r>
+                          </m:sub>
+                        </m:sSub>
+                        <m:d>
+                          <m:dPr>
+                            <m:ctrlPr>
+                              <a:rPr kumimoji="1" lang="en-US" altLang="zh-CN" i="1">
+                                <a:latin typeface="Cambria Math" charset="0"/>
+                              </a:rPr>
+                            </m:ctrlPr>
+                          </m:dPr>
+                          <m:e>
+                            <m:sSub>
+                              <m:sSubPr>
+                                <m:ctrlPr>
+                                  <a:rPr kumimoji="1" lang="en-US" altLang="zh-CN" i="1">
+                                    <a:latin typeface="Cambria Math" charset="0"/>
+                                  </a:rPr>
+                                </m:ctrlPr>
+                              </m:sSubPr>
+                              <m:e>
+                                <m:r>
+                                  <a:rPr kumimoji="1" lang="en-US" altLang="zh-CN" i="1">
+                                    <a:latin typeface="Cambria Math" charset="0"/>
+                                  </a:rPr>
+                                  <m:t>𝑤</m:t>
+                                </m:r>
+                              </m:e>
+                              <m:sub>
+                                <m:r>
+                                  <a:rPr kumimoji="1" lang="en-US" altLang="zh-CN" i="1">
+                                    <a:latin typeface="Cambria Math" charset="0"/>
+                                  </a:rPr>
+                                  <m:t>𝑡</m:t>
+                                </m:r>
+                              </m:sub>
+                            </m:sSub>
+                            <m:r>
+                              <a:rPr kumimoji="1" lang="en-US" altLang="zh-CN" i="1">
+                                <a:latin typeface="Cambria Math" charset="0"/>
+                              </a:rPr>
+                              <m:t>|</m:t>
+                            </m:r>
+                            <m:sSub>
+                              <m:sSubPr>
+                                <m:ctrlPr>
+                                  <a:rPr kumimoji="1" lang="en-US" altLang="zh-CN" i="1">
+                                    <a:latin typeface="Cambria Math" charset="0"/>
+                                  </a:rPr>
+                                </m:ctrlPr>
+                              </m:sSubPr>
+                              <m:e>
+                                <m:r>
+                                  <a:rPr kumimoji="1" lang="en-US" altLang="zh-CN" i="1">
+                                    <a:latin typeface="Cambria Math" charset="0"/>
+                                  </a:rPr>
+                                  <m:t>𝑤</m:t>
+                                </m:r>
+                              </m:e>
+                              <m:sub>
+                                <m:r>
+                                  <a:rPr kumimoji="1" lang="en-US" altLang="zh-CN" i="1">
+                                    <a:latin typeface="Cambria Math" charset="0"/>
+                                  </a:rPr>
+                                  <m:t>𝑡</m:t>
+                                </m:r>
+                                <m:r>
+                                  <a:rPr kumimoji="1" lang="en-US" altLang="zh-CN" i="1">
+                                    <a:latin typeface="Cambria Math" charset="0"/>
+                                  </a:rPr>
+                                  <m:t>−1</m:t>
+                                </m:r>
+                              </m:sub>
+                            </m:sSub>
+                          </m:e>
+                        </m:d>
+                        <m:r>
+                          <a:rPr kumimoji="1" lang="en-US" altLang="zh-CN" b="0" i="1" smtClean="0">
+                            <a:latin typeface="Cambria Math" charset="0"/>
+                          </a:rPr>
+                          <m:t>=</m:t>
+                        </m:r>
+                        <m:f>
+                          <m:fPr>
+                            <m:ctrlPr>
+                              <a:rPr kumimoji="1" lang="mr-IN" altLang="zh-CN" b="0" i="1" smtClean="0">
+                                <a:latin typeface="Cambria Math" charset="0"/>
+                              </a:rPr>
+                            </m:ctrlPr>
+                          </m:fPr>
+                          <m:num>
+                            <m:r>
+                              <a:rPr kumimoji="1" lang="en-US" altLang="zh-CN" i="1">
+                                <a:latin typeface="Cambria Math" charset="0"/>
+                              </a:rPr>
+                              <m:t>𝑐</m:t>
+                            </m:r>
+                            <m:r>
+                              <a:rPr kumimoji="1" lang="en-US" altLang="zh-CN" i="1">
+                                <a:latin typeface="Cambria Math" charset="0"/>
+                              </a:rPr>
+                              <m:t>(</m:t>
+                            </m:r>
+                            <m:sSub>
+                              <m:sSubPr>
+                                <m:ctrlPr>
+                                  <a:rPr kumimoji="1" lang="en-US" altLang="zh-CN" i="1">
+                                    <a:latin typeface="Cambria Math" charset="0"/>
+                                  </a:rPr>
+                                </m:ctrlPr>
+                              </m:sSubPr>
+                              <m:e>
+                                <m:r>
+                                  <a:rPr kumimoji="1" lang="en-US" altLang="zh-CN" i="1">
+                                    <a:latin typeface="Cambria Math" charset="0"/>
+                                  </a:rPr>
+                                  <m:t>𝑤</m:t>
+                                </m:r>
+                              </m:e>
+                              <m:sub>
+                                <m:r>
+                                  <a:rPr kumimoji="1" lang="en-US" altLang="zh-CN" b="0" i="1" smtClean="0">
+                                    <a:latin typeface="Cambria Math" charset="0"/>
+                                  </a:rPr>
+                                  <m:t>𝑡</m:t>
+                                </m:r>
+                                <m:r>
+                                  <a:rPr kumimoji="1" lang="en-US" altLang="zh-CN" i="1">
+                                    <a:latin typeface="Cambria Math" charset="0"/>
+                                  </a:rPr>
+                                  <m:t>−1</m:t>
+                                </m:r>
+                              </m:sub>
+                            </m:sSub>
+                            <m:r>
+                              <a:rPr kumimoji="1" lang="en-US" altLang="zh-CN" i="1">
+                                <a:latin typeface="Cambria Math" charset="0"/>
+                              </a:rPr>
+                              <m:t>,</m:t>
+                            </m:r>
+                            <m:sSub>
+                              <m:sSubPr>
+                                <m:ctrlPr>
+                                  <a:rPr kumimoji="1" lang="en-US" altLang="zh-CN" i="1">
+                                    <a:latin typeface="Cambria Math" charset="0"/>
+                                  </a:rPr>
+                                </m:ctrlPr>
+                              </m:sSubPr>
+                              <m:e>
+                                <m:r>
+                                  <a:rPr kumimoji="1" lang="en-US" altLang="zh-CN" i="1">
+                                    <a:latin typeface="Cambria Math" charset="0"/>
+                                  </a:rPr>
+                                  <m:t>𝑤</m:t>
+                                </m:r>
+                              </m:e>
+                              <m:sub>
+                                <m:r>
+                                  <a:rPr kumimoji="1" lang="en-US" altLang="zh-CN" b="0" i="1" smtClean="0">
+                                    <a:latin typeface="Cambria Math" charset="0"/>
+                                  </a:rPr>
+                                  <m:t>𝑡</m:t>
+                                </m:r>
+                              </m:sub>
+                            </m:sSub>
+                            <m:r>
+                              <a:rPr kumimoji="1" lang="en-US" altLang="zh-CN" i="1">
+                                <a:latin typeface="Cambria Math" charset="0"/>
+                              </a:rPr>
+                              <m:t>)</m:t>
+                            </m:r>
+                          </m:num>
+                          <m:den>
+                            <m:nary>
+                              <m:naryPr>
+                                <m:chr m:val="∑"/>
+                                <m:supHide m:val="on"/>
+                                <m:ctrlPr>
+                                  <a:rPr kumimoji="1" lang="mr-IN" altLang="zh-CN" i="1">
+                                    <a:latin typeface="Cambria Math" charset="0"/>
+                                  </a:rPr>
+                                </m:ctrlPr>
+                              </m:naryPr>
+                              <m:sub>
+                                <m:sSub>
+                                  <m:sSubPr>
+                                    <m:ctrlPr>
+                                      <a:rPr kumimoji="1" lang="en-US" altLang="zh-CN" i="1">
+                                        <a:latin typeface="Cambria Math" charset="0"/>
+                                      </a:rPr>
+                                    </m:ctrlPr>
+                                  </m:sSubPr>
+                                  <m:e>
+                                    <m:r>
+                                      <a:rPr kumimoji="1" lang="en-US" altLang="zh-CN" i="1">
+                                        <a:latin typeface="Cambria Math" charset="0"/>
+                                      </a:rPr>
+                                      <m:t>𝑤</m:t>
+                                    </m:r>
+                                  </m:e>
+                                  <m:sub>
+                                    <m:r>
+                                      <a:rPr kumimoji="1" lang="en-US" altLang="zh-CN" b="0" i="1" smtClean="0">
+                                        <a:latin typeface="Cambria Math" charset="0"/>
+                                      </a:rPr>
+                                      <m:t>𝑡</m:t>
+                                    </m:r>
+                                  </m:sub>
+                                </m:sSub>
+                              </m:sub>
+                              <m:sup/>
+                              <m:e>
+                                <m:r>
+                                  <a:rPr kumimoji="1" lang="en-US" altLang="zh-CN" i="1">
+                                    <a:latin typeface="Cambria Math" charset="0"/>
+                                  </a:rPr>
+                                  <m:t>𝑐</m:t>
+                                </m:r>
+                                <m:r>
+                                  <a:rPr kumimoji="1" lang="en-US" altLang="zh-CN" i="1">
+                                    <a:latin typeface="Cambria Math" charset="0"/>
+                                  </a:rPr>
+                                  <m:t>(</m:t>
+                                </m:r>
+                                <m:sSub>
+                                  <m:sSubPr>
+                                    <m:ctrlPr>
+                                      <a:rPr kumimoji="1" lang="en-US" altLang="zh-CN" i="1">
+                                        <a:latin typeface="Cambria Math" charset="0"/>
+                                      </a:rPr>
+                                    </m:ctrlPr>
+                                  </m:sSubPr>
+                                  <m:e>
+                                    <m:r>
+                                      <a:rPr kumimoji="1" lang="en-US" altLang="zh-CN" i="1">
+                                        <a:latin typeface="Cambria Math" charset="0"/>
+                                      </a:rPr>
+                                      <m:t>𝑤</m:t>
+                                    </m:r>
+                                  </m:e>
+                                  <m:sub>
+                                    <m:r>
+                                      <a:rPr kumimoji="1" lang="en-US" altLang="zh-CN" b="0" i="1" smtClean="0">
+                                        <a:latin typeface="Cambria Math" charset="0"/>
+                                      </a:rPr>
+                                      <m:t>𝑡</m:t>
+                                    </m:r>
+                                    <m:r>
+                                      <a:rPr kumimoji="1" lang="en-US" altLang="zh-CN" i="1">
+                                        <a:latin typeface="Cambria Math" charset="0"/>
+                                      </a:rPr>
+                                      <m:t>−1</m:t>
+                                    </m:r>
+                                  </m:sub>
+                                </m:sSub>
+                                <m:r>
+                                  <a:rPr kumimoji="1" lang="en-US" altLang="zh-CN" i="1">
+                                    <a:latin typeface="Cambria Math" charset="0"/>
+                                  </a:rPr>
+                                  <m:t>,</m:t>
+                                </m:r>
+                                <m:sSub>
+                                  <m:sSubPr>
+                                    <m:ctrlPr>
+                                      <a:rPr kumimoji="1" lang="en-US" altLang="zh-CN" i="1">
+                                        <a:latin typeface="Cambria Math" charset="0"/>
+                                      </a:rPr>
+                                    </m:ctrlPr>
+                                  </m:sSubPr>
+                                  <m:e>
+                                    <m:r>
+                                      <a:rPr kumimoji="1" lang="en-US" altLang="zh-CN" i="1">
+                                        <a:latin typeface="Cambria Math" charset="0"/>
+                                      </a:rPr>
+                                      <m:t>𝑤</m:t>
+                                    </m:r>
+                                  </m:e>
+                                  <m:sub>
+                                    <m:r>
+                                      <a:rPr kumimoji="1" lang="en-US" altLang="zh-CN" b="0" i="1" smtClean="0">
+                                        <a:latin typeface="Cambria Math" charset="0"/>
+                                      </a:rPr>
+                                      <m:t>𝑡</m:t>
+                                    </m:r>
+                                  </m:sub>
+                                </m:sSub>
+                                <m:r>
+                                  <a:rPr kumimoji="1" lang="en-US" altLang="zh-CN" i="1">
+                                    <a:latin typeface="Cambria Math" charset="0"/>
+                                  </a:rPr>
+                                  <m:t>)</m:t>
+                                </m:r>
+                              </m:e>
+                            </m:nary>
+                          </m:den>
+                        </m:f>
+                      </m:oMath>
+                    </m:oMathPara>
+                  </a14:m>
+                  <a:endParaRPr lang="zh-CN" altLang="en-US" dirty="0"/>
+                </a:p>
+              </p:txBody>
+            </p:sp>
+          </mc:Choice>
+          <mc:Fallback>
+            <p:sp>
+              <p:nvSpPr>
+                <p:cNvPr id="14" name="矩形 13"/>
+                <p:cNvSpPr>
+                  <a:spLocks noRot="1" noChangeAspect="1" noMove="1" noResize="1" noEditPoints="1" noAdjustHandles="1" noChangeArrowheads="1" noChangeShapeType="1" noTextEdit="1"/>
+                </p:cNvSpPr>
+                <p:nvPr/>
+              </p:nvSpPr>
+              <p:spPr>
+                <a:xfrm>
+                  <a:off x="5783813" y="2370587"/>
+                  <a:ext cx="3509743" cy="700961"/>
+                </a:xfrm>
+                <a:prstGeom prst="rect">
+                  <a:avLst/>
+                </a:prstGeom>
+                <a:blipFill rotWithShape="0">
+                  <a:blip r:embed="rId8"/>
+                  <a:stretch>
+                    <a:fillRect/>
+                  </a:stretch>
+                </a:blipFill>
+              </p:spPr>
+              <p:txBody>
+                <a:bodyPr/>
+                <a:lstStyle/>
+                <a:p>
+                  <a:r>
+                    <a:rPr lang="zh-CN" altLang="en-US">
+                      <a:noFill/>
+                    </a:rPr>
+                    <a:t> </a:t>
+                  </a:r>
+                </a:p>
+              </p:txBody>
+            </p:sp>
+          </mc:Fallback>
+        </mc:AlternateContent>
+        <mc:AlternateContent xmlns:mc="http://schemas.openxmlformats.org/markup-compatibility/2006">
+          <mc:Choice xmlns:a14="http://schemas.microsoft.com/office/drawing/2010/main" Requires="a14">
+            <p:sp>
+              <p:nvSpPr>
+                <p:cNvPr id="15" name="矩形 14"/>
+                <p:cNvSpPr/>
+                <p:nvPr/>
+              </p:nvSpPr>
+              <p:spPr>
+                <a:xfrm>
+                  <a:off x="5783813" y="3118177"/>
+                  <a:ext cx="1358834" cy="369332"/>
+                </a:xfrm>
+                <a:prstGeom prst="rect">
+                  <a:avLst/>
+                </a:prstGeom>
+              </p:spPr>
+              <p:txBody>
+                <a:bodyPr wrap="none">
+                  <a:spAutoFit/>
+                </a:bodyPr>
+                <a:lstStyle/>
+                <a:p>
+                  <a:pPr/>
+                  <a14:m>
+                    <m:oMathPara xmlns:m="http://schemas.openxmlformats.org/officeDocument/2006/math">
+                      <m:oMathParaPr>
+                        <m:jc m:val="centerGroup"/>
+                      </m:oMathParaPr>
+                      <m:oMath xmlns:m="http://schemas.openxmlformats.org/officeDocument/2006/math">
+                        <m:r>
+                          <a:rPr kumimoji="1" lang="en-US" altLang="zh-CN" i="1" smtClean="0">
+                            <a:latin typeface="Cambria Math" charset="0"/>
+                          </a:rPr>
+                          <m:t>𝑐</m:t>
+                        </m:r>
+                        <m:r>
+                          <a:rPr kumimoji="1" lang="en-US" altLang="zh-CN" i="1" smtClean="0">
+                            <a:latin typeface="Cambria Math" charset="0"/>
+                          </a:rPr>
+                          <m:t>(</m:t>
+                        </m:r>
+                        <m:sSub>
+                          <m:sSubPr>
+                            <m:ctrlPr>
+                              <a:rPr kumimoji="1" lang="en-US" altLang="zh-CN" i="1">
+                                <a:latin typeface="Cambria Math" charset="0"/>
+                              </a:rPr>
+                            </m:ctrlPr>
+                          </m:sSubPr>
+                          <m:e>
+                            <m:r>
+                              <a:rPr kumimoji="1" lang="en-US" altLang="zh-CN" i="1">
+                                <a:latin typeface="Cambria Math" charset="0"/>
+                              </a:rPr>
+                              <m:t>𝑤</m:t>
+                            </m:r>
+                          </m:e>
+                          <m:sub>
+                            <m:r>
+                              <a:rPr kumimoji="1" lang="en-US" altLang="zh-CN" b="0" i="1" smtClean="0">
+                                <a:latin typeface="Cambria Math" charset="0"/>
+                              </a:rPr>
+                              <m:t>𝑡</m:t>
+                            </m:r>
+                            <m:r>
+                              <a:rPr kumimoji="1" lang="en-US" altLang="zh-CN" i="1">
+                                <a:latin typeface="Cambria Math" charset="0"/>
+                              </a:rPr>
+                              <m:t>−1</m:t>
+                            </m:r>
+                          </m:sub>
+                        </m:sSub>
+                        <m:r>
+                          <a:rPr kumimoji="1" lang="en-US" altLang="zh-CN" i="1">
+                            <a:latin typeface="Cambria Math" charset="0"/>
+                          </a:rPr>
+                          <m:t>,</m:t>
+                        </m:r>
+                        <m:sSub>
+                          <m:sSubPr>
+                            <m:ctrlPr>
+                              <a:rPr kumimoji="1" lang="en-US" altLang="zh-CN" i="1">
+                                <a:latin typeface="Cambria Math" charset="0"/>
+                              </a:rPr>
+                            </m:ctrlPr>
+                          </m:sSubPr>
+                          <m:e>
+                            <m:r>
+                              <a:rPr kumimoji="1" lang="en-US" altLang="zh-CN" i="1">
+                                <a:latin typeface="Cambria Math" charset="0"/>
+                              </a:rPr>
+                              <m:t>𝑤</m:t>
+                            </m:r>
+                          </m:e>
+                          <m:sub>
+                            <m:r>
+                              <a:rPr kumimoji="1" lang="en-US" altLang="zh-CN" b="0" i="1" smtClean="0">
+                                <a:latin typeface="Cambria Math" charset="0"/>
+                              </a:rPr>
+                              <m:t>𝑡</m:t>
+                            </m:r>
+                          </m:sub>
+                        </m:sSub>
+                        <m:r>
+                          <a:rPr kumimoji="1" lang="en-US" altLang="zh-CN" i="1">
+                            <a:latin typeface="Cambria Math" charset="0"/>
+                          </a:rPr>
+                          <m:t>)</m:t>
+                        </m:r>
+                      </m:oMath>
+                    </m:oMathPara>
+                  </a14:m>
+                  <a:endParaRPr lang="zh-CN" altLang="en-US" dirty="0"/>
+                </a:p>
+              </p:txBody>
+            </p:sp>
+          </mc:Choice>
+          <mc:Fallback>
+            <p:sp>
+              <p:nvSpPr>
+                <p:cNvPr id="15" name="矩形 14"/>
+                <p:cNvSpPr>
+                  <a:spLocks noRot="1" noChangeAspect="1" noMove="1" noResize="1" noEditPoints="1" noAdjustHandles="1" noChangeArrowheads="1" noChangeShapeType="1" noTextEdit="1"/>
+                </p:cNvSpPr>
+                <p:nvPr/>
+              </p:nvSpPr>
+              <p:spPr>
+                <a:xfrm>
+                  <a:off x="5783813" y="3118177"/>
+                  <a:ext cx="1358834" cy="369332"/>
+                </a:xfrm>
+                <a:prstGeom prst="rect">
+                  <a:avLst/>
+                </a:prstGeom>
+                <a:blipFill rotWithShape="0">
+                  <a:blip r:embed="rId9"/>
+                  <a:stretch>
+                    <a:fillRect b="-11475"/>
+                  </a:stretch>
+                </a:blipFill>
+              </p:spPr>
+              <p:txBody>
+                <a:bodyPr/>
+                <a:lstStyle/>
+                <a:p>
+                  <a:r>
+                    <a:rPr lang="zh-CN" altLang="en-US">
+                      <a:noFill/>
+                    </a:rPr>
+                    <a:t> </a:t>
+                  </a:r>
+                </a:p>
+              </p:txBody>
+            </p:sp>
+          </mc:Fallback>
+        </mc:AlternateContent>
+        <mc:AlternateContent xmlns:mc="http://schemas.openxmlformats.org/markup-compatibility/2006">
+          <mc:Choice xmlns:a14="http://schemas.microsoft.com/office/drawing/2010/main" Requires="a14">
+            <p:sp>
+              <p:nvSpPr>
+                <p:cNvPr id="16" name="文本框 15"/>
+                <p:cNvSpPr txBox="1"/>
+                <p:nvPr/>
+              </p:nvSpPr>
+              <p:spPr>
+                <a:xfrm>
+                  <a:off x="7053392" y="3118177"/>
+                  <a:ext cx="4307461" cy="369332"/>
+                </a:xfrm>
+                <a:prstGeom prst="rect">
+                  <a:avLst/>
+                </a:prstGeom>
+                <a:noFill/>
+              </p:spPr>
+              <p:txBody>
+                <a:bodyPr wrap="none" rtlCol="0">
+                  <a:spAutoFit/>
+                </a:bodyPr>
+                <a:lstStyle/>
+                <a:p>
+                  <a:r>
+                    <a:rPr kumimoji="1" lang="zh-CN" altLang="en-US" dirty="0" smtClean="0"/>
+                    <a:t>表示接续</a:t>
+                  </a:r>
+                  <a14:m>
+                    <m:oMath xmlns:m="http://schemas.openxmlformats.org/officeDocument/2006/math">
+                      <m:sSub>
+                        <m:sSubPr>
+                          <m:ctrlPr>
+                            <a:rPr kumimoji="1" lang="en-US" altLang="zh-CN" i="1">
+                              <a:latin typeface="Cambria Math" charset="0"/>
+                            </a:rPr>
+                          </m:ctrlPr>
+                        </m:sSubPr>
+                        <m:e>
+                          <m:r>
+                            <a:rPr kumimoji="1" lang="en-US" altLang="zh-CN" i="1">
+                              <a:latin typeface="Cambria Math" charset="0"/>
+                            </a:rPr>
+                            <m:t>𝑤</m:t>
+                          </m:r>
+                        </m:e>
+                        <m:sub>
+                          <m:r>
+                            <a:rPr kumimoji="1" lang="en-US" altLang="zh-CN" b="0" i="1" smtClean="0">
+                              <a:latin typeface="Cambria Math" charset="0"/>
+                            </a:rPr>
+                            <m:t>𝑡</m:t>
+                          </m:r>
+                          <m:r>
+                            <a:rPr kumimoji="1" lang="en-US" altLang="zh-CN" i="1">
+                              <a:latin typeface="Cambria Math" charset="0"/>
+                            </a:rPr>
+                            <m:t>−1</m:t>
+                          </m:r>
+                        </m:sub>
+                      </m:sSub>
+                      <m:r>
+                        <a:rPr kumimoji="1" lang="en-US" altLang="zh-CN" i="1">
+                          <a:latin typeface="Cambria Math" charset="0"/>
+                        </a:rPr>
+                        <m:t>,</m:t>
+                      </m:r>
+                      <m:sSub>
+                        <m:sSubPr>
+                          <m:ctrlPr>
+                            <a:rPr kumimoji="1" lang="en-US" altLang="zh-CN" i="1">
+                              <a:latin typeface="Cambria Math" charset="0"/>
+                            </a:rPr>
+                          </m:ctrlPr>
+                        </m:sSubPr>
+                        <m:e>
+                          <m:r>
+                            <a:rPr kumimoji="1" lang="en-US" altLang="zh-CN" i="1">
+                              <a:latin typeface="Cambria Math" charset="0"/>
+                            </a:rPr>
+                            <m:t>𝑤</m:t>
+                          </m:r>
+                        </m:e>
+                        <m:sub>
+                          <m:r>
+                            <a:rPr kumimoji="1" lang="en-US" altLang="zh-CN" b="0" i="1" smtClean="0">
+                              <a:latin typeface="Cambria Math" charset="0"/>
+                            </a:rPr>
+                            <m:t>𝑡</m:t>
+                          </m:r>
+                        </m:sub>
+                      </m:sSub>
+                    </m:oMath>
+                  </a14:m>
+                  <a:r>
+                    <a:rPr kumimoji="1" lang="zh-CN" altLang="en-US" dirty="0" smtClean="0"/>
+                    <a:t>在训练语料中出现次数</a:t>
+                  </a:r>
+                  <a:endParaRPr kumimoji="1" lang="zh-CN" altLang="en-US" dirty="0"/>
+                </a:p>
+              </p:txBody>
+            </p:sp>
+          </mc:Choice>
+          <mc:Fallback>
+            <p:sp>
+              <p:nvSpPr>
+                <p:cNvPr id="16" name="文本框 15"/>
+                <p:cNvSpPr txBox="1">
+                  <a:spLocks noRot="1" noChangeAspect="1" noMove="1" noResize="1" noEditPoints="1" noAdjustHandles="1" noChangeArrowheads="1" noChangeShapeType="1" noTextEdit="1"/>
+                </p:cNvSpPr>
+                <p:nvPr/>
+              </p:nvSpPr>
+              <p:spPr>
+                <a:xfrm>
+                  <a:off x="7053392" y="3118177"/>
+                  <a:ext cx="4307461" cy="369332"/>
+                </a:xfrm>
+                <a:prstGeom prst="rect">
+                  <a:avLst/>
+                </a:prstGeom>
+                <a:blipFill rotWithShape="0">
+                  <a:blip r:embed="rId10"/>
+                  <a:stretch>
+                    <a:fillRect l="-1132" t="-9836" b="-24590"/>
+                  </a:stretch>
+                </a:blipFill>
+              </p:spPr>
+              <p:txBody>
+                <a:bodyPr/>
+                <a:lstStyle/>
+                <a:p>
+                  <a:r>
+                    <a:rPr lang="zh-CN" altLang="en-US">
+                      <a:noFill/>
+                    </a:rPr>
+                    <a:t> </a:t>
+                  </a:r>
+                </a:p>
+              </p:txBody>
+            </p:sp>
+          </mc:Fallback>
+        </mc:AlternateContent>
+        <mc:AlternateContent xmlns:mc="http://schemas.openxmlformats.org/markup-compatibility/2006">
+          <mc:Choice xmlns:a14="http://schemas.microsoft.com/office/drawing/2010/main" Requires="a14">
+            <p:sp>
+              <p:nvSpPr>
+                <p:cNvPr id="17" name="矩形 16"/>
+                <p:cNvSpPr/>
+                <p:nvPr/>
+              </p:nvSpPr>
+              <p:spPr>
+                <a:xfrm>
+                  <a:off x="5800548" y="3546660"/>
+                  <a:ext cx="1676998" cy="800732"/>
+                </a:xfrm>
+                <a:prstGeom prst="rect">
+                  <a:avLst/>
+                </a:prstGeom>
+              </p:spPr>
+              <p:txBody>
+                <a:bodyPr wrap="none">
+                  <a:spAutoFit/>
+                </a:bodyPr>
+                <a:lstStyle/>
+                <a:p>
+                  <a:pPr/>
+                  <a14:m>
+                    <m:oMathPara xmlns:m="http://schemas.openxmlformats.org/officeDocument/2006/math">
+                      <m:oMathParaPr>
+                        <m:jc m:val="centerGroup"/>
+                      </m:oMathParaPr>
+                      <m:oMath xmlns:m="http://schemas.openxmlformats.org/officeDocument/2006/math">
+                        <m:nary>
+                          <m:naryPr>
+                            <m:chr m:val="∑"/>
+                            <m:supHide m:val="on"/>
+                            <m:ctrlPr>
+                              <a:rPr kumimoji="1" lang="mr-IN" altLang="zh-CN" i="1">
+                                <a:latin typeface="Cambria Math" charset="0"/>
+                              </a:rPr>
+                            </m:ctrlPr>
+                          </m:naryPr>
+                          <m:sub>
+                            <m:sSub>
+                              <m:sSubPr>
+                                <m:ctrlPr>
+                                  <a:rPr kumimoji="1" lang="en-US" altLang="zh-CN" i="1">
+                                    <a:latin typeface="Cambria Math" charset="0"/>
+                                  </a:rPr>
+                                </m:ctrlPr>
+                              </m:sSubPr>
+                              <m:e>
+                                <m:r>
+                                  <a:rPr kumimoji="1" lang="en-US" altLang="zh-CN" i="1">
+                                    <a:latin typeface="Cambria Math" charset="0"/>
+                                  </a:rPr>
+                                  <m:t>𝑤</m:t>
+                                </m:r>
+                              </m:e>
+                              <m:sub>
+                                <m:r>
+                                  <a:rPr kumimoji="1" lang="en-US" altLang="zh-CN" i="1">
+                                    <a:latin typeface="Cambria Math" charset="0"/>
+                                  </a:rPr>
+                                  <m:t>𝑖</m:t>
+                                </m:r>
+                              </m:sub>
+                            </m:sSub>
+                          </m:sub>
+                          <m:sup/>
+                          <m:e>
+                            <m:r>
+                              <a:rPr kumimoji="1" lang="en-US" altLang="zh-CN" i="1">
+                                <a:latin typeface="Cambria Math" charset="0"/>
+                              </a:rPr>
+                              <m:t>𝑐</m:t>
+                            </m:r>
+                            <m:r>
+                              <a:rPr kumimoji="1" lang="en-US" altLang="zh-CN" i="1">
+                                <a:latin typeface="Cambria Math" charset="0"/>
+                              </a:rPr>
+                              <m:t>(</m:t>
+                            </m:r>
+                            <m:sSub>
+                              <m:sSubPr>
+                                <m:ctrlPr>
+                                  <a:rPr kumimoji="1" lang="en-US" altLang="zh-CN" i="1">
+                                    <a:latin typeface="Cambria Math" charset="0"/>
+                                  </a:rPr>
+                                </m:ctrlPr>
+                              </m:sSubPr>
+                              <m:e>
+                                <m:r>
+                                  <a:rPr kumimoji="1" lang="en-US" altLang="zh-CN" i="1">
+                                    <a:latin typeface="Cambria Math" charset="0"/>
+                                  </a:rPr>
+                                  <m:t>𝑤</m:t>
+                                </m:r>
+                              </m:e>
+                              <m:sub>
+                                <m:r>
+                                  <a:rPr kumimoji="1" lang="en-US" altLang="zh-CN" i="1">
+                                    <a:latin typeface="Cambria Math" charset="0"/>
+                                  </a:rPr>
+                                  <m:t>𝑖</m:t>
+                                </m:r>
+                                <m:r>
+                                  <a:rPr kumimoji="1" lang="en-US" altLang="zh-CN" i="1">
+                                    <a:latin typeface="Cambria Math" charset="0"/>
+                                  </a:rPr>
+                                  <m:t>−1</m:t>
+                                </m:r>
+                              </m:sub>
+                            </m:sSub>
+                            <m:r>
+                              <a:rPr kumimoji="1" lang="en-US" altLang="zh-CN" i="1">
+                                <a:latin typeface="Cambria Math" charset="0"/>
+                              </a:rPr>
+                              <m:t>,</m:t>
+                            </m:r>
+                            <m:sSub>
+                              <m:sSubPr>
+                                <m:ctrlPr>
+                                  <a:rPr kumimoji="1" lang="en-US" altLang="zh-CN" i="1">
+                                    <a:latin typeface="Cambria Math" charset="0"/>
+                                  </a:rPr>
+                                </m:ctrlPr>
+                              </m:sSubPr>
+                              <m:e>
+                                <m:r>
+                                  <a:rPr kumimoji="1" lang="en-US" altLang="zh-CN" i="1">
+                                    <a:latin typeface="Cambria Math" charset="0"/>
+                                  </a:rPr>
+                                  <m:t>𝑤</m:t>
+                                </m:r>
+                              </m:e>
+                              <m:sub>
+                                <m:r>
+                                  <a:rPr kumimoji="1" lang="en-US" altLang="zh-CN" i="1">
+                                    <a:latin typeface="Cambria Math" charset="0"/>
+                                  </a:rPr>
+                                  <m:t>𝑖</m:t>
+                                </m:r>
+                              </m:sub>
+                            </m:sSub>
+                            <m:r>
+                              <a:rPr kumimoji="1" lang="en-US" altLang="zh-CN" i="1">
+                                <a:latin typeface="Cambria Math" charset="0"/>
+                              </a:rPr>
+                              <m:t>)</m:t>
+                            </m:r>
+                          </m:e>
+                        </m:nary>
+                      </m:oMath>
+                    </m:oMathPara>
+                  </a14:m>
+                  <a:endParaRPr lang="zh-CN" altLang="en-US" dirty="0"/>
+                </a:p>
+              </p:txBody>
+            </p:sp>
+          </mc:Choice>
+          <mc:Fallback>
+            <p:sp>
+              <p:nvSpPr>
+                <p:cNvPr id="17" name="矩形 16"/>
+                <p:cNvSpPr>
+                  <a:spLocks noRot="1" noChangeAspect="1" noMove="1" noResize="1" noEditPoints="1" noAdjustHandles="1" noChangeArrowheads="1" noChangeShapeType="1" noTextEdit="1"/>
+                </p:cNvSpPr>
+                <p:nvPr/>
+              </p:nvSpPr>
+              <p:spPr>
+                <a:xfrm>
+                  <a:off x="5800548" y="3546660"/>
+                  <a:ext cx="1676998" cy="800732"/>
+                </a:xfrm>
+                <a:prstGeom prst="rect">
+                  <a:avLst/>
+                </a:prstGeom>
+                <a:blipFill rotWithShape="0">
+                  <a:blip r:embed="rId11"/>
+                  <a:stretch>
+                    <a:fillRect/>
+                  </a:stretch>
+                </a:blipFill>
+              </p:spPr>
+              <p:txBody>
+                <a:bodyPr/>
+                <a:lstStyle/>
+                <a:p>
+                  <a:r>
+                    <a:rPr lang="zh-CN" altLang="en-US">
+                      <a:noFill/>
+                    </a:rPr>
+                    <a:t> </a:t>
+                  </a:r>
+                </a:p>
+              </p:txBody>
+            </p:sp>
+          </mc:Fallback>
+        </mc:AlternateContent>
+        <mc:AlternateContent xmlns:mc="http://schemas.openxmlformats.org/markup-compatibility/2006">
+          <mc:Choice xmlns:a14="http://schemas.microsoft.com/office/drawing/2010/main" Requires="a14">
+            <p:sp>
+              <p:nvSpPr>
+                <p:cNvPr id="18" name="文本框 17"/>
+                <p:cNvSpPr txBox="1"/>
+                <p:nvPr/>
+              </p:nvSpPr>
+              <p:spPr>
+                <a:xfrm>
+                  <a:off x="7375912" y="3762360"/>
+                  <a:ext cx="3510513" cy="369332"/>
+                </a:xfrm>
+                <a:prstGeom prst="rect">
+                  <a:avLst/>
+                </a:prstGeom>
+                <a:noFill/>
+              </p:spPr>
+              <p:txBody>
+                <a:bodyPr wrap="none" rtlCol="0">
+                  <a:spAutoFit/>
+                </a:bodyPr>
+                <a:lstStyle/>
+                <a:p>
+                  <a:r>
+                    <a:rPr kumimoji="1" lang="zh-CN" altLang="en-US" dirty="0" smtClean="0"/>
+                    <a:t>表示</a:t>
+                  </a:r>
+                  <a14:m>
+                    <m:oMath xmlns:m="http://schemas.openxmlformats.org/officeDocument/2006/math">
+                      <m:sSub>
+                        <m:sSubPr>
+                          <m:ctrlPr>
+                            <a:rPr kumimoji="1" lang="en-US" altLang="zh-CN" i="1">
+                              <a:latin typeface="Cambria Math" charset="0"/>
+                            </a:rPr>
+                          </m:ctrlPr>
+                        </m:sSubPr>
+                        <m:e>
+                          <m:r>
+                            <a:rPr kumimoji="1" lang="en-US" altLang="zh-CN" i="1">
+                              <a:latin typeface="Cambria Math" charset="0"/>
+                            </a:rPr>
+                            <m:t>𝑤</m:t>
+                          </m:r>
+                        </m:e>
+                        <m:sub>
+                          <m:r>
+                            <a:rPr kumimoji="1" lang="en-US" altLang="zh-CN" i="1">
+                              <a:latin typeface="Cambria Math" charset="0"/>
+                            </a:rPr>
+                            <m:t>𝑖</m:t>
+                          </m:r>
+                          <m:r>
+                            <a:rPr kumimoji="1" lang="en-US" altLang="zh-CN" i="1">
+                              <a:latin typeface="Cambria Math" charset="0"/>
+                            </a:rPr>
+                            <m:t>−1</m:t>
+                          </m:r>
+                        </m:sub>
+                      </m:sSub>
+                    </m:oMath>
+                  </a14:m>
+                  <a:r>
+                    <a:rPr kumimoji="1" lang="zh-CN" altLang="en-US" dirty="0" smtClean="0"/>
+                    <a:t>在训练语料中出现次数</a:t>
+                  </a:r>
+                  <a:endParaRPr kumimoji="1" lang="zh-CN" altLang="en-US" dirty="0"/>
+                </a:p>
+              </p:txBody>
+            </p:sp>
+          </mc:Choice>
+          <mc:Fallback>
+            <p:sp>
+              <p:nvSpPr>
+                <p:cNvPr id="18" name="文本框 17"/>
+                <p:cNvSpPr txBox="1">
+                  <a:spLocks noRot="1" noChangeAspect="1" noMove="1" noResize="1" noEditPoints="1" noAdjustHandles="1" noChangeArrowheads="1" noChangeShapeType="1" noTextEdit="1"/>
+                </p:cNvSpPr>
+                <p:nvPr/>
+              </p:nvSpPr>
+              <p:spPr>
+                <a:xfrm>
+                  <a:off x="7375912" y="3762360"/>
+                  <a:ext cx="3510513" cy="369332"/>
+                </a:xfrm>
+                <a:prstGeom prst="rect">
+                  <a:avLst/>
+                </a:prstGeom>
+                <a:blipFill rotWithShape="0">
+                  <a:blip r:embed="rId12"/>
+                  <a:stretch>
+                    <a:fillRect l="-1563" t="-10000" b="-26667"/>
+                  </a:stretch>
+                </a:blipFill>
+              </p:spPr>
+              <p:txBody>
+                <a:bodyPr/>
+                <a:lstStyle/>
+                <a:p>
+                  <a:r>
+                    <a:rPr lang="zh-CN" altLang="en-US">
+                      <a:noFill/>
+                    </a:rPr>
+                    <a:t> </a:t>
+                  </a:r>
+                </a:p>
+              </p:txBody>
+            </p:sp>
+          </mc:Fallback>
+        </mc:AlternateContent>
+        <mc:AlternateContent xmlns:mc="http://schemas.openxmlformats.org/markup-compatibility/2006">
+          <mc:Choice xmlns:a14="http://schemas.microsoft.com/office/drawing/2010/main" Requires="a14">
+            <p:sp>
+              <p:nvSpPr>
+                <p:cNvPr id="20" name="矩形 19"/>
+                <p:cNvSpPr/>
+                <p:nvPr/>
+              </p:nvSpPr>
+              <p:spPr>
+                <a:xfrm>
+                  <a:off x="5783813" y="4379864"/>
+                  <a:ext cx="837089" cy="369332"/>
+                </a:xfrm>
+                <a:prstGeom prst="rect">
+                  <a:avLst/>
+                </a:prstGeom>
+              </p:spPr>
+              <p:txBody>
+                <a:bodyPr wrap="none">
+                  <a:spAutoFit/>
+                </a:bodyPr>
+                <a:lstStyle/>
+                <a:p>
+                  <a14:m>
+                    <m:oMathPara xmlns:m="http://schemas.openxmlformats.org/officeDocument/2006/math">
+                      <m:oMathParaPr>
+                        <m:jc m:val="centerGroup"/>
+                      </m:oMathParaPr>
+                      <m:oMath xmlns:m="http://schemas.openxmlformats.org/officeDocument/2006/math">
+                        <m:r>
+                          <a:rPr kumimoji="1" lang="en-US" altLang="zh-CN" i="1">
+                            <a:latin typeface="Cambria Math" charset="0"/>
+                          </a:rPr>
+                          <m:t>𝑃</m:t>
+                        </m:r>
+                        <m:d>
+                          <m:dPr>
+                            <m:ctrlPr>
+                              <a:rPr kumimoji="1" lang="en-US" altLang="zh-CN" i="1">
+                                <a:latin typeface="Cambria Math" charset="0"/>
+                              </a:rPr>
+                            </m:ctrlPr>
+                          </m:dPr>
+                          <m:e>
+                            <m:sSub>
+                              <m:sSubPr>
+                                <m:ctrlPr>
+                                  <a:rPr kumimoji="1" lang="en-US" altLang="zh-CN" i="1">
+                                    <a:latin typeface="Cambria Math" charset="0"/>
+                                  </a:rPr>
+                                </m:ctrlPr>
+                              </m:sSubPr>
+                              <m:e>
+                                <m:r>
+                                  <a:rPr kumimoji="1" lang="en-US" altLang="zh-CN" i="1">
+                                    <a:latin typeface="Cambria Math" charset="0"/>
+                                  </a:rPr>
+                                  <m:t>𝑤</m:t>
+                                </m:r>
+                              </m:e>
+                              <m:sub>
+                                <m:r>
+                                  <a:rPr kumimoji="1" lang="en-US" altLang="zh-CN" i="1">
+                                    <a:latin typeface="Cambria Math" charset="0"/>
+                                  </a:rPr>
+                                  <m:t>𝑡</m:t>
+                                </m:r>
+                              </m:sub>
+                            </m:sSub>
+                          </m:e>
+                        </m:d>
+                      </m:oMath>
+                    </m:oMathPara>
+                  </a14:m>
+                  <a:endParaRPr lang="zh-CN" altLang="en-US" dirty="0"/>
+                </a:p>
+              </p:txBody>
+            </p:sp>
+          </mc:Choice>
+          <mc:Fallback>
+            <p:sp>
+              <p:nvSpPr>
+                <p:cNvPr id="20" name="矩形 19"/>
+                <p:cNvSpPr>
+                  <a:spLocks noRot="1" noChangeAspect="1" noMove="1" noResize="1" noEditPoints="1" noAdjustHandles="1" noChangeArrowheads="1" noChangeShapeType="1" noTextEdit="1"/>
+                </p:cNvSpPr>
+                <p:nvPr/>
+              </p:nvSpPr>
+              <p:spPr>
+                <a:xfrm>
+                  <a:off x="5783813" y="4379864"/>
+                  <a:ext cx="837089" cy="369332"/>
+                </a:xfrm>
+                <a:prstGeom prst="rect">
+                  <a:avLst/>
+                </a:prstGeom>
+                <a:blipFill rotWithShape="0">
+                  <a:blip r:embed="rId13"/>
+                  <a:stretch>
+                    <a:fillRect/>
+                  </a:stretch>
+                </a:blipFill>
+              </p:spPr>
+              <p:txBody>
+                <a:bodyPr/>
+                <a:lstStyle/>
+                <a:p>
+                  <a:r>
+                    <a:rPr lang="zh-CN" altLang="en-US">
+                      <a:noFill/>
+                    </a:rPr>
+                    <a:t> </a:t>
+                  </a:r>
+                </a:p>
+              </p:txBody>
+            </p:sp>
+          </mc:Fallback>
+        </mc:AlternateContent>
+        <p:sp>
+          <p:nvSpPr>
+            <p:cNvPr id="21" name="文本框 20"/>
+            <p:cNvSpPr txBox="1"/>
+            <p:nvPr/>
+          </p:nvSpPr>
+          <p:spPr>
+            <a:xfrm>
+              <a:off x="6514117" y="4381250"/>
+              <a:ext cx="2789546" cy="369332"/>
+            </a:xfrm>
+            <a:prstGeom prst="rect">
+              <a:avLst/>
+            </a:prstGeom>
+            <a:noFill/>
+          </p:spPr>
+          <p:txBody>
+            <a:bodyPr wrap="none" rtlCol="0">
+              <a:spAutoFit/>
+            </a:bodyPr>
+            <a:lstStyle/>
+            <a:p>
+              <a:r>
+                <a:rPr kumimoji="1" lang="zh-CN" altLang="en-US" dirty="0" smtClean="0"/>
+                <a:t>为</a:t>
+              </a:r>
+              <a:r>
+                <a:rPr kumimoji="1" lang="en-US" altLang="zh-CN" dirty="0" smtClean="0"/>
+                <a:t>1-gram</a:t>
+              </a:r>
+              <a:r>
+                <a:rPr kumimoji="1" lang="zh-CN" altLang="en-US" dirty="0" smtClean="0"/>
+                <a:t>模型的插值结果</a:t>
+              </a:r>
+              <a:endParaRPr kumimoji="1" lang="zh-CN" altLang="en-US" dirty="0"/>
+            </a:p>
+          </p:txBody>
+        </p:sp>
+      </p:grpSp>
+      <p:grpSp>
+        <p:nvGrpSpPr>
+          <p:cNvPr id="33" name="组 32"/>
+          <p:cNvGrpSpPr/>
+          <p:nvPr/>
+        </p:nvGrpSpPr>
+        <p:grpSpPr>
+          <a:xfrm>
+            <a:off x="780083" y="3966779"/>
+            <a:ext cx="11141244" cy="2640589"/>
+            <a:chOff x="780083" y="3966779"/>
+            <a:chExt cx="11141244" cy="2640589"/>
+          </a:xfrm>
+        </p:grpSpPr>
+        <p:sp>
+          <p:nvSpPr>
+            <p:cNvPr id="5" name="文本框 4"/>
+            <p:cNvSpPr txBox="1"/>
+            <p:nvPr/>
+          </p:nvSpPr>
+          <p:spPr>
+            <a:xfrm>
+              <a:off x="786732" y="3966779"/>
+              <a:ext cx="2117887" cy="369332"/>
+            </a:xfrm>
+            <a:prstGeom prst="rect">
+              <a:avLst/>
+            </a:prstGeom>
+            <a:noFill/>
+          </p:spPr>
+          <p:txBody>
+            <a:bodyPr wrap="none" rtlCol="0">
+              <a:spAutoFit/>
+            </a:bodyPr>
+            <a:lstStyle/>
+            <a:p>
+              <a:r>
+                <a:rPr kumimoji="1" lang="en-US" altLang="zh-CN" b="1" dirty="0" smtClean="0"/>
+                <a:t>3-gram</a:t>
+              </a:r>
+              <a:r>
+                <a:rPr kumimoji="1" lang="zh-CN" altLang="en-US" b="1" dirty="0" smtClean="0"/>
+                <a:t>模型的插值</a:t>
+              </a:r>
+              <a:endParaRPr kumimoji="1" lang="zh-CN" altLang="en-US" b="1" dirty="0"/>
+            </a:p>
+          </p:txBody>
+        </p:sp>
+        <mc:AlternateContent xmlns:mc="http://schemas.openxmlformats.org/markup-compatibility/2006">
+          <mc:Choice xmlns:a14="http://schemas.microsoft.com/office/drawing/2010/main" Requires="a14">
+            <p:sp>
+              <p:nvSpPr>
+                <p:cNvPr id="19" name="文本框 18"/>
+                <p:cNvSpPr txBox="1"/>
+                <p:nvPr/>
+              </p:nvSpPr>
+              <p:spPr>
+                <a:xfrm>
+                  <a:off x="821249" y="4578966"/>
+                  <a:ext cx="7156703" cy="276999"/>
+                </a:xfrm>
+                <a:prstGeom prst="rect">
+                  <a:avLst/>
+                </a:prstGeom>
+                <a:noFill/>
+              </p:spPr>
+              <p:txBody>
+                <a:bodyPr wrap="none" lIns="0" tIns="0" rIns="0" bIns="0" rtlCol="0">
+                  <a:spAutoFit/>
+                </a:bodyPr>
+                <a:lstStyle/>
+                <a:p>
+                  <a:pPr/>
+                  <a14:m>
+                    <m:oMathPara xmlns:m="http://schemas.openxmlformats.org/officeDocument/2006/math">
+                      <m:oMathParaPr>
+                        <m:jc m:val="centerGroup"/>
+                      </m:oMathParaPr>
+                      <m:oMath xmlns:m="http://schemas.openxmlformats.org/officeDocument/2006/math">
+                        <m:r>
+                          <a:rPr kumimoji="1" lang="en-US" altLang="zh-CN" b="1" i="1" smtClean="0">
+                            <a:latin typeface="Cambria Math" charset="0"/>
+                          </a:rPr>
+                          <m:t>𝑷</m:t>
+                        </m:r>
+                        <m:d>
+                          <m:dPr>
+                            <m:ctrlPr>
+                              <a:rPr kumimoji="1" lang="en-US" altLang="zh-CN" b="1" i="1" smtClean="0">
+                                <a:latin typeface="Cambria Math" charset="0"/>
+                              </a:rPr>
+                            </m:ctrlPr>
+                          </m:dPr>
+                          <m:e>
+                            <m:sSub>
+                              <m:sSubPr>
+                                <m:ctrlPr>
+                                  <a:rPr kumimoji="1" lang="en-US" altLang="zh-CN" b="1" i="1" smtClean="0">
+                                    <a:latin typeface="Cambria Math" charset="0"/>
+                                  </a:rPr>
+                                </m:ctrlPr>
+                              </m:sSubPr>
+                              <m:e>
+                                <m:r>
+                                  <a:rPr kumimoji="1" lang="en-US" altLang="zh-CN" b="1" i="1" smtClean="0">
+                                    <a:latin typeface="Cambria Math" charset="0"/>
+                                  </a:rPr>
+                                  <m:t>𝒘</m:t>
+                                </m:r>
+                              </m:e>
+                              <m:sub>
+                                <m:r>
+                                  <a:rPr kumimoji="1" lang="en-US" altLang="zh-CN" b="1" i="1" smtClean="0">
+                                    <a:latin typeface="Cambria Math" charset="0"/>
+                                  </a:rPr>
+                                  <m:t>𝒕</m:t>
+                                </m:r>
+                              </m:sub>
+                            </m:sSub>
+                            <m:r>
+                              <a:rPr kumimoji="1" lang="en-US" altLang="zh-CN" b="1" i="1" smtClean="0">
+                                <a:latin typeface="Cambria Math" charset="0"/>
+                              </a:rPr>
+                              <m:t>|</m:t>
+                            </m:r>
+                            <m:sSub>
+                              <m:sSubPr>
+                                <m:ctrlPr>
+                                  <a:rPr kumimoji="1" lang="en-US" altLang="zh-CN" b="1" i="1" smtClean="0">
+                                    <a:latin typeface="Cambria Math" charset="0"/>
+                                  </a:rPr>
+                                </m:ctrlPr>
+                              </m:sSubPr>
+                              <m:e>
+                                <m:sSub>
+                                  <m:sSubPr>
+                                    <m:ctrlPr>
+                                      <a:rPr kumimoji="1" lang="en-US" altLang="zh-CN" b="1" i="1">
+                                        <a:latin typeface="Cambria Math" charset="0"/>
+                                      </a:rPr>
+                                    </m:ctrlPr>
+                                  </m:sSubPr>
+                                  <m:e>
+                                    <m:r>
+                                      <a:rPr kumimoji="1" lang="en-US" altLang="zh-CN" b="1" i="1">
+                                        <a:latin typeface="Cambria Math" charset="0"/>
+                                      </a:rPr>
+                                      <m:t>𝒘</m:t>
+                                    </m:r>
+                                  </m:e>
+                                  <m:sub>
+                                    <m:r>
+                                      <a:rPr kumimoji="1" lang="en-US" altLang="zh-CN" b="1" i="1">
+                                        <a:latin typeface="Cambria Math" charset="0"/>
+                                      </a:rPr>
+                                      <m:t>𝒕</m:t>
+                                    </m:r>
+                                    <m:r>
+                                      <a:rPr kumimoji="1" lang="en-US" altLang="zh-CN" b="1" i="1">
+                                        <a:latin typeface="Cambria Math" charset="0"/>
+                                      </a:rPr>
+                                      <m:t>−</m:t>
+                                    </m:r>
+                                    <m:r>
+                                      <a:rPr kumimoji="1" lang="en-US" altLang="zh-CN" b="1" i="1" smtClean="0">
+                                        <a:latin typeface="Cambria Math" charset="0"/>
+                                      </a:rPr>
+                                      <m:t>𝟐</m:t>
+                                    </m:r>
+                                  </m:sub>
+                                </m:sSub>
+                                <m:r>
+                                  <a:rPr kumimoji="1" lang="en-US" altLang="zh-CN" b="1" i="1" smtClean="0">
+                                    <a:latin typeface="Cambria Math" charset="0"/>
+                                  </a:rPr>
+                                  <m:t>,</m:t>
+                                </m:r>
+                                <m:r>
+                                  <a:rPr kumimoji="1" lang="en-US" altLang="zh-CN" b="1" i="1" smtClean="0">
+                                    <a:latin typeface="Cambria Math" charset="0"/>
+                                  </a:rPr>
+                                  <m:t>𝒘</m:t>
+                                </m:r>
+                              </m:e>
+                              <m:sub>
+                                <m:r>
+                                  <a:rPr kumimoji="1" lang="en-US" altLang="zh-CN" b="1" i="1" smtClean="0">
+                                    <a:latin typeface="Cambria Math" charset="0"/>
+                                  </a:rPr>
+                                  <m:t>𝒕</m:t>
+                                </m:r>
+                                <m:r>
+                                  <a:rPr kumimoji="1" lang="en-US" altLang="zh-CN" b="1" i="1" smtClean="0">
+                                    <a:latin typeface="Cambria Math" charset="0"/>
+                                  </a:rPr>
+                                  <m:t>−</m:t>
+                                </m:r>
+                                <m:r>
+                                  <a:rPr kumimoji="1" lang="en-US" altLang="zh-CN" b="1" i="1" smtClean="0">
+                                    <a:latin typeface="Cambria Math" charset="0"/>
+                                  </a:rPr>
+                                  <m:t>𝟏</m:t>
+                                </m:r>
+                              </m:sub>
+                            </m:sSub>
+                          </m:e>
+                        </m:d>
+                        <m:r>
+                          <a:rPr kumimoji="1" lang="en-US" altLang="zh-CN" b="1" i="1" smtClean="0">
+                            <a:latin typeface="Cambria Math" charset="0"/>
+                          </a:rPr>
+                          <m:t>=</m:t>
+                        </m:r>
+                        <m:sSub>
+                          <m:sSubPr>
+                            <m:ctrlPr>
+                              <a:rPr kumimoji="1" lang="en-US" altLang="zh-CN" b="1" i="1" smtClean="0">
+                                <a:latin typeface="Cambria Math" charset="0"/>
+                              </a:rPr>
+                            </m:ctrlPr>
+                          </m:sSubPr>
+                          <m:e>
+                            <m:r>
+                              <a:rPr kumimoji="1" lang="en-US" altLang="zh-CN" b="1" i="1">
+                                <a:latin typeface="Cambria Math" charset="0"/>
+                                <a:ea typeface="Cambria Math" charset="0"/>
+                                <a:cs typeface="Cambria Math" charset="0"/>
+                              </a:rPr>
+                              <m:t>𝝀</m:t>
+                            </m:r>
+                          </m:e>
+                          <m:sub>
+                            <m:r>
+                              <a:rPr kumimoji="1" lang="en-US" altLang="zh-CN" b="1" i="1" smtClean="0">
+                                <a:latin typeface="Cambria Math" charset="0"/>
+                              </a:rPr>
+                              <m:t>𝟏</m:t>
+                            </m:r>
+                          </m:sub>
+                        </m:sSub>
+                        <m:sSub>
+                          <m:sSubPr>
+                            <m:ctrlPr>
+                              <a:rPr kumimoji="1" lang="en-US" altLang="zh-CN" b="1" i="1" smtClean="0">
+                                <a:latin typeface="Cambria Math" charset="0"/>
+                                <a:ea typeface="Cambria Math" charset="0"/>
+                                <a:cs typeface="Cambria Math" charset="0"/>
+                              </a:rPr>
+                            </m:ctrlPr>
+                          </m:sSubPr>
+                          <m:e>
+                            <m:r>
+                              <a:rPr kumimoji="1" lang="en-US" altLang="zh-CN" b="1" i="1" smtClean="0">
+                                <a:latin typeface="Cambria Math" charset="0"/>
+                                <a:ea typeface="Cambria Math" charset="0"/>
+                                <a:cs typeface="Cambria Math" charset="0"/>
+                              </a:rPr>
+                              <m:t>𝑷</m:t>
+                            </m:r>
+                          </m:e>
+                          <m:sub>
+                            <m:r>
+                              <a:rPr kumimoji="1" lang="en-US" altLang="zh-CN" b="1" i="1" smtClean="0">
+                                <a:latin typeface="Cambria Math" charset="0"/>
+                                <a:ea typeface="Cambria Math" charset="0"/>
+                                <a:cs typeface="Cambria Math" charset="0"/>
+                              </a:rPr>
+                              <m:t>𝑴𝑳</m:t>
+                            </m:r>
+                          </m:sub>
+                        </m:sSub>
+                        <m:d>
+                          <m:dPr>
+                            <m:ctrlPr>
+                              <a:rPr kumimoji="1" lang="en-US" altLang="zh-CN" b="1" i="1">
+                                <a:latin typeface="Cambria Math" charset="0"/>
+                              </a:rPr>
+                            </m:ctrlPr>
+                          </m:dPr>
+                          <m:e>
+                            <m:sSub>
+                              <m:sSubPr>
+                                <m:ctrlPr>
+                                  <a:rPr kumimoji="1" lang="en-US" altLang="zh-CN" b="1" i="1">
+                                    <a:latin typeface="Cambria Math" charset="0"/>
+                                  </a:rPr>
+                                </m:ctrlPr>
+                              </m:sSubPr>
+                              <m:e>
+                                <m:r>
+                                  <a:rPr kumimoji="1" lang="en-US" altLang="zh-CN" b="1" i="1">
+                                    <a:latin typeface="Cambria Math" charset="0"/>
+                                  </a:rPr>
+                                  <m:t>𝒘</m:t>
+                                </m:r>
+                              </m:e>
+                              <m:sub>
+                                <m:r>
+                                  <a:rPr kumimoji="1" lang="en-US" altLang="zh-CN" b="1" i="1">
+                                    <a:latin typeface="Cambria Math" charset="0"/>
+                                  </a:rPr>
+                                  <m:t>𝒕</m:t>
+                                </m:r>
+                              </m:sub>
+                            </m:sSub>
+                            <m:r>
+                              <a:rPr kumimoji="1" lang="en-US" altLang="zh-CN" b="1" i="1">
+                                <a:latin typeface="Cambria Math" charset="0"/>
+                              </a:rPr>
+                              <m:t>|</m:t>
+                            </m:r>
+                            <m:sSub>
+                              <m:sSubPr>
+                                <m:ctrlPr>
+                                  <a:rPr kumimoji="1" lang="en-US" altLang="zh-CN" b="1" i="1">
+                                    <a:latin typeface="Cambria Math" charset="0"/>
+                                  </a:rPr>
+                                </m:ctrlPr>
+                              </m:sSubPr>
+                              <m:e>
+                                <m:sSub>
+                                  <m:sSubPr>
+                                    <m:ctrlPr>
+                                      <a:rPr kumimoji="1" lang="en-US" altLang="zh-CN" b="1" i="1">
+                                        <a:latin typeface="Cambria Math" charset="0"/>
+                                      </a:rPr>
+                                    </m:ctrlPr>
+                                  </m:sSubPr>
+                                  <m:e>
+                                    <m:r>
+                                      <a:rPr kumimoji="1" lang="en-US" altLang="zh-CN" b="1" i="1">
+                                        <a:latin typeface="Cambria Math" charset="0"/>
+                                      </a:rPr>
+                                      <m:t>𝒘</m:t>
+                                    </m:r>
+                                  </m:e>
+                                  <m:sub>
+                                    <m:r>
+                                      <a:rPr kumimoji="1" lang="en-US" altLang="zh-CN" b="1" i="1">
+                                        <a:latin typeface="Cambria Math" charset="0"/>
+                                      </a:rPr>
+                                      <m:t>𝒕</m:t>
+                                    </m:r>
+                                    <m:r>
+                                      <a:rPr kumimoji="1" lang="en-US" altLang="zh-CN" b="1" i="1">
+                                        <a:latin typeface="Cambria Math" charset="0"/>
+                                      </a:rPr>
+                                      <m:t>−</m:t>
+                                    </m:r>
+                                    <m:r>
+                                      <a:rPr kumimoji="1" lang="en-US" altLang="zh-CN" b="1" i="1">
+                                        <a:latin typeface="Cambria Math" charset="0"/>
+                                      </a:rPr>
+                                      <m:t>𝟐</m:t>
+                                    </m:r>
+                                  </m:sub>
+                                </m:sSub>
+                                <m:r>
+                                  <a:rPr kumimoji="1" lang="en-US" altLang="zh-CN" b="1" i="1">
+                                    <a:latin typeface="Cambria Math" charset="0"/>
+                                  </a:rPr>
+                                  <m:t>,</m:t>
+                                </m:r>
+                                <m:r>
+                                  <a:rPr kumimoji="1" lang="en-US" altLang="zh-CN" b="1" i="1">
+                                    <a:latin typeface="Cambria Math" charset="0"/>
+                                  </a:rPr>
+                                  <m:t>𝒘</m:t>
+                                </m:r>
+                              </m:e>
+                              <m:sub>
+                                <m:r>
+                                  <a:rPr kumimoji="1" lang="en-US" altLang="zh-CN" b="1" i="1">
+                                    <a:latin typeface="Cambria Math" charset="0"/>
+                                  </a:rPr>
+                                  <m:t>𝒕</m:t>
+                                </m:r>
+                                <m:r>
+                                  <a:rPr kumimoji="1" lang="en-US" altLang="zh-CN" b="1" i="1">
+                                    <a:latin typeface="Cambria Math" charset="0"/>
+                                  </a:rPr>
+                                  <m:t>−</m:t>
+                                </m:r>
+                                <m:r>
+                                  <a:rPr kumimoji="1" lang="en-US" altLang="zh-CN" b="1" i="1">
+                                    <a:latin typeface="Cambria Math" charset="0"/>
+                                  </a:rPr>
+                                  <m:t>𝟏</m:t>
+                                </m:r>
+                              </m:sub>
+                            </m:sSub>
+                          </m:e>
+                        </m:d>
+                        <m:r>
+                          <a:rPr kumimoji="1" lang="en-US" altLang="zh-CN" b="1" i="1" smtClean="0">
+                            <a:latin typeface="Cambria Math" charset="0"/>
+                            <a:ea typeface="Cambria Math" charset="0"/>
+                            <a:cs typeface="Cambria Math" charset="0"/>
+                          </a:rPr>
+                          <m:t>+</m:t>
+                        </m:r>
+                        <m:sSub>
+                          <m:sSubPr>
+                            <m:ctrlPr>
+                              <a:rPr kumimoji="1" lang="en-US" altLang="zh-CN" b="1" i="1">
+                                <a:latin typeface="Cambria Math" charset="0"/>
+                              </a:rPr>
+                            </m:ctrlPr>
+                          </m:sSubPr>
+                          <m:e>
+                            <m:r>
+                              <a:rPr kumimoji="1" lang="en-US" altLang="zh-CN" b="1" i="1">
+                                <a:latin typeface="Cambria Math" charset="0"/>
+                                <a:ea typeface="Cambria Math" charset="0"/>
+                                <a:cs typeface="Cambria Math" charset="0"/>
+                              </a:rPr>
+                              <m:t>𝝀</m:t>
+                            </m:r>
+                          </m:e>
+                          <m:sub>
+                            <m:r>
+                              <a:rPr kumimoji="1" lang="en-US" altLang="zh-CN" b="1" i="1" smtClean="0">
+                                <a:latin typeface="Cambria Math" charset="0"/>
+                                <a:ea typeface="Cambria Math" charset="0"/>
+                                <a:cs typeface="Cambria Math" charset="0"/>
+                              </a:rPr>
+                              <m:t>𝟐</m:t>
+                            </m:r>
+                          </m:sub>
+                        </m:sSub>
+                        <m:r>
+                          <a:rPr kumimoji="1" lang="en-US" altLang="zh-CN" b="1" i="1">
+                            <a:latin typeface="Cambria Math" charset="0"/>
+                          </a:rPr>
+                          <m:t>𝑷</m:t>
+                        </m:r>
+                        <m:d>
+                          <m:dPr>
+                            <m:ctrlPr>
+                              <a:rPr kumimoji="1" lang="en-US" altLang="zh-CN" b="1" i="1">
+                                <a:latin typeface="Cambria Math" charset="0"/>
+                              </a:rPr>
+                            </m:ctrlPr>
+                          </m:dPr>
+                          <m:e>
+                            <m:sSub>
+                              <m:sSubPr>
+                                <m:ctrlPr>
+                                  <a:rPr kumimoji="1" lang="en-US" altLang="zh-CN" b="1" i="1">
+                                    <a:latin typeface="Cambria Math" charset="0"/>
+                                  </a:rPr>
+                                </m:ctrlPr>
+                              </m:sSubPr>
+                              <m:e>
+                                <m:r>
+                                  <a:rPr kumimoji="1" lang="en-US" altLang="zh-CN" b="1" i="1">
+                                    <a:latin typeface="Cambria Math" charset="0"/>
+                                  </a:rPr>
+                                  <m:t>𝒘</m:t>
+                                </m:r>
+                              </m:e>
+                              <m:sub>
+                                <m:r>
+                                  <a:rPr kumimoji="1" lang="en-US" altLang="zh-CN" b="1" i="1">
+                                    <a:latin typeface="Cambria Math" charset="0"/>
+                                  </a:rPr>
+                                  <m:t>𝒕</m:t>
+                                </m:r>
+                              </m:sub>
+                            </m:sSub>
+                            <m:r>
+                              <a:rPr kumimoji="1" lang="en-US" altLang="zh-CN" b="1" i="1">
+                                <a:latin typeface="Cambria Math" charset="0"/>
+                              </a:rPr>
+                              <m:t>|</m:t>
+                            </m:r>
+                            <m:sSub>
+                              <m:sSubPr>
+                                <m:ctrlPr>
+                                  <a:rPr kumimoji="1" lang="en-US" altLang="zh-CN" b="1" i="1">
+                                    <a:latin typeface="Cambria Math" charset="0"/>
+                                  </a:rPr>
+                                </m:ctrlPr>
+                              </m:sSubPr>
+                              <m:e>
+                                <m:r>
+                                  <a:rPr kumimoji="1" lang="en-US" altLang="zh-CN" b="1" i="1">
+                                    <a:latin typeface="Cambria Math" charset="0"/>
+                                  </a:rPr>
+                                  <m:t>𝒘</m:t>
+                                </m:r>
+                              </m:e>
+                              <m:sub>
+                                <m:r>
+                                  <a:rPr kumimoji="1" lang="en-US" altLang="zh-CN" b="1" i="1">
+                                    <a:latin typeface="Cambria Math" charset="0"/>
+                                  </a:rPr>
+                                  <m:t>𝒕</m:t>
+                                </m:r>
+                                <m:r>
+                                  <a:rPr kumimoji="1" lang="en-US" altLang="zh-CN" b="1" i="1">
+                                    <a:latin typeface="Cambria Math" charset="0"/>
+                                  </a:rPr>
+                                  <m:t>−</m:t>
+                                </m:r>
+                                <m:r>
+                                  <a:rPr kumimoji="1" lang="en-US" altLang="zh-CN" b="1" i="1">
+                                    <a:latin typeface="Cambria Math" charset="0"/>
+                                  </a:rPr>
+                                  <m:t>𝟏</m:t>
+                                </m:r>
+                              </m:sub>
+                            </m:sSub>
+                          </m:e>
+                        </m:d>
+                        <m:r>
+                          <a:rPr kumimoji="1" lang="en-US" altLang="zh-CN" b="1" i="1" smtClean="0">
+                            <a:latin typeface="Cambria Math" charset="0"/>
+                          </a:rPr>
+                          <m:t>+</m:t>
+                        </m:r>
+                        <m:sSub>
+                          <m:sSubPr>
+                            <m:ctrlPr>
+                              <a:rPr kumimoji="1" lang="en-US" altLang="zh-CN" b="1" i="1">
+                                <a:latin typeface="Cambria Math" charset="0"/>
+                              </a:rPr>
+                            </m:ctrlPr>
+                          </m:sSubPr>
+                          <m:e>
+                            <m:r>
+                              <a:rPr kumimoji="1" lang="en-US" altLang="zh-CN" b="1" i="1">
+                                <a:latin typeface="Cambria Math" charset="0"/>
+                                <a:ea typeface="Cambria Math" charset="0"/>
+                                <a:cs typeface="Cambria Math" charset="0"/>
+                              </a:rPr>
+                              <m:t>𝝀</m:t>
+                            </m:r>
+                          </m:e>
+                          <m:sub>
+                            <m:r>
+                              <a:rPr kumimoji="1" lang="en-US" altLang="zh-CN" b="1" i="1" smtClean="0">
+                                <a:latin typeface="Cambria Math" charset="0"/>
+                                <a:ea typeface="Cambria Math" charset="0"/>
+                                <a:cs typeface="Cambria Math" charset="0"/>
+                              </a:rPr>
+                              <m:t>𝟑</m:t>
+                            </m:r>
+                          </m:sub>
+                        </m:sSub>
+                        <m:r>
+                          <a:rPr kumimoji="1" lang="en-US" altLang="zh-CN" b="1" i="1">
+                            <a:latin typeface="Cambria Math" charset="0"/>
+                          </a:rPr>
+                          <m:t>𝑷</m:t>
+                        </m:r>
+                        <m:d>
+                          <m:dPr>
+                            <m:ctrlPr>
+                              <a:rPr kumimoji="1" lang="en-US" altLang="zh-CN" b="1" i="1">
+                                <a:latin typeface="Cambria Math" charset="0"/>
+                              </a:rPr>
+                            </m:ctrlPr>
+                          </m:dPr>
+                          <m:e>
+                            <m:sSub>
+                              <m:sSubPr>
+                                <m:ctrlPr>
+                                  <a:rPr kumimoji="1" lang="en-US" altLang="zh-CN" b="1" i="1">
+                                    <a:latin typeface="Cambria Math" charset="0"/>
+                                  </a:rPr>
+                                </m:ctrlPr>
+                              </m:sSubPr>
+                              <m:e>
+                                <m:r>
+                                  <a:rPr kumimoji="1" lang="en-US" altLang="zh-CN" b="1" i="1">
+                                    <a:latin typeface="Cambria Math" charset="0"/>
+                                  </a:rPr>
+                                  <m:t>𝒘</m:t>
+                                </m:r>
+                              </m:e>
+                              <m:sub>
+                                <m:r>
+                                  <a:rPr kumimoji="1" lang="en-US" altLang="zh-CN" b="1" i="1">
+                                    <a:latin typeface="Cambria Math" charset="0"/>
+                                  </a:rPr>
+                                  <m:t>𝒕</m:t>
+                                </m:r>
+                              </m:sub>
+                            </m:sSub>
+                          </m:e>
+                        </m:d>
+                      </m:oMath>
+                    </m:oMathPara>
+                  </a14:m>
+                  <a:endParaRPr kumimoji="1" lang="zh-CN" altLang="en-US" b="1" dirty="0"/>
+                </a:p>
+              </p:txBody>
+            </p:sp>
+          </mc:Choice>
+          <mc:Fallback>
+            <p:sp>
+              <p:nvSpPr>
+                <p:cNvPr id="19" name="文本框 18"/>
+                <p:cNvSpPr txBox="1">
+                  <a:spLocks noRot="1" noChangeAspect="1" noMove="1" noResize="1" noEditPoints="1" noAdjustHandles="1" noChangeArrowheads="1" noChangeShapeType="1" noTextEdit="1"/>
+                </p:cNvSpPr>
+                <p:nvPr/>
+              </p:nvSpPr>
+              <p:spPr>
+                <a:xfrm>
+                  <a:off x="821249" y="4578966"/>
+                  <a:ext cx="7156703" cy="276999"/>
+                </a:xfrm>
+                <a:prstGeom prst="rect">
+                  <a:avLst/>
+                </a:prstGeom>
+                <a:blipFill rotWithShape="0">
+                  <a:blip r:embed="rId14"/>
+                  <a:stretch>
+                    <a:fillRect l="-170" t="-2174" b="-32609"/>
+                  </a:stretch>
+                </a:blipFill>
+              </p:spPr>
+              <p:txBody>
+                <a:bodyPr/>
+                <a:lstStyle/>
+                <a:p>
+                  <a:r>
+                    <a:rPr lang="zh-CN" altLang="en-US">
+                      <a:noFill/>
+                    </a:rPr>
+                    <a:t> </a:t>
+                  </a:r>
+                </a:p>
+              </p:txBody>
+            </p:sp>
+          </mc:Fallback>
+        </mc:AlternateContent>
+        <mc:AlternateContent xmlns:mc="http://schemas.openxmlformats.org/markup-compatibility/2006">
+          <mc:Choice xmlns:a14="http://schemas.microsoft.com/office/drawing/2010/main" Requires="a14">
+            <p:sp>
+              <p:nvSpPr>
+                <p:cNvPr id="22" name="矩形 21"/>
+                <p:cNvSpPr/>
+                <p:nvPr/>
+              </p:nvSpPr>
+              <p:spPr>
+                <a:xfrm>
+                  <a:off x="821249" y="4917115"/>
+                  <a:ext cx="1798185" cy="369332"/>
+                </a:xfrm>
+                <a:prstGeom prst="rect">
+                  <a:avLst/>
+                </a:prstGeom>
+              </p:spPr>
+              <p:txBody>
+                <a:bodyPr wrap="none">
+                  <a:spAutoFit/>
+                </a:bodyPr>
+                <a:lstStyle/>
+                <a:p>
+                  <a14:m>
+                    <m:oMath xmlns:m="http://schemas.openxmlformats.org/officeDocument/2006/math">
+                      <m:sSub>
+                        <m:sSubPr>
+                          <m:ctrlPr>
+                            <a:rPr kumimoji="1" lang="en-US" altLang="zh-CN" i="1" smtClean="0">
+                              <a:latin typeface="Cambria Math" charset="0"/>
+                            </a:rPr>
+                          </m:ctrlPr>
+                        </m:sSubPr>
+                        <m:e>
+                          <m:r>
+                            <a:rPr kumimoji="1" lang="en-US" altLang="zh-CN" i="1">
+                              <a:latin typeface="Cambria Math" charset="0"/>
+                              <a:ea typeface="Cambria Math" charset="0"/>
+                              <a:cs typeface="Cambria Math" charset="0"/>
+                            </a:rPr>
+                            <m:t>𝜆</m:t>
+                          </m:r>
+                        </m:e>
+                        <m:sub>
+                          <m:r>
+                            <a:rPr kumimoji="1" lang="en-US" altLang="zh-CN" i="1">
+                              <a:latin typeface="Cambria Math" charset="0"/>
+                            </a:rPr>
+                            <m:t>1</m:t>
+                          </m:r>
+                        </m:sub>
+                      </m:sSub>
+                      <m:r>
+                        <a:rPr kumimoji="1" lang="en-US" altLang="zh-CN" b="0" i="1" smtClean="0">
+                          <a:latin typeface="Cambria Math" charset="0"/>
+                        </a:rPr>
+                        <m:t>+</m:t>
+                      </m:r>
+                      <m:sSub>
+                        <m:sSubPr>
+                          <m:ctrlPr>
+                            <a:rPr kumimoji="1" lang="en-US" altLang="zh-CN" i="1">
+                              <a:latin typeface="Cambria Math" charset="0"/>
+                            </a:rPr>
+                          </m:ctrlPr>
+                        </m:sSubPr>
+                        <m:e>
+                          <m:r>
+                            <a:rPr kumimoji="1" lang="en-US" altLang="zh-CN" i="1">
+                              <a:latin typeface="Cambria Math" charset="0"/>
+                              <a:ea typeface="Cambria Math" charset="0"/>
+                              <a:cs typeface="Cambria Math" charset="0"/>
+                            </a:rPr>
+                            <m:t>𝜆</m:t>
+                          </m:r>
+                        </m:e>
+                        <m:sub>
+                          <m:r>
+                            <a:rPr kumimoji="1" lang="en-US" altLang="zh-CN" b="0" i="1" smtClean="0">
+                              <a:latin typeface="Cambria Math" charset="0"/>
+                              <a:ea typeface="Cambria Math" charset="0"/>
+                              <a:cs typeface="Cambria Math" charset="0"/>
+                            </a:rPr>
+                            <m:t>2</m:t>
+                          </m:r>
+                        </m:sub>
+                      </m:sSub>
+                    </m:oMath>
+                  </a14:m>
+                  <a:r>
+                    <a:rPr lang="en-US" altLang="zh-CN" dirty="0" smtClean="0"/>
+                    <a:t>+</a:t>
+                  </a:r>
+                  <a14:m>
+                    <m:oMath xmlns:m="http://schemas.openxmlformats.org/officeDocument/2006/math">
+                      <m:sSub>
+                        <m:sSubPr>
+                          <m:ctrlPr>
+                            <a:rPr kumimoji="1" lang="en-US" altLang="zh-CN" i="1">
+                              <a:latin typeface="Cambria Math" charset="0"/>
+                            </a:rPr>
+                          </m:ctrlPr>
+                        </m:sSubPr>
+                        <m:e>
+                          <m:r>
+                            <a:rPr kumimoji="1" lang="en-US" altLang="zh-CN" i="1">
+                              <a:latin typeface="Cambria Math" charset="0"/>
+                              <a:ea typeface="Cambria Math" charset="0"/>
+                              <a:cs typeface="Cambria Math" charset="0"/>
+                            </a:rPr>
+                            <m:t>𝜆</m:t>
+                          </m:r>
+                        </m:e>
+                        <m:sub>
+                          <m:r>
+                            <a:rPr kumimoji="1" lang="en-US" altLang="zh-CN" b="0" i="1" smtClean="0">
+                              <a:latin typeface="Cambria Math" charset="0"/>
+                              <a:ea typeface="Cambria Math" charset="0"/>
+                              <a:cs typeface="Cambria Math" charset="0"/>
+                            </a:rPr>
+                            <m:t>3</m:t>
+                          </m:r>
+                        </m:sub>
+                      </m:sSub>
+                    </m:oMath>
+                  </a14:m>
+                  <a:r>
+                    <a:rPr lang="en-US" altLang="zh-CN" dirty="0" smtClean="0"/>
+                    <a:t>=1</a:t>
+                  </a:r>
+                  <a:r>
+                    <a:rPr lang="zh-CN" altLang="en-US" dirty="0" smtClean="0"/>
+                    <a:t>，</a:t>
+                  </a:r>
+                  <a:endParaRPr lang="zh-CN" altLang="en-US" dirty="0"/>
+                </a:p>
+              </p:txBody>
+            </p:sp>
+          </mc:Choice>
+          <mc:Fallback>
+            <p:sp>
+              <p:nvSpPr>
+                <p:cNvPr id="22" name="矩形 21"/>
+                <p:cNvSpPr>
+                  <a:spLocks noRot="1" noChangeAspect="1" noMove="1" noResize="1" noEditPoints="1" noAdjustHandles="1" noChangeArrowheads="1" noChangeShapeType="1" noTextEdit="1"/>
+                </p:cNvSpPr>
+                <p:nvPr/>
+              </p:nvSpPr>
+              <p:spPr>
+                <a:xfrm>
+                  <a:off x="821249" y="4917115"/>
+                  <a:ext cx="1798185" cy="369332"/>
+                </a:xfrm>
+                <a:prstGeom prst="rect">
+                  <a:avLst/>
+                </a:prstGeom>
+                <a:blipFill rotWithShape="0">
+                  <a:blip r:embed="rId15"/>
+                  <a:stretch>
+                    <a:fillRect t="-10000" r="-2034" b="-26667"/>
+                  </a:stretch>
+                </a:blipFill>
+              </p:spPr>
+              <p:txBody>
+                <a:bodyPr/>
+                <a:lstStyle/>
+                <a:p>
+                  <a:r>
+                    <a:rPr lang="zh-CN" altLang="en-US">
+                      <a:noFill/>
+                    </a:rPr>
+                    <a:t> </a:t>
+                  </a:r>
+                </a:p>
+              </p:txBody>
+            </p:sp>
+          </mc:Fallback>
+        </mc:AlternateContent>
+        <mc:AlternateContent xmlns:mc="http://schemas.openxmlformats.org/markup-compatibility/2006">
+          <mc:Choice xmlns:a14="http://schemas.microsoft.com/office/drawing/2010/main" Requires="a14">
+            <p:sp>
+              <p:nvSpPr>
+                <p:cNvPr id="23" name="矩形 22"/>
+                <p:cNvSpPr/>
+                <p:nvPr/>
+              </p:nvSpPr>
+              <p:spPr>
+                <a:xfrm>
+                  <a:off x="2345438" y="4917115"/>
+                  <a:ext cx="1380441" cy="369332"/>
+                </a:xfrm>
+                <a:prstGeom prst="rect">
+                  <a:avLst/>
+                </a:prstGeom>
+              </p:spPr>
+              <p:txBody>
+                <a:bodyPr wrap="none">
+                  <a:spAutoFit/>
+                </a:bodyPr>
+                <a:lstStyle/>
+                <a:p>
+                  <a14:m>
+                    <m:oMathPara xmlns:m="http://schemas.openxmlformats.org/officeDocument/2006/math">
+                      <m:oMathParaPr>
+                        <m:jc m:val="centerGroup"/>
+                      </m:oMathParaPr>
+                      <m:oMath xmlns:m="http://schemas.openxmlformats.org/officeDocument/2006/math">
+                        <m:r>
+                          <a:rPr kumimoji="1" lang="en-US" altLang="zh-CN" i="1">
+                            <a:latin typeface="Cambria Math" charset="0"/>
+                          </a:rPr>
+                          <m:t>𝑃</m:t>
+                        </m:r>
+                        <m:d>
+                          <m:dPr>
+                            <m:ctrlPr>
+                              <a:rPr kumimoji="1" lang="en-US" altLang="zh-CN" i="1">
+                                <a:latin typeface="Cambria Math" charset="0"/>
+                              </a:rPr>
+                            </m:ctrlPr>
+                          </m:dPr>
+                          <m:e>
+                            <m:sSub>
+                              <m:sSubPr>
+                                <m:ctrlPr>
+                                  <a:rPr kumimoji="1" lang="en-US" altLang="zh-CN" i="1">
+                                    <a:latin typeface="Cambria Math" charset="0"/>
+                                  </a:rPr>
+                                </m:ctrlPr>
+                              </m:sSubPr>
+                              <m:e>
+                                <m:r>
+                                  <a:rPr kumimoji="1" lang="en-US" altLang="zh-CN" i="1">
+                                    <a:latin typeface="Cambria Math" charset="0"/>
+                                  </a:rPr>
+                                  <m:t>𝑤</m:t>
+                                </m:r>
+                              </m:e>
+                              <m:sub>
+                                <m:r>
+                                  <a:rPr kumimoji="1" lang="en-US" altLang="zh-CN" i="1">
+                                    <a:latin typeface="Cambria Math" charset="0"/>
+                                  </a:rPr>
+                                  <m:t>𝑡</m:t>
+                                </m:r>
+                              </m:sub>
+                            </m:sSub>
+                            <m:r>
+                              <a:rPr kumimoji="1" lang="en-US" altLang="zh-CN" i="1">
+                                <a:latin typeface="Cambria Math" charset="0"/>
+                              </a:rPr>
+                              <m:t>|</m:t>
+                            </m:r>
+                            <m:sSub>
+                              <m:sSubPr>
+                                <m:ctrlPr>
+                                  <a:rPr kumimoji="1" lang="en-US" altLang="zh-CN" i="1">
+                                    <a:latin typeface="Cambria Math" charset="0"/>
+                                  </a:rPr>
+                                </m:ctrlPr>
+                              </m:sSubPr>
+                              <m:e>
+                                <m:r>
+                                  <a:rPr kumimoji="1" lang="en-US" altLang="zh-CN" i="1">
+                                    <a:latin typeface="Cambria Math" charset="0"/>
+                                  </a:rPr>
+                                  <m:t>𝑤</m:t>
+                                </m:r>
+                              </m:e>
+                              <m:sub>
+                                <m:r>
+                                  <a:rPr kumimoji="1" lang="en-US" altLang="zh-CN" i="1">
+                                    <a:latin typeface="Cambria Math" charset="0"/>
+                                  </a:rPr>
+                                  <m:t>𝑡</m:t>
+                                </m:r>
+                                <m:r>
+                                  <a:rPr kumimoji="1" lang="en-US" altLang="zh-CN" i="1">
+                                    <a:latin typeface="Cambria Math" charset="0"/>
+                                  </a:rPr>
+                                  <m:t>−1</m:t>
+                                </m:r>
+                              </m:sub>
+                            </m:sSub>
+                          </m:e>
+                        </m:d>
+                      </m:oMath>
+                    </m:oMathPara>
+                  </a14:m>
+                  <a:endParaRPr lang="zh-CN" altLang="en-US" dirty="0"/>
+                </a:p>
+              </p:txBody>
+            </p:sp>
+          </mc:Choice>
+          <mc:Fallback>
+            <p:sp>
+              <p:nvSpPr>
+                <p:cNvPr id="23" name="矩形 22"/>
+                <p:cNvSpPr>
+                  <a:spLocks noRot="1" noChangeAspect="1" noMove="1" noResize="1" noEditPoints="1" noAdjustHandles="1" noChangeArrowheads="1" noChangeShapeType="1" noTextEdit="1"/>
+                </p:cNvSpPr>
+                <p:nvPr/>
+              </p:nvSpPr>
+              <p:spPr>
+                <a:xfrm>
+                  <a:off x="2345438" y="4917115"/>
+                  <a:ext cx="1380441" cy="369332"/>
+                </a:xfrm>
+                <a:prstGeom prst="rect">
+                  <a:avLst/>
+                </a:prstGeom>
+                <a:blipFill rotWithShape="0">
+                  <a:blip r:embed="rId16"/>
+                  <a:stretch>
+                    <a:fillRect b="-13333"/>
+                  </a:stretch>
+                </a:blipFill>
+              </p:spPr>
+              <p:txBody>
+                <a:bodyPr/>
+                <a:lstStyle/>
+                <a:p>
+                  <a:r>
+                    <a:rPr lang="zh-CN" altLang="en-US">
+                      <a:noFill/>
+                    </a:rPr>
+                    <a:t> </a:t>
+                  </a:r>
+                </a:p>
+              </p:txBody>
+            </p:sp>
+          </mc:Fallback>
+        </mc:AlternateContent>
+        <p:sp>
+          <p:nvSpPr>
+            <p:cNvPr id="24" name="矩形 23"/>
+            <p:cNvSpPr/>
+            <p:nvPr/>
+          </p:nvSpPr>
+          <p:spPr>
+            <a:xfrm>
+              <a:off x="3578490" y="4917115"/>
+              <a:ext cx="3020379" cy="369332"/>
+            </a:xfrm>
+            <a:prstGeom prst="rect">
+              <a:avLst/>
+            </a:prstGeom>
+          </p:spPr>
+          <p:txBody>
+            <a:bodyPr wrap="none">
+              <a:spAutoFit/>
+            </a:bodyPr>
+            <a:lstStyle/>
+            <a:p>
+              <a:r>
+                <a:rPr kumimoji="1" lang="zh-CN" altLang="en-US" dirty="0" smtClean="0"/>
+                <a:t>为</a:t>
+              </a:r>
+              <a:r>
+                <a:rPr kumimoji="1" lang="en-US" altLang="zh-CN" dirty="0"/>
+                <a:t>2</a:t>
+              </a:r>
+              <a:r>
+                <a:rPr kumimoji="1" lang="en-US" altLang="zh-CN" dirty="0" smtClean="0"/>
+                <a:t>-gram</a:t>
+              </a:r>
+              <a:r>
+                <a:rPr kumimoji="1" lang="zh-CN" altLang="en-US" dirty="0"/>
+                <a:t>模型的插值</a:t>
+              </a:r>
+              <a:r>
+                <a:rPr kumimoji="1" lang="zh-CN" altLang="en-US" dirty="0" smtClean="0"/>
+                <a:t>结果，</a:t>
+              </a:r>
+              <a:endParaRPr kumimoji="1" lang="zh-CN" altLang="en-US" dirty="0"/>
+            </a:p>
+          </p:txBody>
+        </p:sp>
+        <mc:AlternateContent xmlns:mc="http://schemas.openxmlformats.org/markup-compatibility/2006">
+          <mc:Choice xmlns:a14="http://schemas.microsoft.com/office/drawing/2010/main" Requires="a14">
+            <p:sp>
+              <p:nvSpPr>
+                <p:cNvPr id="25" name="矩形 24"/>
+                <p:cNvSpPr/>
+                <p:nvPr/>
+              </p:nvSpPr>
+              <p:spPr>
+                <a:xfrm>
+                  <a:off x="6325929" y="4915729"/>
+                  <a:ext cx="837089" cy="369332"/>
+                </a:xfrm>
+                <a:prstGeom prst="rect">
+                  <a:avLst/>
+                </a:prstGeom>
+              </p:spPr>
+              <p:txBody>
+                <a:bodyPr wrap="none">
+                  <a:spAutoFit/>
+                </a:bodyPr>
+                <a:lstStyle/>
+                <a:p>
+                  <a14:m>
+                    <m:oMathPara xmlns:m="http://schemas.openxmlformats.org/officeDocument/2006/math">
+                      <m:oMathParaPr>
+                        <m:jc m:val="centerGroup"/>
+                      </m:oMathParaPr>
+                      <m:oMath xmlns:m="http://schemas.openxmlformats.org/officeDocument/2006/math">
+                        <m:r>
+                          <a:rPr kumimoji="1" lang="en-US" altLang="zh-CN" i="1">
+                            <a:latin typeface="Cambria Math" charset="0"/>
+                          </a:rPr>
+                          <m:t>𝑃</m:t>
+                        </m:r>
+                        <m:d>
+                          <m:dPr>
+                            <m:ctrlPr>
+                              <a:rPr kumimoji="1" lang="en-US" altLang="zh-CN" i="1">
+                                <a:latin typeface="Cambria Math" charset="0"/>
+                              </a:rPr>
+                            </m:ctrlPr>
+                          </m:dPr>
+                          <m:e>
+                            <m:sSub>
+                              <m:sSubPr>
+                                <m:ctrlPr>
+                                  <a:rPr kumimoji="1" lang="en-US" altLang="zh-CN" i="1">
+                                    <a:latin typeface="Cambria Math" charset="0"/>
+                                  </a:rPr>
+                                </m:ctrlPr>
+                              </m:sSubPr>
+                              <m:e>
+                                <m:r>
+                                  <a:rPr kumimoji="1" lang="en-US" altLang="zh-CN" i="1">
+                                    <a:latin typeface="Cambria Math" charset="0"/>
+                                  </a:rPr>
+                                  <m:t>𝑤</m:t>
+                                </m:r>
+                              </m:e>
+                              <m:sub>
+                                <m:r>
+                                  <a:rPr kumimoji="1" lang="en-US" altLang="zh-CN" i="1">
+                                    <a:latin typeface="Cambria Math" charset="0"/>
+                                  </a:rPr>
+                                  <m:t>𝑡</m:t>
+                                </m:r>
+                              </m:sub>
+                            </m:sSub>
+                          </m:e>
+                        </m:d>
+                      </m:oMath>
+                    </m:oMathPara>
+                  </a14:m>
+                  <a:endParaRPr lang="zh-CN" altLang="en-US" dirty="0"/>
+                </a:p>
+              </p:txBody>
+            </p:sp>
+          </mc:Choice>
+          <mc:Fallback>
+            <p:sp>
+              <p:nvSpPr>
+                <p:cNvPr id="25" name="矩形 24"/>
+                <p:cNvSpPr>
+                  <a:spLocks noRot="1" noChangeAspect="1" noMove="1" noResize="1" noEditPoints="1" noAdjustHandles="1" noChangeArrowheads="1" noChangeShapeType="1" noTextEdit="1"/>
+                </p:cNvSpPr>
+                <p:nvPr/>
+              </p:nvSpPr>
+              <p:spPr>
+                <a:xfrm>
+                  <a:off x="6325929" y="4915729"/>
+                  <a:ext cx="837089" cy="369332"/>
+                </a:xfrm>
+                <a:prstGeom prst="rect">
+                  <a:avLst/>
+                </a:prstGeom>
+                <a:blipFill rotWithShape="0">
+                  <a:blip r:embed="rId17"/>
+                  <a:stretch>
+                    <a:fillRect/>
+                  </a:stretch>
+                </a:blipFill>
+              </p:spPr>
+              <p:txBody>
+                <a:bodyPr/>
+                <a:lstStyle/>
+                <a:p>
+                  <a:r>
+                    <a:rPr lang="zh-CN" altLang="en-US">
+                      <a:noFill/>
+                    </a:rPr>
+                    <a:t> </a:t>
+                  </a:r>
+                </a:p>
+              </p:txBody>
+            </p:sp>
+          </mc:Fallback>
+        </mc:AlternateContent>
+        <p:sp>
+          <p:nvSpPr>
+            <p:cNvPr id="26" name="文本框 25"/>
+            <p:cNvSpPr txBox="1"/>
+            <p:nvPr/>
+          </p:nvSpPr>
+          <p:spPr>
+            <a:xfrm>
+              <a:off x="7056233" y="4917115"/>
+              <a:ext cx="2789546" cy="369332"/>
+            </a:xfrm>
+            <a:prstGeom prst="rect">
+              <a:avLst/>
+            </a:prstGeom>
+            <a:noFill/>
+          </p:spPr>
+          <p:txBody>
+            <a:bodyPr wrap="none" rtlCol="0">
+              <a:spAutoFit/>
+            </a:bodyPr>
+            <a:lstStyle/>
+            <a:p>
+              <a:r>
+                <a:rPr kumimoji="1" lang="zh-CN" altLang="en-US" dirty="0" smtClean="0"/>
+                <a:t>为</a:t>
+              </a:r>
+              <a:r>
+                <a:rPr kumimoji="1" lang="en-US" altLang="zh-CN" dirty="0" smtClean="0"/>
+                <a:t>1-gram</a:t>
+              </a:r>
+              <a:r>
+                <a:rPr kumimoji="1" lang="zh-CN" altLang="en-US" dirty="0" smtClean="0"/>
+                <a:t>模型的插值结果</a:t>
+              </a:r>
+              <a:endParaRPr kumimoji="1" lang="zh-CN" altLang="en-US" dirty="0"/>
+            </a:p>
+          </p:txBody>
+        </p:sp>
+        <mc:AlternateContent xmlns:mc="http://schemas.openxmlformats.org/markup-compatibility/2006">
+          <mc:Choice xmlns:a14="http://schemas.microsoft.com/office/drawing/2010/main" Requires="a14">
+            <p:sp>
+              <p:nvSpPr>
+                <p:cNvPr id="27" name="矩形 26"/>
+                <p:cNvSpPr/>
+                <p:nvPr/>
+              </p:nvSpPr>
+              <p:spPr>
+                <a:xfrm>
+                  <a:off x="780083" y="5331470"/>
+                  <a:ext cx="4622099" cy="700961"/>
+                </a:xfrm>
+                <a:prstGeom prst="rect">
+                  <a:avLst/>
+                </a:prstGeom>
+              </p:spPr>
+              <p:txBody>
+                <a:bodyPr wrap="none">
+                  <a:spAutoFit/>
+                </a:bodyPr>
+                <a:lstStyle/>
+                <a:p>
+                  <a14:m>
+                    <m:oMathPara xmlns:m="http://schemas.openxmlformats.org/officeDocument/2006/math">
+                      <m:oMathParaPr>
+                        <m:jc m:val="centerGroup"/>
+                      </m:oMathParaPr>
+                      <m:oMath xmlns:m="http://schemas.openxmlformats.org/officeDocument/2006/math">
+                        <m:sSub>
+                          <m:sSubPr>
+                            <m:ctrlPr>
+                              <a:rPr kumimoji="1" lang="en-US" altLang="zh-CN" i="1" smtClean="0">
+                                <a:latin typeface="Cambria Math" charset="0"/>
+                                <a:ea typeface="Cambria Math" charset="0"/>
+                                <a:cs typeface="Cambria Math" charset="0"/>
+                              </a:rPr>
+                            </m:ctrlPr>
+                          </m:sSubPr>
+                          <m:e>
+                            <m:r>
+                              <a:rPr kumimoji="1" lang="en-US" altLang="zh-CN" i="1">
+                                <a:latin typeface="Cambria Math" charset="0"/>
+                                <a:ea typeface="Cambria Math" charset="0"/>
+                                <a:cs typeface="Cambria Math" charset="0"/>
+                              </a:rPr>
+                              <m:t>𝑃</m:t>
+                            </m:r>
+                          </m:e>
+                          <m:sub>
+                            <m:r>
+                              <a:rPr kumimoji="1" lang="en-US" altLang="zh-CN" i="1">
+                                <a:latin typeface="Cambria Math" charset="0"/>
+                                <a:ea typeface="Cambria Math" charset="0"/>
+                                <a:cs typeface="Cambria Math" charset="0"/>
+                              </a:rPr>
+                              <m:t>𝑀𝐿</m:t>
+                            </m:r>
+                          </m:sub>
+                        </m:sSub>
+                        <m:d>
+                          <m:dPr>
+                            <m:ctrlPr>
+                              <a:rPr kumimoji="1" lang="en-US" altLang="zh-CN" i="1">
+                                <a:latin typeface="Cambria Math" charset="0"/>
+                              </a:rPr>
+                            </m:ctrlPr>
+                          </m:dPr>
+                          <m:e>
+                            <m:sSub>
+                              <m:sSubPr>
+                                <m:ctrlPr>
+                                  <a:rPr kumimoji="1" lang="en-US" altLang="zh-CN" i="1">
+                                    <a:latin typeface="Cambria Math" charset="0"/>
+                                  </a:rPr>
+                                </m:ctrlPr>
+                              </m:sSubPr>
+                              <m:e>
+                                <m:r>
+                                  <a:rPr kumimoji="1" lang="en-US" altLang="zh-CN" i="1">
+                                    <a:latin typeface="Cambria Math" charset="0"/>
+                                  </a:rPr>
+                                  <m:t>𝑤</m:t>
+                                </m:r>
+                              </m:e>
+                              <m:sub>
+                                <m:r>
+                                  <a:rPr kumimoji="1" lang="en-US" altLang="zh-CN" i="1">
+                                    <a:latin typeface="Cambria Math" charset="0"/>
+                                  </a:rPr>
+                                  <m:t>𝑡</m:t>
+                                </m:r>
+                              </m:sub>
+                            </m:sSub>
+                            <m:r>
+                              <a:rPr kumimoji="1" lang="en-US" altLang="zh-CN" i="1">
+                                <a:latin typeface="Cambria Math" charset="0"/>
+                              </a:rPr>
+                              <m:t>|</m:t>
+                            </m:r>
+                            <m:sSub>
+                              <m:sSubPr>
+                                <m:ctrlPr>
+                                  <a:rPr kumimoji="1" lang="en-US" altLang="zh-CN" i="1">
+                                    <a:latin typeface="Cambria Math" charset="0"/>
+                                  </a:rPr>
+                                </m:ctrlPr>
+                              </m:sSubPr>
+                              <m:e>
+                                <m:sSub>
+                                  <m:sSubPr>
+                                    <m:ctrlPr>
+                                      <a:rPr kumimoji="1" lang="en-US" altLang="zh-CN" i="1">
+                                        <a:latin typeface="Cambria Math" charset="0"/>
+                                      </a:rPr>
+                                    </m:ctrlPr>
+                                  </m:sSubPr>
+                                  <m:e>
+                                    <m:r>
+                                      <a:rPr kumimoji="1" lang="en-US" altLang="zh-CN" i="1">
+                                        <a:latin typeface="Cambria Math" charset="0"/>
+                                      </a:rPr>
+                                      <m:t>𝑤</m:t>
+                                    </m:r>
+                                  </m:e>
+                                  <m:sub>
+                                    <m:r>
+                                      <a:rPr kumimoji="1" lang="en-US" altLang="zh-CN" i="1">
+                                        <a:latin typeface="Cambria Math" charset="0"/>
+                                      </a:rPr>
+                                      <m:t>𝑡</m:t>
+                                    </m:r>
+                                    <m:r>
+                                      <a:rPr kumimoji="1" lang="en-US" altLang="zh-CN" i="1">
+                                        <a:latin typeface="Cambria Math" charset="0"/>
+                                      </a:rPr>
+                                      <m:t>−2</m:t>
+                                    </m:r>
+                                  </m:sub>
+                                </m:sSub>
+                                <m:r>
+                                  <a:rPr kumimoji="1" lang="en-US" altLang="zh-CN" i="1">
+                                    <a:latin typeface="Cambria Math" charset="0"/>
+                                  </a:rPr>
+                                  <m:t>,</m:t>
+                                </m:r>
+                                <m:r>
+                                  <a:rPr kumimoji="1" lang="en-US" altLang="zh-CN" i="1">
+                                    <a:latin typeface="Cambria Math" charset="0"/>
+                                  </a:rPr>
+                                  <m:t>𝑤</m:t>
+                                </m:r>
+                              </m:e>
+                              <m:sub>
+                                <m:r>
+                                  <a:rPr kumimoji="1" lang="en-US" altLang="zh-CN" i="1">
+                                    <a:latin typeface="Cambria Math" charset="0"/>
+                                  </a:rPr>
+                                  <m:t>𝑡</m:t>
+                                </m:r>
+                                <m:r>
+                                  <a:rPr kumimoji="1" lang="en-US" altLang="zh-CN" i="1">
+                                    <a:latin typeface="Cambria Math" charset="0"/>
+                                  </a:rPr>
+                                  <m:t>−1</m:t>
+                                </m:r>
+                              </m:sub>
+                            </m:sSub>
+                          </m:e>
+                        </m:d>
+                        <m:r>
+                          <a:rPr kumimoji="1" lang="en-US" altLang="zh-CN" b="0" i="1" smtClean="0">
+                            <a:latin typeface="Cambria Math" charset="0"/>
+                          </a:rPr>
+                          <m:t>=</m:t>
+                        </m:r>
+                        <m:f>
+                          <m:fPr>
+                            <m:ctrlPr>
+                              <a:rPr kumimoji="1" lang="mr-IN" altLang="zh-CN" i="1">
+                                <a:latin typeface="Cambria Math" charset="0"/>
+                              </a:rPr>
+                            </m:ctrlPr>
+                          </m:fPr>
+                          <m:num>
+                            <m:r>
+                              <a:rPr kumimoji="1" lang="en-US" altLang="zh-CN" i="1">
+                                <a:latin typeface="Cambria Math" charset="0"/>
+                              </a:rPr>
+                              <m:t>𝑐</m:t>
+                            </m:r>
+                            <m:r>
+                              <a:rPr kumimoji="1" lang="en-US" altLang="zh-CN" i="1">
+                                <a:latin typeface="Cambria Math" charset="0"/>
+                              </a:rPr>
+                              <m:t>(</m:t>
+                            </m:r>
+                            <m:sSub>
+                              <m:sSubPr>
+                                <m:ctrlPr>
+                                  <a:rPr kumimoji="1" lang="en-US" altLang="zh-CN" i="1">
+                                    <a:latin typeface="Cambria Math" charset="0"/>
+                                  </a:rPr>
+                                </m:ctrlPr>
+                              </m:sSubPr>
+                              <m:e>
+                                <m:r>
+                                  <a:rPr kumimoji="1" lang="en-US" altLang="zh-CN" i="1">
+                                    <a:latin typeface="Cambria Math" charset="0"/>
+                                  </a:rPr>
+                                  <m:t>𝑤</m:t>
+                                </m:r>
+                              </m:e>
+                              <m:sub>
+                                <m:r>
+                                  <a:rPr kumimoji="1" lang="en-US" altLang="zh-CN" b="0" i="1" smtClean="0">
+                                    <a:latin typeface="Cambria Math" charset="0"/>
+                                  </a:rPr>
+                                  <m:t>𝑡</m:t>
+                                </m:r>
+                                <m:r>
+                                  <a:rPr kumimoji="1" lang="en-US" altLang="zh-CN" i="1">
+                                    <a:latin typeface="Cambria Math" charset="0"/>
+                                  </a:rPr>
+                                  <m:t>−2</m:t>
+                                </m:r>
+                              </m:sub>
+                            </m:sSub>
+                            <m:r>
+                              <a:rPr kumimoji="1" lang="en-US" altLang="zh-CN" i="1">
+                                <a:latin typeface="Cambria Math" charset="0"/>
+                              </a:rPr>
+                              <m:t>,</m:t>
+                            </m:r>
+                            <m:sSub>
+                              <m:sSubPr>
+                                <m:ctrlPr>
+                                  <a:rPr kumimoji="1" lang="en-US" altLang="zh-CN" i="1">
+                                    <a:latin typeface="Cambria Math" charset="0"/>
+                                  </a:rPr>
+                                </m:ctrlPr>
+                              </m:sSubPr>
+                              <m:e>
+                                <m:r>
+                                  <a:rPr kumimoji="1" lang="en-US" altLang="zh-CN" i="1">
+                                    <a:latin typeface="Cambria Math" charset="0"/>
+                                  </a:rPr>
+                                  <m:t>𝑤</m:t>
+                                </m:r>
+                              </m:e>
+                              <m:sub>
+                                <m:r>
+                                  <a:rPr kumimoji="1" lang="en-US" altLang="zh-CN" b="0" i="1" smtClean="0">
+                                    <a:latin typeface="Cambria Math" charset="0"/>
+                                  </a:rPr>
+                                  <m:t>𝑡</m:t>
+                                </m:r>
+                                <m:r>
+                                  <a:rPr kumimoji="1" lang="en-US" altLang="zh-CN" i="1">
+                                    <a:latin typeface="Cambria Math" charset="0"/>
+                                  </a:rPr>
+                                  <m:t>−1</m:t>
+                                </m:r>
+                              </m:sub>
+                            </m:sSub>
+                            <m:r>
+                              <a:rPr kumimoji="1" lang="en-US" altLang="zh-CN" i="1">
+                                <a:latin typeface="Cambria Math" charset="0"/>
+                              </a:rPr>
+                              <m:t>,</m:t>
+                            </m:r>
+                            <m:sSub>
+                              <m:sSubPr>
+                                <m:ctrlPr>
+                                  <a:rPr kumimoji="1" lang="en-US" altLang="zh-CN" i="1">
+                                    <a:latin typeface="Cambria Math" charset="0"/>
+                                  </a:rPr>
+                                </m:ctrlPr>
+                              </m:sSubPr>
+                              <m:e>
+                                <m:r>
+                                  <a:rPr kumimoji="1" lang="en-US" altLang="zh-CN" i="1">
+                                    <a:latin typeface="Cambria Math" charset="0"/>
+                                  </a:rPr>
+                                  <m:t>𝑤</m:t>
+                                </m:r>
+                              </m:e>
+                              <m:sub>
+                                <m:r>
+                                  <a:rPr kumimoji="1" lang="en-US" altLang="zh-CN" b="0" i="1" smtClean="0">
+                                    <a:latin typeface="Cambria Math" charset="0"/>
+                                  </a:rPr>
+                                  <m:t>𝑡</m:t>
+                                </m:r>
+                              </m:sub>
+                            </m:sSub>
+                            <m:r>
+                              <a:rPr kumimoji="1" lang="en-US" altLang="zh-CN" i="1">
+                                <a:latin typeface="Cambria Math" charset="0"/>
+                              </a:rPr>
+                              <m:t>)</m:t>
+                            </m:r>
+                          </m:num>
+                          <m:den>
+                            <m:nary>
+                              <m:naryPr>
+                                <m:chr m:val="∑"/>
+                                <m:supHide m:val="on"/>
+                                <m:ctrlPr>
+                                  <a:rPr kumimoji="1" lang="mr-IN" altLang="zh-CN" i="1" smtClean="0">
+                                    <a:latin typeface="Cambria Math" charset="0"/>
+                                  </a:rPr>
+                                </m:ctrlPr>
+                              </m:naryPr>
+                              <m:sub>
+                                <m:sSub>
+                                  <m:sSubPr>
+                                    <m:ctrlPr>
+                                      <a:rPr kumimoji="1" lang="en-US" altLang="zh-CN" i="1">
+                                        <a:latin typeface="Cambria Math" charset="0"/>
+                                      </a:rPr>
+                                    </m:ctrlPr>
+                                  </m:sSubPr>
+                                  <m:e>
+                                    <m:r>
+                                      <a:rPr kumimoji="1" lang="en-US" altLang="zh-CN" i="1">
+                                        <a:latin typeface="Cambria Math" charset="0"/>
+                                      </a:rPr>
+                                      <m:t>𝑤</m:t>
+                                    </m:r>
+                                  </m:e>
+                                  <m:sub>
+                                    <m:r>
+                                      <a:rPr kumimoji="1" lang="en-US" altLang="zh-CN" b="0" i="1" smtClean="0">
+                                        <a:latin typeface="Cambria Math" charset="0"/>
+                                      </a:rPr>
+                                      <m:t>𝑡</m:t>
+                                    </m:r>
+                                  </m:sub>
+                                </m:sSub>
+                              </m:sub>
+                              <m:sup/>
+                              <m:e>
+                                <m:r>
+                                  <a:rPr kumimoji="1" lang="en-US" altLang="zh-CN" i="1">
+                                    <a:latin typeface="Cambria Math" charset="0"/>
+                                  </a:rPr>
+                                  <m:t>𝑐</m:t>
+                                </m:r>
+                                <m:r>
+                                  <a:rPr kumimoji="1" lang="en-US" altLang="zh-CN" i="1">
+                                    <a:latin typeface="Cambria Math" charset="0"/>
+                                  </a:rPr>
+                                  <m:t>(</m:t>
+                                </m:r>
+                                <m:sSub>
+                                  <m:sSubPr>
+                                    <m:ctrlPr>
+                                      <a:rPr kumimoji="1" lang="en-US" altLang="zh-CN" i="1">
+                                        <a:latin typeface="Cambria Math" charset="0"/>
+                                      </a:rPr>
+                                    </m:ctrlPr>
+                                  </m:sSubPr>
+                                  <m:e>
+                                    <m:sSub>
+                                      <m:sSubPr>
+                                        <m:ctrlPr>
+                                          <a:rPr kumimoji="1" lang="en-US" altLang="zh-CN" i="1">
+                                            <a:latin typeface="Cambria Math" charset="0"/>
+                                          </a:rPr>
+                                        </m:ctrlPr>
+                                      </m:sSubPr>
+                                      <m:e>
+                                        <m:r>
+                                          <a:rPr kumimoji="1" lang="en-US" altLang="zh-CN" i="1">
+                                            <a:latin typeface="Cambria Math" charset="0"/>
+                                          </a:rPr>
+                                          <m:t>𝑤</m:t>
+                                        </m:r>
+                                      </m:e>
+                                      <m:sub>
+                                        <m:r>
+                                          <a:rPr kumimoji="1" lang="en-US" altLang="zh-CN" b="0" i="1" smtClean="0">
+                                            <a:latin typeface="Cambria Math" charset="0"/>
+                                          </a:rPr>
+                                          <m:t>𝑡</m:t>
+                                        </m:r>
+                                        <m:r>
+                                          <a:rPr kumimoji="1" lang="en-US" altLang="zh-CN" i="1">
+                                            <a:latin typeface="Cambria Math" charset="0"/>
+                                          </a:rPr>
+                                          <m:t>−2</m:t>
+                                        </m:r>
+                                      </m:sub>
+                                    </m:sSub>
+                                    <m:r>
+                                      <a:rPr kumimoji="1" lang="en-US" altLang="zh-CN" i="1">
+                                        <a:latin typeface="Cambria Math" charset="0"/>
+                                      </a:rPr>
+                                      <m:t>,</m:t>
+                                    </m:r>
+                                    <m:r>
+                                      <a:rPr kumimoji="1" lang="en-US" altLang="zh-CN" i="1">
+                                        <a:latin typeface="Cambria Math" charset="0"/>
+                                      </a:rPr>
+                                      <m:t>𝑤</m:t>
+                                    </m:r>
+                                  </m:e>
+                                  <m:sub>
+                                    <m:r>
+                                      <a:rPr kumimoji="1" lang="en-US" altLang="zh-CN" b="0" i="1" smtClean="0">
+                                        <a:latin typeface="Cambria Math" charset="0"/>
+                                      </a:rPr>
+                                      <m:t>𝑡</m:t>
+                                    </m:r>
+                                    <m:r>
+                                      <a:rPr kumimoji="1" lang="en-US" altLang="zh-CN" i="1">
+                                        <a:latin typeface="Cambria Math" charset="0"/>
+                                      </a:rPr>
+                                      <m:t>−1</m:t>
+                                    </m:r>
+                                  </m:sub>
+                                </m:sSub>
+                                <m:r>
+                                  <a:rPr kumimoji="1" lang="en-US" altLang="zh-CN" i="1">
+                                    <a:latin typeface="Cambria Math" charset="0"/>
+                                  </a:rPr>
+                                  <m:t>,</m:t>
+                                </m:r>
+                                <m:sSub>
+                                  <m:sSubPr>
+                                    <m:ctrlPr>
+                                      <a:rPr kumimoji="1" lang="en-US" altLang="zh-CN" i="1">
+                                        <a:latin typeface="Cambria Math" charset="0"/>
+                                      </a:rPr>
+                                    </m:ctrlPr>
+                                  </m:sSubPr>
+                                  <m:e>
+                                    <m:r>
+                                      <a:rPr kumimoji="1" lang="en-US" altLang="zh-CN" i="1">
+                                        <a:latin typeface="Cambria Math" charset="0"/>
+                                      </a:rPr>
+                                      <m:t>𝑤</m:t>
+                                    </m:r>
+                                  </m:e>
+                                  <m:sub>
+                                    <m:r>
+                                      <a:rPr kumimoji="1" lang="en-US" altLang="zh-CN" b="0" i="1" smtClean="0">
+                                        <a:latin typeface="Cambria Math" charset="0"/>
+                                      </a:rPr>
+                                      <m:t>𝑡</m:t>
+                                    </m:r>
+                                  </m:sub>
+                                </m:sSub>
+                                <m:r>
+                                  <a:rPr kumimoji="1" lang="en-US" altLang="zh-CN" i="1">
+                                    <a:latin typeface="Cambria Math" charset="0"/>
+                                  </a:rPr>
+                                  <m:t>)</m:t>
+                                </m:r>
+                              </m:e>
+                            </m:nary>
+                          </m:den>
+                        </m:f>
+                      </m:oMath>
+                    </m:oMathPara>
+                  </a14:m>
+                  <a:endParaRPr lang="zh-CN" altLang="en-US" dirty="0"/>
+                </a:p>
+              </p:txBody>
+            </p:sp>
+          </mc:Choice>
+          <mc:Fallback>
+            <p:sp>
+              <p:nvSpPr>
+                <p:cNvPr id="27" name="矩形 26"/>
+                <p:cNvSpPr>
+                  <a:spLocks noRot="1" noChangeAspect="1" noMove="1" noResize="1" noEditPoints="1" noAdjustHandles="1" noChangeArrowheads="1" noChangeShapeType="1" noTextEdit="1"/>
+                </p:cNvSpPr>
+                <p:nvPr/>
+              </p:nvSpPr>
+              <p:spPr>
+                <a:xfrm>
+                  <a:off x="780083" y="5331470"/>
+                  <a:ext cx="4622099" cy="700961"/>
+                </a:xfrm>
+                <a:prstGeom prst="rect">
+                  <a:avLst/>
+                </a:prstGeom>
+                <a:blipFill rotWithShape="0">
+                  <a:blip r:embed="rId18"/>
+                  <a:stretch>
+                    <a:fillRect/>
+                  </a:stretch>
+                </a:blipFill>
+              </p:spPr>
+              <p:txBody>
+                <a:bodyPr/>
+                <a:lstStyle/>
+                <a:p>
+                  <a:r>
+                    <a:rPr lang="zh-CN" altLang="en-US">
+                      <a:noFill/>
+                    </a:rPr>
+                    <a:t> </a:t>
+                  </a:r>
+                </a:p>
+              </p:txBody>
+            </p:sp>
+          </mc:Fallback>
+        </mc:AlternateContent>
+        <mc:AlternateContent xmlns:mc="http://schemas.openxmlformats.org/markup-compatibility/2006">
+          <mc:Choice xmlns:a14="http://schemas.microsoft.com/office/drawing/2010/main" Requires="a14">
+            <p:sp>
+              <p:nvSpPr>
+                <p:cNvPr id="29" name="矩形 28"/>
+                <p:cNvSpPr/>
+                <p:nvPr/>
+              </p:nvSpPr>
+              <p:spPr>
+                <a:xfrm>
+                  <a:off x="5402182" y="5471321"/>
+                  <a:ext cx="1915011" cy="369332"/>
+                </a:xfrm>
+                <a:prstGeom prst="rect">
+                  <a:avLst/>
+                </a:prstGeom>
+              </p:spPr>
+              <p:txBody>
+                <a:bodyPr wrap="none">
+                  <a:spAutoFit/>
+                </a:bodyPr>
+                <a:lstStyle/>
+                <a:p>
+                  <a14:m>
+                    <m:oMathPara xmlns:m="http://schemas.openxmlformats.org/officeDocument/2006/math">
+                      <m:oMathParaPr>
+                        <m:jc m:val="centerGroup"/>
+                      </m:oMathParaPr>
+                      <m:oMath xmlns:m="http://schemas.openxmlformats.org/officeDocument/2006/math">
+                        <m:r>
+                          <a:rPr kumimoji="1" lang="en-US" altLang="zh-CN" i="1">
+                            <a:latin typeface="Cambria Math" charset="0"/>
+                          </a:rPr>
+                          <m:t>𝑐</m:t>
+                        </m:r>
+                        <m:r>
+                          <a:rPr kumimoji="1" lang="en-US" altLang="zh-CN" i="1">
+                            <a:latin typeface="Cambria Math" charset="0"/>
+                          </a:rPr>
+                          <m:t>(</m:t>
+                        </m:r>
+                        <m:sSub>
+                          <m:sSubPr>
+                            <m:ctrlPr>
+                              <a:rPr kumimoji="1" lang="en-US" altLang="zh-CN" i="1">
+                                <a:latin typeface="Cambria Math" charset="0"/>
+                              </a:rPr>
+                            </m:ctrlPr>
+                          </m:sSubPr>
+                          <m:e>
+                            <m:r>
+                              <a:rPr kumimoji="1" lang="en-US" altLang="zh-CN" i="1">
+                                <a:latin typeface="Cambria Math" charset="0"/>
+                              </a:rPr>
+                              <m:t>𝑤</m:t>
+                            </m:r>
+                          </m:e>
+                          <m:sub>
+                            <m:r>
+                              <a:rPr kumimoji="1" lang="en-US" altLang="zh-CN" i="1">
+                                <a:latin typeface="Cambria Math" charset="0"/>
+                              </a:rPr>
+                              <m:t>𝑡</m:t>
+                            </m:r>
+                            <m:r>
+                              <a:rPr kumimoji="1" lang="en-US" altLang="zh-CN" i="1">
+                                <a:latin typeface="Cambria Math" charset="0"/>
+                              </a:rPr>
+                              <m:t>−2</m:t>
+                            </m:r>
+                          </m:sub>
+                        </m:sSub>
+                        <m:r>
+                          <a:rPr kumimoji="1" lang="en-US" altLang="zh-CN" i="1">
+                            <a:latin typeface="Cambria Math" charset="0"/>
+                          </a:rPr>
+                          <m:t>,</m:t>
+                        </m:r>
+                        <m:sSub>
+                          <m:sSubPr>
+                            <m:ctrlPr>
+                              <a:rPr kumimoji="1" lang="en-US" altLang="zh-CN" i="1">
+                                <a:latin typeface="Cambria Math" charset="0"/>
+                              </a:rPr>
+                            </m:ctrlPr>
+                          </m:sSubPr>
+                          <m:e>
+                            <m:r>
+                              <a:rPr kumimoji="1" lang="en-US" altLang="zh-CN" i="1">
+                                <a:latin typeface="Cambria Math" charset="0"/>
+                              </a:rPr>
+                              <m:t>𝑤</m:t>
+                            </m:r>
+                          </m:e>
+                          <m:sub>
+                            <m:r>
+                              <a:rPr kumimoji="1" lang="en-US" altLang="zh-CN" i="1">
+                                <a:latin typeface="Cambria Math" charset="0"/>
+                              </a:rPr>
+                              <m:t>𝑡</m:t>
+                            </m:r>
+                            <m:r>
+                              <a:rPr kumimoji="1" lang="en-US" altLang="zh-CN" i="1">
+                                <a:latin typeface="Cambria Math" charset="0"/>
+                              </a:rPr>
+                              <m:t>−1</m:t>
+                            </m:r>
+                          </m:sub>
+                        </m:sSub>
+                        <m:r>
+                          <a:rPr kumimoji="1" lang="en-US" altLang="zh-CN" i="1">
+                            <a:latin typeface="Cambria Math" charset="0"/>
+                          </a:rPr>
+                          <m:t>,</m:t>
+                        </m:r>
+                        <m:sSub>
+                          <m:sSubPr>
+                            <m:ctrlPr>
+                              <a:rPr kumimoji="1" lang="en-US" altLang="zh-CN" i="1">
+                                <a:latin typeface="Cambria Math" charset="0"/>
+                              </a:rPr>
+                            </m:ctrlPr>
+                          </m:sSubPr>
+                          <m:e>
+                            <m:r>
+                              <a:rPr kumimoji="1" lang="en-US" altLang="zh-CN" i="1">
+                                <a:latin typeface="Cambria Math" charset="0"/>
+                              </a:rPr>
+                              <m:t>𝑤</m:t>
+                            </m:r>
+                          </m:e>
+                          <m:sub>
+                            <m:r>
+                              <a:rPr kumimoji="1" lang="en-US" altLang="zh-CN" i="1">
+                                <a:latin typeface="Cambria Math" charset="0"/>
+                              </a:rPr>
+                              <m:t>𝑡</m:t>
+                            </m:r>
+                          </m:sub>
+                        </m:sSub>
+                        <m:r>
+                          <a:rPr kumimoji="1" lang="en-US" altLang="zh-CN" i="1">
+                            <a:latin typeface="Cambria Math" charset="0"/>
+                          </a:rPr>
+                          <m:t>)</m:t>
+                        </m:r>
+                      </m:oMath>
+                    </m:oMathPara>
+                  </a14:m>
+                  <a:endParaRPr lang="zh-CN" altLang="en-US" dirty="0"/>
+                </a:p>
+              </p:txBody>
+            </p:sp>
+          </mc:Choice>
+          <mc:Fallback>
+            <p:sp>
+              <p:nvSpPr>
+                <p:cNvPr id="29" name="矩形 28"/>
+                <p:cNvSpPr>
+                  <a:spLocks noRot="1" noChangeAspect="1" noMove="1" noResize="1" noEditPoints="1" noAdjustHandles="1" noChangeArrowheads="1" noChangeShapeType="1" noTextEdit="1"/>
+                </p:cNvSpPr>
+                <p:nvPr/>
+              </p:nvSpPr>
+              <p:spPr>
+                <a:xfrm>
+                  <a:off x="5402182" y="5471321"/>
+                  <a:ext cx="1915011" cy="369332"/>
+                </a:xfrm>
+                <a:prstGeom prst="rect">
+                  <a:avLst/>
+                </a:prstGeom>
+                <a:blipFill rotWithShape="0">
+                  <a:blip r:embed="rId19"/>
+                  <a:stretch>
+                    <a:fillRect b="-13333"/>
+                  </a:stretch>
+                </a:blipFill>
+              </p:spPr>
+              <p:txBody>
+                <a:bodyPr/>
+                <a:lstStyle/>
+                <a:p>
+                  <a:r>
+                    <a:rPr lang="zh-CN" altLang="en-US">
+                      <a:noFill/>
+                    </a:rPr>
+                    <a:t> </a:t>
+                  </a:r>
+                </a:p>
+              </p:txBody>
+            </p:sp>
+          </mc:Fallback>
+        </mc:AlternateContent>
+        <mc:AlternateContent xmlns:mc="http://schemas.openxmlformats.org/markup-compatibility/2006">
+          <mc:Choice xmlns:a14="http://schemas.microsoft.com/office/drawing/2010/main" Requires="a14">
+            <p:sp>
+              <p:nvSpPr>
+                <p:cNvPr id="30" name="文本框 29"/>
+                <p:cNvSpPr txBox="1"/>
+                <p:nvPr/>
+              </p:nvSpPr>
+              <p:spPr>
+                <a:xfrm>
+                  <a:off x="7142647" y="5472707"/>
+                  <a:ext cx="4778680" cy="369332"/>
+                </a:xfrm>
+                <a:prstGeom prst="rect">
+                  <a:avLst/>
+                </a:prstGeom>
+                <a:noFill/>
+              </p:spPr>
+              <p:txBody>
+                <a:bodyPr wrap="none" rtlCol="0">
+                  <a:spAutoFit/>
+                </a:bodyPr>
+                <a:lstStyle/>
+                <a:p>
+                  <a:r>
+                    <a:rPr kumimoji="1" lang="zh-CN" altLang="en-US" dirty="0" smtClean="0"/>
+                    <a:t>表示接续</a:t>
+                  </a:r>
+                  <a14:m>
+                    <m:oMath xmlns:m="http://schemas.openxmlformats.org/officeDocument/2006/math">
+                      <m:sSub>
+                        <m:sSubPr>
+                          <m:ctrlPr>
+                            <a:rPr kumimoji="1" lang="en-US" altLang="zh-CN" i="1">
+                              <a:latin typeface="Cambria Math" charset="0"/>
+                            </a:rPr>
+                          </m:ctrlPr>
+                        </m:sSubPr>
+                        <m:e>
+                          <m:r>
+                            <a:rPr kumimoji="1" lang="en-US" altLang="zh-CN" i="1">
+                              <a:latin typeface="Cambria Math" charset="0"/>
+                            </a:rPr>
+                            <m:t>𝑤</m:t>
+                          </m:r>
+                        </m:e>
+                        <m:sub>
+                          <m:r>
+                            <a:rPr kumimoji="1" lang="en-US" altLang="zh-CN" i="1">
+                              <a:latin typeface="Cambria Math" charset="0"/>
+                            </a:rPr>
+                            <m:t>𝑡</m:t>
+                          </m:r>
+                          <m:r>
+                            <a:rPr kumimoji="1" lang="en-US" altLang="zh-CN" i="1">
+                              <a:latin typeface="Cambria Math" charset="0"/>
+                            </a:rPr>
+                            <m:t>−</m:t>
+                          </m:r>
+                          <m:r>
+                            <a:rPr kumimoji="1" lang="en-US" altLang="zh-CN" b="0" i="1" smtClean="0">
+                              <a:latin typeface="Cambria Math" charset="0"/>
+                            </a:rPr>
+                            <m:t>2</m:t>
+                          </m:r>
+                        </m:sub>
+                      </m:sSub>
+                      <m:r>
+                        <a:rPr kumimoji="1" lang="en-US" altLang="zh-CN" b="0" i="1" smtClean="0">
+                          <a:latin typeface="Cambria Math" charset="0"/>
+                        </a:rPr>
+                        <m:t>,</m:t>
+                      </m:r>
+                      <m:sSub>
+                        <m:sSubPr>
+                          <m:ctrlPr>
+                            <a:rPr kumimoji="1" lang="en-US" altLang="zh-CN" i="1">
+                              <a:latin typeface="Cambria Math" charset="0"/>
+                            </a:rPr>
+                          </m:ctrlPr>
+                        </m:sSubPr>
+                        <m:e>
+                          <m:r>
+                            <a:rPr kumimoji="1" lang="en-US" altLang="zh-CN" i="1">
+                              <a:latin typeface="Cambria Math" charset="0"/>
+                            </a:rPr>
+                            <m:t>𝑤</m:t>
+                          </m:r>
+                        </m:e>
+                        <m:sub>
+                          <m:r>
+                            <a:rPr kumimoji="1" lang="en-US" altLang="zh-CN" b="0" i="1" smtClean="0">
+                              <a:latin typeface="Cambria Math" charset="0"/>
+                            </a:rPr>
+                            <m:t>𝑡</m:t>
+                          </m:r>
+                          <m:r>
+                            <a:rPr kumimoji="1" lang="en-US" altLang="zh-CN" i="1">
+                              <a:latin typeface="Cambria Math" charset="0"/>
+                            </a:rPr>
+                            <m:t>−1</m:t>
+                          </m:r>
+                        </m:sub>
+                      </m:sSub>
+                      <m:r>
+                        <a:rPr kumimoji="1" lang="en-US" altLang="zh-CN" i="1">
+                          <a:latin typeface="Cambria Math" charset="0"/>
+                        </a:rPr>
+                        <m:t>,</m:t>
+                      </m:r>
+                      <m:sSub>
+                        <m:sSubPr>
+                          <m:ctrlPr>
+                            <a:rPr kumimoji="1" lang="en-US" altLang="zh-CN" i="1">
+                              <a:latin typeface="Cambria Math" charset="0"/>
+                            </a:rPr>
+                          </m:ctrlPr>
+                        </m:sSubPr>
+                        <m:e>
+                          <m:r>
+                            <a:rPr kumimoji="1" lang="en-US" altLang="zh-CN" i="1">
+                              <a:latin typeface="Cambria Math" charset="0"/>
+                            </a:rPr>
+                            <m:t>𝑤</m:t>
+                          </m:r>
+                        </m:e>
+                        <m:sub>
+                          <m:r>
+                            <a:rPr kumimoji="1" lang="en-US" altLang="zh-CN" b="0" i="1" smtClean="0">
+                              <a:latin typeface="Cambria Math" charset="0"/>
+                            </a:rPr>
+                            <m:t>𝑡</m:t>
+                          </m:r>
+                        </m:sub>
+                      </m:sSub>
+                    </m:oMath>
+                  </a14:m>
+                  <a:r>
+                    <a:rPr kumimoji="1" lang="zh-CN" altLang="en-US" dirty="0" smtClean="0"/>
+                    <a:t>在训练语料中出现次数</a:t>
+                  </a:r>
+                  <a:endParaRPr kumimoji="1" lang="zh-CN" altLang="en-US" dirty="0"/>
+                </a:p>
+              </p:txBody>
+            </p:sp>
+          </mc:Choice>
+          <mc:Fallback>
+            <p:sp>
+              <p:nvSpPr>
+                <p:cNvPr id="30" name="文本框 29"/>
+                <p:cNvSpPr txBox="1">
+                  <a:spLocks noRot="1" noChangeAspect="1" noMove="1" noResize="1" noEditPoints="1" noAdjustHandles="1" noChangeArrowheads="1" noChangeShapeType="1" noTextEdit="1"/>
+                </p:cNvSpPr>
+                <p:nvPr/>
+              </p:nvSpPr>
+              <p:spPr>
+                <a:xfrm>
+                  <a:off x="7142647" y="5472707"/>
+                  <a:ext cx="4778680" cy="369332"/>
+                </a:xfrm>
+                <a:prstGeom prst="rect">
+                  <a:avLst/>
+                </a:prstGeom>
+                <a:blipFill rotWithShape="0">
+                  <a:blip r:embed="rId20"/>
+                  <a:stretch>
+                    <a:fillRect l="-1148" t="-10000" r="-383" b="-26667"/>
+                  </a:stretch>
+                </a:blipFill>
+              </p:spPr>
+              <p:txBody>
+                <a:bodyPr/>
+                <a:lstStyle/>
+                <a:p>
+                  <a:r>
+                    <a:rPr lang="zh-CN" altLang="en-US">
+                      <a:noFill/>
+                    </a:rPr>
+                    <a:t> </a:t>
+                  </a:r>
+                </a:p>
+              </p:txBody>
+            </p:sp>
+          </mc:Fallback>
+        </mc:AlternateContent>
+        <mc:AlternateContent xmlns:mc="http://schemas.openxmlformats.org/markup-compatibility/2006">
+          <mc:Choice xmlns:a14="http://schemas.microsoft.com/office/drawing/2010/main" Requires="a14">
+            <p:sp>
+              <p:nvSpPr>
+                <p:cNvPr id="31" name="矩形 30"/>
+                <p:cNvSpPr/>
+                <p:nvPr/>
+              </p:nvSpPr>
+              <p:spPr>
+                <a:xfrm>
+                  <a:off x="809950" y="5808623"/>
+                  <a:ext cx="2259465" cy="798745"/>
+                </a:xfrm>
+                <a:prstGeom prst="rect">
+                  <a:avLst/>
+                </a:prstGeom>
+              </p:spPr>
+              <p:txBody>
+                <a:bodyPr wrap="none">
+                  <a:spAutoFit/>
+                </a:bodyPr>
+                <a:lstStyle/>
+                <a:p>
+                  <a14:m>
+                    <m:oMathPara xmlns:m="http://schemas.openxmlformats.org/officeDocument/2006/math">
+                      <m:oMathParaPr>
+                        <m:jc m:val="centerGroup"/>
+                      </m:oMathParaPr>
+                      <m:oMath xmlns:m="http://schemas.openxmlformats.org/officeDocument/2006/math">
+                        <m:nary>
+                          <m:naryPr>
+                            <m:chr m:val="∑"/>
+                            <m:supHide m:val="on"/>
+                            <m:ctrlPr>
+                              <a:rPr kumimoji="1" lang="mr-IN" altLang="zh-CN" i="1">
+                                <a:latin typeface="Cambria Math" charset="0"/>
+                              </a:rPr>
+                            </m:ctrlPr>
+                          </m:naryPr>
+                          <m:sub>
+                            <m:sSub>
+                              <m:sSubPr>
+                                <m:ctrlPr>
+                                  <a:rPr kumimoji="1" lang="en-US" altLang="zh-CN" i="1">
+                                    <a:latin typeface="Cambria Math" charset="0"/>
+                                  </a:rPr>
+                                </m:ctrlPr>
+                              </m:sSubPr>
+                              <m:e>
+                                <m:r>
+                                  <a:rPr kumimoji="1" lang="en-US" altLang="zh-CN" i="1">
+                                    <a:latin typeface="Cambria Math" charset="0"/>
+                                  </a:rPr>
+                                  <m:t>𝑤</m:t>
+                                </m:r>
+                              </m:e>
+                              <m:sub>
+                                <m:r>
+                                  <a:rPr kumimoji="1" lang="en-US" altLang="zh-CN" i="1">
+                                    <a:latin typeface="Cambria Math" charset="0"/>
+                                  </a:rPr>
+                                  <m:t>𝑡</m:t>
+                                </m:r>
+                              </m:sub>
+                            </m:sSub>
+                          </m:sub>
+                          <m:sup/>
+                          <m:e>
+                            <m:r>
+                              <a:rPr kumimoji="1" lang="en-US" altLang="zh-CN" i="1">
+                                <a:latin typeface="Cambria Math" charset="0"/>
+                              </a:rPr>
+                              <m:t>𝑐</m:t>
+                            </m:r>
+                            <m:r>
+                              <a:rPr kumimoji="1" lang="en-US" altLang="zh-CN" i="1">
+                                <a:latin typeface="Cambria Math" charset="0"/>
+                              </a:rPr>
+                              <m:t>(</m:t>
+                            </m:r>
+                            <m:sSub>
+                              <m:sSubPr>
+                                <m:ctrlPr>
+                                  <a:rPr kumimoji="1" lang="en-US" altLang="zh-CN" i="1">
+                                    <a:latin typeface="Cambria Math" charset="0"/>
+                                  </a:rPr>
+                                </m:ctrlPr>
+                              </m:sSubPr>
+                              <m:e>
+                                <m:sSub>
+                                  <m:sSubPr>
+                                    <m:ctrlPr>
+                                      <a:rPr kumimoji="1" lang="en-US" altLang="zh-CN" i="1">
+                                        <a:latin typeface="Cambria Math" charset="0"/>
+                                      </a:rPr>
+                                    </m:ctrlPr>
+                                  </m:sSubPr>
+                                  <m:e>
+                                    <m:r>
+                                      <a:rPr kumimoji="1" lang="en-US" altLang="zh-CN" i="1">
+                                        <a:latin typeface="Cambria Math" charset="0"/>
+                                      </a:rPr>
+                                      <m:t>𝑤</m:t>
+                                    </m:r>
+                                  </m:e>
+                                  <m:sub>
+                                    <m:r>
+                                      <a:rPr kumimoji="1" lang="en-US" altLang="zh-CN" i="1">
+                                        <a:latin typeface="Cambria Math" charset="0"/>
+                                      </a:rPr>
+                                      <m:t>𝑡</m:t>
+                                    </m:r>
+                                    <m:r>
+                                      <a:rPr kumimoji="1" lang="en-US" altLang="zh-CN" i="1">
+                                        <a:latin typeface="Cambria Math" charset="0"/>
+                                      </a:rPr>
+                                      <m:t>−2</m:t>
+                                    </m:r>
+                                  </m:sub>
+                                </m:sSub>
+                                <m:r>
+                                  <a:rPr kumimoji="1" lang="en-US" altLang="zh-CN" i="1">
+                                    <a:latin typeface="Cambria Math" charset="0"/>
+                                  </a:rPr>
+                                  <m:t>,</m:t>
+                                </m:r>
+                                <m:r>
+                                  <a:rPr kumimoji="1" lang="en-US" altLang="zh-CN" i="1">
+                                    <a:latin typeface="Cambria Math" charset="0"/>
+                                  </a:rPr>
+                                  <m:t>𝑤</m:t>
+                                </m:r>
+                              </m:e>
+                              <m:sub>
+                                <m:r>
+                                  <a:rPr kumimoji="1" lang="en-US" altLang="zh-CN" i="1">
+                                    <a:latin typeface="Cambria Math" charset="0"/>
+                                  </a:rPr>
+                                  <m:t>𝑡</m:t>
+                                </m:r>
+                                <m:r>
+                                  <a:rPr kumimoji="1" lang="en-US" altLang="zh-CN" i="1">
+                                    <a:latin typeface="Cambria Math" charset="0"/>
+                                  </a:rPr>
+                                  <m:t>−1</m:t>
+                                </m:r>
+                              </m:sub>
+                            </m:sSub>
+                            <m:r>
+                              <a:rPr kumimoji="1" lang="en-US" altLang="zh-CN" i="1">
+                                <a:latin typeface="Cambria Math" charset="0"/>
+                              </a:rPr>
+                              <m:t>,</m:t>
+                            </m:r>
+                            <m:sSub>
+                              <m:sSubPr>
+                                <m:ctrlPr>
+                                  <a:rPr kumimoji="1" lang="en-US" altLang="zh-CN" i="1">
+                                    <a:latin typeface="Cambria Math" charset="0"/>
+                                  </a:rPr>
+                                </m:ctrlPr>
+                              </m:sSubPr>
+                              <m:e>
+                                <m:r>
+                                  <a:rPr kumimoji="1" lang="en-US" altLang="zh-CN" i="1">
+                                    <a:latin typeface="Cambria Math" charset="0"/>
+                                  </a:rPr>
+                                  <m:t>𝑤</m:t>
+                                </m:r>
+                              </m:e>
+                              <m:sub>
+                                <m:r>
+                                  <a:rPr kumimoji="1" lang="en-US" altLang="zh-CN" i="1">
+                                    <a:latin typeface="Cambria Math" charset="0"/>
+                                  </a:rPr>
+                                  <m:t>𝑡</m:t>
+                                </m:r>
+                              </m:sub>
+                            </m:sSub>
+                            <m:r>
+                              <a:rPr kumimoji="1" lang="en-US" altLang="zh-CN" i="1">
+                                <a:latin typeface="Cambria Math" charset="0"/>
+                              </a:rPr>
+                              <m:t>)</m:t>
+                            </m:r>
+                          </m:e>
+                        </m:nary>
+                      </m:oMath>
+                    </m:oMathPara>
+                  </a14:m>
+                  <a:endParaRPr lang="zh-CN" altLang="en-US" dirty="0"/>
+                </a:p>
+              </p:txBody>
+            </p:sp>
+          </mc:Choice>
+          <mc:Fallback>
+            <p:sp>
+              <p:nvSpPr>
+                <p:cNvPr id="31" name="矩形 30"/>
+                <p:cNvSpPr>
+                  <a:spLocks noRot="1" noChangeAspect="1" noMove="1" noResize="1" noEditPoints="1" noAdjustHandles="1" noChangeArrowheads="1" noChangeShapeType="1" noTextEdit="1"/>
+                </p:cNvSpPr>
+                <p:nvPr/>
+              </p:nvSpPr>
+              <p:spPr>
+                <a:xfrm>
+                  <a:off x="809950" y="5808623"/>
+                  <a:ext cx="2259465" cy="798745"/>
+                </a:xfrm>
+                <a:prstGeom prst="rect">
+                  <a:avLst/>
+                </a:prstGeom>
+                <a:blipFill rotWithShape="0">
+                  <a:blip r:embed="rId21"/>
+                  <a:stretch>
+                    <a:fillRect/>
+                  </a:stretch>
+                </a:blipFill>
+              </p:spPr>
+              <p:txBody>
+                <a:bodyPr/>
+                <a:lstStyle/>
+                <a:p>
+                  <a:r>
+                    <a:rPr lang="zh-CN" altLang="en-US">
+                      <a:noFill/>
+                    </a:rPr>
+                    <a:t> </a:t>
+                  </a:r>
+                </a:p>
+              </p:txBody>
+            </p:sp>
+          </mc:Fallback>
+        </mc:AlternateContent>
+        <mc:AlternateContent xmlns:mc="http://schemas.openxmlformats.org/markup-compatibility/2006">
+          <mc:Choice xmlns:a14="http://schemas.microsoft.com/office/drawing/2010/main" Requires="a14">
+            <p:sp>
+              <p:nvSpPr>
+                <p:cNvPr id="32" name="矩形 31"/>
+                <p:cNvSpPr/>
+                <p:nvPr/>
+              </p:nvSpPr>
+              <p:spPr>
+                <a:xfrm>
+                  <a:off x="2920144" y="6023157"/>
+                  <a:ext cx="4442113" cy="369332"/>
+                </a:xfrm>
+                <a:prstGeom prst="rect">
+                  <a:avLst/>
+                </a:prstGeom>
+              </p:spPr>
+              <p:txBody>
+                <a:bodyPr wrap="none">
+                  <a:spAutoFit/>
+                </a:bodyPr>
+                <a:lstStyle/>
+                <a:p>
+                  <a:r>
+                    <a:rPr kumimoji="1" lang="zh-CN" altLang="en-US" dirty="0" smtClean="0"/>
+                    <a:t>表示接续</a:t>
+                  </a:r>
+                  <a14:m>
+                    <m:oMath xmlns:m="http://schemas.openxmlformats.org/officeDocument/2006/math">
+                      <m:sSub>
+                        <m:sSubPr>
+                          <m:ctrlPr>
+                            <a:rPr kumimoji="1" lang="en-US" altLang="zh-CN" i="1">
+                              <a:latin typeface="Cambria Math" charset="0"/>
+                            </a:rPr>
+                          </m:ctrlPr>
+                        </m:sSubPr>
+                        <m:e>
+                          <m:r>
+                            <a:rPr kumimoji="1" lang="en-US" altLang="zh-CN" i="1">
+                              <a:latin typeface="Cambria Math" charset="0"/>
+                            </a:rPr>
+                            <m:t>𝑤</m:t>
+                          </m:r>
+                        </m:e>
+                        <m:sub>
+                          <m:r>
+                            <a:rPr kumimoji="1" lang="en-US" altLang="zh-CN" i="1">
+                              <a:latin typeface="Cambria Math" charset="0"/>
+                            </a:rPr>
+                            <m:t>𝑡</m:t>
+                          </m:r>
+                          <m:r>
+                            <a:rPr kumimoji="1" lang="en-US" altLang="zh-CN" i="1">
+                              <a:latin typeface="Cambria Math" charset="0"/>
+                            </a:rPr>
+                            <m:t>−</m:t>
+                          </m:r>
+                          <m:r>
+                            <a:rPr kumimoji="1" lang="en-US" altLang="zh-CN" b="0" i="1" smtClean="0">
+                              <a:latin typeface="Cambria Math" charset="0"/>
+                            </a:rPr>
+                            <m:t>2</m:t>
+                          </m:r>
+                        </m:sub>
+                      </m:sSub>
+                      <m:r>
+                        <a:rPr kumimoji="1" lang="en-US" altLang="zh-CN" i="1">
+                          <a:latin typeface="Cambria Math" charset="0"/>
+                        </a:rPr>
+                        <m:t>,</m:t>
+                      </m:r>
+                      <m:sSub>
+                        <m:sSubPr>
+                          <m:ctrlPr>
+                            <a:rPr kumimoji="1" lang="en-US" altLang="zh-CN" i="1">
+                              <a:latin typeface="Cambria Math" charset="0"/>
+                            </a:rPr>
+                          </m:ctrlPr>
+                        </m:sSubPr>
+                        <m:e>
+                          <m:r>
+                            <a:rPr kumimoji="1" lang="en-US" altLang="zh-CN" i="1">
+                              <a:latin typeface="Cambria Math" charset="0"/>
+                            </a:rPr>
+                            <m:t>𝑤</m:t>
+                          </m:r>
+                        </m:e>
+                        <m:sub>
+                          <m:r>
+                            <a:rPr kumimoji="1" lang="en-US" altLang="zh-CN" i="1">
+                              <a:latin typeface="Cambria Math" charset="0"/>
+                            </a:rPr>
+                            <m:t>𝑡</m:t>
+                          </m:r>
+                          <m:r>
+                            <a:rPr kumimoji="1" lang="en-US" altLang="zh-CN" b="0" i="1" smtClean="0">
+                              <a:latin typeface="Cambria Math" charset="0"/>
+                            </a:rPr>
+                            <m:t>−1</m:t>
+                          </m:r>
+                        </m:sub>
+                      </m:sSub>
+                    </m:oMath>
+                  </a14:m>
+                  <a:r>
+                    <a:rPr kumimoji="1" lang="zh-CN" altLang="en-US" dirty="0"/>
+                    <a:t>在训练语料中出现次数</a:t>
+                  </a:r>
+                  <a:endParaRPr kumimoji="1" lang="zh-CN" altLang="en-US" dirty="0"/>
+                </a:p>
+              </p:txBody>
+            </p:sp>
+          </mc:Choice>
+          <mc:Fallback>
+            <p:sp>
+              <p:nvSpPr>
+                <p:cNvPr id="32" name="矩形 31"/>
+                <p:cNvSpPr>
+                  <a:spLocks noRot="1" noChangeAspect="1" noMove="1" noResize="1" noEditPoints="1" noAdjustHandles="1" noChangeArrowheads="1" noChangeShapeType="1" noTextEdit="1"/>
+                </p:cNvSpPr>
+                <p:nvPr/>
+              </p:nvSpPr>
+              <p:spPr>
+                <a:xfrm>
+                  <a:off x="2920144" y="6023157"/>
+                  <a:ext cx="4442113" cy="369332"/>
+                </a:xfrm>
+                <a:prstGeom prst="rect">
+                  <a:avLst/>
+                </a:prstGeom>
+                <a:blipFill rotWithShape="0">
+                  <a:blip r:embed="rId22"/>
+                  <a:stretch>
+                    <a:fillRect l="-1097" t="-8197" r="-686" b="-24590"/>
+                  </a:stretch>
+                </a:blipFill>
+              </p:spPr>
+              <p:txBody>
+                <a:bodyPr/>
+                <a:lstStyle/>
+                <a:p>
+                  <a:r>
+                    <a:rPr lang="zh-CN" altLang="en-US">
+                      <a:noFill/>
+                    </a:rPr>
+                    <a:t> </a:t>
+                  </a:r>
+                </a:p>
+              </p:txBody>
+            </p:sp>
+          </mc:Fallback>
+        </mc:AlternateContent>
+      </p:grpSp>
+    </p:spTree>
+    <p:extLst>
+      <p:ext uri="{BB962C8B-B14F-4D97-AF65-F5344CB8AC3E}">
+        <p14:creationId xmlns:p14="http://schemas.microsoft.com/office/powerpoint/2010/main" val="1354418815"/>
       </p:ext>
     </p:extLst>
   </p:cSld>

--- a/doc/语言模型.pptx
+++ b/doc/语言模型.pptx
@@ -9,6 +9,7 @@
     <p:sldId id="257" r:id="rId3"/>
     <p:sldId id="258" r:id="rId4"/>
     <p:sldId id="259" r:id="rId5"/>
+    <p:sldId id="260" r:id="rId6"/>
   </p:sldIdLst>
   <p:sldSz cx="12192000" cy="6858000"/>
   <p:notesSz cx="6858000" cy="9144000"/>
@@ -246,7 +247,7 @@
           <a:p>
             <a:fld id="{DD953B38-0306-154E-8DDE-FF6339271E85}" type="datetimeFigureOut">
               <a:rPr kumimoji="1" lang="zh-CN" altLang="en-US" smtClean="0"/>
-              <a:t>2019/12/17</a:t>
+              <a:t>2019/12/18</a:t>
             </a:fld>
             <a:endParaRPr kumimoji="1" lang="zh-CN" altLang="en-US"/>
           </a:p>
@@ -416,7 +417,7 @@
           <a:p>
             <a:fld id="{DD953B38-0306-154E-8DDE-FF6339271E85}" type="datetimeFigureOut">
               <a:rPr kumimoji="1" lang="zh-CN" altLang="en-US" smtClean="0"/>
-              <a:t>2019/12/17</a:t>
+              <a:t>2019/12/18</a:t>
             </a:fld>
             <a:endParaRPr kumimoji="1" lang="zh-CN" altLang="en-US"/>
           </a:p>
@@ -596,7 +597,7 @@
           <a:p>
             <a:fld id="{DD953B38-0306-154E-8DDE-FF6339271E85}" type="datetimeFigureOut">
               <a:rPr kumimoji="1" lang="zh-CN" altLang="en-US" smtClean="0"/>
-              <a:t>2019/12/17</a:t>
+              <a:t>2019/12/18</a:t>
             </a:fld>
             <a:endParaRPr kumimoji="1" lang="zh-CN" altLang="en-US"/>
           </a:p>
@@ -766,7 +767,7 @@
           <a:p>
             <a:fld id="{DD953B38-0306-154E-8DDE-FF6339271E85}" type="datetimeFigureOut">
               <a:rPr kumimoji="1" lang="zh-CN" altLang="en-US" smtClean="0"/>
-              <a:t>2019/12/17</a:t>
+              <a:t>2019/12/18</a:t>
             </a:fld>
             <a:endParaRPr kumimoji="1" lang="zh-CN" altLang="en-US"/>
           </a:p>
@@ -1012,7 +1013,7 @@
           <a:p>
             <a:fld id="{DD953B38-0306-154E-8DDE-FF6339271E85}" type="datetimeFigureOut">
               <a:rPr kumimoji="1" lang="zh-CN" altLang="en-US" smtClean="0"/>
-              <a:t>2019/12/17</a:t>
+              <a:t>2019/12/18</a:t>
             </a:fld>
             <a:endParaRPr kumimoji="1" lang="zh-CN" altLang="en-US"/>
           </a:p>
@@ -1244,7 +1245,7 @@
           <a:p>
             <a:fld id="{DD953B38-0306-154E-8DDE-FF6339271E85}" type="datetimeFigureOut">
               <a:rPr kumimoji="1" lang="zh-CN" altLang="en-US" smtClean="0"/>
-              <a:t>2019/12/17</a:t>
+              <a:t>2019/12/18</a:t>
             </a:fld>
             <a:endParaRPr kumimoji="1" lang="zh-CN" altLang="en-US"/>
           </a:p>
@@ -1611,7 +1612,7 @@
           <a:p>
             <a:fld id="{DD953B38-0306-154E-8DDE-FF6339271E85}" type="datetimeFigureOut">
               <a:rPr kumimoji="1" lang="zh-CN" altLang="en-US" smtClean="0"/>
-              <a:t>2019/12/17</a:t>
+              <a:t>2019/12/18</a:t>
             </a:fld>
             <a:endParaRPr kumimoji="1" lang="zh-CN" altLang="en-US"/>
           </a:p>
@@ -1729,7 +1730,7 @@
           <a:p>
             <a:fld id="{DD953B38-0306-154E-8DDE-FF6339271E85}" type="datetimeFigureOut">
               <a:rPr kumimoji="1" lang="zh-CN" altLang="en-US" smtClean="0"/>
-              <a:t>2019/12/17</a:t>
+              <a:t>2019/12/18</a:t>
             </a:fld>
             <a:endParaRPr kumimoji="1" lang="zh-CN" altLang="en-US"/>
           </a:p>
@@ -1824,7 +1825,7 @@
           <a:p>
             <a:fld id="{DD953B38-0306-154E-8DDE-FF6339271E85}" type="datetimeFigureOut">
               <a:rPr kumimoji="1" lang="zh-CN" altLang="en-US" smtClean="0"/>
-              <a:t>2019/12/17</a:t>
+              <a:t>2019/12/18</a:t>
             </a:fld>
             <a:endParaRPr kumimoji="1" lang="zh-CN" altLang="en-US"/>
           </a:p>
@@ -2101,7 +2102,7 @@
           <a:p>
             <a:fld id="{DD953B38-0306-154E-8DDE-FF6339271E85}" type="datetimeFigureOut">
               <a:rPr kumimoji="1" lang="zh-CN" altLang="en-US" smtClean="0"/>
-              <a:t>2019/12/17</a:t>
+              <a:t>2019/12/18</a:t>
             </a:fld>
             <a:endParaRPr kumimoji="1" lang="zh-CN" altLang="en-US"/>
           </a:p>
@@ -2354,7 +2355,7 @@
           <a:p>
             <a:fld id="{DD953B38-0306-154E-8DDE-FF6339271E85}" type="datetimeFigureOut">
               <a:rPr kumimoji="1" lang="zh-CN" altLang="en-US" smtClean="0"/>
-              <a:t>2019/12/17</a:t>
+              <a:t>2019/12/18</a:t>
             </a:fld>
             <a:endParaRPr kumimoji="1" lang="zh-CN" altLang="en-US"/>
           </a:p>
@@ -2567,7 +2568,7 @@
           <a:p>
             <a:fld id="{DD953B38-0306-154E-8DDE-FF6339271E85}" type="datetimeFigureOut">
               <a:rPr kumimoji="1" lang="zh-CN" altLang="en-US" smtClean="0"/>
-              <a:t>2019/12/17</a:t>
+              <a:t>2019/12/18</a:t>
             </a:fld>
             <a:endParaRPr kumimoji="1" lang="zh-CN" altLang="en-US"/>
           </a:p>
@@ -6715,8 +6716,8 @@
             <a:chExt cx="4299126" cy="2082179"/>
           </a:xfrm>
         </p:grpSpPr>
-        <mc:AlternateContent xmlns:mc="http://schemas.openxmlformats.org/markup-compatibility/2006">
-          <mc:Choice xmlns:a14="http://schemas.microsoft.com/office/drawing/2010/main" Requires="a14">
+        <mc:AlternateContent xmlns:mc="http://schemas.openxmlformats.org/markup-compatibility/2006" xmlns:a14="http://schemas.microsoft.com/office/drawing/2010/main">
+          <mc:Choice Requires="a14">
             <p:sp>
               <p:nvSpPr>
                 <p:cNvPr id="6" name="文本框 5"/>
@@ -6956,7 +6957,7 @@
               </p:txBody>
             </p:sp>
           </mc:Choice>
-          <mc:Fallback>
+          <mc:Fallback xmlns="">
             <p:sp>
               <p:nvSpPr>
                 <p:cNvPr id="6" name="文本框 5"/>
@@ -7640,8 +7641,8 @@
             </a:p>
           </p:txBody>
         </p:sp>
-        <mc:AlternateContent xmlns:mc="http://schemas.openxmlformats.org/markup-compatibility/2006">
-          <mc:Choice xmlns:a14="http://schemas.microsoft.com/office/drawing/2010/main" Requires="a14">
+        <mc:AlternateContent xmlns:mc="http://schemas.openxmlformats.org/markup-compatibility/2006" xmlns:a14="http://schemas.microsoft.com/office/drawing/2010/main">
+          <mc:Choice Requires="a14">
             <p:sp>
               <p:nvSpPr>
                 <p:cNvPr id="12" name="文本框 11"/>
@@ -7970,7 +7971,7 @@
               </p:txBody>
             </p:sp>
           </mc:Choice>
-          <mc:Fallback>
+          <mc:Fallback xmlns="">
             <p:sp>
               <p:nvSpPr>
                 <p:cNvPr id="12" name="文本框 11"/>
@@ -8009,8 +8010,8 @@
             </p:sp>
           </mc:Fallback>
         </mc:AlternateContent>
-        <mc:AlternateContent xmlns:mc="http://schemas.openxmlformats.org/markup-compatibility/2006">
-          <mc:Choice xmlns:a14="http://schemas.microsoft.com/office/drawing/2010/main" Requires="a14">
+        <mc:AlternateContent xmlns:mc="http://schemas.openxmlformats.org/markup-compatibility/2006" xmlns:a14="http://schemas.microsoft.com/office/drawing/2010/main">
+          <mc:Choice Requires="a14">
             <p:sp>
               <p:nvSpPr>
                 <p:cNvPr id="14" name="矩形 13"/>
@@ -8371,7 +8372,7 @@
               </p:txBody>
             </p:sp>
           </mc:Choice>
-          <mc:Fallback>
+          <mc:Fallback xmlns="">
             <p:sp>
               <p:nvSpPr>
                 <p:cNvPr id="14" name="矩形 13"/>
@@ -8410,8 +8411,8 @@
             </p:sp>
           </mc:Fallback>
         </mc:AlternateContent>
-        <mc:AlternateContent xmlns:mc="http://schemas.openxmlformats.org/markup-compatibility/2006">
-          <mc:Choice xmlns:a14="http://schemas.microsoft.com/office/drawing/2010/main" Requires="a14">
+        <mc:AlternateContent xmlns:mc="http://schemas.openxmlformats.org/markup-compatibility/2006" xmlns:a14="http://schemas.microsoft.com/office/drawing/2010/main">
+          <mc:Choice Requires="a14">
             <p:sp>
               <p:nvSpPr>
                 <p:cNvPr id="15" name="矩形 14"/>
@@ -8528,7 +8529,7 @@
               </p:txBody>
             </p:sp>
           </mc:Choice>
-          <mc:Fallback>
+          <mc:Fallback xmlns="">
             <p:sp>
               <p:nvSpPr>
                 <p:cNvPr id="15" name="矩形 14"/>
@@ -8567,8 +8568,8 @@
             </p:sp>
           </mc:Fallback>
         </mc:AlternateContent>
-        <mc:AlternateContent xmlns:mc="http://schemas.openxmlformats.org/markup-compatibility/2006">
-          <mc:Choice xmlns:a14="http://schemas.microsoft.com/office/drawing/2010/main" Requires="a14">
+        <mc:AlternateContent xmlns:mc="http://schemas.openxmlformats.org/markup-compatibility/2006" xmlns:a14="http://schemas.microsoft.com/office/drawing/2010/main">
+          <mc:Choice Requires="a14">
             <p:sp>
               <p:nvSpPr>
                 <p:cNvPr id="16" name="文本框 15"/>
@@ -8670,7 +8671,7 @@
               </p:txBody>
             </p:sp>
           </mc:Choice>
-          <mc:Fallback>
+          <mc:Fallback xmlns="">
             <p:sp>
               <p:nvSpPr>
                 <p:cNvPr id="16" name="文本框 15"/>
@@ -8709,8 +8710,8 @@
             </p:sp>
           </mc:Fallback>
         </mc:AlternateContent>
-        <mc:AlternateContent xmlns:mc="http://schemas.openxmlformats.org/markup-compatibility/2006">
-          <mc:Choice xmlns:a14="http://schemas.microsoft.com/office/drawing/2010/main" Requires="a14">
+        <mc:AlternateContent xmlns:mc="http://schemas.openxmlformats.org/markup-compatibility/2006" xmlns:a14="http://schemas.microsoft.com/office/drawing/2010/main">
+          <mc:Choice Requires="a14">
             <p:sp>
               <p:nvSpPr>
                 <p:cNvPr id="17" name="矩形 16"/>
@@ -8868,7 +8869,7 @@
               </p:txBody>
             </p:sp>
           </mc:Choice>
-          <mc:Fallback>
+          <mc:Fallback xmlns="">
             <p:sp>
               <p:nvSpPr>
                 <p:cNvPr id="17" name="矩形 16"/>
@@ -8907,8 +8908,8 @@
             </p:sp>
           </mc:Fallback>
         </mc:AlternateContent>
-        <mc:AlternateContent xmlns:mc="http://schemas.openxmlformats.org/markup-compatibility/2006">
-          <mc:Choice xmlns:a14="http://schemas.microsoft.com/office/drawing/2010/main" Requires="a14">
+        <mc:AlternateContent xmlns:mc="http://schemas.openxmlformats.org/markup-compatibility/2006" xmlns:a14="http://schemas.microsoft.com/office/drawing/2010/main">
+          <mc:Choice Requires="a14">
             <p:sp>
               <p:nvSpPr>
                 <p:cNvPr id="18" name="文本框 17"/>
@@ -8979,7 +8980,7 @@
               </p:txBody>
             </p:sp>
           </mc:Choice>
-          <mc:Fallback>
+          <mc:Fallback xmlns="">
             <p:sp>
               <p:nvSpPr>
                 <p:cNvPr id="18" name="文本框 17"/>
@@ -9018,8 +9019,8 @@
             </p:sp>
           </mc:Fallback>
         </mc:AlternateContent>
-        <mc:AlternateContent xmlns:mc="http://schemas.openxmlformats.org/markup-compatibility/2006">
-          <mc:Choice xmlns:a14="http://schemas.microsoft.com/office/drawing/2010/main" Requires="a14">
+        <mc:AlternateContent xmlns:mc="http://schemas.openxmlformats.org/markup-compatibility/2006" xmlns:a14="http://schemas.microsoft.com/office/drawing/2010/main">
+          <mc:Choice Requires="a14">
             <p:sp>
               <p:nvSpPr>
                 <p:cNvPr id="20" name="矩形 19"/>
@@ -9041,6 +9042,7 @@
                 </a:bodyPr>
                 <a:lstStyle/>
                 <a:p>
+                  <a:pPr/>
                   <a14:m>
                     <m:oMathPara xmlns:m="http://schemas.openxmlformats.org/officeDocument/2006/math">
                       <m:oMathParaPr>
@@ -9097,7 +9099,7 @@
               </p:txBody>
             </p:sp>
           </mc:Choice>
-          <mc:Fallback>
+          <mc:Fallback xmlns="">
             <p:sp>
               <p:nvSpPr>
                 <p:cNvPr id="20" name="矩形 19"/>
@@ -9223,8 +9225,8 @@
             </a:p>
           </p:txBody>
         </p:sp>
-        <mc:AlternateContent xmlns:mc="http://schemas.openxmlformats.org/markup-compatibility/2006">
-          <mc:Choice xmlns:a14="http://schemas.microsoft.com/office/drawing/2010/main" Requires="a14">
+        <mc:AlternateContent xmlns:mc="http://schemas.openxmlformats.org/markup-compatibility/2006" xmlns:a14="http://schemas.microsoft.com/office/drawing/2010/main">
+          <mc:Choice Requires="a14">
             <p:sp>
               <p:nvSpPr>
                 <p:cNvPr id="19" name="文本框 18"/>
@@ -9775,7 +9777,7 @@
               </p:txBody>
             </p:sp>
           </mc:Choice>
-          <mc:Fallback>
+          <mc:Fallback xmlns="">
             <p:sp>
               <p:nvSpPr>
                 <p:cNvPr id="19" name="文本框 18"/>
@@ -9814,8 +9816,8 @@
             </p:sp>
           </mc:Fallback>
         </mc:AlternateContent>
-        <mc:AlternateContent xmlns:mc="http://schemas.openxmlformats.org/markup-compatibility/2006">
-          <mc:Choice xmlns:a14="http://schemas.microsoft.com/office/drawing/2010/main" Requires="a14">
+        <mc:AlternateContent xmlns:mc="http://schemas.openxmlformats.org/markup-compatibility/2006" xmlns:a14="http://schemas.microsoft.com/office/drawing/2010/main">
+          <mc:Choice Requires="a14">
             <p:sp>
               <p:nvSpPr>
                 <p:cNvPr id="22" name="矩形 21"/>
@@ -9953,7 +9955,7 @@
               </p:txBody>
             </p:sp>
           </mc:Choice>
-          <mc:Fallback>
+          <mc:Fallback xmlns="">
             <p:sp>
               <p:nvSpPr>
                 <p:cNvPr id="22" name="矩形 21"/>
@@ -9992,8 +9994,8 @@
             </p:sp>
           </mc:Fallback>
         </mc:AlternateContent>
-        <mc:AlternateContent xmlns:mc="http://schemas.openxmlformats.org/markup-compatibility/2006">
-          <mc:Choice xmlns:a14="http://schemas.microsoft.com/office/drawing/2010/main" Requires="a14">
+        <mc:AlternateContent xmlns:mc="http://schemas.openxmlformats.org/markup-compatibility/2006" xmlns:a14="http://schemas.microsoft.com/office/drawing/2010/main">
+          <mc:Choice Requires="a14">
             <p:sp>
               <p:nvSpPr>
                 <p:cNvPr id="23" name="矩形 22"/>
@@ -10015,6 +10017,7 @@
                 </a:bodyPr>
                 <a:lstStyle/>
                 <a:p>
+                  <a:pPr/>
                   <a14:m>
                     <m:oMathPara xmlns:m="http://schemas.openxmlformats.org/officeDocument/2006/math">
                       <m:oMathParaPr>
@@ -10108,7 +10111,7 @@
               </p:txBody>
             </p:sp>
           </mc:Choice>
-          <mc:Fallback>
+          <mc:Fallback xmlns="">
             <p:sp>
               <p:nvSpPr>
                 <p:cNvPr id="23" name="矩形 22"/>
@@ -10192,8 +10195,8 @@
             </a:p>
           </p:txBody>
         </p:sp>
-        <mc:AlternateContent xmlns:mc="http://schemas.openxmlformats.org/markup-compatibility/2006">
-          <mc:Choice xmlns:a14="http://schemas.microsoft.com/office/drawing/2010/main" Requires="a14">
+        <mc:AlternateContent xmlns:mc="http://schemas.openxmlformats.org/markup-compatibility/2006" xmlns:a14="http://schemas.microsoft.com/office/drawing/2010/main">
+          <mc:Choice Requires="a14">
             <p:sp>
               <p:nvSpPr>
                 <p:cNvPr id="25" name="矩形 24"/>
@@ -10215,6 +10218,7 @@
                 </a:bodyPr>
                 <a:lstStyle/>
                 <a:p>
+                  <a:pPr/>
                   <a14:m>
                     <m:oMathPara xmlns:m="http://schemas.openxmlformats.org/officeDocument/2006/math">
                       <m:oMathParaPr>
@@ -10271,7 +10275,7 @@
               </p:txBody>
             </p:sp>
           </mc:Choice>
-          <mc:Fallback>
+          <mc:Fallback xmlns="">
             <p:sp>
               <p:nvSpPr>
                 <p:cNvPr id="25" name="矩形 24"/>
@@ -10348,8 +10352,8 @@
             </a:p>
           </p:txBody>
         </p:sp>
-        <mc:AlternateContent xmlns:mc="http://schemas.openxmlformats.org/markup-compatibility/2006">
-          <mc:Choice xmlns:a14="http://schemas.microsoft.com/office/drawing/2010/main" Requires="a14">
+        <mc:AlternateContent xmlns:mc="http://schemas.openxmlformats.org/markup-compatibility/2006" xmlns:a14="http://schemas.microsoft.com/office/drawing/2010/main">
+          <mc:Choice Requires="a14">
             <p:sp>
               <p:nvSpPr>
                 <p:cNvPr id="27" name="矩形 26"/>
@@ -10371,6 +10375,7 @@
                 </a:bodyPr>
                 <a:lstStyle/>
                 <a:p>
+                  <a:pPr/>
                   <a14:m>
                     <m:oMathPara xmlns:m="http://schemas.openxmlformats.org/officeDocument/2006/math">
                       <m:oMathParaPr>
@@ -10820,7 +10825,7 @@
               </p:txBody>
             </p:sp>
           </mc:Choice>
-          <mc:Fallback>
+          <mc:Fallback xmlns="">
             <p:sp>
               <p:nvSpPr>
                 <p:cNvPr id="27" name="矩形 26"/>
@@ -10859,8 +10864,8 @@
             </p:sp>
           </mc:Fallback>
         </mc:AlternateContent>
-        <mc:AlternateContent xmlns:mc="http://schemas.openxmlformats.org/markup-compatibility/2006">
-          <mc:Choice xmlns:a14="http://schemas.microsoft.com/office/drawing/2010/main" Requires="a14">
+        <mc:AlternateContent xmlns:mc="http://schemas.openxmlformats.org/markup-compatibility/2006" xmlns:a14="http://schemas.microsoft.com/office/drawing/2010/main">
+          <mc:Choice Requires="a14">
             <p:sp>
               <p:nvSpPr>
                 <p:cNvPr id="29" name="矩形 28"/>
@@ -10882,6 +10887,7 @@
                 </a:bodyPr>
                 <a:lstStyle/>
                 <a:p>
+                  <a:pPr/>
                   <a14:m>
                     <m:oMathPara xmlns:m="http://schemas.openxmlformats.org/officeDocument/2006/math">
                       <m:oMathParaPr>
@@ -11013,7 +11019,7 @@
               </p:txBody>
             </p:sp>
           </mc:Choice>
-          <mc:Fallback>
+          <mc:Fallback xmlns="">
             <p:sp>
               <p:nvSpPr>
                 <p:cNvPr id="29" name="矩形 28"/>
@@ -11052,8 +11058,8 @@
             </p:sp>
           </mc:Fallback>
         </mc:AlternateContent>
-        <mc:AlternateContent xmlns:mc="http://schemas.openxmlformats.org/markup-compatibility/2006">
-          <mc:Choice xmlns:a14="http://schemas.microsoft.com/office/drawing/2010/main" Requires="a14">
+        <mc:AlternateContent xmlns:mc="http://schemas.openxmlformats.org/markup-compatibility/2006" xmlns:a14="http://schemas.microsoft.com/office/drawing/2010/main">
+          <mc:Choice Requires="a14">
             <p:sp>
               <p:nvSpPr>
                 <p:cNvPr id="30" name="文本框 29"/>
@@ -11109,13 +11115,7 @@
                             <a:rPr kumimoji="1" lang="en-US" altLang="zh-CN" i="1">
                               <a:latin typeface="Cambria Math" charset="0"/>
                             </a:rPr>
-                            <m:t>−</m:t>
-                          </m:r>
-                          <m:r>
-                            <a:rPr kumimoji="1" lang="en-US" altLang="zh-CN" b="0" i="1" smtClean="0">
-                              <a:latin typeface="Cambria Math" charset="0"/>
-                            </a:rPr>
-                            <m:t>2</m:t>
+                            <m:t>−2</m:t>
                           </m:r>
                         </m:sub>
                       </m:sSub>
@@ -11198,7 +11198,7 @@
               </p:txBody>
             </p:sp>
           </mc:Choice>
-          <mc:Fallback>
+          <mc:Fallback xmlns="">
             <p:sp>
               <p:nvSpPr>
                 <p:cNvPr id="30" name="文本框 29"/>
@@ -11237,8 +11237,8 @@
             </p:sp>
           </mc:Fallback>
         </mc:AlternateContent>
-        <mc:AlternateContent xmlns:mc="http://schemas.openxmlformats.org/markup-compatibility/2006">
-          <mc:Choice xmlns:a14="http://schemas.microsoft.com/office/drawing/2010/main" Requires="a14">
+        <mc:AlternateContent xmlns:mc="http://schemas.openxmlformats.org/markup-compatibility/2006" xmlns:a14="http://schemas.microsoft.com/office/drawing/2010/main">
+          <mc:Choice Requires="a14">
             <p:sp>
               <p:nvSpPr>
                 <p:cNvPr id="31" name="矩形 30"/>
@@ -11260,6 +11260,7 @@
                 </a:bodyPr>
                 <a:lstStyle/>
                 <a:p>
+                  <a:pPr/>
                   <a14:m>
                     <m:oMathPara xmlns:m="http://schemas.openxmlformats.org/officeDocument/2006/math">
                       <m:oMathParaPr>
@@ -11432,7 +11433,7 @@
               </p:txBody>
             </p:sp>
           </mc:Choice>
-          <mc:Fallback>
+          <mc:Fallback xmlns="">
             <p:sp>
               <p:nvSpPr>
                 <p:cNvPr id="31" name="矩形 30"/>
@@ -11471,8 +11472,8 @@
             </p:sp>
           </mc:Fallback>
         </mc:AlternateContent>
-        <mc:AlternateContent xmlns:mc="http://schemas.openxmlformats.org/markup-compatibility/2006">
-          <mc:Choice xmlns:a14="http://schemas.microsoft.com/office/drawing/2010/main" Requires="a14">
+        <mc:AlternateContent xmlns:mc="http://schemas.openxmlformats.org/markup-compatibility/2006" xmlns:a14="http://schemas.microsoft.com/office/drawing/2010/main">
+          <mc:Choice Requires="a14">
             <p:sp>
               <p:nvSpPr>
                 <p:cNvPr id="32" name="矩形 31"/>
@@ -11527,13 +11528,7 @@
                             <a:rPr kumimoji="1" lang="en-US" altLang="zh-CN" i="1">
                               <a:latin typeface="Cambria Math" charset="0"/>
                             </a:rPr>
-                            <m:t>−</m:t>
-                          </m:r>
-                          <m:r>
-                            <a:rPr kumimoji="1" lang="en-US" altLang="zh-CN" b="0" i="1" smtClean="0">
-                              <a:latin typeface="Cambria Math" charset="0"/>
-                            </a:rPr>
-                            <m:t>2</m:t>
+                            <m:t>−2</m:t>
                           </m:r>
                         </m:sub>
                       </m:sSub>
@@ -11580,12 +11575,11 @@
                     <a:rPr kumimoji="1" lang="zh-CN" altLang="en-US" dirty="0"/>
                     <a:t>在训练语料中出现次数</a:t>
                   </a:r>
-                  <a:endParaRPr kumimoji="1" lang="zh-CN" altLang="en-US" dirty="0"/>
                 </a:p>
               </p:txBody>
             </p:sp>
           </mc:Choice>
-          <mc:Fallback>
+          <mc:Fallback xmlns="">
             <p:sp>
               <p:nvSpPr>
                 <p:cNvPr id="32" name="矩形 31"/>
@@ -11629,6 +11623,926 @@
     <p:extLst>
       <p:ext uri="{BB962C8B-B14F-4D97-AF65-F5344CB8AC3E}">
         <p14:creationId xmlns:p14="http://schemas.microsoft.com/office/powerpoint/2010/main" val="1354418815"/>
+      </p:ext>
+    </p:extLst>
+  </p:cSld>
+  <p:clrMapOvr>
+    <a:masterClrMapping/>
+  </p:clrMapOvr>
+</p:sld>
+</file>
+
+<file path=ppt/slides/slide5.xml><?xml version="1.0" encoding="utf-8"?>
+<p:sld xmlns:a="http://schemas.openxmlformats.org/drawingml/2006/main" xmlns:r="http://schemas.openxmlformats.org/officeDocument/2006/relationships" xmlns:p="http://schemas.openxmlformats.org/presentationml/2006/main">
+  <p:cSld>
+    <p:spTree>
+      <p:nvGrpSpPr>
+        <p:cNvPr id="1" name=""/>
+        <p:cNvGrpSpPr/>
+        <p:nvPr/>
+      </p:nvGrpSpPr>
+      <p:grpSpPr>
+        <a:xfrm>
+          <a:off x="0" y="0"/>
+          <a:ext cx="0" cy="0"/>
+          <a:chOff x="0" y="0"/>
+          <a:chExt cx="0" cy="0"/>
+        </a:xfrm>
+      </p:grpSpPr>
+      <p:sp>
+        <p:nvSpPr>
+          <p:cNvPr id="2" name="标题 1"/>
+          <p:cNvSpPr>
+            <a:spLocks noGrp="1"/>
+          </p:cNvSpPr>
+          <p:nvPr>
+            <p:ph type="title"/>
+          </p:nvPr>
+        </p:nvSpPr>
+        <p:spPr/>
+        <p:txBody>
+          <a:bodyPr/>
+          <a:lstStyle/>
+          <a:p>
+            <a:r>
+              <a:rPr kumimoji="1" lang="en-US" altLang="zh-CN" dirty="0" smtClean="0"/>
+              <a:t>n-gram</a:t>
+            </a:r>
+            <a:r>
+              <a:rPr kumimoji="1" lang="zh-CN" altLang="en-US" dirty="0" smtClean="0"/>
+              <a:t>平滑</a:t>
+            </a:r>
+            <a:r>
+              <a:rPr kumimoji="1" lang="en-US" altLang="zh-CN" dirty="0" smtClean="0"/>
+              <a:t>-</a:t>
+            </a:r>
+            <a:r>
+              <a:rPr kumimoji="1" lang="zh-CN" altLang="en-US" dirty="0" smtClean="0"/>
+              <a:t>回退法</a:t>
+            </a:r>
+            <a:endParaRPr kumimoji="1" lang="zh-CN" altLang="en-US" dirty="0"/>
+          </a:p>
+        </p:txBody>
+      </p:sp>
+      <mc:AlternateContent xmlns:mc="http://schemas.openxmlformats.org/markup-compatibility/2006">
+        <mc:Choice xmlns:a14="http://schemas.microsoft.com/office/drawing/2010/main" Requires="a14">
+          <p:sp>
+            <p:nvSpPr>
+              <p:cNvPr id="3" name="文本框 2"/>
+              <p:cNvSpPr txBox="1"/>
+              <p:nvPr/>
+            </p:nvSpPr>
+            <p:spPr>
+              <a:xfrm>
+                <a:off x="838200" y="1908544"/>
+                <a:ext cx="6417591" cy="884281"/>
+              </a:xfrm>
+              <a:prstGeom prst="rect">
+                <a:avLst/>
+              </a:prstGeom>
+              <a:noFill/>
+            </p:spPr>
+            <p:txBody>
+              <a:bodyPr wrap="none" lIns="0" tIns="0" rIns="0" bIns="0" rtlCol="0">
+                <a:spAutoFit/>
+              </a:bodyPr>
+              <a:lstStyle/>
+              <a:p>
+                <a14:m>
+                  <m:oMathPara xmlns:m="http://schemas.openxmlformats.org/officeDocument/2006/math">
+                    <m:oMathParaPr>
+                      <m:jc m:val="centerGroup"/>
+                    </m:oMathParaPr>
+                    <m:oMath xmlns:m="http://schemas.openxmlformats.org/officeDocument/2006/math">
+                      <m:sSubSup>
+                        <m:sSubSupPr>
+                          <m:ctrlPr>
+                            <a:rPr kumimoji="1" lang="en-US" altLang="zh-CN" i="1" smtClean="0">
+                              <a:latin typeface="Cambria Math" charset="0"/>
+                            </a:rPr>
+                          </m:ctrlPr>
+                        </m:sSubSupPr>
+                        <m:e>
+                          <m:r>
+                            <a:rPr kumimoji="1" lang="en-US" altLang="zh-CN" b="0" i="1" smtClean="0">
+                              <a:latin typeface="Cambria Math" charset="0"/>
+                            </a:rPr>
+                            <m:t>𝑃</m:t>
+                          </m:r>
+                        </m:e>
+                        <m:sub>
+                          <m:r>
+                            <a:rPr kumimoji="1" lang="en-US" altLang="zh-CN" b="0" i="1" smtClean="0">
+                              <a:latin typeface="Cambria Math" charset="0"/>
+                            </a:rPr>
+                            <m:t>𝑘𝑎𝑡𝑧</m:t>
+                          </m:r>
+                        </m:sub>
+                        <m:sup>
+                          <m:r>
+                            <a:rPr kumimoji="1" lang="en-US" altLang="zh-CN" b="0" i="1" smtClean="0">
+                              <a:latin typeface="Cambria Math" charset="0"/>
+                            </a:rPr>
+                            <m:t>(</m:t>
+                          </m:r>
+                          <m:r>
+                            <a:rPr kumimoji="1" lang="en-US" altLang="zh-CN" b="0" i="1" smtClean="0">
+                              <a:latin typeface="Cambria Math" charset="0"/>
+                            </a:rPr>
+                            <m:t>𝑛</m:t>
+                          </m:r>
+                          <m:r>
+                            <a:rPr kumimoji="1" lang="en-US" altLang="zh-CN" b="0" i="1" smtClean="0">
+                              <a:latin typeface="Cambria Math" charset="0"/>
+                            </a:rPr>
+                            <m:t>)</m:t>
+                          </m:r>
+                        </m:sup>
+                      </m:sSubSup>
+                      <m:d>
+                        <m:dPr>
+                          <m:ctrlPr>
+                            <a:rPr kumimoji="1" lang="en-US" altLang="zh-CN" b="0" i="1" smtClean="0">
+                              <a:latin typeface="Cambria Math" charset="0"/>
+                            </a:rPr>
+                          </m:ctrlPr>
+                        </m:dPr>
+                        <m:e>
+                          <m:sSub>
+                            <m:sSubPr>
+                              <m:ctrlPr>
+                                <a:rPr kumimoji="1" lang="en-US" altLang="zh-CN" b="0" i="1" smtClean="0">
+                                  <a:latin typeface="Cambria Math" charset="0"/>
+                                </a:rPr>
+                              </m:ctrlPr>
+                            </m:sSubPr>
+                            <m:e>
+                              <m:r>
+                                <a:rPr kumimoji="1" lang="en-US" altLang="zh-CN" b="0" i="1" smtClean="0">
+                                  <a:latin typeface="Cambria Math" charset="0"/>
+                                </a:rPr>
+                                <m:t>𝑤</m:t>
+                              </m:r>
+                            </m:e>
+                            <m:sub>
+                              <m:r>
+                                <a:rPr kumimoji="1" lang="en-US" altLang="zh-CN" b="0" i="1" smtClean="0">
+                                  <a:latin typeface="Cambria Math" charset="0"/>
+                                </a:rPr>
+                                <m:t>𝑡</m:t>
+                              </m:r>
+                            </m:sub>
+                          </m:sSub>
+                        </m:e>
+                        <m:e>
+                          <m:sSubSup>
+                            <m:sSubSupPr>
+                              <m:ctrlPr>
+                                <a:rPr kumimoji="1" lang="en-US" altLang="zh-CN" b="0" i="1" smtClean="0">
+                                  <a:latin typeface="Cambria Math" charset="0"/>
+                                </a:rPr>
+                              </m:ctrlPr>
+                            </m:sSubSupPr>
+                            <m:e>
+                              <m:r>
+                                <a:rPr kumimoji="1" lang="en-US" altLang="zh-CN" b="0" i="1" smtClean="0">
+                                  <a:latin typeface="Cambria Math" charset="0"/>
+                                </a:rPr>
+                                <m:t>𝑤</m:t>
+                              </m:r>
+                            </m:e>
+                            <m:sub>
+                              <m:r>
+                                <a:rPr kumimoji="1" lang="en-US" altLang="zh-CN" b="0" i="1" smtClean="0">
+                                  <a:latin typeface="Cambria Math" charset="0"/>
+                                </a:rPr>
+                                <m:t>𝑡</m:t>
+                              </m:r>
+                              <m:r>
+                                <a:rPr kumimoji="1" lang="en-US" altLang="zh-CN" b="0" i="1" smtClean="0">
+                                  <a:latin typeface="Cambria Math" charset="0"/>
+                                </a:rPr>
+                                <m:t>−</m:t>
+                              </m:r>
+                              <m:r>
+                                <a:rPr kumimoji="1" lang="en-US" altLang="zh-CN" b="0" i="1" smtClean="0">
+                                  <a:latin typeface="Cambria Math" charset="0"/>
+                                </a:rPr>
+                                <m:t>𝑛</m:t>
+                              </m:r>
+                              <m:r>
+                                <a:rPr kumimoji="1" lang="en-US" altLang="zh-CN" b="0" i="1" smtClean="0">
+                                  <a:latin typeface="Cambria Math" charset="0"/>
+                                </a:rPr>
+                                <m:t>+1</m:t>
+                              </m:r>
+                            </m:sub>
+                            <m:sup>
+                              <m:r>
+                                <a:rPr kumimoji="1" lang="en-US" altLang="zh-CN" b="0" i="1" smtClean="0">
+                                  <a:latin typeface="Cambria Math" charset="0"/>
+                                </a:rPr>
+                                <m:t>𝑡</m:t>
+                              </m:r>
+                              <m:r>
+                                <a:rPr kumimoji="1" lang="en-US" altLang="zh-CN" b="0" i="1" smtClean="0">
+                                  <a:latin typeface="Cambria Math" charset="0"/>
+                                </a:rPr>
+                                <m:t>−1</m:t>
+                              </m:r>
+                            </m:sup>
+                          </m:sSubSup>
+                        </m:e>
+                      </m:d>
+                      <m:r>
+                        <a:rPr kumimoji="1" lang="mr-IN" altLang="zh-CN" b="0" i="1" smtClean="0">
+                          <a:latin typeface="Cambria Math" charset="0"/>
+                        </a:rPr>
+                        <m:t>=</m:t>
+                      </m:r>
+                      <m:d>
+                        <m:dPr>
+                          <m:begChr m:val="{"/>
+                          <m:endChr m:val=""/>
+                          <m:ctrlPr>
+                            <a:rPr kumimoji="1" lang="mr-IN" altLang="zh-CN" b="0" i="1" smtClean="0">
+                              <a:latin typeface="Cambria Math" charset="0"/>
+                            </a:rPr>
+                          </m:ctrlPr>
+                        </m:dPr>
+                        <m:e>
+                          <m:eqArr>
+                            <m:eqArrPr>
+                              <m:ctrlPr>
+                                <a:rPr kumimoji="1" lang="mr-IN" altLang="zh-CN" b="0" i="1" smtClean="0">
+                                  <a:latin typeface="Cambria Math" charset="0"/>
+                                </a:rPr>
+                              </m:ctrlPr>
+                            </m:eqArrPr>
+                            <m:e>
+                              <m:sSub>
+                                <m:sSubPr>
+                                  <m:ctrlPr>
+                                    <a:rPr kumimoji="1" lang="en-US" altLang="zh-CN" b="0" i="1" smtClean="0">
+                                      <a:latin typeface="Cambria Math" charset="0"/>
+                                    </a:rPr>
+                                  </m:ctrlPr>
+                                </m:sSubPr>
+                                <m:e>
+                                  <m:r>
+                                    <a:rPr kumimoji="1" lang="en-US" altLang="zh-CN" b="0" i="1" smtClean="0">
+                                      <a:latin typeface="Cambria Math" charset="0"/>
+                                    </a:rPr>
+                                    <m:t>𝑃</m:t>
+                                  </m:r>
+                                </m:e>
+                                <m:sub>
+                                  <m:r>
+                                    <a:rPr kumimoji="1" lang="en-US" altLang="zh-CN" b="0" i="1" smtClean="0">
+                                      <a:latin typeface="Cambria Math" charset="0"/>
+                                    </a:rPr>
+                                    <m:t>𝑀𝐿</m:t>
+                                  </m:r>
+                                </m:sub>
+                              </m:sSub>
+                              <m:d>
+                                <m:dPr>
+                                  <m:ctrlPr>
+                                    <a:rPr kumimoji="1" lang="en-US" altLang="zh-CN" b="0" i="1" smtClean="0">
+                                      <a:latin typeface="Cambria Math" charset="0"/>
+                                    </a:rPr>
+                                  </m:ctrlPr>
+                                </m:dPr>
+                                <m:e>
+                                  <m:sSub>
+                                    <m:sSubPr>
+                                      <m:ctrlPr>
+                                        <a:rPr kumimoji="1" lang="en-US" altLang="zh-CN" b="0" i="1" smtClean="0">
+                                          <a:latin typeface="Cambria Math" charset="0"/>
+                                        </a:rPr>
+                                      </m:ctrlPr>
+                                    </m:sSubPr>
+                                    <m:e>
+                                      <m:r>
+                                        <a:rPr kumimoji="1" lang="en-US" altLang="zh-CN" b="0" i="1" smtClean="0">
+                                          <a:latin typeface="Cambria Math" charset="0"/>
+                                        </a:rPr>
+                                        <m:t>𝑤</m:t>
+                                      </m:r>
+                                    </m:e>
+                                    <m:sub>
+                                      <m:r>
+                                        <a:rPr kumimoji="1" lang="en-US" altLang="zh-CN" b="0" i="1" smtClean="0">
+                                          <a:latin typeface="Cambria Math" charset="0"/>
+                                        </a:rPr>
+                                        <m:t>𝑡</m:t>
+                                      </m:r>
+                                    </m:sub>
+                                  </m:sSub>
+                                </m:e>
+                                <m:e>
+                                  <m:sSubSup>
+                                    <m:sSubSupPr>
+                                      <m:ctrlPr>
+                                        <a:rPr kumimoji="1" lang="en-US" altLang="zh-CN" i="1">
+                                          <a:latin typeface="Cambria Math" charset="0"/>
+                                        </a:rPr>
+                                      </m:ctrlPr>
+                                    </m:sSubSupPr>
+                                    <m:e>
+                                      <m:r>
+                                        <a:rPr kumimoji="1" lang="en-US" altLang="zh-CN" i="1">
+                                          <a:latin typeface="Cambria Math" charset="0"/>
+                                        </a:rPr>
+                                        <m:t>𝑤</m:t>
+                                      </m:r>
+                                    </m:e>
+                                    <m:sub>
+                                      <m:r>
+                                        <a:rPr kumimoji="1" lang="en-US" altLang="zh-CN" i="1">
+                                          <a:latin typeface="Cambria Math" charset="0"/>
+                                        </a:rPr>
+                                        <m:t>𝑡</m:t>
+                                      </m:r>
+                                      <m:r>
+                                        <a:rPr kumimoji="1" lang="en-US" altLang="zh-CN" i="1">
+                                          <a:latin typeface="Cambria Math" charset="0"/>
+                                        </a:rPr>
+                                        <m:t>−</m:t>
+                                      </m:r>
+                                      <m:r>
+                                        <a:rPr kumimoji="1" lang="en-US" altLang="zh-CN" i="1">
+                                          <a:latin typeface="Cambria Math" charset="0"/>
+                                        </a:rPr>
+                                        <m:t>𝑛</m:t>
+                                      </m:r>
+                                      <m:r>
+                                        <a:rPr kumimoji="1" lang="en-US" altLang="zh-CN" i="1">
+                                          <a:latin typeface="Cambria Math" charset="0"/>
+                                        </a:rPr>
+                                        <m:t>+1</m:t>
+                                      </m:r>
+                                    </m:sub>
+                                    <m:sup>
+                                      <m:r>
+                                        <a:rPr kumimoji="1" lang="en-US" altLang="zh-CN" i="1">
+                                          <a:latin typeface="Cambria Math" charset="0"/>
+                                        </a:rPr>
+                                        <m:t>𝑡</m:t>
+                                      </m:r>
+                                      <m:r>
+                                        <a:rPr kumimoji="1" lang="en-US" altLang="zh-CN" i="1">
+                                          <a:latin typeface="Cambria Math" charset="0"/>
+                                        </a:rPr>
+                                        <m:t>−1</m:t>
+                                      </m:r>
+                                    </m:sup>
+                                  </m:sSubSup>
+                                </m:e>
+                              </m:d>
+                              <m:r>
+                                <a:rPr kumimoji="1" lang="mr-IN" altLang="zh-CN" b="0" i="1" smtClean="0">
+                                  <a:latin typeface="Cambria Math" charset="0"/>
+                                </a:rPr>
+                                <m:t>,  </m:t>
+                              </m:r>
+                              <m:r>
+                                <a:rPr kumimoji="1" lang="en-US" altLang="zh-CN" b="0" i="1" smtClean="0">
+                                  <a:latin typeface="Cambria Math" charset="0"/>
+                                </a:rPr>
+                                <m:t>𝑖𝑓</m:t>
+                              </m:r>
+                              <m:r>
+                                <a:rPr kumimoji="1" lang="en-US" altLang="zh-CN" b="0" i="1" smtClean="0">
+                                  <a:latin typeface="Cambria Math" charset="0"/>
+                                </a:rPr>
+                                <m:t> </m:t>
+                              </m:r>
+                              <m:r>
+                                <a:rPr kumimoji="1" lang="en-US" altLang="zh-CN" b="0" i="1" smtClean="0">
+                                  <a:latin typeface="Cambria Math" charset="0"/>
+                                </a:rPr>
+                                <m:t>𝑐𝑜𝑢𝑛𝑡</m:t>
+                              </m:r>
+                              <m:d>
+                                <m:dPr>
+                                  <m:ctrlPr>
+                                    <a:rPr kumimoji="1" lang="en-US" altLang="zh-CN" b="0" i="1" smtClean="0">
+                                      <a:latin typeface="Cambria Math" charset="0"/>
+                                    </a:rPr>
+                                  </m:ctrlPr>
+                                </m:dPr>
+                                <m:e>
+                                  <m:sSubSup>
+                                    <m:sSubSupPr>
+                                      <m:ctrlPr>
+                                        <a:rPr kumimoji="1" lang="en-US" altLang="zh-CN" i="1">
+                                          <a:latin typeface="Cambria Math" charset="0"/>
+                                        </a:rPr>
+                                      </m:ctrlPr>
+                                    </m:sSubSupPr>
+                                    <m:e>
+                                      <m:r>
+                                        <a:rPr kumimoji="1" lang="en-US" altLang="zh-CN" i="1">
+                                          <a:latin typeface="Cambria Math" charset="0"/>
+                                        </a:rPr>
+                                        <m:t>𝑤</m:t>
+                                      </m:r>
+                                    </m:e>
+                                    <m:sub>
+                                      <m:r>
+                                        <a:rPr kumimoji="1" lang="en-US" altLang="zh-CN" i="1">
+                                          <a:latin typeface="Cambria Math" charset="0"/>
+                                        </a:rPr>
+                                        <m:t>𝑡</m:t>
+                                      </m:r>
+                                      <m:r>
+                                        <a:rPr kumimoji="1" lang="en-US" altLang="zh-CN" i="1">
+                                          <a:latin typeface="Cambria Math" charset="0"/>
+                                        </a:rPr>
+                                        <m:t>−</m:t>
+                                      </m:r>
+                                      <m:r>
+                                        <a:rPr kumimoji="1" lang="en-US" altLang="zh-CN" i="1">
+                                          <a:latin typeface="Cambria Math" charset="0"/>
+                                        </a:rPr>
+                                        <m:t>𝑛</m:t>
+                                      </m:r>
+                                      <m:r>
+                                        <a:rPr kumimoji="1" lang="en-US" altLang="zh-CN" i="1">
+                                          <a:latin typeface="Cambria Math" charset="0"/>
+                                        </a:rPr>
+                                        <m:t>+1</m:t>
+                                      </m:r>
+                                    </m:sub>
+                                    <m:sup>
+                                      <m:r>
+                                        <a:rPr kumimoji="1" lang="en-US" altLang="zh-CN" i="1">
+                                          <a:latin typeface="Cambria Math" charset="0"/>
+                                        </a:rPr>
+                                        <m:t>𝑡</m:t>
+                                      </m:r>
+                                      <m:r>
+                                        <a:rPr kumimoji="1" lang="en-US" altLang="zh-CN" i="1">
+                                          <a:latin typeface="Cambria Math" charset="0"/>
+                                        </a:rPr>
+                                        <m:t>−1</m:t>
+                                      </m:r>
+                                    </m:sup>
+                                  </m:sSubSup>
+                                </m:e>
+                              </m:d>
+                              <m:r>
+                                <a:rPr kumimoji="1" lang="en-US" altLang="zh-CN" b="0" i="1" smtClean="0">
+                                  <a:latin typeface="Cambria Math" charset="0"/>
+                                </a:rPr>
+                                <m:t>&gt;</m:t>
+                              </m:r>
+                              <m:r>
+                                <a:rPr kumimoji="1" lang="mr-IN" altLang="zh-CN" b="0" i="1" smtClean="0">
+                                  <a:latin typeface="Cambria Math" charset="0"/>
+                                </a:rPr>
+                                <m:t>0</m:t>
+                              </m:r>
+                            </m:e>
+                            <m:e>
+                              <m:r>
+                                <a:rPr kumimoji="1" lang="mr-IN" altLang="zh-CN" b="0" i="1" smtClean="0">
+                                  <a:latin typeface="Cambria Math" charset="0"/>
+                                </a:rPr>
+                                <m:t>&amp;</m:t>
+                              </m:r>
+                              <m:r>
+                                <a:rPr kumimoji="1" lang="mr-IN" altLang="zh-CN" b="0" i="1" smtClean="0">
+                                  <a:latin typeface="Cambria Math" charset="0"/>
+                                  <a:ea typeface="Cambria Math" charset="0"/>
+                                  <a:cs typeface="Cambria Math" charset="0"/>
+                                </a:rPr>
+                                <m:t>𝜆</m:t>
+                              </m:r>
+                              <m:sSubSup>
+                                <m:sSubSupPr>
+                                  <m:ctrlPr>
+                                    <a:rPr kumimoji="1" lang="en-US" altLang="zh-CN" i="1">
+                                      <a:latin typeface="Cambria Math" charset="0"/>
+                                    </a:rPr>
+                                  </m:ctrlPr>
+                                </m:sSubSupPr>
+                                <m:e>
+                                  <m:r>
+                                    <a:rPr kumimoji="1" lang="en-US" altLang="zh-CN" i="1">
+                                      <a:latin typeface="Cambria Math" charset="0"/>
+                                    </a:rPr>
+                                    <m:t>𝑃</m:t>
+                                  </m:r>
+                                </m:e>
+                                <m:sub>
+                                  <m:r>
+                                    <a:rPr kumimoji="1" lang="en-US" altLang="zh-CN" i="1">
+                                      <a:latin typeface="Cambria Math" charset="0"/>
+                                    </a:rPr>
+                                    <m:t>𝑘𝑎𝑡𝑧</m:t>
+                                  </m:r>
+                                </m:sub>
+                                <m:sup>
+                                  <m:d>
+                                    <m:dPr>
+                                      <m:ctrlPr>
+                                        <a:rPr kumimoji="1" lang="en-US" altLang="zh-CN" i="1">
+                                          <a:latin typeface="Cambria Math" charset="0"/>
+                                        </a:rPr>
+                                      </m:ctrlPr>
+                                    </m:dPr>
+                                    <m:e>
+                                      <m:r>
+                                        <a:rPr kumimoji="1" lang="en-US" altLang="zh-CN" i="1">
+                                          <a:latin typeface="Cambria Math" charset="0"/>
+                                        </a:rPr>
+                                        <m:t>𝑛</m:t>
+                                      </m:r>
+                                      <m:r>
+                                        <a:rPr kumimoji="1" lang="en-US" altLang="zh-CN" b="0" i="1" smtClean="0">
+                                          <a:latin typeface="Cambria Math" charset="0"/>
+                                        </a:rPr>
+                                        <m:t>−1</m:t>
+                                      </m:r>
+                                    </m:e>
+                                  </m:d>
+                                </m:sup>
+                              </m:sSubSup>
+                              <m:d>
+                                <m:dPr>
+                                  <m:ctrlPr>
+                                    <a:rPr kumimoji="1" lang="en-US" altLang="zh-CN" i="1">
+                                      <a:latin typeface="Cambria Math" charset="0"/>
+                                    </a:rPr>
+                                  </m:ctrlPr>
+                                </m:dPr>
+                                <m:e>
+                                  <m:sSub>
+                                    <m:sSubPr>
+                                      <m:ctrlPr>
+                                        <a:rPr kumimoji="1" lang="en-US" altLang="zh-CN" i="1">
+                                          <a:latin typeface="Cambria Math" charset="0"/>
+                                        </a:rPr>
+                                      </m:ctrlPr>
+                                    </m:sSubPr>
+                                    <m:e>
+                                      <m:r>
+                                        <a:rPr kumimoji="1" lang="en-US" altLang="zh-CN" i="1">
+                                          <a:latin typeface="Cambria Math" charset="0"/>
+                                        </a:rPr>
+                                        <m:t>𝑤</m:t>
+                                      </m:r>
+                                    </m:e>
+                                    <m:sub>
+                                      <m:r>
+                                        <a:rPr kumimoji="1" lang="en-US" altLang="zh-CN" i="1">
+                                          <a:latin typeface="Cambria Math" charset="0"/>
+                                        </a:rPr>
+                                        <m:t>𝑡</m:t>
+                                      </m:r>
+                                    </m:sub>
+                                  </m:sSub>
+                                </m:e>
+                                <m:e>
+                                  <m:sSubSup>
+                                    <m:sSubSupPr>
+                                      <m:ctrlPr>
+                                        <a:rPr kumimoji="1" lang="en-US" altLang="zh-CN" i="1">
+                                          <a:latin typeface="Cambria Math" charset="0"/>
+                                        </a:rPr>
+                                      </m:ctrlPr>
+                                    </m:sSubSupPr>
+                                    <m:e>
+                                      <m:r>
+                                        <a:rPr kumimoji="1" lang="en-US" altLang="zh-CN" i="1">
+                                          <a:latin typeface="Cambria Math" charset="0"/>
+                                        </a:rPr>
+                                        <m:t>𝑤</m:t>
+                                      </m:r>
+                                    </m:e>
+                                    <m:sub>
+                                      <m:r>
+                                        <a:rPr kumimoji="1" lang="en-US" altLang="zh-CN" i="1">
+                                          <a:latin typeface="Cambria Math" charset="0"/>
+                                        </a:rPr>
+                                        <m:t>𝑡</m:t>
+                                      </m:r>
+                                      <m:r>
+                                        <a:rPr kumimoji="1" lang="en-US" altLang="zh-CN" i="1">
+                                          <a:latin typeface="Cambria Math" charset="0"/>
+                                        </a:rPr>
+                                        <m:t>−</m:t>
+                                      </m:r>
+                                      <m:r>
+                                        <a:rPr kumimoji="1" lang="en-US" altLang="zh-CN" i="1">
+                                          <a:latin typeface="Cambria Math" charset="0"/>
+                                        </a:rPr>
+                                        <m:t>𝑛</m:t>
+                                      </m:r>
+                                      <m:r>
+                                        <a:rPr kumimoji="1" lang="en-US" altLang="zh-CN" i="1">
+                                          <a:latin typeface="Cambria Math" charset="0"/>
+                                        </a:rPr>
+                                        <m:t>+2</m:t>
+                                      </m:r>
+                                    </m:sub>
+                                    <m:sup>
+                                      <m:r>
+                                        <a:rPr kumimoji="1" lang="en-US" altLang="zh-CN" i="1">
+                                          <a:latin typeface="Cambria Math" charset="0"/>
+                                        </a:rPr>
+                                        <m:t>𝑡</m:t>
+                                      </m:r>
+                                      <m:r>
+                                        <a:rPr kumimoji="1" lang="en-US" altLang="zh-CN" i="1">
+                                          <a:latin typeface="Cambria Math" charset="0"/>
+                                        </a:rPr>
+                                        <m:t>−1</m:t>
+                                      </m:r>
+                                    </m:sup>
+                                  </m:sSubSup>
+                                </m:e>
+                              </m:d>
+                              <m:r>
+                                <a:rPr kumimoji="1" lang="mr-IN" altLang="zh-CN" b="0" i="1" smtClean="0">
+                                  <a:latin typeface="Cambria Math" charset="0"/>
+                                </a:rPr>
+                                <m:t>,</m:t>
+                              </m:r>
+                              <m:r>
+                                <a:rPr kumimoji="1" lang="en-US" altLang="zh-CN" i="1">
+                                  <a:latin typeface="Cambria Math" charset="0"/>
+                                </a:rPr>
+                                <m:t>𝑖𝑓</m:t>
+                              </m:r>
+                              <m:r>
+                                <a:rPr kumimoji="1" lang="en-US" altLang="zh-CN" i="1">
+                                  <a:latin typeface="Cambria Math" charset="0"/>
+                                </a:rPr>
+                                <m:t> </m:t>
+                              </m:r>
+                              <m:r>
+                                <a:rPr kumimoji="1" lang="en-US" altLang="zh-CN" i="1">
+                                  <a:latin typeface="Cambria Math" charset="0"/>
+                                </a:rPr>
+                                <m:t>𝑐𝑜𝑢𝑛𝑡</m:t>
+                              </m:r>
+                              <m:d>
+                                <m:dPr>
+                                  <m:ctrlPr>
+                                    <a:rPr kumimoji="1" lang="en-US" altLang="zh-CN" i="1">
+                                      <a:latin typeface="Cambria Math" charset="0"/>
+                                    </a:rPr>
+                                  </m:ctrlPr>
+                                </m:dPr>
+                                <m:e>
+                                  <m:sSubSup>
+                                    <m:sSubSupPr>
+                                      <m:ctrlPr>
+                                        <a:rPr kumimoji="1" lang="en-US" altLang="zh-CN" i="1">
+                                          <a:latin typeface="Cambria Math" charset="0"/>
+                                        </a:rPr>
+                                      </m:ctrlPr>
+                                    </m:sSubSupPr>
+                                    <m:e>
+                                      <m:r>
+                                        <a:rPr kumimoji="1" lang="en-US" altLang="zh-CN" i="1">
+                                          <a:latin typeface="Cambria Math" charset="0"/>
+                                        </a:rPr>
+                                        <m:t>𝑤</m:t>
+                                      </m:r>
+                                    </m:e>
+                                    <m:sub>
+                                      <m:r>
+                                        <a:rPr kumimoji="1" lang="en-US" altLang="zh-CN" i="1">
+                                          <a:latin typeface="Cambria Math" charset="0"/>
+                                        </a:rPr>
+                                        <m:t>𝑡</m:t>
+                                      </m:r>
+                                      <m:r>
+                                        <a:rPr kumimoji="1" lang="en-US" altLang="zh-CN" i="1">
+                                          <a:latin typeface="Cambria Math" charset="0"/>
+                                        </a:rPr>
+                                        <m:t>−</m:t>
+                                      </m:r>
+                                      <m:r>
+                                        <a:rPr kumimoji="1" lang="en-US" altLang="zh-CN" i="1">
+                                          <a:latin typeface="Cambria Math" charset="0"/>
+                                        </a:rPr>
+                                        <m:t>𝑛</m:t>
+                                      </m:r>
+                                      <m:r>
+                                        <a:rPr kumimoji="1" lang="en-US" altLang="zh-CN" i="1">
+                                          <a:latin typeface="Cambria Math" charset="0"/>
+                                        </a:rPr>
+                                        <m:t>+1</m:t>
+                                      </m:r>
+                                    </m:sub>
+                                    <m:sup>
+                                      <m:r>
+                                        <a:rPr kumimoji="1" lang="en-US" altLang="zh-CN" i="1">
+                                          <a:latin typeface="Cambria Math" charset="0"/>
+                                        </a:rPr>
+                                        <m:t>𝑡</m:t>
+                                      </m:r>
+                                      <m:r>
+                                        <a:rPr kumimoji="1" lang="en-US" altLang="zh-CN" i="1">
+                                          <a:latin typeface="Cambria Math" charset="0"/>
+                                        </a:rPr>
+                                        <m:t>−1</m:t>
+                                      </m:r>
+                                    </m:sup>
+                                  </m:sSubSup>
+                                </m:e>
+                              </m:d>
+                              <m:r>
+                                <a:rPr kumimoji="1" lang="en-US" altLang="zh-CN" b="0" i="1" smtClean="0">
+                                  <a:latin typeface="Cambria Math" charset="0"/>
+                                </a:rPr>
+                                <m:t>=</m:t>
+                              </m:r>
+                              <m:r>
+                                <a:rPr kumimoji="1" lang="mr-IN" altLang="zh-CN" i="1">
+                                  <a:latin typeface="Cambria Math" charset="0"/>
+                                </a:rPr>
+                                <m:t>0</m:t>
+                              </m:r>
+                            </m:e>
+                          </m:eqArr>
+                        </m:e>
+                      </m:d>
+                    </m:oMath>
+                  </m:oMathPara>
+                </a14:m>
+                <a:endParaRPr kumimoji="1" lang="zh-CN" altLang="en-US" dirty="0"/>
+              </a:p>
+            </p:txBody>
+          </p:sp>
+        </mc:Choice>
+        <mc:Fallback>
+          <p:sp>
+            <p:nvSpPr>
+              <p:cNvPr id="3" name="文本框 2"/>
+              <p:cNvSpPr txBox="1">
+                <a:spLocks noRot="1" noChangeAspect="1" noMove="1" noResize="1" noEditPoints="1" noAdjustHandles="1" noChangeArrowheads="1" noChangeShapeType="1" noTextEdit="1"/>
+              </p:cNvSpPr>
+              <p:nvPr/>
+            </p:nvSpPr>
+            <p:spPr>
+              <a:xfrm>
+                <a:off x="838200" y="1908544"/>
+                <a:ext cx="6417591" cy="884281"/>
+              </a:xfrm>
+              <a:prstGeom prst="rect">
+                <a:avLst/>
+              </a:prstGeom>
+              <a:blipFill rotWithShape="0">
+                <a:blip r:embed="rId2"/>
+                <a:stretch>
+                  <a:fillRect/>
+                </a:stretch>
+              </a:blipFill>
+            </p:spPr>
+            <p:txBody>
+              <a:bodyPr/>
+              <a:lstStyle/>
+              <a:p>
+                <a:r>
+                  <a:rPr lang="zh-CN" altLang="en-US">
+                    <a:noFill/>
+                  </a:rPr>
+                  <a:t> </a:t>
+                </a:r>
+              </a:p>
+            </p:txBody>
+          </p:sp>
+        </mc:Fallback>
+      </mc:AlternateContent>
+      <mc:AlternateContent xmlns:mc="http://schemas.openxmlformats.org/markup-compatibility/2006">
+        <mc:Choice xmlns:a14="http://schemas.microsoft.com/office/drawing/2010/main" Requires="a14">
+          <p:sp>
+            <p:nvSpPr>
+              <p:cNvPr id="4" name="文本框 3"/>
+              <p:cNvSpPr txBox="1"/>
+              <p:nvPr/>
+            </p:nvSpPr>
+            <p:spPr>
+              <a:xfrm>
+                <a:off x="838200" y="2904080"/>
+                <a:ext cx="186718" cy="276999"/>
+              </a:xfrm>
+              <a:prstGeom prst="rect">
+                <a:avLst/>
+              </a:prstGeom>
+              <a:noFill/>
+            </p:spPr>
+            <p:txBody>
+              <a:bodyPr wrap="none" lIns="0" tIns="0" rIns="0" bIns="0" rtlCol="0">
+                <a:spAutoFit/>
+              </a:bodyPr>
+              <a:lstStyle/>
+              <a:p>
+                <a14:m>
+                  <m:oMathPara xmlns:m="http://schemas.openxmlformats.org/officeDocument/2006/math">
+                    <m:oMathParaPr>
+                      <m:jc m:val="centerGroup"/>
+                    </m:oMathParaPr>
+                    <m:oMath xmlns:m="http://schemas.openxmlformats.org/officeDocument/2006/math">
+                      <m:r>
+                        <a:rPr kumimoji="1" lang="mr-IN" altLang="zh-CN" i="1">
+                          <a:latin typeface="Cambria Math" charset="0"/>
+                          <a:ea typeface="Cambria Math" charset="0"/>
+                          <a:cs typeface="Cambria Math" charset="0"/>
+                        </a:rPr>
+                        <m:t>𝜆</m:t>
+                      </m:r>
+                    </m:oMath>
+                  </m:oMathPara>
+                </a14:m>
+                <a:endParaRPr kumimoji="1" lang="zh-CN" altLang="en-US" dirty="0"/>
+              </a:p>
+            </p:txBody>
+          </p:sp>
+        </mc:Choice>
+        <mc:Fallback>
+          <p:sp>
+            <p:nvSpPr>
+              <p:cNvPr id="4" name="文本框 3"/>
+              <p:cNvSpPr txBox="1">
+                <a:spLocks noRot="1" noChangeAspect="1" noMove="1" noResize="1" noEditPoints="1" noAdjustHandles="1" noChangeArrowheads="1" noChangeShapeType="1" noTextEdit="1"/>
+              </p:cNvSpPr>
+              <p:nvPr/>
+            </p:nvSpPr>
+            <p:spPr>
+              <a:xfrm>
+                <a:off x="838200" y="2904080"/>
+                <a:ext cx="186718" cy="276999"/>
+              </a:xfrm>
+              <a:prstGeom prst="rect">
+                <a:avLst/>
+              </a:prstGeom>
+              <a:blipFill rotWithShape="0">
+                <a:blip r:embed="rId3"/>
+                <a:stretch>
+                  <a:fillRect l="-30000" r="-26667" b="-6522"/>
+                </a:stretch>
+              </a:blipFill>
+            </p:spPr>
+            <p:txBody>
+              <a:bodyPr/>
+              <a:lstStyle/>
+              <a:p>
+                <a:r>
+                  <a:rPr lang="zh-CN" altLang="en-US">
+                    <a:noFill/>
+                  </a:rPr>
+                  <a:t> </a:t>
+                </a:r>
+              </a:p>
+            </p:txBody>
+          </p:sp>
+        </mc:Fallback>
+      </mc:AlternateContent>
+      <p:sp>
+        <p:nvSpPr>
+          <p:cNvPr id="5" name="文本框 4"/>
+          <p:cNvSpPr txBox="1"/>
+          <p:nvPr/>
+        </p:nvSpPr>
+        <p:spPr>
+          <a:xfrm>
+            <a:off x="1024918" y="2857913"/>
+            <a:ext cx="1612942" cy="369332"/>
+          </a:xfrm>
+          <a:prstGeom prst="rect">
+            <a:avLst/>
+          </a:prstGeom>
+          <a:noFill/>
+        </p:spPr>
+        <p:txBody>
+          <a:bodyPr wrap="none" rtlCol="0">
+            <a:spAutoFit/>
+          </a:bodyPr>
+          <a:lstStyle/>
+          <a:p>
+            <a:r>
+              <a:rPr kumimoji="1" lang="zh-CN" altLang="en-US" dirty="0" smtClean="0"/>
+              <a:t>为归</a:t>
+            </a:r>
+            <a:r>
+              <a:rPr kumimoji="1" lang="zh-CN" altLang="en-US" smtClean="0"/>
+              <a:t>一化因子</a:t>
+            </a:r>
+            <a:endParaRPr kumimoji="1" lang="zh-CN" altLang="en-US"/>
+          </a:p>
+        </p:txBody>
+      </p:sp>
+    </p:spTree>
+    <p:extLst>
+      <p:ext uri="{BB962C8B-B14F-4D97-AF65-F5344CB8AC3E}">
+        <p14:creationId xmlns:p14="http://schemas.microsoft.com/office/powerpoint/2010/main" val="1601687940"/>
       </p:ext>
     </p:extLst>
   </p:cSld>

--- a/doc/语言模型.pptx
+++ b/doc/语言模型.pptx
@@ -10,6 +10,7 @@
     <p:sldId id="258" r:id="rId4"/>
     <p:sldId id="259" r:id="rId5"/>
     <p:sldId id="260" r:id="rId6"/>
+    <p:sldId id="261" r:id="rId7"/>
   </p:sldIdLst>
   <p:sldSz cx="12192000" cy="6858000"/>
   <p:notesSz cx="6858000" cy="9144000"/>
@@ -247,7 +248,7 @@
           <a:p>
             <a:fld id="{DD953B38-0306-154E-8DDE-FF6339271E85}" type="datetimeFigureOut">
               <a:rPr kumimoji="1" lang="zh-CN" altLang="en-US" smtClean="0"/>
-              <a:t>2019/12/18</a:t>
+              <a:t>2019/12/19</a:t>
             </a:fld>
             <a:endParaRPr kumimoji="1" lang="zh-CN" altLang="en-US"/>
           </a:p>
@@ -417,7 +418,7 @@
           <a:p>
             <a:fld id="{DD953B38-0306-154E-8DDE-FF6339271E85}" type="datetimeFigureOut">
               <a:rPr kumimoji="1" lang="zh-CN" altLang="en-US" smtClean="0"/>
-              <a:t>2019/12/18</a:t>
+              <a:t>2019/12/19</a:t>
             </a:fld>
             <a:endParaRPr kumimoji="1" lang="zh-CN" altLang="en-US"/>
           </a:p>
@@ -597,7 +598,7 @@
           <a:p>
             <a:fld id="{DD953B38-0306-154E-8DDE-FF6339271E85}" type="datetimeFigureOut">
               <a:rPr kumimoji="1" lang="zh-CN" altLang="en-US" smtClean="0"/>
-              <a:t>2019/12/18</a:t>
+              <a:t>2019/12/19</a:t>
             </a:fld>
             <a:endParaRPr kumimoji="1" lang="zh-CN" altLang="en-US"/>
           </a:p>
@@ -767,7 +768,7 @@
           <a:p>
             <a:fld id="{DD953B38-0306-154E-8DDE-FF6339271E85}" type="datetimeFigureOut">
               <a:rPr kumimoji="1" lang="zh-CN" altLang="en-US" smtClean="0"/>
-              <a:t>2019/12/18</a:t>
+              <a:t>2019/12/19</a:t>
             </a:fld>
             <a:endParaRPr kumimoji="1" lang="zh-CN" altLang="en-US"/>
           </a:p>
@@ -1013,7 +1014,7 @@
           <a:p>
             <a:fld id="{DD953B38-0306-154E-8DDE-FF6339271E85}" type="datetimeFigureOut">
               <a:rPr kumimoji="1" lang="zh-CN" altLang="en-US" smtClean="0"/>
-              <a:t>2019/12/18</a:t>
+              <a:t>2019/12/19</a:t>
             </a:fld>
             <a:endParaRPr kumimoji="1" lang="zh-CN" altLang="en-US"/>
           </a:p>
@@ -1245,7 +1246,7 @@
           <a:p>
             <a:fld id="{DD953B38-0306-154E-8DDE-FF6339271E85}" type="datetimeFigureOut">
               <a:rPr kumimoji="1" lang="zh-CN" altLang="en-US" smtClean="0"/>
-              <a:t>2019/12/18</a:t>
+              <a:t>2019/12/19</a:t>
             </a:fld>
             <a:endParaRPr kumimoji="1" lang="zh-CN" altLang="en-US"/>
           </a:p>
@@ -1612,7 +1613,7 @@
           <a:p>
             <a:fld id="{DD953B38-0306-154E-8DDE-FF6339271E85}" type="datetimeFigureOut">
               <a:rPr kumimoji="1" lang="zh-CN" altLang="en-US" smtClean="0"/>
-              <a:t>2019/12/18</a:t>
+              <a:t>2019/12/19</a:t>
             </a:fld>
             <a:endParaRPr kumimoji="1" lang="zh-CN" altLang="en-US"/>
           </a:p>
@@ -1730,7 +1731,7 @@
           <a:p>
             <a:fld id="{DD953B38-0306-154E-8DDE-FF6339271E85}" type="datetimeFigureOut">
               <a:rPr kumimoji="1" lang="zh-CN" altLang="en-US" smtClean="0"/>
-              <a:t>2019/12/18</a:t>
+              <a:t>2019/12/19</a:t>
             </a:fld>
             <a:endParaRPr kumimoji="1" lang="zh-CN" altLang="en-US"/>
           </a:p>
@@ -1825,7 +1826,7 @@
           <a:p>
             <a:fld id="{DD953B38-0306-154E-8DDE-FF6339271E85}" type="datetimeFigureOut">
               <a:rPr kumimoji="1" lang="zh-CN" altLang="en-US" smtClean="0"/>
-              <a:t>2019/12/18</a:t>
+              <a:t>2019/12/19</a:t>
             </a:fld>
             <a:endParaRPr kumimoji="1" lang="zh-CN" altLang="en-US"/>
           </a:p>
@@ -2102,7 +2103,7 @@
           <a:p>
             <a:fld id="{DD953B38-0306-154E-8DDE-FF6339271E85}" type="datetimeFigureOut">
               <a:rPr kumimoji="1" lang="zh-CN" altLang="en-US" smtClean="0"/>
-              <a:t>2019/12/18</a:t>
+              <a:t>2019/12/19</a:t>
             </a:fld>
             <a:endParaRPr kumimoji="1" lang="zh-CN" altLang="en-US"/>
           </a:p>
@@ -2355,7 +2356,7 @@
           <a:p>
             <a:fld id="{DD953B38-0306-154E-8DDE-FF6339271E85}" type="datetimeFigureOut">
               <a:rPr kumimoji="1" lang="zh-CN" altLang="en-US" smtClean="0"/>
-              <a:t>2019/12/18</a:t>
+              <a:t>2019/12/19</a:t>
             </a:fld>
             <a:endParaRPr kumimoji="1" lang="zh-CN" altLang="en-US"/>
           </a:p>
@@ -2568,7 +2569,7 @@
           <a:p>
             <a:fld id="{DD953B38-0306-154E-8DDE-FF6339271E85}" type="datetimeFigureOut">
               <a:rPr kumimoji="1" lang="zh-CN" altLang="en-US" smtClean="0"/>
-              <a:t>2019/12/18</a:t>
+              <a:t>2019/12/19</a:t>
             </a:fld>
             <a:endParaRPr kumimoji="1" lang="zh-CN" altLang="en-US"/>
           </a:p>
@@ -11684,8 +11685,8 @@
           </a:p>
         </p:txBody>
       </p:sp>
-      <mc:AlternateContent xmlns:mc="http://schemas.openxmlformats.org/markup-compatibility/2006">
-        <mc:Choice xmlns:a14="http://schemas.microsoft.com/office/drawing/2010/main" Requires="a14">
+      <mc:AlternateContent xmlns:mc="http://schemas.openxmlformats.org/markup-compatibility/2006" xmlns:a14="http://schemas.microsoft.com/office/drawing/2010/main">
+        <mc:Choice Requires="a14">
           <p:sp>
             <p:nvSpPr>
               <p:cNvPr id="3" name="文本框 2"/>
@@ -11708,6 +11709,7 @@
               </a:bodyPr>
               <a:lstStyle/>
               <a:p>
+                <a:pPr/>
                 <a14:m>
                   <m:oMathPara xmlns:m="http://schemas.openxmlformats.org/officeDocument/2006/math">
                     <m:oMathParaPr>
@@ -12381,7 +12383,7 @@
             </p:txBody>
           </p:sp>
         </mc:Choice>
-        <mc:Fallback>
+        <mc:Fallback xmlns="">
           <p:sp>
             <p:nvSpPr>
               <p:cNvPr id="3" name="文本框 2"/>
@@ -12420,8 +12422,8 @@
           </p:sp>
         </mc:Fallback>
       </mc:AlternateContent>
-      <mc:AlternateContent xmlns:mc="http://schemas.openxmlformats.org/markup-compatibility/2006">
-        <mc:Choice xmlns:a14="http://schemas.microsoft.com/office/drawing/2010/main" Requires="a14">
+      <mc:AlternateContent xmlns:mc="http://schemas.openxmlformats.org/markup-compatibility/2006" xmlns:a14="http://schemas.microsoft.com/office/drawing/2010/main">
+        <mc:Choice Requires="a14">
           <p:sp>
             <p:nvSpPr>
               <p:cNvPr id="4" name="文本框 3"/>
@@ -12444,6 +12446,7 @@
               </a:bodyPr>
               <a:lstStyle/>
               <a:p>
+                <a:pPr/>
                 <a14:m>
                   <m:oMathPara xmlns:m="http://schemas.openxmlformats.org/officeDocument/2006/math">
                     <m:oMathParaPr>
@@ -12466,7 +12469,7 @@
             </p:txBody>
           </p:sp>
         </mc:Choice>
-        <mc:Fallback>
+        <mc:Fallback xmlns="">
           <p:sp>
             <p:nvSpPr>
               <p:cNvPr id="4" name="文本框 3"/>
@@ -12543,6 +12546,2115 @@
     <p:extLst>
       <p:ext uri="{BB962C8B-B14F-4D97-AF65-F5344CB8AC3E}">
         <p14:creationId xmlns:p14="http://schemas.microsoft.com/office/powerpoint/2010/main" val="1601687940"/>
+      </p:ext>
+    </p:extLst>
+  </p:cSld>
+  <p:clrMapOvr>
+    <a:masterClrMapping/>
+  </p:clrMapOvr>
+</p:sld>
+</file>
+
+<file path=ppt/slides/slide6.xml><?xml version="1.0" encoding="utf-8"?>
+<p:sld xmlns:a="http://schemas.openxmlformats.org/drawingml/2006/main" xmlns:r="http://schemas.openxmlformats.org/officeDocument/2006/relationships" xmlns:p="http://schemas.openxmlformats.org/presentationml/2006/main">
+  <p:cSld>
+    <p:spTree>
+      <p:nvGrpSpPr>
+        <p:cNvPr id="1" name=""/>
+        <p:cNvGrpSpPr/>
+        <p:nvPr/>
+      </p:nvGrpSpPr>
+      <p:grpSpPr>
+        <a:xfrm>
+          <a:off x="0" y="0"/>
+          <a:ext cx="0" cy="0"/>
+          <a:chOff x="0" y="0"/>
+          <a:chExt cx="0" cy="0"/>
+        </a:xfrm>
+      </p:grpSpPr>
+      <p:sp>
+        <p:nvSpPr>
+          <p:cNvPr id="2" name="标题 1"/>
+          <p:cNvSpPr>
+            <a:spLocks noGrp="1"/>
+          </p:cNvSpPr>
+          <p:nvPr>
+            <p:ph type="title"/>
+          </p:nvPr>
+        </p:nvSpPr>
+        <p:spPr/>
+        <p:txBody>
+          <a:bodyPr/>
+          <a:lstStyle/>
+          <a:p>
+            <a:r>
+              <a:rPr kumimoji="1" lang="zh-CN" altLang="en-US" dirty="0" smtClean="0"/>
+              <a:t>语言模型与</a:t>
+            </a:r>
+            <a:r>
+              <a:rPr kumimoji="1" lang="en-US" altLang="zh-CN" dirty="0" smtClean="0"/>
+              <a:t>n-gram</a:t>
+            </a:r>
+            <a:r>
+              <a:rPr kumimoji="1" lang="zh-CN" altLang="en-US" dirty="0" smtClean="0"/>
+              <a:t>语言模型</a:t>
+            </a:r>
+            <a:endParaRPr kumimoji="1" lang="zh-CN" altLang="en-US" dirty="0"/>
+          </a:p>
+        </p:txBody>
+      </p:sp>
+      <mc:AlternateContent xmlns:mc="http://schemas.openxmlformats.org/markup-compatibility/2006">
+        <mc:Choice xmlns:a14="http://schemas.microsoft.com/office/drawing/2010/main" Requires="a14">
+          <p:sp>
+            <p:nvSpPr>
+              <p:cNvPr id="3" name="文本框 2"/>
+              <p:cNvSpPr txBox="1"/>
+              <p:nvPr/>
+            </p:nvSpPr>
+            <p:spPr>
+              <a:xfrm>
+                <a:off x="940981" y="1690688"/>
+                <a:ext cx="6083140" cy="276999"/>
+              </a:xfrm>
+              <a:prstGeom prst="rect">
+                <a:avLst/>
+              </a:prstGeom>
+              <a:noFill/>
+            </p:spPr>
+            <p:txBody>
+              <a:bodyPr wrap="none" lIns="0" tIns="0" rIns="0" bIns="0" rtlCol="0">
+                <a:spAutoFit/>
+              </a:bodyPr>
+              <a:lstStyle/>
+              <a:p>
+                <a14:m>
+                  <m:oMathPara xmlns:m="http://schemas.openxmlformats.org/officeDocument/2006/math">
+                    <m:oMathParaPr>
+                      <m:jc m:val="centerGroup"/>
+                    </m:oMathParaPr>
+                    <m:oMath xmlns:m="http://schemas.openxmlformats.org/officeDocument/2006/math">
+                      <m:r>
+                        <a:rPr kumimoji="1" lang="en-US" altLang="zh-CN" b="0" i="1" smtClean="0">
+                          <a:latin typeface="Cambria Math" charset="0"/>
+                        </a:rPr>
+                        <m:t>𝑃</m:t>
+                      </m:r>
+                      <m:d>
+                        <m:dPr>
+                          <m:ctrlPr>
+                            <a:rPr kumimoji="1" lang="en-US" altLang="zh-CN" b="0" i="1" smtClean="0">
+                              <a:latin typeface="Cambria Math" charset="0"/>
+                            </a:rPr>
+                          </m:ctrlPr>
+                        </m:dPr>
+                        <m:e>
+                          <m:r>
+                            <a:rPr kumimoji="1" lang="en-US" altLang="zh-CN" b="0" i="1" smtClean="0">
+                              <a:latin typeface="Cambria Math" charset="0"/>
+                            </a:rPr>
+                            <m:t>𝑆</m:t>
+                          </m:r>
+                        </m:e>
+                      </m:d>
+                      <m:r>
+                        <a:rPr kumimoji="1" lang="en-US" altLang="zh-CN" b="0" i="1" smtClean="0">
+                          <a:latin typeface="Cambria Math" charset="0"/>
+                        </a:rPr>
+                        <m:t>=</m:t>
+                      </m:r>
+                      <m:r>
+                        <a:rPr kumimoji="1" lang="en-US" altLang="zh-CN" b="0" i="1" smtClean="0">
+                          <a:latin typeface="Cambria Math" charset="0"/>
+                        </a:rPr>
+                        <m:t>𝑃</m:t>
+                      </m:r>
+                      <m:d>
+                        <m:dPr>
+                          <m:ctrlPr>
+                            <a:rPr kumimoji="1" lang="en-US" altLang="zh-CN" b="0" i="1" smtClean="0">
+                              <a:latin typeface="Cambria Math" charset="0"/>
+                            </a:rPr>
+                          </m:ctrlPr>
+                        </m:dPr>
+                        <m:e>
+                          <m:sSub>
+                            <m:sSubPr>
+                              <m:ctrlPr>
+                                <a:rPr kumimoji="1" lang="en-US" altLang="zh-CN" b="0" i="1" smtClean="0">
+                                  <a:latin typeface="Cambria Math" charset="0"/>
+                                </a:rPr>
+                              </m:ctrlPr>
+                            </m:sSubPr>
+                            <m:e>
+                              <m:r>
+                                <a:rPr kumimoji="1" lang="en-US" altLang="zh-CN" b="0" i="1" smtClean="0">
+                                  <a:latin typeface="Cambria Math" charset="0"/>
+                                </a:rPr>
+                                <m:t>𝑤</m:t>
+                              </m:r>
+                            </m:e>
+                            <m:sub>
+                              <m:r>
+                                <a:rPr kumimoji="1" lang="en-US" altLang="zh-CN" b="0" i="1" smtClean="0">
+                                  <a:latin typeface="Cambria Math" charset="0"/>
+                                </a:rPr>
+                                <m:t>1</m:t>
+                              </m:r>
+                            </m:sub>
+                          </m:sSub>
+                        </m:e>
+                      </m:d>
+                      <m:r>
+                        <a:rPr kumimoji="1" lang="en-US" altLang="zh-CN" b="0" i="1" smtClean="0">
+                          <a:latin typeface="Cambria Math" charset="0"/>
+                        </a:rPr>
+                        <m:t>𝑃</m:t>
+                      </m:r>
+                      <m:d>
+                        <m:dPr>
+                          <m:ctrlPr>
+                            <a:rPr kumimoji="1" lang="en-US" altLang="zh-CN" b="0" i="1" smtClean="0">
+                              <a:latin typeface="Cambria Math" charset="0"/>
+                            </a:rPr>
+                          </m:ctrlPr>
+                        </m:dPr>
+                        <m:e>
+                          <m:sSub>
+                            <m:sSubPr>
+                              <m:ctrlPr>
+                                <a:rPr kumimoji="1" lang="en-US" altLang="zh-CN" b="0" i="1" smtClean="0">
+                                  <a:latin typeface="Cambria Math" charset="0"/>
+                                </a:rPr>
+                              </m:ctrlPr>
+                            </m:sSubPr>
+                            <m:e>
+                              <m:r>
+                                <a:rPr kumimoji="1" lang="en-US" altLang="zh-CN" b="0" i="1" smtClean="0">
+                                  <a:latin typeface="Cambria Math" charset="0"/>
+                                </a:rPr>
+                                <m:t>𝑤</m:t>
+                              </m:r>
+                            </m:e>
+                            <m:sub>
+                              <m:r>
+                                <a:rPr kumimoji="1" lang="en-US" altLang="zh-CN" b="0" i="1" smtClean="0">
+                                  <a:latin typeface="Cambria Math" charset="0"/>
+                                </a:rPr>
+                                <m:t>2</m:t>
+                              </m:r>
+                            </m:sub>
+                          </m:sSub>
+                        </m:e>
+                        <m:e>
+                          <m:sSub>
+                            <m:sSubPr>
+                              <m:ctrlPr>
+                                <a:rPr kumimoji="1" lang="en-US" altLang="zh-CN" b="0" i="1" smtClean="0">
+                                  <a:latin typeface="Cambria Math" charset="0"/>
+                                </a:rPr>
+                              </m:ctrlPr>
+                            </m:sSubPr>
+                            <m:e>
+                              <m:r>
+                                <a:rPr kumimoji="1" lang="en-US" altLang="zh-CN" b="0" i="1" smtClean="0">
+                                  <a:latin typeface="Cambria Math" charset="0"/>
+                                </a:rPr>
+                                <m:t>𝑤</m:t>
+                              </m:r>
+                            </m:e>
+                            <m:sub>
+                              <m:r>
+                                <a:rPr kumimoji="1" lang="en-US" altLang="zh-CN" b="0" i="1" smtClean="0">
+                                  <a:latin typeface="Cambria Math" charset="0"/>
+                                </a:rPr>
+                                <m:t>1</m:t>
+                              </m:r>
+                            </m:sub>
+                          </m:sSub>
+                        </m:e>
+                      </m:d>
+                      <m:r>
+                        <a:rPr kumimoji="1" lang="en-US" altLang="zh-CN" b="0" i="1" smtClean="0">
+                          <a:latin typeface="Cambria Math" charset="0"/>
+                        </a:rPr>
+                        <m:t>𝑃</m:t>
+                      </m:r>
+                      <m:r>
+                        <a:rPr kumimoji="1" lang="en-US" altLang="zh-CN" b="0" i="1" smtClean="0">
+                          <a:latin typeface="Cambria Math" charset="0"/>
+                        </a:rPr>
+                        <m:t>(</m:t>
+                      </m:r>
+                      <m:sSub>
+                        <m:sSubPr>
+                          <m:ctrlPr>
+                            <a:rPr kumimoji="1" lang="en-US" altLang="zh-CN" b="0" i="1" smtClean="0">
+                              <a:latin typeface="Cambria Math" charset="0"/>
+                            </a:rPr>
+                          </m:ctrlPr>
+                        </m:sSubPr>
+                        <m:e>
+                          <m:r>
+                            <a:rPr kumimoji="1" lang="en-US" altLang="zh-CN" b="0" i="1" smtClean="0">
+                              <a:latin typeface="Cambria Math" charset="0"/>
+                            </a:rPr>
+                            <m:t>𝑤</m:t>
+                          </m:r>
+                        </m:e>
+                        <m:sub>
+                          <m:r>
+                            <a:rPr kumimoji="1" lang="en-US" altLang="zh-CN" b="0" i="1" smtClean="0">
+                              <a:latin typeface="Cambria Math" charset="0"/>
+                            </a:rPr>
+                            <m:t>3</m:t>
+                          </m:r>
+                        </m:sub>
+                      </m:sSub>
+                      <m:r>
+                        <a:rPr kumimoji="1" lang="en-US" altLang="zh-CN" b="0" i="1" smtClean="0">
+                          <a:latin typeface="Cambria Math" charset="0"/>
+                        </a:rPr>
+                        <m:t>|</m:t>
+                      </m:r>
+                      <m:sSub>
+                        <m:sSubPr>
+                          <m:ctrlPr>
+                            <a:rPr kumimoji="1" lang="en-US" altLang="zh-CN" b="0" i="1" smtClean="0">
+                              <a:latin typeface="Cambria Math" charset="0"/>
+                            </a:rPr>
+                          </m:ctrlPr>
+                        </m:sSubPr>
+                        <m:e>
+                          <m:r>
+                            <a:rPr kumimoji="1" lang="en-US" altLang="zh-CN" b="0" i="1" smtClean="0">
+                              <a:latin typeface="Cambria Math" charset="0"/>
+                            </a:rPr>
+                            <m:t>𝑤</m:t>
+                          </m:r>
+                        </m:e>
+                        <m:sub>
+                          <m:r>
+                            <a:rPr kumimoji="1" lang="en-US" altLang="zh-CN" b="0" i="1" smtClean="0">
+                              <a:latin typeface="Cambria Math" charset="0"/>
+                            </a:rPr>
+                            <m:t>1</m:t>
+                          </m:r>
+                        </m:sub>
+                      </m:sSub>
+                      <m:r>
+                        <a:rPr kumimoji="1" lang="en-US" altLang="zh-CN" b="0" i="1" smtClean="0">
+                          <a:latin typeface="Cambria Math" charset="0"/>
+                        </a:rPr>
+                        <m:t>,</m:t>
+                      </m:r>
+                      <m:sSub>
+                        <m:sSubPr>
+                          <m:ctrlPr>
+                            <a:rPr kumimoji="1" lang="en-US" altLang="zh-CN" b="0" i="1" smtClean="0">
+                              <a:latin typeface="Cambria Math" charset="0"/>
+                            </a:rPr>
+                          </m:ctrlPr>
+                        </m:sSubPr>
+                        <m:e>
+                          <m:r>
+                            <a:rPr kumimoji="1" lang="en-US" altLang="zh-CN" b="0" i="1" smtClean="0">
+                              <a:latin typeface="Cambria Math" charset="0"/>
+                            </a:rPr>
+                            <m:t>𝑤</m:t>
+                          </m:r>
+                        </m:e>
+                        <m:sub>
+                          <m:r>
+                            <a:rPr kumimoji="1" lang="en-US" altLang="zh-CN" b="0" i="1" smtClean="0">
+                              <a:latin typeface="Cambria Math" charset="0"/>
+                            </a:rPr>
+                            <m:t>2</m:t>
+                          </m:r>
+                        </m:sub>
+                      </m:sSub>
+                      <m:r>
+                        <a:rPr kumimoji="1" lang="en-US" altLang="zh-CN" b="0" i="1" smtClean="0">
+                          <a:latin typeface="Cambria Math" charset="0"/>
+                        </a:rPr>
+                        <m:t>)</m:t>
+                      </m:r>
+                      <m:r>
+                        <a:rPr kumimoji="1" lang="en-US" altLang="zh-CN" b="0" i="1" smtClean="0">
+                          <a:latin typeface="Cambria Math" charset="0"/>
+                          <a:ea typeface="Cambria Math" charset="0"/>
+                          <a:cs typeface="Cambria Math" charset="0"/>
+                        </a:rPr>
+                        <m:t>⋯</m:t>
+                      </m:r>
+                      <m:r>
+                        <a:rPr kumimoji="1" lang="en-US" altLang="zh-CN" b="0" i="1" smtClean="0">
+                          <a:latin typeface="Cambria Math" charset="0"/>
+                          <a:ea typeface="Cambria Math" charset="0"/>
+                          <a:cs typeface="Cambria Math" charset="0"/>
+                        </a:rPr>
+                        <m:t>𝑃</m:t>
+                      </m:r>
+                      <m:r>
+                        <a:rPr kumimoji="1" lang="en-US" altLang="zh-CN" b="0" i="1" smtClean="0">
+                          <a:latin typeface="Cambria Math" charset="0"/>
+                          <a:ea typeface="Cambria Math" charset="0"/>
+                          <a:cs typeface="Cambria Math" charset="0"/>
+                        </a:rPr>
+                        <m:t>(</m:t>
+                      </m:r>
+                      <m:sSub>
+                        <m:sSubPr>
+                          <m:ctrlPr>
+                            <a:rPr kumimoji="1" lang="en-US" altLang="zh-CN" b="0" i="1" smtClean="0">
+                              <a:latin typeface="Cambria Math" charset="0"/>
+                              <a:ea typeface="Cambria Math" charset="0"/>
+                              <a:cs typeface="Cambria Math" charset="0"/>
+                            </a:rPr>
+                          </m:ctrlPr>
+                        </m:sSubPr>
+                        <m:e>
+                          <m:r>
+                            <a:rPr kumimoji="1" lang="en-US" altLang="zh-CN" b="0" i="1" smtClean="0">
+                              <a:latin typeface="Cambria Math" charset="0"/>
+                              <a:ea typeface="Cambria Math" charset="0"/>
+                              <a:cs typeface="Cambria Math" charset="0"/>
+                            </a:rPr>
+                            <m:t>𝑤</m:t>
+                          </m:r>
+                        </m:e>
+                        <m:sub>
+                          <m:r>
+                            <a:rPr kumimoji="1" lang="en-US" altLang="zh-CN" b="0" i="1" smtClean="0">
+                              <a:latin typeface="Cambria Math" charset="0"/>
+                              <a:ea typeface="Cambria Math" charset="0"/>
+                              <a:cs typeface="Cambria Math" charset="0"/>
+                            </a:rPr>
+                            <m:t>𝑙</m:t>
+                          </m:r>
+                        </m:sub>
+                      </m:sSub>
+                      <m:r>
+                        <a:rPr kumimoji="1" lang="en-US" altLang="zh-CN" b="0" i="1" smtClean="0">
+                          <a:latin typeface="Cambria Math" charset="0"/>
+                          <a:ea typeface="Cambria Math" charset="0"/>
+                          <a:cs typeface="Cambria Math" charset="0"/>
+                        </a:rPr>
+                        <m:t>|</m:t>
+                      </m:r>
+                      <m:sSub>
+                        <m:sSubPr>
+                          <m:ctrlPr>
+                            <a:rPr kumimoji="1" lang="en-US" altLang="zh-CN" b="0" i="1" smtClean="0">
+                              <a:latin typeface="Cambria Math" charset="0"/>
+                              <a:ea typeface="Cambria Math" charset="0"/>
+                              <a:cs typeface="Cambria Math" charset="0"/>
+                            </a:rPr>
+                          </m:ctrlPr>
+                        </m:sSubPr>
+                        <m:e>
+                          <m:r>
+                            <a:rPr kumimoji="1" lang="en-US" altLang="zh-CN" b="0" i="1" smtClean="0">
+                              <a:latin typeface="Cambria Math" charset="0"/>
+                              <a:ea typeface="Cambria Math" charset="0"/>
+                              <a:cs typeface="Cambria Math" charset="0"/>
+                            </a:rPr>
+                            <m:t>𝑤</m:t>
+                          </m:r>
+                        </m:e>
+                        <m:sub>
+                          <m:r>
+                            <a:rPr kumimoji="1" lang="en-US" altLang="zh-CN" b="0" i="1" smtClean="0">
+                              <a:latin typeface="Cambria Math" charset="0"/>
+                              <a:ea typeface="Cambria Math" charset="0"/>
+                              <a:cs typeface="Cambria Math" charset="0"/>
+                            </a:rPr>
+                            <m:t>1</m:t>
+                          </m:r>
+                        </m:sub>
+                      </m:sSub>
+                      <m:r>
+                        <a:rPr kumimoji="1" lang="en-US" altLang="zh-CN" b="0" i="1" smtClean="0">
+                          <a:latin typeface="Cambria Math" charset="0"/>
+                          <a:ea typeface="Cambria Math" charset="0"/>
+                          <a:cs typeface="Cambria Math" charset="0"/>
+                        </a:rPr>
+                        <m:t>,</m:t>
+                      </m:r>
+                      <m:sSub>
+                        <m:sSubPr>
+                          <m:ctrlPr>
+                            <a:rPr kumimoji="1" lang="en-US" altLang="zh-CN" i="1">
+                              <a:latin typeface="Cambria Math" charset="0"/>
+                              <a:ea typeface="Cambria Math" charset="0"/>
+                              <a:cs typeface="Cambria Math" charset="0"/>
+                            </a:rPr>
+                          </m:ctrlPr>
+                        </m:sSubPr>
+                        <m:e>
+                          <m:r>
+                            <a:rPr kumimoji="1" lang="en-US" altLang="zh-CN" i="1">
+                              <a:latin typeface="Cambria Math" charset="0"/>
+                              <a:ea typeface="Cambria Math" charset="0"/>
+                              <a:cs typeface="Cambria Math" charset="0"/>
+                            </a:rPr>
+                            <m:t>𝑤</m:t>
+                          </m:r>
+                        </m:e>
+                        <m:sub>
+                          <m:r>
+                            <a:rPr kumimoji="1" lang="en-US" altLang="zh-CN" b="0" i="1" smtClean="0">
+                              <a:latin typeface="Cambria Math" charset="0"/>
+                              <a:ea typeface="Cambria Math" charset="0"/>
+                              <a:cs typeface="Cambria Math" charset="0"/>
+                            </a:rPr>
+                            <m:t>2</m:t>
+                          </m:r>
+                        </m:sub>
+                      </m:sSub>
+                      <m:r>
+                        <a:rPr kumimoji="1" lang="en-US" altLang="zh-CN" b="0" i="1" smtClean="0">
+                          <a:latin typeface="Cambria Math" charset="0"/>
+                          <a:ea typeface="Cambria Math" charset="0"/>
+                          <a:cs typeface="Cambria Math" charset="0"/>
+                        </a:rPr>
+                        <m:t>,…,</m:t>
+                      </m:r>
+                      <m:sSub>
+                        <m:sSubPr>
+                          <m:ctrlPr>
+                            <a:rPr kumimoji="1" lang="en-US" altLang="zh-CN" i="1">
+                              <a:latin typeface="Cambria Math" charset="0"/>
+                              <a:ea typeface="Cambria Math" charset="0"/>
+                              <a:cs typeface="Cambria Math" charset="0"/>
+                            </a:rPr>
+                          </m:ctrlPr>
+                        </m:sSubPr>
+                        <m:e>
+                          <m:r>
+                            <a:rPr kumimoji="1" lang="en-US" altLang="zh-CN" i="1">
+                              <a:latin typeface="Cambria Math" charset="0"/>
+                              <a:ea typeface="Cambria Math" charset="0"/>
+                              <a:cs typeface="Cambria Math" charset="0"/>
+                            </a:rPr>
+                            <m:t>𝑤</m:t>
+                          </m:r>
+                        </m:e>
+                        <m:sub>
+                          <m:r>
+                            <a:rPr kumimoji="1" lang="en-US" altLang="zh-CN" b="0" i="1" smtClean="0">
+                              <a:latin typeface="Cambria Math" charset="0"/>
+                              <a:ea typeface="Cambria Math" charset="0"/>
+                              <a:cs typeface="Cambria Math" charset="0"/>
+                            </a:rPr>
+                            <m:t>𝑙</m:t>
+                          </m:r>
+                          <m:r>
+                            <a:rPr kumimoji="1" lang="en-US" altLang="zh-CN" b="0" i="1" smtClean="0">
+                              <a:latin typeface="Cambria Math" charset="0"/>
+                              <a:ea typeface="Cambria Math" charset="0"/>
+                              <a:cs typeface="Cambria Math" charset="0"/>
+                            </a:rPr>
+                            <m:t>−1</m:t>
+                          </m:r>
+                        </m:sub>
+                      </m:sSub>
+                      <m:r>
+                        <a:rPr kumimoji="1" lang="en-US" altLang="zh-CN" b="0" i="1" smtClean="0">
+                          <a:latin typeface="Cambria Math" charset="0"/>
+                          <a:ea typeface="Cambria Math" charset="0"/>
+                          <a:cs typeface="Cambria Math" charset="0"/>
+                        </a:rPr>
+                        <m:t>)</m:t>
+                      </m:r>
+                    </m:oMath>
+                  </m:oMathPara>
+                </a14:m>
+                <a:endParaRPr kumimoji="1" lang="zh-CN" altLang="en-US" dirty="0"/>
+              </a:p>
+            </p:txBody>
+          </p:sp>
+        </mc:Choice>
+        <mc:Fallback>
+          <p:sp>
+            <p:nvSpPr>
+              <p:cNvPr id="3" name="文本框 2"/>
+              <p:cNvSpPr txBox="1">
+                <a:spLocks noRot="1" noChangeAspect="1" noMove="1" noResize="1" noEditPoints="1" noAdjustHandles="1" noChangeArrowheads="1" noChangeShapeType="1" noTextEdit="1"/>
+              </p:cNvSpPr>
+              <p:nvPr/>
+            </p:nvSpPr>
+            <p:spPr>
+              <a:xfrm>
+                <a:off x="940981" y="1690688"/>
+                <a:ext cx="6083140" cy="276999"/>
+              </a:xfrm>
+              <a:prstGeom prst="rect">
+                <a:avLst/>
+              </a:prstGeom>
+              <a:blipFill rotWithShape="0">
+                <a:blip r:embed="rId2"/>
+                <a:stretch>
+                  <a:fillRect l="-200" t="-2174" r="-802" b="-32609"/>
+                </a:stretch>
+              </a:blipFill>
+            </p:spPr>
+            <p:txBody>
+              <a:bodyPr/>
+              <a:lstStyle/>
+              <a:p>
+                <a:r>
+                  <a:rPr lang="zh-CN" altLang="en-US">
+                    <a:noFill/>
+                  </a:rPr>
+                  <a:t> </a:t>
+                </a:r>
+              </a:p>
+            </p:txBody>
+          </p:sp>
+        </mc:Fallback>
+      </mc:AlternateContent>
+      <mc:AlternateContent xmlns:mc="http://schemas.openxmlformats.org/markup-compatibility/2006">
+        <mc:Choice xmlns:a14="http://schemas.microsoft.com/office/drawing/2010/main" Requires="a14">
+          <p:sp>
+            <p:nvSpPr>
+              <p:cNvPr id="4" name="文本框 3"/>
+              <p:cNvSpPr txBox="1"/>
+              <p:nvPr/>
+            </p:nvSpPr>
+            <p:spPr>
+              <a:xfrm>
+                <a:off x="940981" y="2300288"/>
+                <a:ext cx="10136685" cy="276999"/>
+              </a:xfrm>
+              <a:prstGeom prst="rect">
+                <a:avLst/>
+              </a:prstGeom>
+              <a:noFill/>
+            </p:spPr>
+            <p:txBody>
+              <a:bodyPr wrap="none" lIns="0" tIns="0" rIns="0" bIns="0" rtlCol="0">
+                <a:spAutoFit/>
+              </a:bodyPr>
+              <a:lstStyle/>
+              <a:p>
+                <a14:m>
+                  <m:oMathPara xmlns:m="http://schemas.openxmlformats.org/officeDocument/2006/math">
+                    <m:oMathParaPr>
+                      <m:jc m:val="centerGroup"/>
+                    </m:oMathParaPr>
+                    <m:oMath xmlns:m="http://schemas.openxmlformats.org/officeDocument/2006/math">
+                      <m:r>
+                        <a:rPr kumimoji="1" lang="en-US" altLang="zh-CN" b="0" i="1" smtClean="0">
+                          <a:latin typeface="Cambria Math" charset="0"/>
+                        </a:rPr>
+                        <m:t>𝑃</m:t>
+                      </m:r>
+                      <m:d>
+                        <m:dPr>
+                          <m:ctrlPr>
+                            <a:rPr kumimoji="1" lang="en-US" altLang="zh-CN" b="0" i="1" smtClean="0">
+                              <a:latin typeface="Cambria Math" charset="0"/>
+                            </a:rPr>
+                          </m:ctrlPr>
+                        </m:dPr>
+                        <m:e>
+                          <m:r>
+                            <a:rPr kumimoji="1" lang="en-US" altLang="zh-CN" b="0" i="1" smtClean="0">
+                              <a:latin typeface="Cambria Math" charset="0"/>
+                            </a:rPr>
+                            <m:t>𝑆</m:t>
+                          </m:r>
+                        </m:e>
+                      </m:d>
+                      <m:r>
+                        <a:rPr kumimoji="1" lang="en-US" altLang="zh-CN" b="0" i="1" smtClean="0">
+                          <a:latin typeface="Cambria Math" charset="0"/>
+                        </a:rPr>
+                        <m:t>=</m:t>
+                      </m:r>
+                      <m:r>
+                        <a:rPr kumimoji="1" lang="en-US" altLang="zh-CN" b="0" i="1" smtClean="0">
+                          <a:latin typeface="Cambria Math" charset="0"/>
+                        </a:rPr>
+                        <m:t>𝑃</m:t>
+                      </m:r>
+                      <m:d>
+                        <m:dPr>
+                          <m:ctrlPr>
+                            <a:rPr kumimoji="1" lang="en-US" altLang="zh-CN" b="0" i="1" smtClean="0">
+                              <a:latin typeface="Cambria Math" charset="0"/>
+                            </a:rPr>
+                          </m:ctrlPr>
+                        </m:dPr>
+                        <m:e>
+                          <m:sSub>
+                            <m:sSubPr>
+                              <m:ctrlPr>
+                                <a:rPr kumimoji="1" lang="en-US" altLang="zh-CN" b="0" i="1" smtClean="0">
+                                  <a:latin typeface="Cambria Math" charset="0"/>
+                                </a:rPr>
+                              </m:ctrlPr>
+                            </m:sSubPr>
+                            <m:e>
+                              <m:r>
+                                <a:rPr kumimoji="1" lang="en-US" altLang="zh-CN" b="0" i="1" smtClean="0">
+                                  <a:latin typeface="Cambria Math" charset="0"/>
+                                </a:rPr>
+                                <m:t>𝑤</m:t>
+                              </m:r>
+                            </m:e>
+                            <m:sub>
+                              <m:r>
+                                <a:rPr kumimoji="1" lang="en-US" altLang="zh-CN" b="0" i="1" smtClean="0">
+                                  <a:latin typeface="Cambria Math" charset="0"/>
+                                </a:rPr>
+                                <m:t>1</m:t>
+                              </m:r>
+                            </m:sub>
+                          </m:sSub>
+                        </m:e>
+                      </m:d>
+                      <m:r>
+                        <a:rPr kumimoji="1" lang="en-US" altLang="zh-CN" b="0" i="1" smtClean="0">
+                          <a:latin typeface="Cambria Math" charset="0"/>
+                        </a:rPr>
+                        <m:t>𝑃</m:t>
+                      </m:r>
+                      <m:d>
+                        <m:dPr>
+                          <m:ctrlPr>
+                            <a:rPr kumimoji="1" lang="en-US" altLang="zh-CN" b="0" i="1" smtClean="0">
+                              <a:latin typeface="Cambria Math" charset="0"/>
+                            </a:rPr>
+                          </m:ctrlPr>
+                        </m:dPr>
+                        <m:e>
+                          <m:sSub>
+                            <m:sSubPr>
+                              <m:ctrlPr>
+                                <a:rPr kumimoji="1" lang="en-US" altLang="zh-CN" b="0" i="1" smtClean="0">
+                                  <a:latin typeface="Cambria Math" charset="0"/>
+                                </a:rPr>
+                              </m:ctrlPr>
+                            </m:sSubPr>
+                            <m:e>
+                              <m:r>
+                                <a:rPr kumimoji="1" lang="en-US" altLang="zh-CN" b="0" i="1" smtClean="0">
+                                  <a:latin typeface="Cambria Math" charset="0"/>
+                                </a:rPr>
+                                <m:t>𝑤</m:t>
+                              </m:r>
+                            </m:e>
+                            <m:sub>
+                              <m:r>
+                                <a:rPr kumimoji="1" lang="en-US" altLang="zh-CN" b="0" i="1" smtClean="0">
+                                  <a:latin typeface="Cambria Math" charset="0"/>
+                                </a:rPr>
+                                <m:t>2</m:t>
+                              </m:r>
+                            </m:sub>
+                          </m:sSub>
+                        </m:e>
+                        <m:e>
+                          <m:sSub>
+                            <m:sSubPr>
+                              <m:ctrlPr>
+                                <a:rPr kumimoji="1" lang="en-US" altLang="zh-CN" b="0" i="1" smtClean="0">
+                                  <a:latin typeface="Cambria Math" charset="0"/>
+                                </a:rPr>
+                              </m:ctrlPr>
+                            </m:sSubPr>
+                            <m:e>
+                              <m:r>
+                                <a:rPr kumimoji="1" lang="en-US" altLang="zh-CN" b="0" i="1" smtClean="0">
+                                  <a:latin typeface="Cambria Math" charset="0"/>
+                                </a:rPr>
+                                <m:t>𝑤</m:t>
+                              </m:r>
+                            </m:e>
+                            <m:sub>
+                              <m:r>
+                                <a:rPr kumimoji="1" lang="en-US" altLang="zh-CN" b="0" i="1" smtClean="0">
+                                  <a:latin typeface="Cambria Math" charset="0"/>
+                                </a:rPr>
+                                <m:t>1</m:t>
+                              </m:r>
+                            </m:sub>
+                          </m:sSub>
+                        </m:e>
+                      </m:d>
+                      <m:r>
+                        <a:rPr kumimoji="1" lang="en-US" altLang="zh-CN" b="0" i="1" smtClean="0">
+                          <a:latin typeface="Cambria Math" charset="0"/>
+                        </a:rPr>
+                        <m:t>𝑃</m:t>
+                      </m:r>
+                      <m:d>
+                        <m:dPr>
+                          <m:ctrlPr>
+                            <a:rPr kumimoji="1" lang="en-US" altLang="zh-CN" b="0" i="1" smtClean="0">
+                              <a:latin typeface="Cambria Math" charset="0"/>
+                            </a:rPr>
+                          </m:ctrlPr>
+                        </m:dPr>
+                        <m:e>
+                          <m:sSub>
+                            <m:sSubPr>
+                              <m:ctrlPr>
+                                <a:rPr kumimoji="1" lang="en-US" altLang="zh-CN" b="0" i="1" smtClean="0">
+                                  <a:latin typeface="Cambria Math" charset="0"/>
+                                </a:rPr>
+                              </m:ctrlPr>
+                            </m:sSubPr>
+                            <m:e>
+                              <m:r>
+                                <a:rPr kumimoji="1" lang="en-US" altLang="zh-CN" b="0" i="1" smtClean="0">
+                                  <a:latin typeface="Cambria Math" charset="0"/>
+                                </a:rPr>
+                                <m:t>𝑤</m:t>
+                              </m:r>
+                            </m:e>
+                            <m:sub>
+                              <m:r>
+                                <a:rPr kumimoji="1" lang="en-US" altLang="zh-CN" b="0" i="1" smtClean="0">
+                                  <a:latin typeface="Cambria Math" charset="0"/>
+                                </a:rPr>
+                                <m:t>3</m:t>
+                              </m:r>
+                            </m:sub>
+                          </m:sSub>
+                        </m:e>
+                        <m:e>
+                          <m:sSub>
+                            <m:sSubPr>
+                              <m:ctrlPr>
+                                <a:rPr kumimoji="1" lang="en-US" altLang="zh-CN" b="0" i="1" smtClean="0">
+                                  <a:latin typeface="Cambria Math" charset="0"/>
+                                </a:rPr>
+                              </m:ctrlPr>
+                            </m:sSubPr>
+                            <m:e>
+                              <m:r>
+                                <a:rPr kumimoji="1" lang="en-US" altLang="zh-CN" b="0" i="1" smtClean="0">
+                                  <a:latin typeface="Cambria Math" charset="0"/>
+                                </a:rPr>
+                                <m:t>𝑤</m:t>
+                              </m:r>
+                            </m:e>
+                            <m:sub>
+                              <m:r>
+                                <a:rPr kumimoji="1" lang="en-US" altLang="zh-CN" b="0" i="1" smtClean="0">
+                                  <a:latin typeface="Cambria Math" charset="0"/>
+                                </a:rPr>
+                                <m:t>1</m:t>
+                              </m:r>
+                            </m:sub>
+                          </m:sSub>
+                          <m:r>
+                            <a:rPr kumimoji="1" lang="en-US" altLang="zh-CN" b="0" i="1" smtClean="0">
+                              <a:latin typeface="Cambria Math" charset="0"/>
+                            </a:rPr>
+                            <m:t>,</m:t>
+                          </m:r>
+                          <m:sSub>
+                            <m:sSubPr>
+                              <m:ctrlPr>
+                                <a:rPr kumimoji="1" lang="en-US" altLang="zh-CN" b="0" i="1" smtClean="0">
+                                  <a:latin typeface="Cambria Math" charset="0"/>
+                                </a:rPr>
+                              </m:ctrlPr>
+                            </m:sSubPr>
+                            <m:e>
+                              <m:r>
+                                <a:rPr kumimoji="1" lang="en-US" altLang="zh-CN" b="0" i="1" smtClean="0">
+                                  <a:latin typeface="Cambria Math" charset="0"/>
+                                </a:rPr>
+                                <m:t>𝑤</m:t>
+                              </m:r>
+                            </m:e>
+                            <m:sub>
+                              <m:r>
+                                <a:rPr kumimoji="1" lang="en-US" altLang="zh-CN" b="0" i="1" smtClean="0">
+                                  <a:latin typeface="Cambria Math" charset="0"/>
+                                </a:rPr>
+                                <m:t>2</m:t>
+                              </m:r>
+                            </m:sub>
+                          </m:sSub>
+                        </m:e>
+                      </m:d>
+                      <m:r>
+                        <a:rPr kumimoji="1" lang="en-US" altLang="zh-CN" b="0" i="1" smtClean="0">
+                          <a:latin typeface="Cambria Math" charset="0"/>
+                          <a:ea typeface="Cambria Math" charset="0"/>
+                          <a:cs typeface="Cambria Math" charset="0"/>
+                        </a:rPr>
+                        <m:t>⋯</m:t>
+                      </m:r>
+                      <m:r>
+                        <a:rPr kumimoji="1" lang="en-US" altLang="zh-CN" b="0" i="1" smtClean="0">
+                          <a:latin typeface="Cambria Math" charset="0"/>
+                          <a:ea typeface="Cambria Math" charset="0"/>
+                          <a:cs typeface="Cambria Math" charset="0"/>
+                        </a:rPr>
+                        <m:t>𝑃</m:t>
+                      </m:r>
+                      <m:d>
+                        <m:dPr>
+                          <m:ctrlPr>
+                            <a:rPr kumimoji="1" lang="en-US" altLang="zh-CN" b="0" i="1" smtClean="0">
+                              <a:latin typeface="Cambria Math" charset="0"/>
+                              <a:ea typeface="Cambria Math" charset="0"/>
+                              <a:cs typeface="Cambria Math" charset="0"/>
+                            </a:rPr>
+                          </m:ctrlPr>
+                        </m:dPr>
+                        <m:e>
+                          <m:sSub>
+                            <m:sSubPr>
+                              <m:ctrlPr>
+                                <a:rPr kumimoji="1" lang="en-US" altLang="zh-CN" i="1">
+                                  <a:latin typeface="Cambria Math" charset="0"/>
+                                  <a:ea typeface="Cambria Math" charset="0"/>
+                                  <a:cs typeface="Cambria Math" charset="0"/>
+                                </a:rPr>
+                              </m:ctrlPr>
+                            </m:sSubPr>
+                            <m:e>
+                              <m:r>
+                                <a:rPr kumimoji="1" lang="en-US" altLang="zh-CN" i="1">
+                                  <a:latin typeface="Cambria Math" charset="0"/>
+                                  <a:ea typeface="Cambria Math" charset="0"/>
+                                  <a:cs typeface="Cambria Math" charset="0"/>
+                                </a:rPr>
+                                <m:t>𝑤</m:t>
+                              </m:r>
+                            </m:e>
+                            <m:sub>
+                              <m:r>
+                                <a:rPr kumimoji="1" lang="en-US" altLang="zh-CN" b="0" i="1" smtClean="0">
+                                  <a:latin typeface="Cambria Math" charset="0"/>
+                                  <a:ea typeface="Cambria Math" charset="0"/>
+                                  <a:cs typeface="Cambria Math" charset="0"/>
+                                </a:rPr>
+                                <m:t>𝑖</m:t>
+                              </m:r>
+                            </m:sub>
+                          </m:sSub>
+                        </m:e>
+                        <m:e>
+                          <m:sSub>
+                            <m:sSubPr>
+                              <m:ctrlPr>
+                                <a:rPr kumimoji="1" lang="en-US" altLang="zh-CN" i="1">
+                                  <a:latin typeface="Cambria Math" charset="0"/>
+                                  <a:ea typeface="Cambria Math" charset="0"/>
+                                  <a:cs typeface="Cambria Math" charset="0"/>
+                                </a:rPr>
+                              </m:ctrlPr>
+                            </m:sSubPr>
+                            <m:e>
+                              <m:r>
+                                <a:rPr kumimoji="1" lang="en-US" altLang="zh-CN" i="1">
+                                  <a:latin typeface="Cambria Math" charset="0"/>
+                                  <a:ea typeface="Cambria Math" charset="0"/>
+                                  <a:cs typeface="Cambria Math" charset="0"/>
+                                </a:rPr>
+                                <m:t>𝑤</m:t>
+                              </m:r>
+                            </m:e>
+                            <m:sub>
+                              <m:r>
+                                <a:rPr kumimoji="1" lang="en-US" altLang="zh-CN" b="0" i="1" smtClean="0">
+                                  <a:latin typeface="Cambria Math" charset="0"/>
+                                  <a:ea typeface="Cambria Math" charset="0"/>
+                                  <a:cs typeface="Cambria Math" charset="0"/>
+                                </a:rPr>
+                                <m:t>𝑖</m:t>
+                              </m:r>
+                              <m:r>
+                                <a:rPr kumimoji="1" lang="en-US" altLang="zh-CN" b="0" i="1" smtClean="0">
+                                  <a:latin typeface="Cambria Math" charset="0"/>
+                                  <a:ea typeface="Cambria Math" charset="0"/>
+                                  <a:cs typeface="Cambria Math" charset="0"/>
+                                </a:rPr>
+                                <m:t>−</m:t>
+                              </m:r>
+                              <m:r>
+                                <a:rPr kumimoji="1" lang="en-US" altLang="zh-CN" b="0" i="1" smtClean="0">
+                                  <a:latin typeface="Cambria Math" charset="0"/>
+                                  <a:ea typeface="Cambria Math" charset="0"/>
+                                  <a:cs typeface="Cambria Math" charset="0"/>
+                                </a:rPr>
+                                <m:t>𝑛</m:t>
+                              </m:r>
+                              <m:r>
+                                <a:rPr kumimoji="1" lang="en-US" altLang="zh-CN" b="0" i="1" smtClean="0">
+                                  <a:latin typeface="Cambria Math" charset="0"/>
+                                  <a:ea typeface="Cambria Math" charset="0"/>
+                                  <a:cs typeface="Cambria Math" charset="0"/>
+                                </a:rPr>
+                                <m:t>+1</m:t>
+                              </m:r>
+                            </m:sub>
+                          </m:sSub>
+                          <m:r>
+                            <a:rPr kumimoji="1" lang="en-US" altLang="zh-CN" i="1">
+                              <a:latin typeface="Cambria Math" charset="0"/>
+                              <a:ea typeface="Cambria Math" charset="0"/>
+                              <a:cs typeface="Cambria Math" charset="0"/>
+                            </a:rPr>
+                            <m:t>,</m:t>
+                          </m:r>
+                          <m:sSub>
+                            <m:sSubPr>
+                              <m:ctrlPr>
+                                <a:rPr kumimoji="1" lang="en-US" altLang="zh-CN" i="1">
+                                  <a:latin typeface="Cambria Math" charset="0"/>
+                                  <a:ea typeface="Cambria Math" charset="0"/>
+                                  <a:cs typeface="Cambria Math" charset="0"/>
+                                </a:rPr>
+                              </m:ctrlPr>
+                            </m:sSubPr>
+                            <m:e>
+                              <m:r>
+                                <a:rPr kumimoji="1" lang="en-US" altLang="zh-CN" i="1">
+                                  <a:latin typeface="Cambria Math" charset="0"/>
+                                  <a:ea typeface="Cambria Math" charset="0"/>
+                                  <a:cs typeface="Cambria Math" charset="0"/>
+                                </a:rPr>
+                                <m:t>𝑤</m:t>
+                              </m:r>
+                            </m:e>
+                            <m:sub>
+                              <m:r>
+                                <a:rPr kumimoji="1" lang="en-US" altLang="zh-CN" b="0" i="1" smtClean="0">
+                                  <a:latin typeface="Cambria Math" charset="0"/>
+                                  <a:ea typeface="Cambria Math" charset="0"/>
+                                  <a:cs typeface="Cambria Math" charset="0"/>
+                                </a:rPr>
+                                <m:t>𝑖</m:t>
+                              </m:r>
+                              <m:r>
+                                <a:rPr kumimoji="1" lang="en-US" altLang="zh-CN" b="0" i="1" smtClean="0">
+                                  <a:latin typeface="Cambria Math" charset="0"/>
+                                  <a:ea typeface="Cambria Math" charset="0"/>
+                                  <a:cs typeface="Cambria Math" charset="0"/>
+                                </a:rPr>
+                                <m:t>−</m:t>
+                              </m:r>
+                              <m:r>
+                                <a:rPr kumimoji="1" lang="en-US" altLang="zh-CN" b="0" i="1" smtClean="0">
+                                  <a:latin typeface="Cambria Math" charset="0"/>
+                                  <a:ea typeface="Cambria Math" charset="0"/>
+                                  <a:cs typeface="Cambria Math" charset="0"/>
+                                </a:rPr>
+                                <m:t>𝑛</m:t>
+                              </m:r>
+                              <m:r>
+                                <a:rPr kumimoji="1" lang="en-US" altLang="zh-CN" b="0" i="1" smtClean="0">
+                                  <a:latin typeface="Cambria Math" charset="0"/>
+                                  <a:ea typeface="Cambria Math" charset="0"/>
+                                  <a:cs typeface="Cambria Math" charset="0"/>
+                                </a:rPr>
+                                <m:t>+2</m:t>
+                              </m:r>
+                            </m:sub>
+                          </m:sSub>
+                          <m:r>
+                            <a:rPr kumimoji="1" lang="en-US" altLang="zh-CN" i="1">
+                              <a:latin typeface="Cambria Math" charset="0"/>
+                              <a:ea typeface="Cambria Math" charset="0"/>
+                              <a:cs typeface="Cambria Math" charset="0"/>
+                            </a:rPr>
+                            <m:t>,…,</m:t>
+                          </m:r>
+                          <m:sSub>
+                            <m:sSubPr>
+                              <m:ctrlPr>
+                                <a:rPr kumimoji="1" lang="en-US" altLang="zh-CN" i="1">
+                                  <a:latin typeface="Cambria Math" charset="0"/>
+                                  <a:ea typeface="Cambria Math" charset="0"/>
+                                  <a:cs typeface="Cambria Math" charset="0"/>
+                                </a:rPr>
+                              </m:ctrlPr>
+                            </m:sSubPr>
+                            <m:e>
+                              <m:r>
+                                <a:rPr kumimoji="1" lang="en-US" altLang="zh-CN" i="1">
+                                  <a:latin typeface="Cambria Math" charset="0"/>
+                                  <a:ea typeface="Cambria Math" charset="0"/>
+                                  <a:cs typeface="Cambria Math" charset="0"/>
+                                </a:rPr>
+                                <m:t>𝑤</m:t>
+                              </m:r>
+                            </m:e>
+                            <m:sub>
+                              <m:r>
+                                <a:rPr kumimoji="1" lang="en-US" altLang="zh-CN" b="0" i="1" smtClean="0">
+                                  <a:latin typeface="Cambria Math" charset="0"/>
+                                  <a:ea typeface="Cambria Math" charset="0"/>
+                                  <a:cs typeface="Cambria Math" charset="0"/>
+                                </a:rPr>
+                                <m:t>𝑖</m:t>
+                              </m:r>
+                              <m:r>
+                                <a:rPr kumimoji="1" lang="en-US" altLang="zh-CN" i="1">
+                                  <a:latin typeface="Cambria Math" charset="0"/>
+                                  <a:ea typeface="Cambria Math" charset="0"/>
+                                  <a:cs typeface="Cambria Math" charset="0"/>
+                                </a:rPr>
+                                <m:t>−1</m:t>
+                              </m:r>
+                            </m:sub>
+                          </m:sSub>
+                        </m:e>
+                      </m:d>
+                      <m:r>
+                        <a:rPr kumimoji="1" lang="en-US" altLang="zh-CN" i="1">
+                          <a:latin typeface="Cambria Math" charset="0"/>
+                          <a:ea typeface="Cambria Math" charset="0"/>
+                          <a:cs typeface="Cambria Math" charset="0"/>
+                        </a:rPr>
+                        <m:t>⋯</m:t>
+                      </m:r>
+                      <m:r>
+                        <a:rPr kumimoji="1" lang="en-US" altLang="zh-CN" i="1">
+                          <a:latin typeface="Cambria Math" charset="0"/>
+                          <a:ea typeface="Cambria Math" charset="0"/>
+                          <a:cs typeface="Cambria Math" charset="0"/>
+                        </a:rPr>
+                        <m:t>𝑃</m:t>
+                      </m:r>
+                      <m:d>
+                        <m:dPr>
+                          <m:ctrlPr>
+                            <a:rPr kumimoji="1" lang="en-US" altLang="zh-CN" i="1">
+                              <a:latin typeface="Cambria Math" charset="0"/>
+                              <a:ea typeface="Cambria Math" charset="0"/>
+                              <a:cs typeface="Cambria Math" charset="0"/>
+                            </a:rPr>
+                          </m:ctrlPr>
+                        </m:dPr>
+                        <m:e>
+                          <m:sSub>
+                            <m:sSubPr>
+                              <m:ctrlPr>
+                                <a:rPr kumimoji="1" lang="en-US" altLang="zh-CN" i="1">
+                                  <a:latin typeface="Cambria Math" charset="0"/>
+                                  <a:ea typeface="Cambria Math" charset="0"/>
+                                  <a:cs typeface="Cambria Math" charset="0"/>
+                                </a:rPr>
+                              </m:ctrlPr>
+                            </m:sSubPr>
+                            <m:e>
+                              <m:r>
+                                <a:rPr kumimoji="1" lang="en-US" altLang="zh-CN" i="1">
+                                  <a:latin typeface="Cambria Math" charset="0"/>
+                                  <a:ea typeface="Cambria Math" charset="0"/>
+                                  <a:cs typeface="Cambria Math" charset="0"/>
+                                </a:rPr>
+                                <m:t>𝑤</m:t>
+                              </m:r>
+                            </m:e>
+                            <m:sub>
+                              <m:r>
+                                <a:rPr kumimoji="1" lang="en-US" altLang="zh-CN" b="0" i="1" smtClean="0">
+                                  <a:latin typeface="Cambria Math" charset="0"/>
+                                  <a:ea typeface="Cambria Math" charset="0"/>
+                                  <a:cs typeface="Cambria Math" charset="0"/>
+                                </a:rPr>
+                                <m:t>𝑙</m:t>
+                              </m:r>
+                            </m:sub>
+                          </m:sSub>
+                        </m:e>
+                        <m:e>
+                          <m:sSub>
+                            <m:sSubPr>
+                              <m:ctrlPr>
+                                <a:rPr kumimoji="1" lang="en-US" altLang="zh-CN" i="1">
+                                  <a:latin typeface="Cambria Math" charset="0"/>
+                                  <a:ea typeface="Cambria Math" charset="0"/>
+                                  <a:cs typeface="Cambria Math" charset="0"/>
+                                </a:rPr>
+                              </m:ctrlPr>
+                            </m:sSubPr>
+                            <m:e>
+                              <m:r>
+                                <a:rPr kumimoji="1" lang="en-US" altLang="zh-CN" i="1">
+                                  <a:latin typeface="Cambria Math" charset="0"/>
+                                  <a:ea typeface="Cambria Math" charset="0"/>
+                                  <a:cs typeface="Cambria Math" charset="0"/>
+                                </a:rPr>
+                                <m:t>𝑤</m:t>
+                              </m:r>
+                            </m:e>
+                            <m:sub>
+                              <m:r>
+                                <a:rPr kumimoji="1" lang="en-US" altLang="zh-CN" b="0" i="1" smtClean="0">
+                                  <a:latin typeface="Cambria Math" charset="0"/>
+                                  <a:ea typeface="Cambria Math" charset="0"/>
+                                  <a:cs typeface="Cambria Math" charset="0"/>
+                                </a:rPr>
+                                <m:t>𝑙</m:t>
+                              </m:r>
+                              <m:r>
+                                <a:rPr kumimoji="1" lang="en-US" altLang="zh-CN" i="1">
+                                  <a:latin typeface="Cambria Math" charset="0"/>
+                                  <a:ea typeface="Cambria Math" charset="0"/>
+                                  <a:cs typeface="Cambria Math" charset="0"/>
+                                </a:rPr>
+                                <m:t>−</m:t>
+                              </m:r>
+                              <m:r>
+                                <a:rPr kumimoji="1" lang="en-US" altLang="zh-CN" i="1">
+                                  <a:latin typeface="Cambria Math" charset="0"/>
+                                  <a:ea typeface="Cambria Math" charset="0"/>
+                                  <a:cs typeface="Cambria Math" charset="0"/>
+                                </a:rPr>
+                                <m:t>𝑛</m:t>
+                              </m:r>
+                              <m:r>
+                                <a:rPr kumimoji="1" lang="en-US" altLang="zh-CN" i="1">
+                                  <a:latin typeface="Cambria Math" charset="0"/>
+                                  <a:ea typeface="Cambria Math" charset="0"/>
+                                  <a:cs typeface="Cambria Math" charset="0"/>
+                                </a:rPr>
+                                <m:t>+1</m:t>
+                              </m:r>
+                            </m:sub>
+                          </m:sSub>
+                          <m:r>
+                            <a:rPr kumimoji="1" lang="en-US" altLang="zh-CN" i="1">
+                              <a:latin typeface="Cambria Math" charset="0"/>
+                              <a:ea typeface="Cambria Math" charset="0"/>
+                              <a:cs typeface="Cambria Math" charset="0"/>
+                            </a:rPr>
+                            <m:t>,</m:t>
+                          </m:r>
+                          <m:sSub>
+                            <m:sSubPr>
+                              <m:ctrlPr>
+                                <a:rPr kumimoji="1" lang="en-US" altLang="zh-CN" i="1">
+                                  <a:latin typeface="Cambria Math" charset="0"/>
+                                  <a:ea typeface="Cambria Math" charset="0"/>
+                                  <a:cs typeface="Cambria Math" charset="0"/>
+                                </a:rPr>
+                              </m:ctrlPr>
+                            </m:sSubPr>
+                            <m:e>
+                              <m:r>
+                                <a:rPr kumimoji="1" lang="en-US" altLang="zh-CN" i="1">
+                                  <a:latin typeface="Cambria Math" charset="0"/>
+                                  <a:ea typeface="Cambria Math" charset="0"/>
+                                  <a:cs typeface="Cambria Math" charset="0"/>
+                                </a:rPr>
+                                <m:t>𝑤</m:t>
+                              </m:r>
+                            </m:e>
+                            <m:sub>
+                              <m:r>
+                                <a:rPr kumimoji="1" lang="en-US" altLang="zh-CN" b="0" i="1" smtClean="0">
+                                  <a:latin typeface="Cambria Math" charset="0"/>
+                                  <a:ea typeface="Cambria Math" charset="0"/>
+                                  <a:cs typeface="Cambria Math" charset="0"/>
+                                </a:rPr>
+                                <m:t>𝑙</m:t>
+                              </m:r>
+                              <m:r>
+                                <a:rPr kumimoji="1" lang="en-US" altLang="zh-CN" i="1">
+                                  <a:latin typeface="Cambria Math" charset="0"/>
+                                  <a:ea typeface="Cambria Math" charset="0"/>
+                                  <a:cs typeface="Cambria Math" charset="0"/>
+                                </a:rPr>
+                                <m:t>−</m:t>
+                              </m:r>
+                              <m:r>
+                                <a:rPr kumimoji="1" lang="en-US" altLang="zh-CN" i="1">
+                                  <a:latin typeface="Cambria Math" charset="0"/>
+                                  <a:ea typeface="Cambria Math" charset="0"/>
+                                  <a:cs typeface="Cambria Math" charset="0"/>
+                                </a:rPr>
+                                <m:t>𝑛</m:t>
+                              </m:r>
+                              <m:r>
+                                <a:rPr kumimoji="1" lang="en-US" altLang="zh-CN" i="1">
+                                  <a:latin typeface="Cambria Math" charset="0"/>
+                                  <a:ea typeface="Cambria Math" charset="0"/>
+                                  <a:cs typeface="Cambria Math" charset="0"/>
+                                </a:rPr>
+                                <m:t>+2</m:t>
+                              </m:r>
+                            </m:sub>
+                          </m:sSub>
+                          <m:r>
+                            <a:rPr kumimoji="1" lang="en-US" altLang="zh-CN" i="1">
+                              <a:latin typeface="Cambria Math" charset="0"/>
+                              <a:ea typeface="Cambria Math" charset="0"/>
+                              <a:cs typeface="Cambria Math" charset="0"/>
+                            </a:rPr>
+                            <m:t>,…,</m:t>
+                          </m:r>
+                          <m:sSub>
+                            <m:sSubPr>
+                              <m:ctrlPr>
+                                <a:rPr kumimoji="1" lang="en-US" altLang="zh-CN" i="1">
+                                  <a:latin typeface="Cambria Math" charset="0"/>
+                                  <a:ea typeface="Cambria Math" charset="0"/>
+                                  <a:cs typeface="Cambria Math" charset="0"/>
+                                </a:rPr>
+                              </m:ctrlPr>
+                            </m:sSubPr>
+                            <m:e>
+                              <m:r>
+                                <a:rPr kumimoji="1" lang="en-US" altLang="zh-CN" i="1">
+                                  <a:latin typeface="Cambria Math" charset="0"/>
+                                  <a:ea typeface="Cambria Math" charset="0"/>
+                                  <a:cs typeface="Cambria Math" charset="0"/>
+                                </a:rPr>
+                                <m:t>𝑤</m:t>
+                              </m:r>
+                            </m:e>
+                            <m:sub>
+                              <m:r>
+                                <a:rPr kumimoji="1" lang="en-US" altLang="zh-CN" b="0" i="1" smtClean="0">
+                                  <a:latin typeface="Cambria Math" charset="0"/>
+                                  <a:ea typeface="Cambria Math" charset="0"/>
+                                  <a:cs typeface="Cambria Math" charset="0"/>
+                                </a:rPr>
+                                <m:t>𝑙</m:t>
+                              </m:r>
+                              <m:r>
+                                <a:rPr kumimoji="1" lang="en-US" altLang="zh-CN" i="1">
+                                  <a:latin typeface="Cambria Math" charset="0"/>
+                                  <a:ea typeface="Cambria Math" charset="0"/>
+                                  <a:cs typeface="Cambria Math" charset="0"/>
+                                </a:rPr>
+                                <m:t>−1</m:t>
+                              </m:r>
+                            </m:sub>
+                          </m:sSub>
+                        </m:e>
+                      </m:d>
+                    </m:oMath>
+                  </m:oMathPara>
+                </a14:m>
+                <a:endParaRPr kumimoji="1" lang="en-US" altLang="zh-CN" i="1" dirty="0" smtClean="0">
+                  <a:latin typeface="Cambria Math" charset="0"/>
+                  <a:ea typeface="Cambria Math" charset="0"/>
+                  <a:cs typeface="Cambria Math" charset="0"/>
+                </a:endParaRPr>
+              </a:p>
+            </p:txBody>
+          </p:sp>
+        </mc:Choice>
+        <mc:Fallback>
+          <p:sp>
+            <p:nvSpPr>
+              <p:cNvPr id="4" name="文本框 3"/>
+              <p:cNvSpPr txBox="1">
+                <a:spLocks noRot="1" noChangeAspect="1" noMove="1" noResize="1" noEditPoints="1" noAdjustHandles="1" noChangeArrowheads="1" noChangeShapeType="1" noTextEdit="1"/>
+              </p:cNvSpPr>
+              <p:nvPr/>
+            </p:nvSpPr>
+            <p:spPr>
+              <a:xfrm>
+                <a:off x="940981" y="2300288"/>
+                <a:ext cx="10136685" cy="276999"/>
+              </a:xfrm>
+              <a:prstGeom prst="rect">
+                <a:avLst/>
+              </a:prstGeom>
+              <a:blipFill rotWithShape="0">
+                <a:blip r:embed="rId3"/>
+                <a:stretch>
+                  <a:fillRect l="-60" b="-21739"/>
+                </a:stretch>
+              </a:blipFill>
+            </p:spPr>
+            <p:txBody>
+              <a:bodyPr/>
+              <a:lstStyle/>
+              <a:p>
+                <a:r>
+                  <a:rPr lang="zh-CN" altLang="en-US">
+                    <a:noFill/>
+                  </a:rPr>
+                  <a:t> </a:t>
+                </a:r>
+              </a:p>
+            </p:txBody>
+          </p:sp>
+        </mc:Fallback>
+      </mc:AlternateContent>
+      <mc:AlternateContent xmlns:mc="http://schemas.openxmlformats.org/markup-compatibility/2006">
+        <mc:Choice xmlns:a14="http://schemas.microsoft.com/office/drawing/2010/main" Requires="a14">
+          <p:sp>
+            <p:nvSpPr>
+              <p:cNvPr id="5" name="矩形 4"/>
+              <p:cNvSpPr/>
+              <p:nvPr/>
+            </p:nvSpPr>
+            <p:spPr>
+              <a:xfrm>
+                <a:off x="1374158" y="2748433"/>
+                <a:ext cx="4472506" cy="876907"/>
+              </a:xfrm>
+              <a:prstGeom prst="rect">
+                <a:avLst/>
+              </a:prstGeom>
+            </p:spPr>
+            <p:txBody>
+              <a:bodyPr wrap="none">
+                <a:spAutoFit/>
+              </a:bodyPr>
+              <a:lstStyle/>
+              <a:p>
+                <a14:m>
+                  <m:oMathPara xmlns:m="http://schemas.openxmlformats.org/officeDocument/2006/math">
+                    <m:oMathParaPr>
+                      <m:jc m:val="centerGroup"/>
+                    </m:oMathParaPr>
+                    <m:oMath xmlns:m="http://schemas.openxmlformats.org/officeDocument/2006/math">
+                      <m:r>
+                        <a:rPr kumimoji="1" lang="en-US" altLang="zh-CN" i="1">
+                          <a:latin typeface="Cambria Math" charset="0"/>
+                          <a:ea typeface="Cambria Math" charset="0"/>
+                          <a:cs typeface="Cambria Math" charset="0"/>
+                        </a:rPr>
+                        <m:t>=</m:t>
+                      </m:r>
+                      <m:r>
+                        <a:rPr kumimoji="1" lang="en-US" altLang="zh-CN" i="1">
+                          <a:latin typeface="Cambria Math" charset="0"/>
+                          <a:ea typeface="Cambria Math" charset="0"/>
+                          <a:cs typeface="Cambria Math" charset="0"/>
+                        </a:rPr>
+                        <m:t>𝑃</m:t>
+                      </m:r>
+                      <m:r>
+                        <a:rPr kumimoji="1" lang="en-US" altLang="zh-CN" i="1">
+                          <a:latin typeface="Cambria Math" charset="0"/>
+                          <a:ea typeface="Cambria Math" charset="0"/>
+                          <a:cs typeface="Cambria Math" charset="0"/>
+                        </a:rPr>
+                        <m:t>(</m:t>
+                      </m:r>
+                      <m:sSub>
+                        <m:sSubPr>
+                          <m:ctrlPr>
+                            <a:rPr kumimoji="1" lang="en-US" altLang="zh-CN" i="1">
+                              <a:latin typeface="Cambria Math" charset="0"/>
+                            </a:rPr>
+                          </m:ctrlPr>
+                        </m:sSubPr>
+                        <m:e>
+                          <m:r>
+                            <a:rPr kumimoji="1" lang="en-US" altLang="zh-CN" i="1">
+                              <a:latin typeface="Cambria Math" charset="0"/>
+                            </a:rPr>
+                            <m:t>𝑤</m:t>
+                          </m:r>
+                        </m:e>
+                        <m:sub>
+                          <m:r>
+                            <a:rPr kumimoji="1" lang="en-US" altLang="zh-CN" i="1">
+                              <a:latin typeface="Cambria Math" charset="0"/>
+                            </a:rPr>
+                            <m:t>1</m:t>
+                          </m:r>
+                        </m:sub>
+                      </m:sSub>
+                      <m:r>
+                        <a:rPr kumimoji="1" lang="en-US" altLang="zh-CN">
+                          <a:latin typeface="Cambria Math" charset="0"/>
+                        </a:rPr>
+                        <m:t>)</m:t>
+                      </m:r>
+                      <m:nary>
+                        <m:naryPr>
+                          <m:chr m:val="∏"/>
+                          <m:ctrlPr>
+                            <a:rPr kumimoji="1" lang="is-IS" altLang="zh-CN" i="1">
+                              <a:latin typeface="Cambria Math" charset="0"/>
+                            </a:rPr>
+                          </m:ctrlPr>
+                        </m:naryPr>
+                        <m:sub>
+                          <m:r>
+                            <m:rPr>
+                              <m:brk m:alnAt="23"/>
+                            </m:rPr>
+                            <a:rPr kumimoji="1" lang="en-US" altLang="zh-CN" i="1">
+                              <a:latin typeface="Cambria Math" charset="0"/>
+                            </a:rPr>
+                            <m:t>𝑖</m:t>
+                          </m:r>
+                          <m:r>
+                            <a:rPr kumimoji="1" lang="en-US" altLang="zh-CN" i="1">
+                              <a:latin typeface="Cambria Math" charset="0"/>
+                            </a:rPr>
+                            <m:t>=2</m:t>
+                          </m:r>
+                        </m:sub>
+                        <m:sup>
+                          <m:r>
+                            <a:rPr kumimoji="1" lang="en-US" altLang="zh-CN" i="1">
+                              <a:latin typeface="Cambria Math" charset="0"/>
+                            </a:rPr>
+                            <m:t>𝑙</m:t>
+                          </m:r>
+                        </m:sup>
+                        <m:e>
+                          <m:r>
+                            <a:rPr kumimoji="1" lang="en-US" altLang="zh-CN" i="1">
+                              <a:latin typeface="Cambria Math" charset="0"/>
+                              <a:ea typeface="Cambria Math" charset="0"/>
+                              <a:cs typeface="Cambria Math" charset="0"/>
+                            </a:rPr>
+                            <m:t>𝑃</m:t>
+                          </m:r>
+                          <m:d>
+                            <m:dPr>
+                              <m:ctrlPr>
+                                <a:rPr kumimoji="1" lang="en-US" altLang="zh-CN" i="1">
+                                  <a:latin typeface="Cambria Math" charset="0"/>
+                                  <a:ea typeface="Cambria Math" charset="0"/>
+                                  <a:cs typeface="Cambria Math" charset="0"/>
+                                </a:rPr>
+                              </m:ctrlPr>
+                            </m:dPr>
+                            <m:e>
+                              <m:sSub>
+                                <m:sSubPr>
+                                  <m:ctrlPr>
+                                    <a:rPr kumimoji="1" lang="en-US" altLang="zh-CN" i="1">
+                                      <a:latin typeface="Cambria Math" charset="0"/>
+                                      <a:ea typeface="Cambria Math" charset="0"/>
+                                      <a:cs typeface="Cambria Math" charset="0"/>
+                                    </a:rPr>
+                                  </m:ctrlPr>
+                                </m:sSubPr>
+                                <m:e>
+                                  <m:r>
+                                    <a:rPr kumimoji="1" lang="en-US" altLang="zh-CN" i="1">
+                                      <a:latin typeface="Cambria Math" charset="0"/>
+                                      <a:ea typeface="Cambria Math" charset="0"/>
+                                      <a:cs typeface="Cambria Math" charset="0"/>
+                                    </a:rPr>
+                                    <m:t>𝑤</m:t>
+                                  </m:r>
+                                </m:e>
+                                <m:sub>
+                                  <m:r>
+                                    <a:rPr kumimoji="1" lang="en-US" altLang="zh-CN" i="1">
+                                      <a:latin typeface="Cambria Math" charset="0"/>
+                                      <a:ea typeface="Cambria Math" charset="0"/>
+                                      <a:cs typeface="Cambria Math" charset="0"/>
+                                    </a:rPr>
+                                    <m:t>𝑖</m:t>
+                                  </m:r>
+                                </m:sub>
+                              </m:sSub>
+                            </m:e>
+                            <m:e>
+                              <m:sSub>
+                                <m:sSubPr>
+                                  <m:ctrlPr>
+                                    <a:rPr kumimoji="1" lang="en-US" altLang="zh-CN" i="1">
+                                      <a:latin typeface="Cambria Math" charset="0"/>
+                                      <a:ea typeface="Cambria Math" charset="0"/>
+                                      <a:cs typeface="Cambria Math" charset="0"/>
+                                    </a:rPr>
+                                  </m:ctrlPr>
+                                </m:sSubPr>
+                                <m:e>
+                                  <m:r>
+                                    <a:rPr kumimoji="1" lang="en-US" altLang="zh-CN" i="1">
+                                      <a:latin typeface="Cambria Math" charset="0"/>
+                                      <a:ea typeface="Cambria Math" charset="0"/>
+                                      <a:cs typeface="Cambria Math" charset="0"/>
+                                    </a:rPr>
+                                    <m:t>𝑤</m:t>
+                                  </m:r>
+                                </m:e>
+                                <m:sub>
+                                  <m:r>
+                                    <a:rPr kumimoji="1" lang="en-US" altLang="zh-CN" i="1">
+                                      <a:latin typeface="Cambria Math" charset="0"/>
+                                      <a:ea typeface="Cambria Math" charset="0"/>
+                                      <a:cs typeface="Cambria Math" charset="0"/>
+                                    </a:rPr>
+                                    <m:t>𝑖</m:t>
+                                  </m:r>
+                                  <m:r>
+                                    <a:rPr kumimoji="1" lang="en-US" altLang="zh-CN" i="1">
+                                      <a:latin typeface="Cambria Math" charset="0"/>
+                                      <a:ea typeface="Cambria Math" charset="0"/>
+                                      <a:cs typeface="Cambria Math" charset="0"/>
+                                    </a:rPr>
+                                    <m:t>−</m:t>
+                                  </m:r>
+                                  <m:r>
+                                    <a:rPr kumimoji="1" lang="en-US" altLang="zh-CN" i="1">
+                                      <a:latin typeface="Cambria Math" charset="0"/>
+                                      <a:ea typeface="Cambria Math" charset="0"/>
+                                      <a:cs typeface="Cambria Math" charset="0"/>
+                                    </a:rPr>
+                                    <m:t>𝑛</m:t>
+                                  </m:r>
+                                  <m:r>
+                                    <a:rPr kumimoji="1" lang="en-US" altLang="zh-CN" i="1">
+                                      <a:latin typeface="Cambria Math" charset="0"/>
+                                      <a:ea typeface="Cambria Math" charset="0"/>
+                                      <a:cs typeface="Cambria Math" charset="0"/>
+                                    </a:rPr>
+                                    <m:t>+1</m:t>
+                                  </m:r>
+                                </m:sub>
+                              </m:sSub>
+                              <m:r>
+                                <a:rPr kumimoji="1" lang="en-US" altLang="zh-CN" i="1">
+                                  <a:latin typeface="Cambria Math" charset="0"/>
+                                  <a:ea typeface="Cambria Math" charset="0"/>
+                                  <a:cs typeface="Cambria Math" charset="0"/>
+                                </a:rPr>
+                                <m:t>,</m:t>
+                              </m:r>
+                              <m:sSub>
+                                <m:sSubPr>
+                                  <m:ctrlPr>
+                                    <a:rPr kumimoji="1" lang="en-US" altLang="zh-CN" i="1">
+                                      <a:latin typeface="Cambria Math" charset="0"/>
+                                      <a:ea typeface="Cambria Math" charset="0"/>
+                                      <a:cs typeface="Cambria Math" charset="0"/>
+                                    </a:rPr>
+                                  </m:ctrlPr>
+                                </m:sSubPr>
+                                <m:e>
+                                  <m:r>
+                                    <a:rPr kumimoji="1" lang="en-US" altLang="zh-CN" i="1">
+                                      <a:latin typeface="Cambria Math" charset="0"/>
+                                      <a:ea typeface="Cambria Math" charset="0"/>
+                                      <a:cs typeface="Cambria Math" charset="0"/>
+                                    </a:rPr>
+                                    <m:t>𝑤</m:t>
+                                  </m:r>
+                                </m:e>
+                                <m:sub>
+                                  <m:r>
+                                    <a:rPr kumimoji="1" lang="en-US" altLang="zh-CN" i="1">
+                                      <a:latin typeface="Cambria Math" charset="0"/>
+                                      <a:ea typeface="Cambria Math" charset="0"/>
+                                      <a:cs typeface="Cambria Math" charset="0"/>
+                                    </a:rPr>
+                                    <m:t>𝑖</m:t>
+                                  </m:r>
+                                  <m:r>
+                                    <a:rPr kumimoji="1" lang="en-US" altLang="zh-CN" i="1">
+                                      <a:latin typeface="Cambria Math" charset="0"/>
+                                      <a:ea typeface="Cambria Math" charset="0"/>
+                                      <a:cs typeface="Cambria Math" charset="0"/>
+                                    </a:rPr>
+                                    <m:t>−</m:t>
+                                  </m:r>
+                                  <m:r>
+                                    <a:rPr kumimoji="1" lang="en-US" altLang="zh-CN" i="1">
+                                      <a:latin typeface="Cambria Math" charset="0"/>
+                                      <a:ea typeface="Cambria Math" charset="0"/>
+                                      <a:cs typeface="Cambria Math" charset="0"/>
+                                    </a:rPr>
+                                    <m:t>𝑛</m:t>
+                                  </m:r>
+                                  <m:r>
+                                    <a:rPr kumimoji="1" lang="en-US" altLang="zh-CN" i="1">
+                                      <a:latin typeface="Cambria Math" charset="0"/>
+                                      <a:ea typeface="Cambria Math" charset="0"/>
+                                      <a:cs typeface="Cambria Math" charset="0"/>
+                                    </a:rPr>
+                                    <m:t>+2</m:t>
+                                  </m:r>
+                                </m:sub>
+                              </m:sSub>
+                              <m:r>
+                                <a:rPr kumimoji="1" lang="en-US" altLang="zh-CN" i="1">
+                                  <a:latin typeface="Cambria Math" charset="0"/>
+                                  <a:ea typeface="Cambria Math" charset="0"/>
+                                  <a:cs typeface="Cambria Math" charset="0"/>
+                                </a:rPr>
+                                <m:t>,…,</m:t>
+                              </m:r>
+                              <m:sSub>
+                                <m:sSubPr>
+                                  <m:ctrlPr>
+                                    <a:rPr kumimoji="1" lang="en-US" altLang="zh-CN" i="1">
+                                      <a:latin typeface="Cambria Math" charset="0"/>
+                                      <a:ea typeface="Cambria Math" charset="0"/>
+                                      <a:cs typeface="Cambria Math" charset="0"/>
+                                    </a:rPr>
+                                  </m:ctrlPr>
+                                </m:sSubPr>
+                                <m:e>
+                                  <m:r>
+                                    <a:rPr kumimoji="1" lang="en-US" altLang="zh-CN" i="1">
+                                      <a:latin typeface="Cambria Math" charset="0"/>
+                                      <a:ea typeface="Cambria Math" charset="0"/>
+                                      <a:cs typeface="Cambria Math" charset="0"/>
+                                    </a:rPr>
+                                    <m:t>𝑤</m:t>
+                                  </m:r>
+                                </m:e>
+                                <m:sub>
+                                  <m:r>
+                                    <a:rPr kumimoji="1" lang="en-US" altLang="zh-CN" i="1">
+                                      <a:latin typeface="Cambria Math" charset="0"/>
+                                      <a:ea typeface="Cambria Math" charset="0"/>
+                                      <a:cs typeface="Cambria Math" charset="0"/>
+                                    </a:rPr>
+                                    <m:t>𝑖</m:t>
+                                  </m:r>
+                                  <m:r>
+                                    <a:rPr kumimoji="1" lang="en-US" altLang="zh-CN" i="1">
+                                      <a:latin typeface="Cambria Math" charset="0"/>
+                                      <a:ea typeface="Cambria Math" charset="0"/>
+                                      <a:cs typeface="Cambria Math" charset="0"/>
+                                    </a:rPr>
+                                    <m:t>−1</m:t>
+                                  </m:r>
+                                </m:sub>
+                              </m:sSub>
+                            </m:e>
+                          </m:d>
+                        </m:e>
+                      </m:nary>
+                    </m:oMath>
+                  </m:oMathPara>
+                </a14:m>
+                <a:endParaRPr lang="zh-CN" altLang="en-US" dirty="0"/>
+              </a:p>
+            </p:txBody>
+          </p:sp>
+        </mc:Choice>
+        <mc:Fallback>
+          <p:sp>
+            <p:nvSpPr>
+              <p:cNvPr id="5" name="矩形 4"/>
+              <p:cNvSpPr>
+                <a:spLocks noRot="1" noChangeAspect="1" noMove="1" noResize="1" noEditPoints="1" noAdjustHandles="1" noChangeArrowheads="1" noChangeShapeType="1" noTextEdit="1"/>
+              </p:cNvSpPr>
+              <p:nvPr/>
+            </p:nvSpPr>
+            <p:spPr>
+              <a:xfrm>
+                <a:off x="1374158" y="2748433"/>
+                <a:ext cx="4472506" cy="876907"/>
+              </a:xfrm>
+              <a:prstGeom prst="rect">
+                <a:avLst/>
+              </a:prstGeom>
+              <a:blipFill rotWithShape="0">
+                <a:blip r:embed="rId4"/>
+                <a:stretch>
+                  <a:fillRect/>
+                </a:stretch>
+              </a:blipFill>
+            </p:spPr>
+            <p:txBody>
+              <a:bodyPr/>
+              <a:lstStyle/>
+              <a:p>
+                <a:r>
+                  <a:rPr lang="zh-CN" altLang="en-US">
+                    <a:noFill/>
+                  </a:rPr>
+                  <a:t> </a:t>
+                </a:r>
+              </a:p>
+            </p:txBody>
+          </p:sp>
+        </mc:Fallback>
+      </mc:AlternateContent>
+      <mc:AlternateContent xmlns:mc="http://schemas.openxmlformats.org/markup-compatibility/2006">
+        <mc:Choice xmlns:a14="http://schemas.microsoft.com/office/drawing/2010/main" Requires="a14">
+          <p:sp>
+            <p:nvSpPr>
+              <p:cNvPr id="6" name="矩形 5"/>
+              <p:cNvSpPr/>
+              <p:nvPr/>
+            </p:nvSpPr>
+            <p:spPr>
+              <a:xfrm>
+                <a:off x="838200" y="3796486"/>
+                <a:ext cx="4360232" cy="876907"/>
+              </a:xfrm>
+              <a:prstGeom prst="rect">
+                <a:avLst/>
+              </a:prstGeom>
+            </p:spPr>
+            <p:txBody>
+              <a:bodyPr wrap="none">
+                <a:spAutoFit/>
+              </a:bodyPr>
+              <a:lstStyle/>
+              <a:p>
+                <a14:m>
+                  <m:oMathPara xmlns:m="http://schemas.openxmlformats.org/officeDocument/2006/math">
+                    <m:oMathParaPr>
+                      <m:jc m:val="centerGroup"/>
+                    </m:oMathParaPr>
+                    <m:oMath xmlns:m="http://schemas.openxmlformats.org/officeDocument/2006/math">
+                      <m:r>
+                        <a:rPr kumimoji="1" lang="en-US" altLang="zh-CN" b="0" i="1" smtClean="0">
+                          <a:latin typeface="Cambria Math" charset="0"/>
+                          <a:ea typeface="Cambria Math" charset="0"/>
+                          <a:cs typeface="Cambria Math" charset="0"/>
+                        </a:rPr>
+                        <m:t>𝑃</m:t>
+                      </m:r>
+                      <m:r>
+                        <a:rPr kumimoji="1" lang="en-US" altLang="zh-CN" b="0" i="1" smtClean="0">
+                          <a:latin typeface="Cambria Math" charset="0"/>
+                          <a:ea typeface="Cambria Math" charset="0"/>
+                          <a:cs typeface="Cambria Math" charset="0"/>
+                        </a:rPr>
+                        <m:t>(</m:t>
+                      </m:r>
+                      <m:r>
+                        <a:rPr kumimoji="1" lang="en-US" altLang="zh-CN" b="0" i="1" smtClean="0">
+                          <a:latin typeface="Cambria Math" charset="0"/>
+                          <a:ea typeface="Cambria Math" charset="0"/>
+                          <a:cs typeface="Cambria Math" charset="0"/>
+                        </a:rPr>
+                        <m:t>𝑆</m:t>
+                      </m:r>
+                      <m:r>
+                        <a:rPr kumimoji="1" lang="en-US" altLang="zh-CN" b="0" i="1" smtClean="0">
+                          <a:latin typeface="Cambria Math" charset="0"/>
+                          <a:ea typeface="Cambria Math" charset="0"/>
+                          <a:cs typeface="Cambria Math" charset="0"/>
+                        </a:rPr>
+                        <m:t>)=</m:t>
+                      </m:r>
+                      <m:nary>
+                        <m:naryPr>
+                          <m:chr m:val="∏"/>
+                          <m:ctrlPr>
+                            <a:rPr kumimoji="1" lang="is-IS" altLang="zh-CN" i="1">
+                              <a:latin typeface="Cambria Math" charset="0"/>
+                            </a:rPr>
+                          </m:ctrlPr>
+                        </m:naryPr>
+                        <m:sub>
+                          <m:r>
+                            <m:rPr>
+                              <m:brk m:alnAt="23"/>
+                            </m:rPr>
+                            <a:rPr kumimoji="1" lang="en-US" altLang="zh-CN" i="1">
+                              <a:latin typeface="Cambria Math" charset="0"/>
+                            </a:rPr>
+                            <m:t>𝑖</m:t>
+                          </m:r>
+                          <m:r>
+                            <a:rPr kumimoji="1" lang="en-US" altLang="zh-CN" i="1">
+                              <a:latin typeface="Cambria Math" charset="0"/>
+                            </a:rPr>
+                            <m:t>=</m:t>
+                          </m:r>
+                          <m:r>
+                            <a:rPr kumimoji="1" lang="en-US" altLang="zh-CN" b="0" i="1" smtClean="0">
+                              <a:latin typeface="Cambria Math" charset="0"/>
+                            </a:rPr>
+                            <m:t>1</m:t>
+                          </m:r>
+                        </m:sub>
+                        <m:sup>
+                          <m:r>
+                            <a:rPr kumimoji="1" lang="en-US" altLang="zh-CN" i="1">
+                              <a:latin typeface="Cambria Math" charset="0"/>
+                            </a:rPr>
+                            <m:t>𝑙</m:t>
+                          </m:r>
+                          <m:r>
+                            <a:rPr kumimoji="1" lang="en-US" altLang="zh-CN" b="0" i="1" smtClean="0">
+                              <a:latin typeface="Cambria Math" charset="0"/>
+                            </a:rPr>
+                            <m:t>+1</m:t>
+                          </m:r>
+                        </m:sup>
+                        <m:e>
+                          <m:r>
+                            <a:rPr kumimoji="1" lang="en-US" altLang="zh-CN" i="1">
+                              <a:latin typeface="Cambria Math" charset="0"/>
+                              <a:ea typeface="Cambria Math" charset="0"/>
+                              <a:cs typeface="Cambria Math" charset="0"/>
+                            </a:rPr>
+                            <m:t>𝑃</m:t>
+                          </m:r>
+                          <m:d>
+                            <m:dPr>
+                              <m:ctrlPr>
+                                <a:rPr kumimoji="1" lang="en-US" altLang="zh-CN" i="1">
+                                  <a:latin typeface="Cambria Math" charset="0"/>
+                                  <a:ea typeface="Cambria Math" charset="0"/>
+                                  <a:cs typeface="Cambria Math" charset="0"/>
+                                </a:rPr>
+                              </m:ctrlPr>
+                            </m:dPr>
+                            <m:e>
+                              <m:sSub>
+                                <m:sSubPr>
+                                  <m:ctrlPr>
+                                    <a:rPr kumimoji="1" lang="en-US" altLang="zh-CN" i="1">
+                                      <a:latin typeface="Cambria Math" charset="0"/>
+                                      <a:ea typeface="Cambria Math" charset="0"/>
+                                      <a:cs typeface="Cambria Math" charset="0"/>
+                                    </a:rPr>
+                                  </m:ctrlPr>
+                                </m:sSubPr>
+                                <m:e>
+                                  <m:r>
+                                    <a:rPr kumimoji="1" lang="en-US" altLang="zh-CN" i="1">
+                                      <a:latin typeface="Cambria Math" charset="0"/>
+                                      <a:ea typeface="Cambria Math" charset="0"/>
+                                      <a:cs typeface="Cambria Math" charset="0"/>
+                                    </a:rPr>
+                                    <m:t>𝑤</m:t>
+                                  </m:r>
+                                </m:e>
+                                <m:sub>
+                                  <m:r>
+                                    <a:rPr kumimoji="1" lang="en-US" altLang="zh-CN" i="1">
+                                      <a:latin typeface="Cambria Math" charset="0"/>
+                                      <a:ea typeface="Cambria Math" charset="0"/>
+                                      <a:cs typeface="Cambria Math" charset="0"/>
+                                    </a:rPr>
+                                    <m:t>𝑖</m:t>
+                                  </m:r>
+                                </m:sub>
+                              </m:sSub>
+                            </m:e>
+                            <m:e>
+                              <m:sSub>
+                                <m:sSubPr>
+                                  <m:ctrlPr>
+                                    <a:rPr kumimoji="1" lang="en-US" altLang="zh-CN" i="1">
+                                      <a:latin typeface="Cambria Math" charset="0"/>
+                                      <a:ea typeface="Cambria Math" charset="0"/>
+                                      <a:cs typeface="Cambria Math" charset="0"/>
+                                    </a:rPr>
+                                  </m:ctrlPr>
+                                </m:sSubPr>
+                                <m:e>
+                                  <m:r>
+                                    <a:rPr kumimoji="1" lang="en-US" altLang="zh-CN" i="1">
+                                      <a:latin typeface="Cambria Math" charset="0"/>
+                                      <a:ea typeface="Cambria Math" charset="0"/>
+                                      <a:cs typeface="Cambria Math" charset="0"/>
+                                    </a:rPr>
+                                    <m:t>𝑤</m:t>
+                                  </m:r>
+                                </m:e>
+                                <m:sub>
+                                  <m:r>
+                                    <a:rPr kumimoji="1" lang="en-US" altLang="zh-CN" i="1">
+                                      <a:latin typeface="Cambria Math" charset="0"/>
+                                      <a:ea typeface="Cambria Math" charset="0"/>
+                                      <a:cs typeface="Cambria Math" charset="0"/>
+                                    </a:rPr>
+                                    <m:t>𝑖</m:t>
+                                  </m:r>
+                                  <m:r>
+                                    <a:rPr kumimoji="1" lang="en-US" altLang="zh-CN" i="1">
+                                      <a:latin typeface="Cambria Math" charset="0"/>
+                                      <a:ea typeface="Cambria Math" charset="0"/>
+                                      <a:cs typeface="Cambria Math" charset="0"/>
+                                    </a:rPr>
+                                    <m:t>−</m:t>
+                                  </m:r>
+                                  <m:r>
+                                    <a:rPr kumimoji="1" lang="en-US" altLang="zh-CN" i="1">
+                                      <a:latin typeface="Cambria Math" charset="0"/>
+                                      <a:ea typeface="Cambria Math" charset="0"/>
+                                      <a:cs typeface="Cambria Math" charset="0"/>
+                                    </a:rPr>
+                                    <m:t>𝑛</m:t>
+                                  </m:r>
+                                  <m:r>
+                                    <a:rPr kumimoji="1" lang="en-US" altLang="zh-CN" i="1">
+                                      <a:latin typeface="Cambria Math" charset="0"/>
+                                      <a:ea typeface="Cambria Math" charset="0"/>
+                                      <a:cs typeface="Cambria Math" charset="0"/>
+                                    </a:rPr>
+                                    <m:t>+1</m:t>
+                                  </m:r>
+                                </m:sub>
+                              </m:sSub>
+                              <m:r>
+                                <a:rPr kumimoji="1" lang="en-US" altLang="zh-CN" i="1">
+                                  <a:latin typeface="Cambria Math" charset="0"/>
+                                  <a:ea typeface="Cambria Math" charset="0"/>
+                                  <a:cs typeface="Cambria Math" charset="0"/>
+                                </a:rPr>
+                                <m:t>,</m:t>
+                              </m:r>
+                              <m:sSub>
+                                <m:sSubPr>
+                                  <m:ctrlPr>
+                                    <a:rPr kumimoji="1" lang="en-US" altLang="zh-CN" i="1">
+                                      <a:latin typeface="Cambria Math" charset="0"/>
+                                      <a:ea typeface="Cambria Math" charset="0"/>
+                                      <a:cs typeface="Cambria Math" charset="0"/>
+                                    </a:rPr>
+                                  </m:ctrlPr>
+                                </m:sSubPr>
+                                <m:e>
+                                  <m:r>
+                                    <a:rPr kumimoji="1" lang="en-US" altLang="zh-CN" i="1">
+                                      <a:latin typeface="Cambria Math" charset="0"/>
+                                      <a:ea typeface="Cambria Math" charset="0"/>
+                                      <a:cs typeface="Cambria Math" charset="0"/>
+                                    </a:rPr>
+                                    <m:t>𝑤</m:t>
+                                  </m:r>
+                                </m:e>
+                                <m:sub>
+                                  <m:r>
+                                    <a:rPr kumimoji="1" lang="en-US" altLang="zh-CN" i="1">
+                                      <a:latin typeface="Cambria Math" charset="0"/>
+                                      <a:ea typeface="Cambria Math" charset="0"/>
+                                      <a:cs typeface="Cambria Math" charset="0"/>
+                                    </a:rPr>
+                                    <m:t>𝑖</m:t>
+                                  </m:r>
+                                  <m:r>
+                                    <a:rPr kumimoji="1" lang="en-US" altLang="zh-CN" i="1">
+                                      <a:latin typeface="Cambria Math" charset="0"/>
+                                      <a:ea typeface="Cambria Math" charset="0"/>
+                                      <a:cs typeface="Cambria Math" charset="0"/>
+                                    </a:rPr>
+                                    <m:t>−</m:t>
+                                  </m:r>
+                                  <m:r>
+                                    <a:rPr kumimoji="1" lang="en-US" altLang="zh-CN" i="1">
+                                      <a:latin typeface="Cambria Math" charset="0"/>
+                                      <a:ea typeface="Cambria Math" charset="0"/>
+                                      <a:cs typeface="Cambria Math" charset="0"/>
+                                    </a:rPr>
+                                    <m:t>𝑛</m:t>
+                                  </m:r>
+                                  <m:r>
+                                    <a:rPr kumimoji="1" lang="en-US" altLang="zh-CN" i="1">
+                                      <a:latin typeface="Cambria Math" charset="0"/>
+                                      <a:ea typeface="Cambria Math" charset="0"/>
+                                      <a:cs typeface="Cambria Math" charset="0"/>
+                                    </a:rPr>
+                                    <m:t>+2</m:t>
+                                  </m:r>
+                                </m:sub>
+                              </m:sSub>
+                              <m:r>
+                                <a:rPr kumimoji="1" lang="en-US" altLang="zh-CN" i="1">
+                                  <a:latin typeface="Cambria Math" charset="0"/>
+                                  <a:ea typeface="Cambria Math" charset="0"/>
+                                  <a:cs typeface="Cambria Math" charset="0"/>
+                                </a:rPr>
+                                <m:t>,…,</m:t>
+                              </m:r>
+                              <m:sSub>
+                                <m:sSubPr>
+                                  <m:ctrlPr>
+                                    <a:rPr kumimoji="1" lang="en-US" altLang="zh-CN" i="1">
+                                      <a:latin typeface="Cambria Math" charset="0"/>
+                                      <a:ea typeface="Cambria Math" charset="0"/>
+                                      <a:cs typeface="Cambria Math" charset="0"/>
+                                    </a:rPr>
+                                  </m:ctrlPr>
+                                </m:sSubPr>
+                                <m:e>
+                                  <m:r>
+                                    <a:rPr kumimoji="1" lang="en-US" altLang="zh-CN" i="1">
+                                      <a:latin typeface="Cambria Math" charset="0"/>
+                                      <a:ea typeface="Cambria Math" charset="0"/>
+                                      <a:cs typeface="Cambria Math" charset="0"/>
+                                    </a:rPr>
+                                    <m:t>𝑤</m:t>
+                                  </m:r>
+                                </m:e>
+                                <m:sub>
+                                  <m:r>
+                                    <a:rPr kumimoji="1" lang="en-US" altLang="zh-CN" i="1">
+                                      <a:latin typeface="Cambria Math" charset="0"/>
+                                      <a:ea typeface="Cambria Math" charset="0"/>
+                                      <a:cs typeface="Cambria Math" charset="0"/>
+                                    </a:rPr>
+                                    <m:t>𝑖</m:t>
+                                  </m:r>
+                                  <m:r>
+                                    <a:rPr kumimoji="1" lang="en-US" altLang="zh-CN" i="1">
+                                      <a:latin typeface="Cambria Math" charset="0"/>
+                                      <a:ea typeface="Cambria Math" charset="0"/>
+                                      <a:cs typeface="Cambria Math" charset="0"/>
+                                    </a:rPr>
+                                    <m:t>−1</m:t>
+                                  </m:r>
+                                </m:sub>
+                              </m:sSub>
+                            </m:e>
+                          </m:d>
+                        </m:e>
+                      </m:nary>
+                    </m:oMath>
+                  </m:oMathPara>
+                </a14:m>
+                <a:endParaRPr lang="zh-CN" altLang="en-US" dirty="0"/>
+              </a:p>
+            </p:txBody>
+          </p:sp>
+        </mc:Choice>
+        <mc:Fallback>
+          <p:sp>
+            <p:nvSpPr>
+              <p:cNvPr id="6" name="矩形 5"/>
+              <p:cNvSpPr>
+                <a:spLocks noRot="1" noChangeAspect="1" noMove="1" noResize="1" noEditPoints="1" noAdjustHandles="1" noChangeArrowheads="1" noChangeShapeType="1" noTextEdit="1"/>
+              </p:cNvSpPr>
+              <p:nvPr/>
+            </p:nvSpPr>
+            <p:spPr>
+              <a:xfrm>
+                <a:off x="838200" y="3796486"/>
+                <a:ext cx="4360232" cy="876907"/>
+              </a:xfrm>
+              <a:prstGeom prst="rect">
+                <a:avLst/>
+              </a:prstGeom>
+              <a:blipFill rotWithShape="0">
+                <a:blip r:embed="rId5"/>
+                <a:stretch>
+                  <a:fillRect/>
+                </a:stretch>
+              </a:blipFill>
+            </p:spPr>
+            <p:txBody>
+              <a:bodyPr/>
+              <a:lstStyle/>
+              <a:p>
+                <a:r>
+                  <a:rPr lang="zh-CN" altLang="en-US">
+                    <a:noFill/>
+                  </a:rPr>
+                  <a:t> </a:t>
+                </a:r>
+              </a:p>
+            </p:txBody>
+          </p:sp>
+        </mc:Fallback>
+      </mc:AlternateContent>
+    </p:spTree>
+    <p:extLst>
+      <p:ext uri="{BB962C8B-B14F-4D97-AF65-F5344CB8AC3E}">
+        <p14:creationId xmlns:p14="http://schemas.microsoft.com/office/powerpoint/2010/main" val="755877004"/>
       </p:ext>
     </p:extLst>
   </p:cSld>

--- a/doc/语言模型.pptx
+++ b/doc/语言模型.pptx
@@ -10,7 +10,8 @@
     <p:sldId id="258" r:id="rId4"/>
     <p:sldId id="259" r:id="rId5"/>
     <p:sldId id="260" r:id="rId6"/>
-    <p:sldId id="261" r:id="rId7"/>
+    <p:sldId id="262" r:id="rId7"/>
+    <p:sldId id="261" r:id="rId8"/>
   </p:sldIdLst>
   <p:sldSz cx="12192000" cy="6858000"/>
   <p:notesSz cx="6858000" cy="9144000"/>
@@ -248,7 +249,7 @@
           <a:p>
             <a:fld id="{DD953B38-0306-154E-8DDE-FF6339271E85}" type="datetimeFigureOut">
               <a:rPr kumimoji="1" lang="zh-CN" altLang="en-US" smtClean="0"/>
-              <a:t>2019/12/19</a:t>
+              <a:t>2019/12/22</a:t>
             </a:fld>
             <a:endParaRPr kumimoji="1" lang="zh-CN" altLang="en-US"/>
           </a:p>
@@ -418,7 +419,7 @@
           <a:p>
             <a:fld id="{DD953B38-0306-154E-8DDE-FF6339271E85}" type="datetimeFigureOut">
               <a:rPr kumimoji="1" lang="zh-CN" altLang="en-US" smtClean="0"/>
-              <a:t>2019/12/19</a:t>
+              <a:t>2019/12/22</a:t>
             </a:fld>
             <a:endParaRPr kumimoji="1" lang="zh-CN" altLang="en-US"/>
           </a:p>
@@ -598,7 +599,7 @@
           <a:p>
             <a:fld id="{DD953B38-0306-154E-8DDE-FF6339271E85}" type="datetimeFigureOut">
               <a:rPr kumimoji="1" lang="zh-CN" altLang="en-US" smtClean="0"/>
-              <a:t>2019/12/19</a:t>
+              <a:t>2019/12/22</a:t>
             </a:fld>
             <a:endParaRPr kumimoji="1" lang="zh-CN" altLang="en-US"/>
           </a:p>
@@ -768,7 +769,7 @@
           <a:p>
             <a:fld id="{DD953B38-0306-154E-8DDE-FF6339271E85}" type="datetimeFigureOut">
               <a:rPr kumimoji="1" lang="zh-CN" altLang="en-US" smtClean="0"/>
-              <a:t>2019/12/19</a:t>
+              <a:t>2019/12/22</a:t>
             </a:fld>
             <a:endParaRPr kumimoji="1" lang="zh-CN" altLang="en-US"/>
           </a:p>
@@ -1014,7 +1015,7 @@
           <a:p>
             <a:fld id="{DD953B38-0306-154E-8DDE-FF6339271E85}" type="datetimeFigureOut">
               <a:rPr kumimoji="1" lang="zh-CN" altLang="en-US" smtClean="0"/>
-              <a:t>2019/12/19</a:t>
+              <a:t>2019/12/22</a:t>
             </a:fld>
             <a:endParaRPr kumimoji="1" lang="zh-CN" altLang="en-US"/>
           </a:p>
@@ -1246,7 +1247,7 @@
           <a:p>
             <a:fld id="{DD953B38-0306-154E-8DDE-FF6339271E85}" type="datetimeFigureOut">
               <a:rPr kumimoji="1" lang="zh-CN" altLang="en-US" smtClean="0"/>
-              <a:t>2019/12/19</a:t>
+              <a:t>2019/12/22</a:t>
             </a:fld>
             <a:endParaRPr kumimoji="1" lang="zh-CN" altLang="en-US"/>
           </a:p>
@@ -1613,7 +1614,7 @@
           <a:p>
             <a:fld id="{DD953B38-0306-154E-8DDE-FF6339271E85}" type="datetimeFigureOut">
               <a:rPr kumimoji="1" lang="zh-CN" altLang="en-US" smtClean="0"/>
-              <a:t>2019/12/19</a:t>
+              <a:t>2019/12/22</a:t>
             </a:fld>
             <a:endParaRPr kumimoji="1" lang="zh-CN" altLang="en-US"/>
           </a:p>
@@ -1731,7 +1732,7 @@
           <a:p>
             <a:fld id="{DD953B38-0306-154E-8DDE-FF6339271E85}" type="datetimeFigureOut">
               <a:rPr kumimoji="1" lang="zh-CN" altLang="en-US" smtClean="0"/>
-              <a:t>2019/12/19</a:t>
+              <a:t>2019/12/22</a:t>
             </a:fld>
             <a:endParaRPr kumimoji="1" lang="zh-CN" altLang="en-US"/>
           </a:p>
@@ -1826,7 +1827,7 @@
           <a:p>
             <a:fld id="{DD953B38-0306-154E-8DDE-FF6339271E85}" type="datetimeFigureOut">
               <a:rPr kumimoji="1" lang="zh-CN" altLang="en-US" smtClean="0"/>
-              <a:t>2019/12/19</a:t>
+              <a:t>2019/12/22</a:t>
             </a:fld>
             <a:endParaRPr kumimoji="1" lang="zh-CN" altLang="en-US"/>
           </a:p>
@@ -2103,7 +2104,7 @@
           <a:p>
             <a:fld id="{DD953B38-0306-154E-8DDE-FF6339271E85}" type="datetimeFigureOut">
               <a:rPr kumimoji="1" lang="zh-CN" altLang="en-US" smtClean="0"/>
-              <a:t>2019/12/19</a:t>
+              <a:t>2019/12/22</a:t>
             </a:fld>
             <a:endParaRPr kumimoji="1" lang="zh-CN" altLang="en-US"/>
           </a:p>
@@ -2356,7 +2357,7 @@
           <a:p>
             <a:fld id="{DD953B38-0306-154E-8DDE-FF6339271E85}" type="datetimeFigureOut">
               <a:rPr kumimoji="1" lang="zh-CN" altLang="en-US" smtClean="0"/>
-              <a:t>2019/12/19</a:t>
+              <a:t>2019/12/22</a:t>
             </a:fld>
             <a:endParaRPr kumimoji="1" lang="zh-CN" altLang="en-US"/>
           </a:p>
@@ -2569,7 +2570,7 @@
           <a:p>
             <a:fld id="{DD953B38-0306-154E-8DDE-FF6339271E85}" type="datetimeFigureOut">
               <a:rPr kumimoji="1" lang="zh-CN" altLang="en-US" smtClean="0"/>
-              <a:t>2019/12/19</a:t>
+              <a:t>2019/12/22</a:t>
             </a:fld>
             <a:endParaRPr kumimoji="1" lang="zh-CN" altLang="en-US"/>
           </a:p>
@@ -12588,6 +12589,932 @@
           <a:lstStyle/>
           <a:p>
             <a:r>
+              <a:rPr kumimoji="1" lang="en-US" altLang="zh-CN" dirty="0" smtClean="0"/>
+              <a:t>n-gram</a:t>
+            </a:r>
+            <a:r>
+              <a:rPr kumimoji="1" lang="zh-CN" altLang="en-US" dirty="0" smtClean="0"/>
+              <a:t>平滑</a:t>
+            </a:r>
+            <a:r>
+              <a:rPr kumimoji="1" lang="en-US" altLang="zh-CN" dirty="0" smtClean="0"/>
+              <a:t>-Good-Turing</a:t>
+            </a:r>
+            <a:r>
+              <a:rPr kumimoji="1" lang="zh-CN" altLang="en-US" dirty="0" smtClean="0"/>
+              <a:t>法</a:t>
+            </a:r>
+            <a:endParaRPr kumimoji="1" lang="zh-CN" altLang="en-US" dirty="0"/>
+          </a:p>
+        </p:txBody>
+      </p:sp>
+      <mc:AlternateContent xmlns:mc="http://schemas.openxmlformats.org/markup-compatibility/2006">
+        <mc:Choice xmlns:a14="http://schemas.microsoft.com/office/drawing/2010/main" Requires="a14">
+          <p:sp>
+            <p:nvSpPr>
+              <p:cNvPr id="3" name="文本框 2"/>
+              <p:cNvSpPr txBox="1"/>
+              <p:nvPr/>
+            </p:nvSpPr>
+            <p:spPr>
+              <a:xfrm>
+                <a:off x="962247" y="1690688"/>
+                <a:ext cx="2391039" cy="582852"/>
+              </a:xfrm>
+              <a:prstGeom prst="rect">
+                <a:avLst/>
+              </a:prstGeom>
+              <a:noFill/>
+            </p:spPr>
+            <p:txBody>
+              <a:bodyPr wrap="none" lIns="0" tIns="0" rIns="0" bIns="0" rtlCol="0">
+                <a:spAutoFit/>
+              </a:bodyPr>
+              <a:lstStyle/>
+              <a:p>
+                <a14:m>
+                  <m:oMathPara xmlns:m="http://schemas.openxmlformats.org/officeDocument/2006/math">
+                    <m:oMathParaPr>
+                      <m:jc m:val="centerGroup"/>
+                    </m:oMathParaPr>
+                    <m:oMath xmlns:m="http://schemas.openxmlformats.org/officeDocument/2006/math">
+                      <m:sSub>
+                        <m:sSubPr>
+                          <m:ctrlPr>
+                            <a:rPr kumimoji="1" lang="en-US" altLang="zh-CN" i="1" smtClean="0">
+                              <a:latin typeface="Cambria Math" charset="0"/>
+                            </a:rPr>
+                          </m:ctrlPr>
+                        </m:sSubPr>
+                        <m:e>
+                          <m:r>
+                            <a:rPr kumimoji="1" lang="en-US" altLang="zh-CN" b="0" i="1" smtClean="0">
+                              <a:latin typeface="Cambria Math" charset="0"/>
+                            </a:rPr>
+                            <m:t>𝑃</m:t>
+                          </m:r>
+                        </m:e>
+                        <m:sub>
+                          <m:r>
+                            <a:rPr kumimoji="1" lang="en-US" altLang="zh-CN" b="0" i="1" smtClean="0">
+                              <a:latin typeface="Cambria Math" charset="0"/>
+                            </a:rPr>
+                            <m:t>𝐺𝑇</m:t>
+                          </m:r>
+                        </m:sub>
+                      </m:sSub>
+                      <m:r>
+                        <a:rPr kumimoji="1" lang="en-US" altLang="zh-CN" b="0" i="1" smtClean="0">
+                          <a:latin typeface="Cambria Math" charset="0"/>
+                        </a:rPr>
+                        <m:t>=</m:t>
+                      </m:r>
+                      <m:f>
+                        <m:fPr>
+                          <m:ctrlPr>
+                            <a:rPr kumimoji="1" lang="mr-IN" altLang="zh-CN" b="0" i="1" smtClean="0">
+                              <a:latin typeface="Cambria Math" charset="0"/>
+                            </a:rPr>
+                          </m:ctrlPr>
+                        </m:fPr>
+                        <m:num>
+                          <m:sSup>
+                            <m:sSupPr>
+                              <m:ctrlPr>
+                                <a:rPr kumimoji="1" lang="mr-IN" altLang="zh-CN" b="0" i="1" smtClean="0">
+                                  <a:latin typeface="Cambria Math" charset="0"/>
+                                </a:rPr>
+                              </m:ctrlPr>
+                            </m:sSupPr>
+                            <m:e>
+                              <m:r>
+                                <a:rPr kumimoji="1" lang="en-US" altLang="zh-CN" b="0" i="1" smtClean="0">
+                                  <a:latin typeface="Cambria Math" charset="0"/>
+                                </a:rPr>
+                                <m:t>𝑟</m:t>
+                              </m:r>
+                            </m:e>
+                            <m:sup>
+                              <m:r>
+                                <a:rPr kumimoji="1" lang="en-US" altLang="zh-CN" b="0" i="1" smtClean="0">
+                                  <a:latin typeface="Cambria Math" charset="0"/>
+                                </a:rPr>
+                                <m:t>∗</m:t>
+                              </m:r>
+                            </m:sup>
+                          </m:sSup>
+                        </m:num>
+                        <m:den>
+                          <m:r>
+                            <a:rPr kumimoji="1" lang="en-US" altLang="zh-CN" b="0" i="1" smtClean="0">
+                              <a:latin typeface="Cambria Math" charset="0"/>
+                            </a:rPr>
+                            <m:t>𝑁</m:t>
+                          </m:r>
+                        </m:den>
+                      </m:f>
+                      <m:r>
+                        <a:rPr kumimoji="1" lang="en-US" altLang="zh-CN" b="0" i="1" smtClean="0">
+                          <a:latin typeface="Cambria Math" charset="0"/>
+                        </a:rPr>
+                        <m:t>=</m:t>
+                      </m:r>
+                      <m:f>
+                        <m:fPr>
+                          <m:ctrlPr>
+                            <a:rPr kumimoji="1" lang="mr-IN" altLang="zh-CN" b="0" i="1" smtClean="0">
+                              <a:latin typeface="Cambria Math" charset="0"/>
+                            </a:rPr>
+                          </m:ctrlPr>
+                        </m:fPr>
+                        <m:num>
+                          <m:d>
+                            <m:dPr>
+                              <m:ctrlPr>
+                                <a:rPr kumimoji="1" lang="mr-IN" altLang="zh-CN" b="0" i="1" smtClean="0">
+                                  <a:latin typeface="Cambria Math" charset="0"/>
+                                </a:rPr>
+                              </m:ctrlPr>
+                            </m:dPr>
+                            <m:e>
+                              <m:r>
+                                <a:rPr kumimoji="1" lang="en-US" altLang="zh-CN" b="0" i="1" smtClean="0">
+                                  <a:latin typeface="Cambria Math" charset="0"/>
+                                </a:rPr>
+                                <m:t>𝑟</m:t>
+                              </m:r>
+                              <m:r>
+                                <a:rPr kumimoji="1" lang="en-US" altLang="zh-CN" b="0" i="1" smtClean="0">
+                                  <a:latin typeface="Cambria Math" charset="0"/>
+                                </a:rPr>
+                                <m:t>+1</m:t>
+                              </m:r>
+                            </m:e>
+                          </m:d>
+                          <m:sSub>
+                            <m:sSubPr>
+                              <m:ctrlPr>
+                                <a:rPr kumimoji="1" lang="en-US" altLang="zh-CN" b="0" i="1" smtClean="0">
+                                  <a:latin typeface="Cambria Math" charset="0"/>
+                                </a:rPr>
+                              </m:ctrlPr>
+                            </m:sSubPr>
+                            <m:e>
+                              <m:r>
+                                <a:rPr kumimoji="1" lang="en-US" altLang="zh-CN" b="0" i="1" smtClean="0">
+                                  <a:latin typeface="Cambria Math" charset="0"/>
+                                </a:rPr>
+                                <m:t>𝑛</m:t>
+                              </m:r>
+                            </m:e>
+                            <m:sub>
+                              <m:r>
+                                <a:rPr kumimoji="1" lang="en-US" altLang="zh-CN" b="0" i="1" smtClean="0">
+                                  <a:latin typeface="Cambria Math" charset="0"/>
+                                </a:rPr>
+                                <m:t>𝑟</m:t>
+                              </m:r>
+                              <m:r>
+                                <a:rPr kumimoji="1" lang="en-US" altLang="zh-CN" b="0" i="1" smtClean="0">
+                                  <a:latin typeface="Cambria Math" charset="0"/>
+                                </a:rPr>
+                                <m:t>+1</m:t>
+                              </m:r>
+                            </m:sub>
+                          </m:sSub>
+                        </m:num>
+                        <m:den>
+                          <m:r>
+                            <a:rPr kumimoji="1" lang="en-US" altLang="zh-CN" b="0" i="1" smtClean="0">
+                              <a:latin typeface="Cambria Math" charset="0"/>
+                            </a:rPr>
+                            <m:t>𝑁</m:t>
+                          </m:r>
+                          <m:sSub>
+                            <m:sSubPr>
+                              <m:ctrlPr>
+                                <a:rPr kumimoji="1" lang="en-US" altLang="zh-CN" b="0" i="1" smtClean="0">
+                                  <a:latin typeface="Cambria Math" charset="0"/>
+                                </a:rPr>
+                              </m:ctrlPr>
+                            </m:sSubPr>
+                            <m:e>
+                              <m:r>
+                                <a:rPr kumimoji="1" lang="en-US" altLang="zh-CN" b="0" i="1" smtClean="0">
+                                  <a:latin typeface="Cambria Math" charset="0"/>
+                                </a:rPr>
+                                <m:t>𝑛</m:t>
+                              </m:r>
+                            </m:e>
+                            <m:sub>
+                              <m:r>
+                                <a:rPr kumimoji="1" lang="en-US" altLang="zh-CN" b="0" i="1" smtClean="0">
+                                  <a:latin typeface="Cambria Math" charset="0"/>
+                                </a:rPr>
+                                <m:t>𝑟</m:t>
+                              </m:r>
+                            </m:sub>
+                          </m:sSub>
+                        </m:den>
+                      </m:f>
+                    </m:oMath>
+                  </m:oMathPara>
+                </a14:m>
+                <a:endParaRPr kumimoji="1" lang="zh-CN" altLang="en-US" dirty="0"/>
+              </a:p>
+            </p:txBody>
+          </p:sp>
+        </mc:Choice>
+        <mc:Fallback>
+          <p:sp>
+            <p:nvSpPr>
+              <p:cNvPr id="3" name="文本框 2"/>
+              <p:cNvSpPr txBox="1">
+                <a:spLocks noRot="1" noChangeAspect="1" noMove="1" noResize="1" noEditPoints="1" noAdjustHandles="1" noChangeArrowheads="1" noChangeShapeType="1" noTextEdit="1"/>
+              </p:cNvSpPr>
+              <p:nvPr/>
+            </p:nvSpPr>
+            <p:spPr>
+              <a:xfrm>
+                <a:off x="962247" y="1690688"/>
+                <a:ext cx="2391039" cy="582852"/>
+              </a:xfrm>
+              <a:prstGeom prst="rect">
+                <a:avLst/>
+              </a:prstGeom>
+              <a:blipFill rotWithShape="0">
+                <a:blip r:embed="rId2"/>
+                <a:stretch>
+                  <a:fillRect/>
+                </a:stretch>
+              </a:blipFill>
+            </p:spPr>
+            <p:txBody>
+              <a:bodyPr/>
+              <a:lstStyle/>
+              <a:p>
+                <a:r>
+                  <a:rPr lang="zh-CN" altLang="en-US">
+                    <a:noFill/>
+                  </a:rPr>
+                  <a:t> </a:t>
+                </a:r>
+              </a:p>
+            </p:txBody>
+          </p:sp>
+        </mc:Fallback>
+      </mc:AlternateContent>
+      <p:sp>
+        <p:nvSpPr>
+          <p:cNvPr id="4" name="文本框 3"/>
+          <p:cNvSpPr txBox="1"/>
+          <p:nvPr/>
+        </p:nvSpPr>
+        <p:spPr>
+          <a:xfrm>
+            <a:off x="962247" y="2646919"/>
+            <a:ext cx="877163" cy="369332"/>
+          </a:xfrm>
+          <a:prstGeom prst="rect">
+            <a:avLst/>
+          </a:prstGeom>
+          <a:noFill/>
+        </p:spPr>
+        <p:txBody>
+          <a:bodyPr wrap="none" rtlCol="0">
+            <a:spAutoFit/>
+          </a:bodyPr>
+          <a:lstStyle/>
+          <a:p>
+            <a:r>
+              <a:rPr kumimoji="1" lang="zh-CN" altLang="en-US" dirty="0" smtClean="0"/>
+              <a:t>其中，</a:t>
+            </a:r>
+            <a:endParaRPr kumimoji="1" lang="zh-CN" altLang="en-US" dirty="0"/>
+          </a:p>
+        </p:txBody>
+      </p:sp>
+      <mc:AlternateContent xmlns:mc="http://schemas.openxmlformats.org/markup-compatibility/2006">
+        <mc:Choice xmlns:a14="http://schemas.microsoft.com/office/drawing/2010/main" Requires="a14">
+          <p:sp>
+            <p:nvSpPr>
+              <p:cNvPr id="7" name="文本框 6"/>
+              <p:cNvSpPr txBox="1"/>
+              <p:nvPr/>
+            </p:nvSpPr>
+            <p:spPr>
+              <a:xfrm>
+                <a:off x="1684913" y="2693085"/>
+                <a:ext cx="308994" cy="276999"/>
+              </a:xfrm>
+              <a:prstGeom prst="rect">
+                <a:avLst/>
+              </a:prstGeom>
+              <a:noFill/>
+            </p:spPr>
+            <p:txBody>
+              <a:bodyPr wrap="none" lIns="0" tIns="0" rIns="0" bIns="0" rtlCol="0">
+                <a:spAutoFit/>
+              </a:bodyPr>
+              <a:lstStyle/>
+              <a:p>
+                <a14:m>
+                  <m:oMathPara xmlns:m="http://schemas.openxmlformats.org/officeDocument/2006/math">
+                    <m:oMathParaPr>
+                      <m:jc m:val="centerGroup"/>
+                    </m:oMathParaPr>
+                    <m:oMath xmlns:m="http://schemas.openxmlformats.org/officeDocument/2006/math">
+                      <m:sSub>
+                        <m:sSubPr>
+                          <m:ctrlPr>
+                            <a:rPr kumimoji="1" lang="en-US" altLang="zh-CN" i="1" smtClean="0">
+                              <a:latin typeface="Cambria Math" charset="0"/>
+                            </a:rPr>
+                          </m:ctrlPr>
+                        </m:sSubPr>
+                        <m:e>
+                          <m:r>
+                            <a:rPr kumimoji="1" lang="en-US" altLang="zh-CN" b="0" i="1" smtClean="0">
+                              <a:latin typeface="Cambria Math" charset="0"/>
+                            </a:rPr>
+                            <m:t>𝑛</m:t>
+                          </m:r>
+                        </m:e>
+                        <m:sub>
+                          <m:r>
+                            <a:rPr kumimoji="1" lang="en-US" altLang="zh-CN" b="0" i="1" smtClean="0">
+                              <a:latin typeface="Cambria Math" charset="0"/>
+                            </a:rPr>
+                            <m:t>𝑥</m:t>
+                          </m:r>
+                        </m:sub>
+                      </m:sSub>
+                    </m:oMath>
+                  </m:oMathPara>
+                </a14:m>
+                <a:endParaRPr kumimoji="1" lang="zh-CN" altLang="en-US" dirty="0"/>
+              </a:p>
+            </p:txBody>
+          </p:sp>
+        </mc:Choice>
+        <mc:Fallback>
+          <p:sp>
+            <p:nvSpPr>
+              <p:cNvPr id="7" name="文本框 6"/>
+              <p:cNvSpPr txBox="1">
+                <a:spLocks noRot="1" noChangeAspect="1" noMove="1" noResize="1" noEditPoints="1" noAdjustHandles="1" noChangeArrowheads="1" noChangeShapeType="1" noTextEdit="1"/>
+              </p:cNvSpPr>
+              <p:nvPr/>
+            </p:nvSpPr>
+            <p:spPr>
+              <a:xfrm>
+                <a:off x="1684913" y="2693085"/>
+                <a:ext cx="308994" cy="276999"/>
+              </a:xfrm>
+              <a:prstGeom prst="rect">
+                <a:avLst/>
+              </a:prstGeom>
+              <a:blipFill rotWithShape="0">
+                <a:blip r:embed="rId3"/>
+                <a:stretch>
+                  <a:fillRect l="-7843" r="-1961" b="-11111"/>
+                </a:stretch>
+              </a:blipFill>
+            </p:spPr>
+            <p:txBody>
+              <a:bodyPr/>
+              <a:lstStyle/>
+              <a:p>
+                <a:r>
+                  <a:rPr lang="zh-CN" altLang="en-US">
+                    <a:noFill/>
+                  </a:rPr>
+                  <a:t> </a:t>
+                </a:r>
+              </a:p>
+            </p:txBody>
+          </p:sp>
+        </mc:Fallback>
+      </mc:AlternateContent>
+      <mc:AlternateContent xmlns:mc="http://schemas.openxmlformats.org/markup-compatibility/2006">
+        <mc:Choice xmlns:a14="http://schemas.microsoft.com/office/drawing/2010/main" Requires="a14">
+          <p:sp>
+            <p:nvSpPr>
+              <p:cNvPr id="8" name="文本框 7"/>
+              <p:cNvSpPr txBox="1"/>
+              <p:nvPr/>
+            </p:nvSpPr>
+            <p:spPr>
+              <a:xfrm>
+                <a:off x="1993907" y="2646919"/>
+                <a:ext cx="2623410" cy="369332"/>
+              </a:xfrm>
+              <a:prstGeom prst="rect">
+                <a:avLst/>
+              </a:prstGeom>
+              <a:noFill/>
+            </p:spPr>
+            <p:txBody>
+              <a:bodyPr wrap="none" rtlCol="0">
+                <a:spAutoFit/>
+              </a:bodyPr>
+              <a:lstStyle/>
+              <a:p>
+                <a:r>
+                  <a:rPr kumimoji="1" lang="zh-CN" altLang="en-US" dirty="0" smtClean="0"/>
+                  <a:t>表示出现</a:t>
+                </a:r>
+                <a14:m>
+                  <m:oMath xmlns:m="http://schemas.openxmlformats.org/officeDocument/2006/math">
+                    <m:r>
+                      <a:rPr kumimoji="1" lang="en-US" altLang="zh-CN" b="0" i="1" smtClean="0">
+                        <a:latin typeface="Cambria Math" charset="0"/>
+                      </a:rPr>
+                      <m:t>𝑥</m:t>
+                    </m:r>
+                  </m:oMath>
+                </a14:m>
+                <a:r>
+                  <a:rPr kumimoji="1" lang="zh-CN" altLang="en-US" dirty="0" smtClean="0"/>
+                  <a:t>次的基元数量</a:t>
+                </a:r>
+                <a:endParaRPr kumimoji="1" lang="zh-CN" altLang="en-US" dirty="0"/>
+              </a:p>
+            </p:txBody>
+          </p:sp>
+        </mc:Choice>
+        <mc:Fallback>
+          <p:sp>
+            <p:nvSpPr>
+              <p:cNvPr id="8" name="文本框 7"/>
+              <p:cNvSpPr txBox="1">
+                <a:spLocks noRot="1" noChangeAspect="1" noMove="1" noResize="1" noEditPoints="1" noAdjustHandles="1" noChangeArrowheads="1" noChangeShapeType="1" noTextEdit="1"/>
+              </p:cNvSpPr>
+              <p:nvPr/>
+            </p:nvSpPr>
+            <p:spPr>
+              <a:xfrm>
+                <a:off x="1993907" y="2646919"/>
+                <a:ext cx="2623410" cy="369332"/>
+              </a:xfrm>
+              <a:prstGeom prst="rect">
+                <a:avLst/>
+              </a:prstGeom>
+              <a:blipFill rotWithShape="0">
+                <a:blip r:embed="rId4"/>
+                <a:stretch>
+                  <a:fillRect l="-1860" t="-8197" r="-1860" b="-24590"/>
+                </a:stretch>
+              </a:blipFill>
+            </p:spPr>
+            <p:txBody>
+              <a:bodyPr/>
+              <a:lstStyle/>
+              <a:p>
+                <a:r>
+                  <a:rPr lang="zh-CN" altLang="en-US">
+                    <a:noFill/>
+                  </a:rPr>
+                  <a:t> </a:t>
+                </a:r>
+              </a:p>
+            </p:txBody>
+          </p:sp>
+        </mc:Fallback>
+      </mc:AlternateContent>
+      <mc:AlternateContent xmlns:mc="http://schemas.openxmlformats.org/markup-compatibility/2006">
+        <mc:Choice xmlns:a14="http://schemas.microsoft.com/office/drawing/2010/main" Requires="a14">
+          <p:sp>
+            <p:nvSpPr>
+              <p:cNvPr id="9" name="文本框 8"/>
+              <p:cNvSpPr txBox="1"/>
+              <p:nvPr/>
+            </p:nvSpPr>
+            <p:spPr>
+              <a:xfrm>
+                <a:off x="962247" y="3229771"/>
+                <a:ext cx="1781642" cy="519694"/>
+              </a:xfrm>
+              <a:prstGeom prst="rect">
+                <a:avLst/>
+              </a:prstGeom>
+              <a:noFill/>
+            </p:spPr>
+            <p:txBody>
+              <a:bodyPr wrap="none" lIns="0" tIns="0" rIns="0" bIns="0" rtlCol="0">
+                <a:spAutoFit/>
+              </a:bodyPr>
+              <a:lstStyle/>
+              <a:p>
+                <a14:m>
+                  <m:oMathPara xmlns:m="http://schemas.openxmlformats.org/officeDocument/2006/math">
+                    <m:oMathParaPr>
+                      <m:jc m:val="centerGroup"/>
+                    </m:oMathParaPr>
+                    <m:oMath xmlns:m="http://schemas.openxmlformats.org/officeDocument/2006/math">
+                      <m:sSup>
+                        <m:sSupPr>
+                          <m:ctrlPr>
+                            <a:rPr kumimoji="1" lang="en-US" altLang="zh-CN" i="1" smtClean="0">
+                              <a:latin typeface="Cambria Math" charset="0"/>
+                            </a:rPr>
+                          </m:ctrlPr>
+                        </m:sSupPr>
+                        <m:e>
+                          <m:r>
+                            <a:rPr kumimoji="1" lang="en-US" altLang="zh-CN" b="0" i="1" smtClean="0">
+                              <a:latin typeface="Cambria Math" charset="0"/>
+                            </a:rPr>
+                            <m:t>𝑟</m:t>
+                          </m:r>
+                        </m:e>
+                        <m:sup>
+                          <m:r>
+                            <a:rPr kumimoji="1" lang="en-US" altLang="zh-CN" b="0" i="1" smtClean="0">
+                              <a:latin typeface="Cambria Math" charset="0"/>
+                            </a:rPr>
+                            <m:t>∗</m:t>
+                          </m:r>
+                        </m:sup>
+                      </m:sSup>
+                      <m:r>
+                        <a:rPr kumimoji="1" lang="en-US" altLang="zh-CN" b="0" i="1" smtClean="0">
+                          <a:latin typeface="Cambria Math" charset="0"/>
+                        </a:rPr>
+                        <m:t>=(</m:t>
+                      </m:r>
+                      <m:r>
+                        <a:rPr kumimoji="1" lang="en-US" altLang="zh-CN" b="0" i="1" smtClean="0">
+                          <a:latin typeface="Cambria Math" charset="0"/>
+                        </a:rPr>
+                        <m:t>𝑟</m:t>
+                      </m:r>
+                      <m:r>
+                        <a:rPr kumimoji="1" lang="en-US" altLang="zh-CN" b="0" i="1" smtClean="0">
+                          <a:latin typeface="Cambria Math" charset="0"/>
+                        </a:rPr>
+                        <m:t>+1)</m:t>
+                      </m:r>
+                      <m:f>
+                        <m:fPr>
+                          <m:ctrlPr>
+                            <a:rPr kumimoji="1" lang="mr-IN" altLang="zh-CN" b="0" i="1" smtClean="0">
+                              <a:latin typeface="Cambria Math" charset="0"/>
+                            </a:rPr>
+                          </m:ctrlPr>
+                        </m:fPr>
+                        <m:num>
+                          <m:sSub>
+                            <m:sSubPr>
+                              <m:ctrlPr>
+                                <a:rPr kumimoji="1" lang="en-US" altLang="zh-CN" b="0" i="1" smtClean="0">
+                                  <a:latin typeface="Cambria Math" charset="0"/>
+                                </a:rPr>
+                              </m:ctrlPr>
+                            </m:sSubPr>
+                            <m:e>
+                              <m:r>
+                                <a:rPr kumimoji="1" lang="en-US" altLang="zh-CN" b="0" i="1" smtClean="0">
+                                  <a:latin typeface="Cambria Math" charset="0"/>
+                                </a:rPr>
+                                <m:t>𝑛</m:t>
+                              </m:r>
+                            </m:e>
+                            <m:sub>
+                              <m:r>
+                                <a:rPr kumimoji="1" lang="en-US" altLang="zh-CN" b="0" i="1" smtClean="0">
+                                  <a:latin typeface="Cambria Math" charset="0"/>
+                                </a:rPr>
+                                <m:t>𝑟</m:t>
+                              </m:r>
+                              <m:r>
+                                <a:rPr kumimoji="1" lang="en-US" altLang="zh-CN" b="0" i="1" smtClean="0">
+                                  <a:latin typeface="Cambria Math" charset="0"/>
+                                </a:rPr>
+                                <m:t>+1</m:t>
+                              </m:r>
+                            </m:sub>
+                          </m:sSub>
+                        </m:num>
+                        <m:den>
+                          <m:sSub>
+                            <m:sSubPr>
+                              <m:ctrlPr>
+                                <a:rPr kumimoji="1" lang="en-US" altLang="zh-CN" b="0" i="1" smtClean="0">
+                                  <a:latin typeface="Cambria Math" charset="0"/>
+                                </a:rPr>
+                              </m:ctrlPr>
+                            </m:sSubPr>
+                            <m:e>
+                              <m:r>
+                                <a:rPr kumimoji="1" lang="en-US" altLang="zh-CN" b="0" i="1" smtClean="0">
+                                  <a:latin typeface="Cambria Math" charset="0"/>
+                                </a:rPr>
+                                <m:t>𝑛</m:t>
+                              </m:r>
+                            </m:e>
+                            <m:sub>
+                              <m:r>
+                                <a:rPr kumimoji="1" lang="en-US" altLang="zh-CN" b="0" i="1" smtClean="0">
+                                  <a:latin typeface="Cambria Math" charset="0"/>
+                                </a:rPr>
+                                <m:t>𝑟</m:t>
+                              </m:r>
+                            </m:sub>
+                          </m:sSub>
+                        </m:den>
+                      </m:f>
+                    </m:oMath>
+                  </m:oMathPara>
+                </a14:m>
+                <a:endParaRPr kumimoji="1" lang="zh-CN" altLang="en-US" dirty="0"/>
+              </a:p>
+            </p:txBody>
+          </p:sp>
+        </mc:Choice>
+        <mc:Fallback>
+          <p:sp>
+            <p:nvSpPr>
+              <p:cNvPr id="9" name="文本框 8"/>
+              <p:cNvSpPr txBox="1">
+                <a:spLocks noRot="1" noChangeAspect="1" noMove="1" noResize="1" noEditPoints="1" noAdjustHandles="1" noChangeArrowheads="1" noChangeShapeType="1" noTextEdit="1"/>
+              </p:cNvSpPr>
+              <p:nvPr/>
+            </p:nvSpPr>
+            <p:spPr>
+              <a:xfrm>
+                <a:off x="962247" y="3229771"/>
+                <a:ext cx="1781642" cy="519694"/>
+              </a:xfrm>
+              <a:prstGeom prst="rect">
+                <a:avLst/>
+              </a:prstGeom>
+              <a:blipFill rotWithShape="0">
+                <a:blip r:embed="rId5"/>
+                <a:stretch>
+                  <a:fillRect/>
+                </a:stretch>
+              </a:blipFill>
+            </p:spPr>
+            <p:txBody>
+              <a:bodyPr/>
+              <a:lstStyle/>
+              <a:p>
+                <a:r>
+                  <a:rPr lang="zh-CN" altLang="en-US">
+                    <a:noFill/>
+                  </a:rPr>
+                  <a:t> </a:t>
+                </a:r>
+              </a:p>
+            </p:txBody>
+          </p:sp>
+        </mc:Fallback>
+      </mc:AlternateContent>
+      <p:sp>
+        <p:nvSpPr>
+          <p:cNvPr id="10" name="文本框 9"/>
+          <p:cNvSpPr txBox="1"/>
+          <p:nvPr/>
+        </p:nvSpPr>
+        <p:spPr>
+          <a:xfrm>
+            <a:off x="2743889" y="3304952"/>
+            <a:ext cx="646331" cy="369332"/>
+          </a:xfrm>
+          <a:prstGeom prst="rect">
+            <a:avLst/>
+          </a:prstGeom>
+          <a:noFill/>
+        </p:spPr>
+        <p:txBody>
+          <a:bodyPr wrap="none" rtlCol="0">
+            <a:spAutoFit/>
+          </a:bodyPr>
+          <a:lstStyle/>
+          <a:p>
+            <a:r>
+              <a:rPr kumimoji="1" lang="zh-CN" altLang="en-US" smtClean="0"/>
+              <a:t>满足</a:t>
+            </a:r>
+            <a:endParaRPr kumimoji="1" lang="zh-CN" altLang="en-US"/>
+          </a:p>
+        </p:txBody>
+      </p:sp>
+      <mc:AlternateContent xmlns:mc="http://schemas.openxmlformats.org/markup-compatibility/2006">
+        <mc:Choice xmlns:a14="http://schemas.microsoft.com/office/drawing/2010/main" Requires="a14">
+          <p:sp>
+            <p:nvSpPr>
+              <p:cNvPr id="11" name="文本框 10"/>
+              <p:cNvSpPr txBox="1"/>
+              <p:nvPr/>
+            </p:nvSpPr>
+            <p:spPr>
+              <a:xfrm>
+                <a:off x="3390220" y="3215793"/>
+                <a:ext cx="1143455" cy="533672"/>
+              </a:xfrm>
+              <a:prstGeom prst="rect">
+                <a:avLst/>
+              </a:prstGeom>
+              <a:noFill/>
+            </p:spPr>
+            <p:txBody>
+              <a:bodyPr wrap="none" lIns="0" tIns="0" rIns="0" bIns="0" rtlCol="0">
+                <a:spAutoFit/>
+              </a:bodyPr>
+              <a:lstStyle/>
+              <a:p>
+                <a14:m>
+                  <m:oMathPara xmlns:m="http://schemas.openxmlformats.org/officeDocument/2006/math">
+                    <m:oMathParaPr>
+                      <m:jc m:val="centerGroup"/>
+                    </m:oMathParaPr>
+                    <m:oMath xmlns:m="http://schemas.openxmlformats.org/officeDocument/2006/math">
+                      <m:f>
+                        <m:fPr>
+                          <m:ctrlPr>
+                            <a:rPr kumimoji="1" lang="mr-IN" altLang="zh-CN" i="1" smtClean="0">
+                              <a:latin typeface="Cambria Math" charset="0"/>
+                            </a:rPr>
+                          </m:ctrlPr>
+                        </m:fPr>
+                        <m:num>
+                          <m:nary>
+                            <m:naryPr>
+                              <m:chr m:val="∑"/>
+                              <m:subHide m:val="on"/>
+                              <m:supHide m:val="on"/>
+                              <m:ctrlPr>
+                                <a:rPr kumimoji="1" lang="mr-IN" altLang="zh-CN" i="1" smtClean="0">
+                                  <a:latin typeface="Cambria Math" charset="0"/>
+                                </a:rPr>
+                              </m:ctrlPr>
+                            </m:naryPr>
+                            <m:sub/>
+                            <m:sup/>
+                            <m:e>
+                              <m:sSub>
+                                <m:sSubPr>
+                                  <m:ctrlPr>
+                                    <a:rPr kumimoji="1" lang="en-US" altLang="zh-CN" i="1" smtClean="0">
+                                      <a:latin typeface="Cambria Math" charset="0"/>
+                                    </a:rPr>
+                                  </m:ctrlPr>
+                                </m:sSubPr>
+                                <m:e>
+                                  <m:r>
+                                    <a:rPr kumimoji="1" lang="en-US" altLang="zh-CN" b="0" i="1" smtClean="0">
+                                      <a:latin typeface="Cambria Math" charset="0"/>
+                                    </a:rPr>
+                                    <m:t>𝑛</m:t>
+                                  </m:r>
+                                </m:e>
+                                <m:sub>
+                                  <m:r>
+                                    <a:rPr kumimoji="1" lang="en-US" altLang="zh-CN" b="0" i="1" smtClean="0">
+                                      <a:latin typeface="Cambria Math" charset="0"/>
+                                    </a:rPr>
+                                    <m:t>𝑟</m:t>
+                                  </m:r>
+                                </m:sub>
+                              </m:sSub>
+                              <m:sSup>
+                                <m:sSupPr>
+                                  <m:ctrlPr>
+                                    <a:rPr kumimoji="1" lang="en-US" altLang="zh-CN" i="1" smtClean="0">
+                                      <a:latin typeface="Cambria Math" charset="0"/>
+                                    </a:rPr>
+                                  </m:ctrlPr>
+                                </m:sSupPr>
+                                <m:e>
+                                  <m:r>
+                                    <a:rPr kumimoji="1" lang="en-US" altLang="zh-CN" b="0" i="1" smtClean="0">
+                                      <a:latin typeface="Cambria Math" charset="0"/>
+                                    </a:rPr>
+                                    <m:t>𝑟</m:t>
+                                  </m:r>
+                                </m:e>
+                                <m:sup>
+                                  <m:r>
+                                    <a:rPr kumimoji="1" lang="en-US" altLang="zh-CN" b="0" i="1" smtClean="0">
+                                      <a:latin typeface="Cambria Math" charset="0"/>
+                                    </a:rPr>
+                                    <m:t>∗</m:t>
+                                  </m:r>
+                                </m:sup>
+                              </m:sSup>
+                            </m:e>
+                          </m:nary>
+                        </m:num>
+                        <m:den>
+                          <m:r>
+                            <a:rPr kumimoji="1" lang="en-US" altLang="zh-CN" b="0" i="1" smtClean="0">
+                              <a:latin typeface="Cambria Math" charset="0"/>
+                            </a:rPr>
+                            <m:t>𝑁</m:t>
+                          </m:r>
+                        </m:den>
+                      </m:f>
+                      <m:r>
+                        <a:rPr kumimoji="1" lang="en-US" altLang="zh-CN" b="0" i="1" smtClean="0">
+                          <a:latin typeface="Cambria Math" charset="0"/>
+                        </a:rPr>
+                        <m:t>=1</m:t>
+                      </m:r>
+                    </m:oMath>
+                  </m:oMathPara>
+                </a14:m>
+                <a:endParaRPr kumimoji="1" lang="zh-CN" altLang="en-US" dirty="0"/>
+              </a:p>
+            </p:txBody>
+          </p:sp>
+        </mc:Choice>
+        <mc:Fallback>
+          <p:sp>
+            <p:nvSpPr>
+              <p:cNvPr id="11" name="文本框 10"/>
+              <p:cNvSpPr txBox="1">
+                <a:spLocks noRot="1" noChangeAspect="1" noMove="1" noResize="1" noEditPoints="1" noAdjustHandles="1" noChangeArrowheads="1" noChangeShapeType="1" noTextEdit="1"/>
+              </p:cNvSpPr>
+              <p:nvPr/>
+            </p:nvSpPr>
+            <p:spPr>
+              <a:xfrm>
+                <a:off x="3390220" y="3215793"/>
+                <a:ext cx="1143455" cy="533672"/>
+              </a:xfrm>
+              <a:prstGeom prst="rect">
+                <a:avLst/>
+              </a:prstGeom>
+              <a:blipFill rotWithShape="0">
+                <a:blip r:embed="rId6"/>
+                <a:stretch>
+                  <a:fillRect/>
+                </a:stretch>
+              </a:blipFill>
+            </p:spPr>
+            <p:txBody>
+              <a:bodyPr/>
+              <a:lstStyle/>
+              <a:p>
+                <a:r>
+                  <a:rPr lang="zh-CN" altLang="en-US">
+                    <a:noFill/>
+                  </a:rPr>
+                  <a:t> </a:t>
+                </a:r>
+              </a:p>
+            </p:txBody>
+          </p:sp>
+        </mc:Fallback>
+      </mc:AlternateContent>
+    </p:spTree>
+    <p:extLst>
+      <p:ext uri="{BB962C8B-B14F-4D97-AF65-F5344CB8AC3E}">
+        <p14:creationId xmlns:p14="http://schemas.microsoft.com/office/powerpoint/2010/main" val="1174415572"/>
+      </p:ext>
+    </p:extLst>
+  </p:cSld>
+  <p:clrMapOvr>
+    <a:masterClrMapping/>
+  </p:clrMapOvr>
+</p:sld>
+</file>
+
+<file path=ppt/slides/slide7.xml><?xml version="1.0" encoding="utf-8"?>
+<p:sld xmlns:a="http://schemas.openxmlformats.org/drawingml/2006/main" xmlns:r="http://schemas.openxmlformats.org/officeDocument/2006/relationships" xmlns:p="http://schemas.openxmlformats.org/presentationml/2006/main">
+  <p:cSld>
+    <p:spTree>
+      <p:nvGrpSpPr>
+        <p:cNvPr id="1" name=""/>
+        <p:cNvGrpSpPr/>
+        <p:nvPr/>
+      </p:nvGrpSpPr>
+      <p:grpSpPr>
+        <a:xfrm>
+          <a:off x="0" y="0"/>
+          <a:ext cx="0" cy="0"/>
+          <a:chOff x="0" y="0"/>
+          <a:chExt cx="0" cy="0"/>
+        </a:xfrm>
+      </p:grpSpPr>
+      <p:sp>
+        <p:nvSpPr>
+          <p:cNvPr id="2" name="标题 1"/>
+          <p:cNvSpPr>
+            <a:spLocks noGrp="1"/>
+          </p:cNvSpPr>
+          <p:nvPr>
+            <p:ph type="title"/>
+          </p:nvPr>
+        </p:nvSpPr>
+        <p:spPr/>
+        <p:txBody>
+          <a:bodyPr/>
+          <a:lstStyle/>
+          <a:p>
+            <a:r>
               <a:rPr kumimoji="1" lang="zh-CN" altLang="en-US" dirty="0" smtClean="0"/>
               <a:t>语言模型与</a:t>
             </a:r>
@@ -12603,8 +13530,8 @@
           </a:p>
         </p:txBody>
       </p:sp>
-      <mc:AlternateContent xmlns:mc="http://schemas.openxmlformats.org/markup-compatibility/2006">
-        <mc:Choice xmlns:a14="http://schemas.microsoft.com/office/drawing/2010/main" Requires="a14">
+      <mc:AlternateContent xmlns:mc="http://schemas.openxmlformats.org/markup-compatibility/2006" xmlns:a14="http://schemas.microsoft.com/office/drawing/2010/main">
+        <mc:Choice Requires="a14">
           <p:sp>
             <p:nvSpPr>
               <p:cNvPr id="3" name="文本框 2"/>
@@ -12627,6 +13554,7 @@
               </a:bodyPr>
               <a:lstStyle/>
               <a:p>
+                <a:pPr/>
                 <a14:m>
                   <m:oMathPara xmlns:m="http://schemas.openxmlformats.org/officeDocument/2006/math">
                     <m:oMathParaPr>
@@ -13074,7 +14002,7 @@
             </p:txBody>
           </p:sp>
         </mc:Choice>
-        <mc:Fallback>
+        <mc:Fallback xmlns="">
           <p:sp>
             <p:nvSpPr>
               <p:cNvPr id="3" name="文本框 2"/>
@@ -13113,8 +14041,8 @@
           </p:sp>
         </mc:Fallback>
       </mc:AlternateContent>
-      <mc:AlternateContent xmlns:mc="http://schemas.openxmlformats.org/markup-compatibility/2006">
-        <mc:Choice xmlns:a14="http://schemas.microsoft.com/office/drawing/2010/main" Requires="a14">
+      <mc:AlternateContent xmlns:mc="http://schemas.openxmlformats.org/markup-compatibility/2006" xmlns:a14="http://schemas.microsoft.com/office/drawing/2010/main">
+        <mc:Choice Requires="a14">
           <p:sp>
             <p:nvSpPr>
               <p:cNvPr id="4" name="文本框 3"/>
@@ -13137,6 +14065,7 @@
               </a:bodyPr>
               <a:lstStyle/>
               <a:p>
+                <a:pPr/>
                 <a14:m>
                   <m:oMathPara xmlns:m="http://schemas.openxmlformats.org/officeDocument/2006/math">
                     <m:oMathParaPr>
@@ -13849,7 +14778,7 @@
             </p:txBody>
           </p:sp>
         </mc:Choice>
-        <mc:Fallback>
+        <mc:Fallback xmlns="">
           <p:sp>
             <p:nvSpPr>
               <p:cNvPr id="4" name="文本框 3"/>
@@ -13888,8 +14817,8 @@
           </p:sp>
         </mc:Fallback>
       </mc:AlternateContent>
-      <mc:AlternateContent xmlns:mc="http://schemas.openxmlformats.org/markup-compatibility/2006">
-        <mc:Choice xmlns:a14="http://schemas.microsoft.com/office/drawing/2010/main" Requires="a14">
+      <mc:AlternateContent xmlns:mc="http://schemas.openxmlformats.org/markup-compatibility/2006" xmlns:a14="http://schemas.microsoft.com/office/drawing/2010/main">
+        <mc:Choice Requires="a14">
           <p:sp>
             <p:nvSpPr>
               <p:cNvPr id="5" name="矩形 4"/>
@@ -13911,6 +14840,7 @@
               </a:bodyPr>
               <a:lstStyle/>
               <a:p>
+                <a:pPr/>
                 <a14:m>
                   <m:oMathPara xmlns:m="http://schemas.openxmlformats.org/officeDocument/2006/math">
                     <m:oMathParaPr>
@@ -14236,7 +15166,7 @@
             </p:txBody>
           </p:sp>
         </mc:Choice>
-        <mc:Fallback>
+        <mc:Fallback xmlns="">
           <p:sp>
             <p:nvSpPr>
               <p:cNvPr id="5" name="矩形 4"/>
@@ -14275,8 +15205,8 @@
           </p:sp>
         </mc:Fallback>
       </mc:AlternateContent>
-      <mc:AlternateContent xmlns:mc="http://schemas.openxmlformats.org/markup-compatibility/2006">
-        <mc:Choice xmlns:a14="http://schemas.microsoft.com/office/drawing/2010/main" Requires="a14">
+      <mc:AlternateContent xmlns:mc="http://schemas.openxmlformats.org/markup-compatibility/2006" xmlns:a14="http://schemas.microsoft.com/office/drawing/2010/main">
+        <mc:Choice Requires="a14">
           <p:sp>
             <p:nvSpPr>
               <p:cNvPr id="6" name="矩形 5"/>
@@ -14298,6 +15228,7 @@
               </a:bodyPr>
               <a:lstStyle/>
               <a:p>
+                <a:pPr/>
                 <a14:m>
                   <m:oMathPara xmlns:m="http://schemas.openxmlformats.org/officeDocument/2006/math">
                     <m:oMathParaPr>
@@ -14612,7 +15543,7 @@
             </p:txBody>
           </p:sp>
         </mc:Choice>
-        <mc:Fallback>
+        <mc:Fallback xmlns="">
           <p:sp>
             <p:nvSpPr>
               <p:cNvPr id="6" name="矩形 5"/>

--- a/doc/语言模型.pptx
+++ b/doc/语言模型.pptx
@@ -11,7 +11,8 @@
     <p:sldId id="259" r:id="rId5"/>
     <p:sldId id="260" r:id="rId6"/>
     <p:sldId id="262" r:id="rId7"/>
-    <p:sldId id="261" r:id="rId8"/>
+    <p:sldId id="263" r:id="rId8"/>
+    <p:sldId id="261" r:id="rId9"/>
   </p:sldIdLst>
   <p:sldSz cx="12192000" cy="6858000"/>
   <p:notesSz cx="6858000" cy="9144000"/>
@@ -249,7 +250,7 @@
           <a:p>
             <a:fld id="{DD953B38-0306-154E-8DDE-FF6339271E85}" type="datetimeFigureOut">
               <a:rPr kumimoji="1" lang="zh-CN" altLang="en-US" smtClean="0"/>
-              <a:t>2019/12/22</a:t>
+              <a:t>2019/12/27</a:t>
             </a:fld>
             <a:endParaRPr kumimoji="1" lang="zh-CN" altLang="en-US"/>
           </a:p>
@@ -419,7 +420,7 @@
           <a:p>
             <a:fld id="{DD953B38-0306-154E-8DDE-FF6339271E85}" type="datetimeFigureOut">
               <a:rPr kumimoji="1" lang="zh-CN" altLang="en-US" smtClean="0"/>
-              <a:t>2019/12/22</a:t>
+              <a:t>2019/12/27</a:t>
             </a:fld>
             <a:endParaRPr kumimoji="1" lang="zh-CN" altLang="en-US"/>
           </a:p>
@@ -599,7 +600,7 @@
           <a:p>
             <a:fld id="{DD953B38-0306-154E-8DDE-FF6339271E85}" type="datetimeFigureOut">
               <a:rPr kumimoji="1" lang="zh-CN" altLang="en-US" smtClean="0"/>
-              <a:t>2019/12/22</a:t>
+              <a:t>2019/12/27</a:t>
             </a:fld>
             <a:endParaRPr kumimoji="1" lang="zh-CN" altLang="en-US"/>
           </a:p>
@@ -769,7 +770,7 @@
           <a:p>
             <a:fld id="{DD953B38-0306-154E-8DDE-FF6339271E85}" type="datetimeFigureOut">
               <a:rPr kumimoji="1" lang="zh-CN" altLang="en-US" smtClean="0"/>
-              <a:t>2019/12/22</a:t>
+              <a:t>2019/12/27</a:t>
             </a:fld>
             <a:endParaRPr kumimoji="1" lang="zh-CN" altLang="en-US"/>
           </a:p>
@@ -1015,7 +1016,7 @@
           <a:p>
             <a:fld id="{DD953B38-0306-154E-8DDE-FF6339271E85}" type="datetimeFigureOut">
               <a:rPr kumimoji="1" lang="zh-CN" altLang="en-US" smtClean="0"/>
-              <a:t>2019/12/22</a:t>
+              <a:t>2019/12/27</a:t>
             </a:fld>
             <a:endParaRPr kumimoji="1" lang="zh-CN" altLang="en-US"/>
           </a:p>
@@ -1247,7 +1248,7 @@
           <a:p>
             <a:fld id="{DD953B38-0306-154E-8DDE-FF6339271E85}" type="datetimeFigureOut">
               <a:rPr kumimoji="1" lang="zh-CN" altLang="en-US" smtClean="0"/>
-              <a:t>2019/12/22</a:t>
+              <a:t>2019/12/27</a:t>
             </a:fld>
             <a:endParaRPr kumimoji="1" lang="zh-CN" altLang="en-US"/>
           </a:p>
@@ -1614,7 +1615,7 @@
           <a:p>
             <a:fld id="{DD953B38-0306-154E-8DDE-FF6339271E85}" type="datetimeFigureOut">
               <a:rPr kumimoji="1" lang="zh-CN" altLang="en-US" smtClean="0"/>
-              <a:t>2019/12/22</a:t>
+              <a:t>2019/12/27</a:t>
             </a:fld>
             <a:endParaRPr kumimoji="1" lang="zh-CN" altLang="en-US"/>
           </a:p>
@@ -1732,7 +1733,7 @@
           <a:p>
             <a:fld id="{DD953B38-0306-154E-8DDE-FF6339271E85}" type="datetimeFigureOut">
               <a:rPr kumimoji="1" lang="zh-CN" altLang="en-US" smtClean="0"/>
-              <a:t>2019/12/22</a:t>
+              <a:t>2019/12/27</a:t>
             </a:fld>
             <a:endParaRPr kumimoji="1" lang="zh-CN" altLang="en-US"/>
           </a:p>
@@ -1827,7 +1828,7 @@
           <a:p>
             <a:fld id="{DD953B38-0306-154E-8DDE-FF6339271E85}" type="datetimeFigureOut">
               <a:rPr kumimoji="1" lang="zh-CN" altLang="en-US" smtClean="0"/>
-              <a:t>2019/12/22</a:t>
+              <a:t>2019/12/27</a:t>
             </a:fld>
             <a:endParaRPr kumimoji="1" lang="zh-CN" altLang="en-US"/>
           </a:p>
@@ -2104,7 +2105,7 @@
           <a:p>
             <a:fld id="{DD953B38-0306-154E-8DDE-FF6339271E85}" type="datetimeFigureOut">
               <a:rPr kumimoji="1" lang="zh-CN" altLang="en-US" smtClean="0"/>
-              <a:t>2019/12/22</a:t>
+              <a:t>2019/12/27</a:t>
             </a:fld>
             <a:endParaRPr kumimoji="1" lang="zh-CN" altLang="en-US"/>
           </a:p>
@@ -2357,7 +2358,7 @@
           <a:p>
             <a:fld id="{DD953B38-0306-154E-8DDE-FF6339271E85}" type="datetimeFigureOut">
               <a:rPr kumimoji="1" lang="zh-CN" altLang="en-US" smtClean="0"/>
-              <a:t>2019/12/22</a:t>
+              <a:t>2019/12/27</a:t>
             </a:fld>
             <a:endParaRPr kumimoji="1" lang="zh-CN" altLang="en-US"/>
           </a:p>
@@ -2570,7 +2571,7 @@
           <a:p>
             <a:fld id="{DD953B38-0306-154E-8DDE-FF6339271E85}" type="datetimeFigureOut">
               <a:rPr kumimoji="1" lang="zh-CN" altLang="en-US" smtClean="0"/>
-              <a:t>2019/12/22</a:t>
+              <a:t>2019/12/27</a:t>
             </a:fld>
             <a:endParaRPr kumimoji="1" lang="zh-CN" altLang="en-US"/>
           </a:p>
@@ -12608,8 +12609,8 @@
           </a:p>
         </p:txBody>
       </p:sp>
-      <mc:AlternateContent xmlns:mc="http://schemas.openxmlformats.org/markup-compatibility/2006">
-        <mc:Choice xmlns:a14="http://schemas.microsoft.com/office/drawing/2010/main" Requires="a14">
+      <mc:AlternateContent xmlns:mc="http://schemas.openxmlformats.org/markup-compatibility/2006" xmlns:a14="http://schemas.microsoft.com/office/drawing/2010/main">
+        <mc:Choice Requires="a14">
           <p:sp>
             <p:nvSpPr>
               <p:cNvPr id="3" name="文本框 2"/>
@@ -12632,6 +12633,7 @@
               </a:bodyPr>
               <a:lstStyle/>
               <a:p>
+                <a:pPr/>
                 <a14:m>
                   <m:oMathPara xmlns:m="http://schemas.openxmlformats.org/officeDocument/2006/math">
                     <m:oMathParaPr>
@@ -12825,7 +12827,7 @@
             </p:txBody>
           </p:sp>
         </mc:Choice>
-        <mc:Fallback>
+        <mc:Fallback xmlns="">
           <p:sp>
             <p:nvSpPr>
               <p:cNvPr id="3" name="文本框 2"/>
@@ -12894,8 +12896,8 @@
           </a:p>
         </p:txBody>
       </p:sp>
-      <mc:AlternateContent xmlns:mc="http://schemas.openxmlformats.org/markup-compatibility/2006">
-        <mc:Choice xmlns:a14="http://schemas.microsoft.com/office/drawing/2010/main" Requires="a14">
+      <mc:AlternateContent xmlns:mc="http://schemas.openxmlformats.org/markup-compatibility/2006" xmlns:a14="http://schemas.microsoft.com/office/drawing/2010/main">
+        <mc:Choice Requires="a14">
           <p:sp>
             <p:nvSpPr>
               <p:cNvPr id="7" name="文本框 6"/>
@@ -12918,6 +12920,7 @@
               </a:bodyPr>
               <a:lstStyle/>
               <a:p>
+                <a:pPr/>
                 <a14:m>
                   <m:oMathPara xmlns:m="http://schemas.openxmlformats.org/officeDocument/2006/math">
                     <m:oMathParaPr>
@@ -12957,7 +12960,7 @@
             </p:txBody>
           </p:sp>
         </mc:Choice>
-        <mc:Fallback>
+        <mc:Fallback xmlns="">
           <p:sp>
             <p:nvSpPr>
               <p:cNvPr id="7" name="文本框 6"/>
@@ -12996,8 +12999,8 @@
           </p:sp>
         </mc:Fallback>
       </mc:AlternateContent>
-      <mc:AlternateContent xmlns:mc="http://schemas.openxmlformats.org/markup-compatibility/2006">
-        <mc:Choice xmlns:a14="http://schemas.microsoft.com/office/drawing/2010/main" Requires="a14">
+      <mc:AlternateContent xmlns:mc="http://schemas.openxmlformats.org/markup-compatibility/2006" xmlns:a14="http://schemas.microsoft.com/office/drawing/2010/main">
+        <mc:Choice Requires="a14">
           <p:sp>
             <p:nvSpPr>
               <p:cNvPr id="8" name="文本框 7"/>
@@ -13043,7 +13046,7 @@
             </p:txBody>
           </p:sp>
         </mc:Choice>
-        <mc:Fallback>
+        <mc:Fallback xmlns="">
           <p:sp>
             <p:nvSpPr>
               <p:cNvPr id="8" name="文本框 7"/>
@@ -13082,8 +13085,8 @@
           </p:sp>
         </mc:Fallback>
       </mc:AlternateContent>
-      <mc:AlternateContent xmlns:mc="http://schemas.openxmlformats.org/markup-compatibility/2006">
-        <mc:Choice xmlns:a14="http://schemas.microsoft.com/office/drawing/2010/main" Requires="a14">
+      <mc:AlternateContent xmlns:mc="http://schemas.openxmlformats.org/markup-compatibility/2006" xmlns:a14="http://schemas.microsoft.com/office/drawing/2010/main">
+        <mc:Choice Requires="a14">
           <p:sp>
             <p:nvSpPr>
               <p:cNvPr id="9" name="文本框 8"/>
@@ -13106,6 +13109,7 @@
               </a:bodyPr>
               <a:lstStyle/>
               <a:p>
+                <a:pPr/>
                 <a14:m>
                   <m:oMathPara xmlns:m="http://schemas.openxmlformats.org/officeDocument/2006/math">
                     <m:oMathParaPr>
@@ -13232,7 +13236,7 @@
             </p:txBody>
           </p:sp>
         </mc:Choice>
-        <mc:Fallback>
+        <mc:Fallback xmlns="">
           <p:sp>
             <p:nvSpPr>
               <p:cNvPr id="9" name="文本框 8"/>
@@ -13301,8 +13305,8 @@
           </a:p>
         </p:txBody>
       </p:sp>
-      <mc:AlternateContent xmlns:mc="http://schemas.openxmlformats.org/markup-compatibility/2006">
-        <mc:Choice xmlns:a14="http://schemas.microsoft.com/office/drawing/2010/main" Requires="a14">
+      <mc:AlternateContent xmlns:mc="http://schemas.openxmlformats.org/markup-compatibility/2006" xmlns:a14="http://schemas.microsoft.com/office/drawing/2010/main">
+        <mc:Choice Requires="a14">
           <p:sp>
             <p:nvSpPr>
               <p:cNvPr id="11" name="文本框 10"/>
@@ -13325,6 +13329,7 @@
               </a:bodyPr>
               <a:lstStyle/>
               <a:p>
+                <a:pPr/>
                 <a14:m>
                   <m:oMathPara xmlns:m="http://schemas.openxmlformats.org/officeDocument/2006/math">
                     <m:oMathParaPr>
@@ -13430,7 +13435,7 @@
             </p:txBody>
           </p:sp>
         </mc:Choice>
-        <mc:Fallback>
+        <mc:Fallback xmlns="">
           <p:sp>
             <p:nvSpPr>
               <p:cNvPr id="11" name="文本框 10"/>
@@ -13483,6 +13488,666 @@
 </file>
 
 <file path=ppt/slides/slide7.xml><?xml version="1.0" encoding="utf-8"?>
+<p:sld xmlns:a="http://schemas.openxmlformats.org/drawingml/2006/main" xmlns:r="http://schemas.openxmlformats.org/officeDocument/2006/relationships" xmlns:p="http://schemas.openxmlformats.org/presentationml/2006/main">
+  <p:cSld>
+    <p:spTree>
+      <p:nvGrpSpPr>
+        <p:cNvPr id="1" name=""/>
+        <p:cNvGrpSpPr/>
+        <p:nvPr/>
+      </p:nvGrpSpPr>
+      <p:grpSpPr>
+        <a:xfrm>
+          <a:off x="0" y="0"/>
+          <a:ext cx="0" cy="0"/>
+          <a:chOff x="0" y="0"/>
+          <a:chExt cx="0" cy="0"/>
+        </a:xfrm>
+      </p:grpSpPr>
+      <p:sp>
+        <p:nvSpPr>
+          <p:cNvPr id="2" name="标题 1"/>
+          <p:cNvSpPr>
+            <a:spLocks noGrp="1"/>
+          </p:cNvSpPr>
+          <p:nvPr>
+            <p:ph type="title"/>
+          </p:nvPr>
+        </p:nvSpPr>
+        <p:spPr/>
+        <p:txBody>
+          <a:bodyPr/>
+          <a:lstStyle/>
+          <a:p>
+            <a:r>
+              <a:rPr kumimoji="1" lang="en-US" altLang="zh-CN" dirty="0" smtClean="0"/>
+              <a:t>n-gram</a:t>
+            </a:r>
+            <a:r>
+              <a:rPr kumimoji="1" lang="zh-CN" altLang="en-US" dirty="0" smtClean="0"/>
+              <a:t>平滑</a:t>
+            </a:r>
+            <a:r>
+              <a:rPr kumimoji="1" lang="en-US" altLang="zh-CN" dirty="0" smtClean="0"/>
+              <a:t>-</a:t>
+            </a:r>
+            <a:r>
+              <a:rPr kumimoji="1" lang="zh-CN" altLang="en-US" dirty="0" smtClean="0"/>
+              <a:t>加法平滑</a:t>
+            </a:r>
+            <a:endParaRPr kumimoji="1" lang="zh-CN" altLang="en-US" dirty="0"/>
+          </a:p>
+        </p:txBody>
+      </p:sp>
+      <mc:AlternateContent xmlns:mc="http://schemas.openxmlformats.org/markup-compatibility/2006">
+        <mc:Choice xmlns:a14="http://schemas.microsoft.com/office/drawing/2010/main" Requires="a14">
+          <p:sp>
+            <p:nvSpPr>
+              <p:cNvPr id="3" name="文本框 2"/>
+              <p:cNvSpPr txBox="1"/>
+              <p:nvPr/>
+            </p:nvSpPr>
+            <p:spPr>
+              <a:xfrm>
+                <a:off x="838200" y="2089298"/>
+                <a:ext cx="4127092" cy="679160"/>
+              </a:xfrm>
+              <a:prstGeom prst="rect">
+                <a:avLst/>
+              </a:prstGeom>
+              <a:noFill/>
+            </p:spPr>
+            <p:txBody>
+              <a:bodyPr wrap="none" lIns="0" tIns="0" rIns="0" bIns="0" rtlCol="0">
+                <a:spAutoFit/>
+              </a:bodyPr>
+              <a:lstStyle/>
+              <a:p>
+                <a14:m>
+                  <m:oMathPara xmlns:m="http://schemas.openxmlformats.org/officeDocument/2006/math">
+                    <m:oMathParaPr>
+                      <m:jc m:val="centerGroup"/>
+                    </m:oMathParaPr>
+                    <m:oMath xmlns:m="http://schemas.openxmlformats.org/officeDocument/2006/math">
+                      <m:sSub>
+                        <m:sSubPr>
+                          <m:ctrlPr>
+                            <a:rPr kumimoji="1" lang="en-US" altLang="zh-CN" i="1" smtClean="0">
+                              <a:latin typeface="Cambria Math" charset="0"/>
+                            </a:rPr>
+                          </m:ctrlPr>
+                        </m:sSubPr>
+                        <m:e>
+                          <m:r>
+                            <a:rPr kumimoji="1" lang="en-US" altLang="zh-CN" b="0" i="1" smtClean="0">
+                              <a:latin typeface="Cambria Math" charset="0"/>
+                            </a:rPr>
+                            <m:t>𝑝</m:t>
+                          </m:r>
+                        </m:e>
+                        <m:sub>
+                          <m:r>
+                            <a:rPr kumimoji="1" lang="en-US" altLang="zh-CN" b="0" i="1" smtClean="0">
+                              <a:latin typeface="Cambria Math" charset="0"/>
+                            </a:rPr>
+                            <m:t>𝑎𝑑𝑑</m:t>
+                          </m:r>
+                        </m:sub>
+                      </m:sSub>
+                      <m:d>
+                        <m:dPr>
+                          <m:ctrlPr>
+                            <a:rPr kumimoji="1" lang="en-US" altLang="zh-CN" b="0" i="1" smtClean="0">
+                              <a:latin typeface="Cambria Math" charset="0"/>
+                            </a:rPr>
+                          </m:ctrlPr>
+                        </m:dPr>
+                        <m:e>
+                          <m:sSub>
+                            <m:sSubPr>
+                              <m:ctrlPr>
+                                <a:rPr kumimoji="1" lang="en-US" altLang="zh-CN" b="0" i="1" smtClean="0">
+                                  <a:latin typeface="Cambria Math" charset="0"/>
+                                </a:rPr>
+                              </m:ctrlPr>
+                            </m:sSubPr>
+                            <m:e>
+                              <m:r>
+                                <a:rPr kumimoji="1" lang="en-US" altLang="zh-CN" b="0" i="1" smtClean="0">
+                                  <a:latin typeface="Cambria Math" charset="0"/>
+                                </a:rPr>
+                                <m:t>𝑤</m:t>
+                              </m:r>
+                            </m:e>
+                            <m:sub>
+                              <m:r>
+                                <a:rPr kumimoji="1" lang="en-US" altLang="zh-CN" b="0" i="1" smtClean="0">
+                                  <a:latin typeface="Cambria Math" charset="0"/>
+                                </a:rPr>
+                                <m:t>𝑖</m:t>
+                              </m:r>
+                            </m:sub>
+                          </m:sSub>
+                        </m:e>
+                        <m:e>
+                          <m:sSubSup>
+                            <m:sSubSupPr>
+                              <m:ctrlPr>
+                                <a:rPr kumimoji="1" lang="en-US" altLang="zh-CN" b="0" i="1" smtClean="0">
+                                  <a:latin typeface="Cambria Math" charset="0"/>
+                                </a:rPr>
+                              </m:ctrlPr>
+                            </m:sSubSupPr>
+                            <m:e>
+                              <m:r>
+                                <a:rPr kumimoji="1" lang="en-US" altLang="zh-CN" b="0" i="1" smtClean="0">
+                                  <a:latin typeface="Cambria Math" charset="0"/>
+                                </a:rPr>
+                                <m:t>𝑤</m:t>
+                              </m:r>
+                            </m:e>
+                            <m:sub>
+                              <m:r>
+                                <a:rPr kumimoji="1" lang="en-US" altLang="zh-CN" b="0" i="1" smtClean="0">
+                                  <a:latin typeface="Cambria Math" charset="0"/>
+                                </a:rPr>
+                                <m:t>𝑖</m:t>
+                              </m:r>
+                              <m:r>
+                                <a:rPr kumimoji="1" lang="en-US" altLang="zh-CN" b="0" i="1" smtClean="0">
+                                  <a:latin typeface="Cambria Math" charset="0"/>
+                                </a:rPr>
+                                <m:t>−</m:t>
+                              </m:r>
+                              <m:r>
+                                <a:rPr kumimoji="1" lang="en-US" altLang="zh-CN" b="0" i="1" smtClean="0">
+                                  <a:latin typeface="Cambria Math" charset="0"/>
+                                </a:rPr>
+                                <m:t>𝑛</m:t>
+                              </m:r>
+                              <m:r>
+                                <a:rPr kumimoji="1" lang="en-US" altLang="zh-CN" b="0" i="1" smtClean="0">
+                                  <a:latin typeface="Cambria Math" charset="0"/>
+                                </a:rPr>
+                                <m:t>+1</m:t>
+                              </m:r>
+                            </m:sub>
+                            <m:sup>
+                              <m:r>
+                                <a:rPr kumimoji="1" lang="en-US" altLang="zh-CN" b="0" i="1" smtClean="0">
+                                  <a:latin typeface="Cambria Math" charset="0"/>
+                                </a:rPr>
+                                <m:t>𝑖</m:t>
+                              </m:r>
+                              <m:r>
+                                <a:rPr kumimoji="1" lang="en-US" altLang="zh-CN" b="0" i="1" smtClean="0">
+                                  <a:latin typeface="Cambria Math" charset="0"/>
+                                </a:rPr>
+                                <m:t>−1</m:t>
+                              </m:r>
+                            </m:sup>
+                          </m:sSubSup>
+                        </m:e>
+                      </m:d>
+                      <m:r>
+                        <a:rPr kumimoji="1" lang="en-US" altLang="zh-CN" b="0" i="1" smtClean="0">
+                          <a:latin typeface="Cambria Math" charset="0"/>
+                        </a:rPr>
+                        <m:t>=</m:t>
+                      </m:r>
+                      <m:f>
+                        <m:fPr>
+                          <m:ctrlPr>
+                            <a:rPr kumimoji="1" lang="mr-IN" altLang="zh-CN" b="0" i="1" smtClean="0">
+                              <a:latin typeface="Cambria Math" charset="0"/>
+                            </a:rPr>
+                          </m:ctrlPr>
+                        </m:fPr>
+                        <m:num>
+                          <m:r>
+                            <a:rPr kumimoji="1" lang="mr-IN" altLang="zh-CN" b="0" i="1" smtClean="0">
+                              <a:latin typeface="Cambria Math" charset="0"/>
+                              <a:ea typeface="Cambria Math" charset="0"/>
+                              <a:cs typeface="Cambria Math" charset="0"/>
+                            </a:rPr>
+                            <m:t>𝛿</m:t>
+                          </m:r>
+                          <m:r>
+                            <a:rPr kumimoji="1" lang="en-US" altLang="zh-CN" b="0" i="1" smtClean="0">
+                              <a:latin typeface="Cambria Math" charset="0"/>
+                              <a:ea typeface="Cambria Math" charset="0"/>
+                              <a:cs typeface="Cambria Math" charset="0"/>
+                            </a:rPr>
+                            <m:t>+</m:t>
+                          </m:r>
+                          <m:r>
+                            <a:rPr kumimoji="1" lang="en-US" altLang="zh-CN" b="0" i="1" smtClean="0">
+                              <a:latin typeface="Cambria Math" charset="0"/>
+                              <a:ea typeface="Cambria Math" charset="0"/>
+                              <a:cs typeface="Cambria Math" charset="0"/>
+                            </a:rPr>
+                            <m:t>𝑐</m:t>
+                          </m:r>
+                          <m:r>
+                            <a:rPr kumimoji="1" lang="en-US" altLang="zh-CN" b="0" i="1" smtClean="0">
+                              <a:latin typeface="Cambria Math" charset="0"/>
+                              <a:ea typeface="Cambria Math" charset="0"/>
+                              <a:cs typeface="Cambria Math" charset="0"/>
+                            </a:rPr>
+                            <m:t>(</m:t>
+                          </m:r>
+                          <m:sSubSup>
+                            <m:sSubSupPr>
+                              <m:ctrlPr>
+                                <a:rPr kumimoji="1" lang="en-US" altLang="zh-CN" i="1">
+                                  <a:latin typeface="Cambria Math" charset="0"/>
+                                </a:rPr>
+                              </m:ctrlPr>
+                            </m:sSubSupPr>
+                            <m:e>
+                              <m:r>
+                                <a:rPr kumimoji="1" lang="en-US" altLang="zh-CN" i="1">
+                                  <a:latin typeface="Cambria Math" charset="0"/>
+                                </a:rPr>
+                                <m:t>𝑤</m:t>
+                              </m:r>
+                            </m:e>
+                            <m:sub>
+                              <m:r>
+                                <a:rPr kumimoji="1" lang="en-US" altLang="zh-CN" i="1">
+                                  <a:latin typeface="Cambria Math" charset="0"/>
+                                </a:rPr>
+                                <m:t>𝑖</m:t>
+                              </m:r>
+                              <m:r>
+                                <a:rPr kumimoji="1" lang="en-US" altLang="zh-CN" i="1">
+                                  <a:latin typeface="Cambria Math" charset="0"/>
+                                </a:rPr>
+                                <m:t>−</m:t>
+                              </m:r>
+                              <m:r>
+                                <a:rPr kumimoji="1" lang="en-US" altLang="zh-CN" i="1">
+                                  <a:latin typeface="Cambria Math" charset="0"/>
+                                </a:rPr>
+                                <m:t>𝑛</m:t>
+                              </m:r>
+                              <m:r>
+                                <a:rPr kumimoji="1" lang="en-US" altLang="zh-CN" i="1">
+                                  <a:latin typeface="Cambria Math" charset="0"/>
+                                </a:rPr>
+                                <m:t>+1</m:t>
+                              </m:r>
+                            </m:sub>
+                            <m:sup>
+                              <m:r>
+                                <a:rPr kumimoji="1" lang="en-US" altLang="zh-CN" i="1">
+                                  <a:latin typeface="Cambria Math" charset="0"/>
+                                </a:rPr>
+                                <m:t>𝑖</m:t>
+                              </m:r>
+                            </m:sup>
+                          </m:sSubSup>
+                          <m:r>
+                            <a:rPr kumimoji="1" lang="en-US" altLang="zh-CN" b="0" i="1" smtClean="0">
+                              <a:latin typeface="Cambria Math" charset="0"/>
+                            </a:rPr>
+                            <m:t>)</m:t>
+                          </m:r>
+                        </m:num>
+                        <m:den>
+                          <m:r>
+                            <a:rPr kumimoji="1" lang="mr-IN" altLang="zh-CN" i="1">
+                              <a:latin typeface="Cambria Math" charset="0"/>
+                              <a:ea typeface="Cambria Math" charset="0"/>
+                              <a:cs typeface="Cambria Math" charset="0"/>
+                            </a:rPr>
+                            <m:t>𝛿</m:t>
+                          </m:r>
+                          <m:d>
+                            <m:dPr>
+                              <m:begChr m:val="|"/>
+                              <m:endChr m:val="|"/>
+                              <m:ctrlPr>
+                                <a:rPr kumimoji="1" lang="en-US" altLang="zh-CN" b="0" i="1" smtClean="0">
+                                  <a:latin typeface="Cambria Math" charset="0"/>
+                                  <a:ea typeface="Cambria Math" charset="0"/>
+                                  <a:cs typeface="Cambria Math" charset="0"/>
+                                </a:rPr>
+                              </m:ctrlPr>
+                            </m:dPr>
+                            <m:e>
+                              <m:r>
+                                <a:rPr kumimoji="1" lang="en-US" altLang="zh-CN" b="0" i="1" smtClean="0">
+                                  <a:latin typeface="Cambria Math" charset="0"/>
+                                  <a:ea typeface="Cambria Math" charset="0"/>
+                                  <a:cs typeface="Cambria Math" charset="0"/>
+                                </a:rPr>
+                                <m:t>𝑉</m:t>
+                              </m:r>
+                            </m:e>
+                          </m:d>
+                          <m:r>
+                            <a:rPr kumimoji="1" lang="en-US" altLang="zh-CN" b="0" i="1" smtClean="0">
+                              <a:latin typeface="Cambria Math" charset="0"/>
+                              <a:ea typeface="Cambria Math" charset="0"/>
+                              <a:cs typeface="Cambria Math" charset="0"/>
+                            </a:rPr>
+                            <m:t>+</m:t>
+                          </m:r>
+                          <m:nary>
+                            <m:naryPr>
+                              <m:chr m:val="∑"/>
+                              <m:supHide m:val="on"/>
+                              <m:ctrlPr>
+                                <a:rPr kumimoji="1" lang="en-US" altLang="zh-CN" b="0" i="1" smtClean="0">
+                                  <a:latin typeface="Cambria Math" charset="0"/>
+                                  <a:ea typeface="Cambria Math" charset="0"/>
+                                  <a:cs typeface="Cambria Math" charset="0"/>
+                                </a:rPr>
+                              </m:ctrlPr>
+                            </m:naryPr>
+                            <m:sub>
+                              <m:sSub>
+                                <m:sSubPr>
+                                  <m:ctrlPr>
+                                    <a:rPr kumimoji="1" lang="en-US" altLang="zh-CN" b="0" i="1" smtClean="0">
+                                      <a:latin typeface="Cambria Math" charset="0"/>
+                                      <a:ea typeface="Cambria Math" charset="0"/>
+                                      <a:cs typeface="Cambria Math" charset="0"/>
+                                    </a:rPr>
+                                  </m:ctrlPr>
+                                </m:sSubPr>
+                                <m:e>
+                                  <m:r>
+                                    <a:rPr kumimoji="1" lang="en-US" altLang="zh-CN" b="0" i="1" smtClean="0">
+                                      <a:latin typeface="Cambria Math" charset="0"/>
+                                      <a:ea typeface="Cambria Math" charset="0"/>
+                                      <a:cs typeface="Cambria Math" charset="0"/>
+                                    </a:rPr>
+                                    <m:t>𝑤</m:t>
+                                  </m:r>
+                                </m:e>
+                                <m:sub>
+                                  <m:r>
+                                    <a:rPr kumimoji="1" lang="en-US" altLang="zh-CN" b="0" i="1" smtClean="0">
+                                      <a:latin typeface="Cambria Math" charset="0"/>
+                                      <a:ea typeface="Cambria Math" charset="0"/>
+                                      <a:cs typeface="Cambria Math" charset="0"/>
+                                    </a:rPr>
+                                    <m:t>𝑖</m:t>
+                                  </m:r>
+                                </m:sub>
+                              </m:sSub>
+                            </m:sub>
+                            <m:sup/>
+                            <m:e>
+                              <m:r>
+                                <a:rPr kumimoji="1" lang="en-US" altLang="zh-CN" b="0" i="1" smtClean="0">
+                                  <a:latin typeface="Cambria Math" charset="0"/>
+                                  <a:ea typeface="Cambria Math" charset="0"/>
+                                  <a:cs typeface="Cambria Math" charset="0"/>
+                                </a:rPr>
+                                <m:t>𝑐</m:t>
+                              </m:r>
+                              <m:r>
+                                <a:rPr kumimoji="1" lang="en-US" altLang="zh-CN" b="0" i="1" smtClean="0">
+                                  <a:latin typeface="Cambria Math" charset="0"/>
+                                  <a:ea typeface="Cambria Math" charset="0"/>
+                                  <a:cs typeface="Cambria Math" charset="0"/>
+                                </a:rPr>
+                                <m:t>(</m:t>
+                              </m:r>
+                              <m:sSubSup>
+                                <m:sSubSupPr>
+                                  <m:ctrlPr>
+                                    <a:rPr kumimoji="1" lang="en-US" altLang="zh-CN" i="1">
+                                      <a:latin typeface="Cambria Math" charset="0"/>
+                                    </a:rPr>
+                                  </m:ctrlPr>
+                                </m:sSubSupPr>
+                                <m:e>
+                                  <m:r>
+                                    <a:rPr kumimoji="1" lang="en-US" altLang="zh-CN" i="1">
+                                      <a:latin typeface="Cambria Math" charset="0"/>
+                                    </a:rPr>
+                                    <m:t>𝑤</m:t>
+                                  </m:r>
+                                </m:e>
+                                <m:sub>
+                                  <m:r>
+                                    <a:rPr kumimoji="1" lang="en-US" altLang="zh-CN" i="1">
+                                      <a:latin typeface="Cambria Math" charset="0"/>
+                                    </a:rPr>
+                                    <m:t>𝑖</m:t>
+                                  </m:r>
+                                  <m:r>
+                                    <a:rPr kumimoji="1" lang="en-US" altLang="zh-CN" i="1">
+                                      <a:latin typeface="Cambria Math" charset="0"/>
+                                    </a:rPr>
+                                    <m:t>−</m:t>
+                                  </m:r>
+                                  <m:r>
+                                    <a:rPr kumimoji="1" lang="en-US" altLang="zh-CN" i="1">
+                                      <a:latin typeface="Cambria Math" charset="0"/>
+                                    </a:rPr>
+                                    <m:t>𝑛</m:t>
+                                  </m:r>
+                                  <m:r>
+                                    <a:rPr kumimoji="1" lang="en-US" altLang="zh-CN" i="1">
+                                      <a:latin typeface="Cambria Math" charset="0"/>
+                                    </a:rPr>
+                                    <m:t>+1</m:t>
+                                  </m:r>
+                                </m:sub>
+                                <m:sup>
+                                  <m:r>
+                                    <a:rPr kumimoji="1" lang="en-US" altLang="zh-CN" i="1">
+                                      <a:latin typeface="Cambria Math" charset="0"/>
+                                    </a:rPr>
+                                    <m:t>𝑖</m:t>
+                                  </m:r>
+                                </m:sup>
+                              </m:sSubSup>
+                              <m:r>
+                                <a:rPr kumimoji="1" lang="en-US" altLang="zh-CN" b="0" i="1" smtClean="0">
+                                  <a:latin typeface="Cambria Math" charset="0"/>
+                                </a:rPr>
+                                <m:t>)</m:t>
+                              </m:r>
+                            </m:e>
+                          </m:nary>
+                        </m:den>
+                      </m:f>
+                    </m:oMath>
+                  </m:oMathPara>
+                </a14:m>
+                <a:endParaRPr kumimoji="1" lang="zh-CN" altLang="en-US" dirty="0"/>
+              </a:p>
+            </p:txBody>
+          </p:sp>
+        </mc:Choice>
+        <mc:Fallback>
+          <p:sp>
+            <p:nvSpPr>
+              <p:cNvPr id="3" name="文本框 2"/>
+              <p:cNvSpPr txBox="1">
+                <a:spLocks noRot="1" noChangeAspect="1" noMove="1" noResize="1" noEditPoints="1" noAdjustHandles="1" noChangeArrowheads="1" noChangeShapeType="1" noTextEdit="1"/>
+              </p:cNvSpPr>
+              <p:nvPr/>
+            </p:nvSpPr>
+            <p:spPr>
+              <a:xfrm>
+                <a:off x="838200" y="2089298"/>
+                <a:ext cx="4127092" cy="679160"/>
+              </a:xfrm>
+              <a:prstGeom prst="rect">
+                <a:avLst/>
+              </a:prstGeom>
+              <a:blipFill rotWithShape="0">
+                <a:blip r:embed="rId2"/>
+                <a:stretch>
+                  <a:fillRect/>
+                </a:stretch>
+              </a:blipFill>
+            </p:spPr>
+            <p:txBody>
+              <a:bodyPr/>
+              <a:lstStyle/>
+              <a:p>
+                <a:r>
+                  <a:rPr lang="zh-CN" altLang="en-US">
+                    <a:noFill/>
+                  </a:rPr>
+                  <a:t> </a:t>
+                </a:r>
+              </a:p>
+            </p:txBody>
+          </p:sp>
+        </mc:Fallback>
+      </mc:AlternateContent>
+      <mc:AlternateContent xmlns:mc="http://schemas.openxmlformats.org/markup-compatibility/2006">
+        <mc:Choice xmlns:a14="http://schemas.microsoft.com/office/drawing/2010/main" Requires="a14">
+          <p:sp>
+            <p:nvSpPr>
+              <p:cNvPr id="4" name="矩形 3"/>
+              <p:cNvSpPr/>
+              <p:nvPr/>
+            </p:nvSpPr>
+            <p:spPr>
+              <a:xfrm>
+                <a:off x="838200" y="3167068"/>
+                <a:ext cx="544828" cy="369332"/>
+              </a:xfrm>
+              <a:prstGeom prst="rect">
+                <a:avLst/>
+              </a:prstGeom>
+            </p:spPr>
+            <p:txBody>
+              <a:bodyPr wrap="none">
+                <a:spAutoFit/>
+              </a:bodyPr>
+              <a:lstStyle/>
+              <a:p>
+                <a14:m>
+                  <m:oMathPara xmlns:m="http://schemas.openxmlformats.org/officeDocument/2006/math">
+                    <m:oMathParaPr>
+                      <m:jc m:val="centerGroup"/>
+                    </m:oMathParaPr>
+                    <m:oMath xmlns:m="http://schemas.openxmlformats.org/officeDocument/2006/math">
+                      <m:d>
+                        <m:dPr>
+                          <m:begChr m:val="|"/>
+                          <m:endChr m:val="|"/>
+                          <m:ctrlPr>
+                            <a:rPr kumimoji="1" lang="en-US" altLang="zh-CN" i="1">
+                              <a:latin typeface="Cambria Math" charset="0"/>
+                              <a:ea typeface="Cambria Math" charset="0"/>
+                              <a:cs typeface="Cambria Math" charset="0"/>
+                            </a:rPr>
+                          </m:ctrlPr>
+                        </m:dPr>
+                        <m:e>
+                          <m:r>
+                            <a:rPr kumimoji="1" lang="en-US" altLang="zh-CN" i="1">
+                              <a:latin typeface="Cambria Math" charset="0"/>
+                              <a:ea typeface="Cambria Math" charset="0"/>
+                              <a:cs typeface="Cambria Math" charset="0"/>
+                            </a:rPr>
+                            <m:t>𝑉</m:t>
+                          </m:r>
+                        </m:e>
+                      </m:d>
+                    </m:oMath>
+                  </m:oMathPara>
+                </a14:m>
+                <a:endParaRPr lang="zh-CN" altLang="en-US" dirty="0"/>
+              </a:p>
+            </p:txBody>
+          </p:sp>
+        </mc:Choice>
+        <mc:Fallback>
+          <p:sp>
+            <p:nvSpPr>
+              <p:cNvPr id="4" name="矩形 3"/>
+              <p:cNvSpPr>
+                <a:spLocks noRot="1" noChangeAspect="1" noMove="1" noResize="1" noEditPoints="1" noAdjustHandles="1" noChangeArrowheads="1" noChangeShapeType="1" noTextEdit="1"/>
+              </p:cNvSpPr>
+              <p:nvPr/>
+            </p:nvSpPr>
+            <p:spPr>
+              <a:xfrm>
+                <a:off x="838200" y="3167068"/>
+                <a:ext cx="544828" cy="369332"/>
+              </a:xfrm>
+              <a:prstGeom prst="rect">
+                <a:avLst/>
+              </a:prstGeom>
+              <a:blipFill rotWithShape="0">
+                <a:blip r:embed="rId3"/>
+                <a:stretch>
+                  <a:fillRect/>
+                </a:stretch>
+              </a:blipFill>
+            </p:spPr>
+            <p:txBody>
+              <a:bodyPr/>
+              <a:lstStyle/>
+              <a:p>
+                <a:r>
+                  <a:rPr lang="zh-CN" altLang="en-US">
+                    <a:noFill/>
+                  </a:rPr>
+                  <a:t> </a:t>
+                </a:r>
+              </a:p>
+            </p:txBody>
+          </p:sp>
+        </mc:Fallback>
+      </mc:AlternateContent>
+      <p:sp>
+        <p:nvSpPr>
+          <p:cNvPr id="5" name="文本框 4"/>
+          <p:cNvSpPr txBox="1"/>
+          <p:nvPr/>
+        </p:nvSpPr>
+        <p:spPr>
+          <a:xfrm>
+            <a:off x="1383028" y="3167068"/>
+            <a:ext cx="1338828" cy="369332"/>
+          </a:xfrm>
+          <a:prstGeom prst="rect">
+            <a:avLst/>
+          </a:prstGeom>
+          <a:noFill/>
+        </p:spPr>
+        <p:txBody>
+          <a:bodyPr wrap="none" rtlCol="0">
+            <a:spAutoFit/>
+          </a:bodyPr>
+          <a:lstStyle/>
+          <a:p>
+            <a:r>
+              <a:rPr kumimoji="1" lang="zh-CN" altLang="en-US" smtClean="0"/>
+              <a:t>词汇表长度</a:t>
+            </a:r>
+            <a:endParaRPr kumimoji="1" lang="zh-CN" altLang="en-US"/>
+          </a:p>
+        </p:txBody>
+      </p:sp>
+    </p:spTree>
+    <p:extLst>
+      <p:ext uri="{BB962C8B-B14F-4D97-AF65-F5344CB8AC3E}">
+        <p14:creationId xmlns:p14="http://schemas.microsoft.com/office/powerpoint/2010/main" val="1019200234"/>
+      </p:ext>
+    </p:extLst>
+  </p:cSld>
+  <p:clrMapOvr>
+    <a:masterClrMapping/>
+  </p:clrMapOvr>
+</p:sld>
+</file>
+
+<file path=ppt/slides/slide8.xml><?xml version="1.0" encoding="utf-8"?>
 <p:sld xmlns:a="http://schemas.openxmlformats.org/drawingml/2006/main" xmlns:r="http://schemas.openxmlformats.org/officeDocument/2006/relationships" xmlns:p="http://schemas.openxmlformats.org/presentationml/2006/main">
   <p:cSld>
     <p:spTree>
